--- a/lectures/lecture05.pptx
+++ b/lectures/lecture05.pptx
@@ -10,6 +10,7 @@
     <p:sldId id="259" r:id="rId4"/>
     <p:sldId id="260" r:id="rId5"/>
     <p:sldId id="261" r:id="rId6"/>
+    <p:sldId id="262" r:id="rId7"/>
   </p:sldIdLst>
   <p:sldSz cx="12192000" cy="6858000"/>
   <p:notesSz cx="6858000" cy="9144000"/>
@@ -7643,6 +7644,1362 @@
 </p:sld>
 </file>
 
+<file path=ppt/slides/slide6.xml><?xml version="1.0" encoding="utf-8"?>
+<p:sld xmlns:a="http://schemas.openxmlformats.org/drawingml/2006/main" xmlns:r="http://schemas.openxmlformats.org/officeDocument/2006/relationships" xmlns:p="http://schemas.openxmlformats.org/presentationml/2006/main">
+  <p:cSld>
+    <p:bg>
+      <p:bgPr>
+        <a:solidFill>
+          <a:srgbClr val="181720"/>
+        </a:solidFill>
+        <a:effectLst/>
+      </p:bgPr>
+    </p:bg>
+    <p:spTree>
+      <p:nvGrpSpPr>
+        <p:cNvPr id="1" name=""/>
+        <p:cNvGrpSpPr/>
+        <p:nvPr/>
+      </p:nvGrpSpPr>
+      <p:grpSpPr>
+        <a:xfrm>
+          <a:off x="0" y="0"/>
+          <a:ext cx="0" cy="0"/>
+          <a:chOff x="0" y="0"/>
+          <a:chExt cx="0" cy="0"/>
+        </a:xfrm>
+      </p:grpSpPr>
+      <p:sp>
+        <p:nvSpPr>
+          <p:cNvPr id="10" name="矩形 9">
+            <a:extLst>
+              <a:ext uri="{FF2B5EF4-FFF2-40B4-BE49-F238E27FC236}">
+                <a16:creationId xmlns:a16="http://schemas.microsoft.com/office/drawing/2014/main" id="{A5818015-5ED7-4981-A271-668BCB6BF0B0}"/>
+              </a:ext>
+            </a:extLst>
+          </p:cNvPr>
+          <p:cNvSpPr/>
+          <p:nvPr/>
+        </p:nvSpPr>
+        <p:spPr>
+          <a:xfrm>
+            <a:off x="0" y="0"/>
+            <a:ext cx="2441359" cy="6858000"/>
+          </a:xfrm>
+          <a:prstGeom prst="rect">
+            <a:avLst/>
+          </a:prstGeom>
+          <a:solidFill>
+            <a:srgbClr val="0E0C13"/>
+          </a:solidFill>
+          <a:ln>
+            <a:noFill/>
+          </a:ln>
+        </p:spPr>
+        <p:style>
+          <a:lnRef idx="2">
+            <a:schemeClr val="accent1">
+              <a:shade val="50000"/>
+            </a:schemeClr>
+          </a:lnRef>
+          <a:fillRef idx="1">
+            <a:schemeClr val="accent1"/>
+          </a:fillRef>
+          <a:effectRef idx="0">
+            <a:schemeClr val="accent1"/>
+          </a:effectRef>
+          <a:fontRef idx="minor">
+            <a:schemeClr val="lt1"/>
+          </a:fontRef>
+        </p:style>
+        <p:txBody>
+          <a:bodyPr rtlCol="0" anchor="ctr"/>
+          <a:lstStyle/>
+          <a:p>
+            <a:pPr marL="0" marR="0" lvl="0" indent="0" algn="ctr" defTabSz="914400" rtl="0" eaLnBrk="1" fontAlgn="auto" latinLnBrk="0" hangingPunct="1">
+              <a:lnSpc>
+                <a:spcPct val="100000"/>
+              </a:lnSpc>
+              <a:spcBef>
+                <a:spcPts val="0"/>
+              </a:spcBef>
+              <a:spcAft>
+                <a:spcPts val="0"/>
+              </a:spcAft>
+              <a:buClrTx/>
+              <a:buSzTx/>
+              <a:buFontTx/>
+              <a:buNone/>
+              <a:tabLst/>
+              <a:defRPr/>
+            </a:pPr>
+            <a:endParaRPr kumimoji="0" lang="en-US" sz="1800" b="0" i="0" u="none" strike="noStrike" kern="1200" cap="none" spc="0" normalizeH="0" baseline="0" noProof="0" dirty="0">
+              <a:ln>
+                <a:noFill/>
+              </a:ln>
+              <a:solidFill>
+                <a:prstClr val="white"/>
+              </a:solidFill>
+              <a:effectLst/>
+              <a:uLnTx/>
+              <a:uFillTx/>
+              <a:latin typeface="Calibri" panose="020F0502020204030204"/>
+              <a:ea typeface="+mn-ea"/>
+              <a:cs typeface="+mn-cs"/>
+            </a:endParaRPr>
+          </a:p>
+        </p:txBody>
+      </p:sp>
+      <p:sp>
+        <p:nvSpPr>
+          <p:cNvPr id="11" name="文本框 10">
+            <a:extLst>
+              <a:ext uri="{FF2B5EF4-FFF2-40B4-BE49-F238E27FC236}">
+                <a16:creationId xmlns:a16="http://schemas.microsoft.com/office/drawing/2014/main" id="{67E1321D-BD42-455D-A6E9-7D926506191E}"/>
+              </a:ext>
+            </a:extLst>
+          </p:cNvPr>
+          <p:cNvSpPr txBox="1"/>
+          <p:nvPr/>
+        </p:nvSpPr>
+        <p:spPr>
+          <a:xfrm>
+            <a:off x="345731" y="1580251"/>
+            <a:ext cx="963725" cy="1015663"/>
+          </a:xfrm>
+          <a:prstGeom prst="rect">
+            <a:avLst/>
+          </a:prstGeom>
+          <a:noFill/>
+        </p:spPr>
+        <p:txBody>
+          <a:bodyPr wrap="none" rtlCol="0">
+            <a:spAutoFit/>
+          </a:bodyPr>
+          <a:lstStyle/>
+          <a:p>
+            <a:pPr marL="0" marR="0" lvl="0" indent="0" algn="l" defTabSz="914400" rtl="0" eaLnBrk="1" fontAlgn="auto" latinLnBrk="0" hangingPunct="1">
+              <a:lnSpc>
+                <a:spcPct val="100000"/>
+              </a:lnSpc>
+              <a:spcBef>
+                <a:spcPts val="0"/>
+              </a:spcBef>
+              <a:spcAft>
+                <a:spcPts val="0"/>
+              </a:spcAft>
+              <a:buClrTx/>
+              <a:buSzTx/>
+              <a:buFontTx/>
+              <a:buNone/>
+              <a:tabLst/>
+              <a:defRPr/>
+            </a:pPr>
+            <a:r>
+              <a:rPr kumimoji="0" lang="en-US" sz="6000" b="0" i="0" u="none" strike="noStrike" kern="1200" cap="none" spc="0" normalizeH="0" baseline="0" noProof="0" dirty="0">
+                <a:ln>
+                  <a:noFill/>
+                </a:ln>
+                <a:solidFill>
+                  <a:srgbClr val="24F9CB"/>
+                </a:solidFill>
+                <a:effectLst/>
+                <a:uLnTx/>
+                <a:uFillTx/>
+                <a:latin typeface="Calibri" panose="020F0502020204030204"/>
+                <a:ea typeface="+mn-ea"/>
+                <a:cs typeface="+mn-cs"/>
+              </a:rPr>
+              <a:t>00</a:t>
+            </a:r>
+          </a:p>
+        </p:txBody>
+      </p:sp>
+      <p:sp>
+        <p:nvSpPr>
+          <p:cNvPr id="12" name="文本框 11">
+            <a:extLst>
+              <a:ext uri="{FF2B5EF4-FFF2-40B4-BE49-F238E27FC236}">
+                <a16:creationId xmlns:a16="http://schemas.microsoft.com/office/drawing/2014/main" id="{548CB999-F3EE-4A2C-AFA2-381782F1CCA1}"/>
+              </a:ext>
+            </a:extLst>
+          </p:cNvPr>
+          <p:cNvSpPr txBox="1"/>
+          <p:nvPr/>
+        </p:nvSpPr>
+        <p:spPr>
+          <a:xfrm>
+            <a:off x="345731" y="2595914"/>
+            <a:ext cx="1776032" cy="830997"/>
+          </a:xfrm>
+          <a:prstGeom prst="rect">
+            <a:avLst/>
+          </a:prstGeom>
+          <a:noFill/>
+        </p:spPr>
+        <p:txBody>
+          <a:bodyPr wrap="square" rtlCol="0">
+            <a:spAutoFit/>
+          </a:bodyPr>
+          <a:lstStyle/>
+          <a:p>
+            <a:pPr marL="0" marR="0" lvl="0" indent="0" algn="l" defTabSz="914400" rtl="0" eaLnBrk="1" fontAlgn="auto" latinLnBrk="0" hangingPunct="1">
+              <a:lnSpc>
+                <a:spcPct val="100000"/>
+              </a:lnSpc>
+              <a:spcBef>
+                <a:spcPts val="0"/>
+              </a:spcBef>
+              <a:spcAft>
+                <a:spcPts val="0"/>
+              </a:spcAft>
+              <a:buClrTx/>
+              <a:buSzTx/>
+              <a:buFontTx/>
+              <a:buNone/>
+              <a:tabLst/>
+              <a:defRPr/>
+            </a:pPr>
+            <a:r>
+              <a:rPr kumimoji="0" lang="en-US" altLang="zh-CN" sz="2400" b="0" i="0" u="none" strike="noStrike" kern="1200" cap="none" spc="0" normalizeH="0" baseline="0" noProof="0" dirty="0">
+                <a:ln>
+                  <a:noFill/>
+                </a:ln>
+                <a:solidFill>
+                  <a:prstClr val="white"/>
+                </a:solidFill>
+                <a:effectLst/>
+                <a:uLnTx/>
+                <a:uFillTx/>
+                <a:latin typeface="Calibri" panose="020F0502020204030204"/>
+                <a:ea typeface="等线" panose="02010600030101010101" pitchFamily="2" charset="-122"/>
+                <a:cs typeface="+mn-cs"/>
+              </a:rPr>
+              <a:t>Wrap the Component</a:t>
+            </a:r>
+          </a:p>
+        </p:txBody>
+      </p:sp>
+      <p:pic>
+        <p:nvPicPr>
+          <p:cNvPr id="8" name="图形 7">
+            <a:extLst>
+              <a:ext uri="{FF2B5EF4-FFF2-40B4-BE49-F238E27FC236}">
+                <a16:creationId xmlns:a16="http://schemas.microsoft.com/office/drawing/2014/main" id="{AFA1FBE0-585E-4A7A-8D54-08D1C4C22B49}"/>
+              </a:ext>
+            </a:extLst>
+          </p:cNvPr>
+          <p:cNvPicPr>
+            <a:picLocks noChangeAspect="1"/>
+          </p:cNvPicPr>
+          <p:nvPr/>
+        </p:nvPicPr>
+        <p:blipFill>
+          <a:blip r:embed="rId2">
+            <a:extLst>
+              <a:ext uri="{96DAC541-7B7A-43D3-8B79-37D633B846F1}">
+                <asvg:svgBlip xmlns:asvg="http://schemas.microsoft.com/office/drawing/2016/SVG/main" r:embed="rId3"/>
+              </a:ext>
+            </a:extLst>
+          </a:blip>
+          <a:stretch>
+            <a:fillRect/>
+          </a:stretch>
+        </p:blipFill>
+        <p:spPr>
+          <a:xfrm>
+            <a:off x="214225" y="6493296"/>
+            <a:ext cx="1514139" cy="182880"/>
+          </a:xfrm>
+          <a:prstGeom prst="rect">
+            <a:avLst/>
+          </a:prstGeom>
+        </p:spPr>
+      </p:pic>
+      <p:sp>
+        <p:nvSpPr>
+          <p:cNvPr id="3" name="矩形 2">
+            <a:extLst>
+              <a:ext uri="{FF2B5EF4-FFF2-40B4-BE49-F238E27FC236}">
+                <a16:creationId xmlns:a16="http://schemas.microsoft.com/office/drawing/2014/main" id="{9A2B4BB1-B96B-4B7F-A48A-E3F0952D78F9}"/>
+              </a:ext>
+            </a:extLst>
+          </p:cNvPr>
+          <p:cNvSpPr/>
+          <p:nvPr/>
+        </p:nvSpPr>
+        <p:spPr>
+          <a:xfrm>
+            <a:off x="2787090" y="1474057"/>
+            <a:ext cx="6841724" cy="1815882"/>
+          </a:xfrm>
+          <a:prstGeom prst="rect">
+            <a:avLst/>
+          </a:prstGeom>
+        </p:spPr>
+        <p:txBody>
+          <a:bodyPr wrap="square">
+            <a:spAutoFit/>
+          </a:bodyPr>
+          <a:lstStyle/>
+          <a:p>
+            <a:r>
+              <a:rPr lang="en-US" sz="1600" dirty="0">
+                <a:solidFill>
+                  <a:srgbClr val="569CD6"/>
+                </a:solidFill>
+                <a:latin typeface="Consolas" panose="020B0609020204030204" pitchFamily="49" charset="0"/>
+              </a:rPr>
+              <a:t>const</a:t>
+            </a:r>
+            <a:r>
+              <a:rPr lang="en-US" sz="1600" dirty="0">
+                <a:solidFill>
+                  <a:srgbClr val="D4D4D4"/>
+                </a:solidFill>
+                <a:latin typeface="Consolas" panose="020B0609020204030204" pitchFamily="49" charset="0"/>
+              </a:rPr>
+              <a:t> </a:t>
+            </a:r>
+            <a:r>
+              <a:rPr lang="en-US" sz="1600" dirty="0" err="1">
+                <a:solidFill>
+                  <a:srgbClr val="DCDCAA"/>
+                </a:solidFill>
+                <a:latin typeface="Consolas" panose="020B0609020204030204" pitchFamily="49" charset="0"/>
+              </a:rPr>
+              <a:t>mapState</a:t>
+            </a:r>
+            <a:r>
+              <a:rPr lang="en-US" sz="1600" dirty="0">
+                <a:solidFill>
+                  <a:srgbClr val="D4D4D4"/>
+                </a:solidFill>
+                <a:latin typeface="Consolas" panose="020B0609020204030204" pitchFamily="49" charset="0"/>
+              </a:rPr>
+              <a:t> = </a:t>
+            </a:r>
+            <a:r>
+              <a:rPr lang="en-US" sz="1600" dirty="0">
+                <a:solidFill>
+                  <a:srgbClr val="9CDCFE"/>
+                </a:solidFill>
+                <a:latin typeface="Consolas" panose="020B0609020204030204" pitchFamily="49" charset="0"/>
+              </a:rPr>
+              <a:t>state</a:t>
+            </a:r>
+            <a:r>
+              <a:rPr lang="en-US" sz="1600" dirty="0">
+                <a:solidFill>
+                  <a:srgbClr val="D4D4D4"/>
+                </a:solidFill>
+                <a:latin typeface="Consolas" panose="020B0609020204030204" pitchFamily="49" charset="0"/>
+              </a:rPr>
+              <a:t> </a:t>
+            </a:r>
+            <a:r>
+              <a:rPr lang="en-US" sz="1600" dirty="0">
+                <a:solidFill>
+                  <a:srgbClr val="569CD6"/>
+                </a:solidFill>
+                <a:latin typeface="Consolas" panose="020B0609020204030204" pitchFamily="49" charset="0"/>
+              </a:rPr>
+              <a:t>=&gt;</a:t>
+            </a:r>
+            <a:r>
+              <a:rPr lang="en-US" sz="1600" dirty="0">
+                <a:solidFill>
+                  <a:srgbClr val="D4D4D4"/>
+                </a:solidFill>
+                <a:latin typeface="Consolas" panose="020B0609020204030204" pitchFamily="49" charset="0"/>
+              </a:rPr>
+              <a:t> ({</a:t>
+            </a:r>
+          </a:p>
+          <a:p>
+            <a:r>
+              <a:rPr lang="en-US" sz="1600" dirty="0">
+                <a:solidFill>
+                  <a:srgbClr val="9CDCFE"/>
+                </a:solidFill>
+                <a:latin typeface="Consolas" panose="020B0609020204030204" pitchFamily="49" charset="0"/>
+              </a:rPr>
+              <a:t>  questions:</a:t>
+            </a:r>
+            <a:r>
+              <a:rPr lang="en-US" sz="1600" dirty="0">
+                <a:solidFill>
+                  <a:srgbClr val="D4D4D4"/>
+                </a:solidFill>
+                <a:latin typeface="Consolas" panose="020B0609020204030204" pitchFamily="49" charset="0"/>
+              </a:rPr>
+              <a:t> </a:t>
+            </a:r>
+            <a:r>
+              <a:rPr lang="en-US" sz="1600" err="1">
+                <a:solidFill>
+                  <a:srgbClr val="9CDCFE"/>
+                </a:solidFill>
+                <a:latin typeface="Consolas" panose="020B0609020204030204" pitchFamily="49" charset="0"/>
+              </a:rPr>
+              <a:t>state</a:t>
+            </a:r>
+            <a:r>
+              <a:rPr lang="en-US" sz="1600">
+                <a:solidFill>
+                  <a:srgbClr val="D4D4D4"/>
+                </a:solidFill>
+                <a:latin typeface="Consolas" panose="020B0609020204030204" pitchFamily="49" charset="0"/>
+              </a:rPr>
+              <a:t>.</a:t>
+            </a:r>
+            <a:r>
+              <a:rPr lang="en-US" sz="1600">
+                <a:solidFill>
+                  <a:srgbClr val="9CDCFE"/>
+                </a:solidFill>
+                <a:latin typeface="Consolas" panose="020B0609020204030204" pitchFamily="49" charset="0"/>
+              </a:rPr>
+              <a:t>questions</a:t>
+            </a:r>
+            <a:r>
+              <a:rPr lang="en-US" sz="1600">
+                <a:solidFill>
+                  <a:srgbClr val="D4D4D4"/>
+                </a:solidFill>
+                <a:latin typeface="Consolas" panose="020B0609020204030204" pitchFamily="49" charset="0"/>
+              </a:rPr>
+              <a:t>,</a:t>
+            </a:r>
+            <a:endParaRPr lang="en-US" sz="1600" dirty="0">
+              <a:solidFill>
+                <a:srgbClr val="D4D4D4"/>
+              </a:solidFill>
+              <a:latin typeface="Consolas" panose="020B0609020204030204" pitchFamily="49" charset="0"/>
+            </a:endParaRPr>
+          </a:p>
+          <a:p>
+            <a:r>
+              <a:rPr lang="en-US" sz="1600" dirty="0">
+                <a:solidFill>
+                  <a:srgbClr val="D4D4D4"/>
+                </a:solidFill>
+                <a:latin typeface="Consolas" panose="020B0609020204030204" pitchFamily="49" charset="0"/>
+              </a:rPr>
+              <a:t>});</a:t>
+            </a:r>
+          </a:p>
+          <a:p>
+            <a:r>
+              <a:rPr lang="en-US" sz="1600" dirty="0">
+                <a:solidFill>
+                  <a:srgbClr val="569CD6"/>
+                </a:solidFill>
+                <a:latin typeface="Consolas" panose="020B0609020204030204" pitchFamily="49" charset="0"/>
+              </a:rPr>
+              <a:t>const</a:t>
+            </a:r>
+            <a:r>
+              <a:rPr lang="en-US" sz="1600" dirty="0">
+                <a:solidFill>
+                  <a:srgbClr val="D4D4D4"/>
+                </a:solidFill>
+                <a:latin typeface="Consolas" panose="020B0609020204030204" pitchFamily="49" charset="0"/>
+              </a:rPr>
+              <a:t> </a:t>
+            </a:r>
+            <a:r>
+              <a:rPr lang="en-US" sz="1600" dirty="0" err="1">
+                <a:solidFill>
+                  <a:srgbClr val="DCDCAA"/>
+                </a:solidFill>
+                <a:latin typeface="Consolas" panose="020B0609020204030204" pitchFamily="49" charset="0"/>
+              </a:rPr>
+              <a:t>mapDispatch</a:t>
+            </a:r>
+            <a:r>
+              <a:rPr lang="en-US" sz="1600" dirty="0">
+                <a:solidFill>
+                  <a:srgbClr val="D4D4D4"/>
+                </a:solidFill>
+                <a:latin typeface="Consolas" panose="020B0609020204030204" pitchFamily="49" charset="0"/>
+              </a:rPr>
+              <a:t> = ({ </a:t>
+            </a:r>
+            <a:r>
+              <a:rPr lang="en-US" sz="1600" dirty="0">
+                <a:solidFill>
+                  <a:srgbClr val="9CDCFE"/>
+                </a:solidFill>
+                <a:latin typeface="Consolas" panose="020B0609020204030204" pitchFamily="49" charset="0"/>
+              </a:rPr>
+              <a:t>users</a:t>
+            </a:r>
+            <a:r>
+              <a:rPr lang="en-US" sz="1600" dirty="0">
+                <a:solidFill>
+                  <a:srgbClr val="D4D4D4"/>
+                </a:solidFill>
+                <a:latin typeface="Consolas" panose="020B0609020204030204" pitchFamily="49" charset="0"/>
+              </a:rPr>
+              <a:t>: { </a:t>
+            </a:r>
+            <a:r>
+              <a:rPr lang="en-US" sz="1600" dirty="0">
+                <a:solidFill>
+                  <a:srgbClr val="9CDCFE"/>
+                </a:solidFill>
+                <a:latin typeface="Consolas" panose="020B0609020204030204" pitchFamily="49" charset="0"/>
+              </a:rPr>
+              <a:t>create</a:t>
+            </a:r>
+            <a:r>
+              <a:rPr lang="en-US" sz="1600" dirty="0">
+                <a:solidFill>
+                  <a:srgbClr val="D4D4D4"/>
+                </a:solidFill>
+                <a:latin typeface="Consolas" panose="020B0609020204030204" pitchFamily="49" charset="0"/>
+              </a:rPr>
+              <a:t> } }) </a:t>
+            </a:r>
+            <a:r>
+              <a:rPr lang="en-US" sz="1600" dirty="0">
+                <a:solidFill>
+                  <a:srgbClr val="569CD6"/>
+                </a:solidFill>
+                <a:latin typeface="Consolas" panose="020B0609020204030204" pitchFamily="49" charset="0"/>
+              </a:rPr>
+              <a:t>=&gt;</a:t>
+            </a:r>
+            <a:r>
+              <a:rPr lang="en-US" sz="1600" dirty="0">
+                <a:solidFill>
+                  <a:srgbClr val="D4D4D4"/>
+                </a:solidFill>
+                <a:latin typeface="Consolas" panose="020B0609020204030204" pitchFamily="49" charset="0"/>
+              </a:rPr>
+              <a:t> ({</a:t>
+            </a:r>
+          </a:p>
+          <a:p>
+            <a:r>
+              <a:rPr lang="en-US" sz="1600" dirty="0">
+                <a:solidFill>
+                  <a:srgbClr val="DCDCAA"/>
+                </a:solidFill>
+                <a:latin typeface="Consolas" panose="020B0609020204030204" pitchFamily="49" charset="0"/>
+              </a:rPr>
+              <a:t>  submit</a:t>
+            </a:r>
+            <a:r>
+              <a:rPr lang="en-US" sz="1600" dirty="0">
+                <a:solidFill>
+                  <a:srgbClr val="9CDCFE"/>
+                </a:solidFill>
+                <a:latin typeface="Consolas" panose="020B0609020204030204" pitchFamily="49" charset="0"/>
+              </a:rPr>
+              <a:t>:</a:t>
+            </a:r>
+            <a:r>
+              <a:rPr lang="en-US" sz="1600" dirty="0">
+                <a:solidFill>
+                  <a:srgbClr val="D4D4D4"/>
+                </a:solidFill>
+                <a:latin typeface="Consolas" panose="020B0609020204030204" pitchFamily="49" charset="0"/>
+              </a:rPr>
+              <a:t> (</a:t>
+            </a:r>
+            <a:r>
+              <a:rPr lang="en-US" sz="1600" dirty="0">
+                <a:solidFill>
+                  <a:srgbClr val="9CDCFE"/>
+                </a:solidFill>
+                <a:latin typeface="Consolas" panose="020B0609020204030204" pitchFamily="49" charset="0"/>
+              </a:rPr>
+              <a:t>title</a:t>
+            </a:r>
+            <a:r>
+              <a:rPr lang="en-US" sz="1600" dirty="0">
+                <a:solidFill>
+                  <a:srgbClr val="D4D4D4"/>
+                </a:solidFill>
+                <a:latin typeface="Consolas" panose="020B0609020204030204" pitchFamily="49" charset="0"/>
+              </a:rPr>
+              <a:t>, </a:t>
+            </a:r>
+            <a:r>
+              <a:rPr lang="en-US" sz="1600" dirty="0">
+                <a:solidFill>
+                  <a:srgbClr val="9CDCFE"/>
+                </a:solidFill>
+                <a:latin typeface="Consolas" panose="020B0609020204030204" pitchFamily="49" charset="0"/>
+              </a:rPr>
+              <a:t>content</a:t>
+            </a:r>
+            <a:r>
+              <a:rPr lang="en-US" sz="1600" dirty="0">
+                <a:solidFill>
+                  <a:srgbClr val="D4D4D4"/>
+                </a:solidFill>
+                <a:latin typeface="Consolas" panose="020B0609020204030204" pitchFamily="49" charset="0"/>
+              </a:rPr>
+              <a:t>) </a:t>
+            </a:r>
+            <a:r>
+              <a:rPr lang="en-US" sz="1600" dirty="0">
+                <a:solidFill>
+                  <a:srgbClr val="569CD6"/>
+                </a:solidFill>
+                <a:latin typeface="Consolas" panose="020B0609020204030204" pitchFamily="49" charset="0"/>
+              </a:rPr>
+              <a:t>=&gt;</a:t>
+            </a:r>
+            <a:r>
+              <a:rPr lang="en-US" sz="1600" dirty="0">
+                <a:solidFill>
+                  <a:srgbClr val="D4D4D4"/>
+                </a:solidFill>
+                <a:latin typeface="Consolas" panose="020B0609020204030204" pitchFamily="49" charset="0"/>
+              </a:rPr>
+              <a:t> </a:t>
+            </a:r>
+            <a:r>
+              <a:rPr lang="en-US" sz="1600" dirty="0">
+                <a:solidFill>
+                  <a:srgbClr val="DCDCAA"/>
+                </a:solidFill>
+                <a:latin typeface="Consolas" panose="020B0609020204030204" pitchFamily="49" charset="0"/>
+              </a:rPr>
+              <a:t>create</a:t>
+            </a:r>
+            <a:r>
+              <a:rPr lang="en-US" sz="1600" dirty="0">
+                <a:solidFill>
+                  <a:srgbClr val="D4D4D4"/>
+                </a:solidFill>
+                <a:latin typeface="Consolas" panose="020B0609020204030204" pitchFamily="49" charset="0"/>
+              </a:rPr>
+              <a:t>({ </a:t>
+            </a:r>
+            <a:r>
+              <a:rPr lang="en-US" sz="1600" dirty="0">
+                <a:solidFill>
+                  <a:srgbClr val="9CDCFE"/>
+                </a:solidFill>
+                <a:latin typeface="Consolas" panose="020B0609020204030204" pitchFamily="49" charset="0"/>
+              </a:rPr>
+              <a:t>title</a:t>
+            </a:r>
+            <a:r>
+              <a:rPr lang="en-US" sz="1600" dirty="0">
+                <a:solidFill>
+                  <a:srgbClr val="D4D4D4"/>
+                </a:solidFill>
+                <a:latin typeface="Consolas" panose="020B0609020204030204" pitchFamily="49" charset="0"/>
+              </a:rPr>
+              <a:t>, </a:t>
+            </a:r>
+            <a:r>
+              <a:rPr lang="en-US" sz="1600" dirty="0">
+                <a:solidFill>
+                  <a:srgbClr val="9CDCFE"/>
+                </a:solidFill>
+                <a:latin typeface="Consolas" panose="020B0609020204030204" pitchFamily="49" charset="0"/>
+              </a:rPr>
+              <a:t>content</a:t>
+            </a:r>
+            <a:r>
+              <a:rPr lang="en-US" sz="1600" dirty="0">
+                <a:solidFill>
+                  <a:srgbClr val="D4D4D4"/>
+                </a:solidFill>
+                <a:latin typeface="Consolas" panose="020B0609020204030204" pitchFamily="49" charset="0"/>
+              </a:rPr>
+              <a:t> }),</a:t>
+            </a:r>
+          </a:p>
+          <a:p>
+            <a:r>
+              <a:rPr lang="en-US" sz="1600" dirty="0">
+                <a:solidFill>
+                  <a:srgbClr val="D4D4D4"/>
+                </a:solidFill>
+                <a:latin typeface="Consolas" panose="020B0609020204030204" pitchFamily="49" charset="0"/>
+              </a:rPr>
+              <a:t>});</a:t>
+            </a:r>
+          </a:p>
+          <a:p>
+            <a:r>
+              <a:rPr lang="en-US" sz="1600" dirty="0">
+                <a:solidFill>
+                  <a:srgbClr val="C586C0"/>
+                </a:solidFill>
+                <a:latin typeface="Consolas" panose="020B0609020204030204" pitchFamily="49" charset="0"/>
+              </a:rPr>
+              <a:t>export</a:t>
+            </a:r>
+            <a:r>
+              <a:rPr lang="en-US" sz="1600" dirty="0">
+                <a:solidFill>
+                  <a:srgbClr val="D4D4D4"/>
+                </a:solidFill>
+                <a:latin typeface="Consolas" panose="020B0609020204030204" pitchFamily="49" charset="0"/>
+              </a:rPr>
+              <a:t> </a:t>
+            </a:r>
+            <a:r>
+              <a:rPr lang="en-US" sz="1600" dirty="0">
+                <a:solidFill>
+                  <a:srgbClr val="C586C0"/>
+                </a:solidFill>
+                <a:latin typeface="Consolas" panose="020B0609020204030204" pitchFamily="49" charset="0"/>
+              </a:rPr>
+              <a:t>default</a:t>
+            </a:r>
+            <a:r>
+              <a:rPr lang="en-US" sz="1600" dirty="0">
+                <a:solidFill>
+                  <a:srgbClr val="D4D4D4"/>
+                </a:solidFill>
+                <a:latin typeface="Consolas" panose="020B0609020204030204" pitchFamily="49" charset="0"/>
+              </a:rPr>
+              <a:t> </a:t>
+            </a:r>
+            <a:r>
+              <a:rPr lang="en-US" sz="1600" dirty="0">
+                <a:solidFill>
+                  <a:srgbClr val="DCDCAA"/>
+                </a:solidFill>
+                <a:latin typeface="Consolas" panose="020B0609020204030204" pitchFamily="49" charset="0"/>
+              </a:rPr>
+              <a:t>connect</a:t>
+            </a:r>
+            <a:r>
+              <a:rPr lang="en-US" sz="1600" dirty="0">
+                <a:solidFill>
+                  <a:srgbClr val="D4D4D4"/>
+                </a:solidFill>
+                <a:latin typeface="Consolas" panose="020B0609020204030204" pitchFamily="49" charset="0"/>
+              </a:rPr>
+              <a:t>(</a:t>
+            </a:r>
+            <a:r>
+              <a:rPr lang="en-US" sz="1600" dirty="0" err="1">
+                <a:solidFill>
+                  <a:srgbClr val="9CDCFE"/>
+                </a:solidFill>
+                <a:latin typeface="Consolas" panose="020B0609020204030204" pitchFamily="49" charset="0"/>
+              </a:rPr>
+              <a:t>mapState</a:t>
+            </a:r>
+            <a:r>
+              <a:rPr lang="en-US" sz="1600" dirty="0">
+                <a:solidFill>
+                  <a:srgbClr val="D4D4D4"/>
+                </a:solidFill>
+                <a:latin typeface="Consolas" panose="020B0609020204030204" pitchFamily="49" charset="0"/>
+              </a:rPr>
+              <a:t>, </a:t>
+            </a:r>
+            <a:r>
+              <a:rPr lang="en-US" sz="1600" dirty="0" err="1">
+                <a:solidFill>
+                  <a:srgbClr val="9CDCFE"/>
+                </a:solidFill>
+                <a:latin typeface="Consolas" panose="020B0609020204030204" pitchFamily="49" charset="0"/>
+              </a:rPr>
+              <a:t>mapDispatch</a:t>
+            </a:r>
+            <a:r>
+              <a:rPr lang="en-US" sz="1600" dirty="0">
+                <a:solidFill>
+                  <a:srgbClr val="D4D4D4"/>
+                </a:solidFill>
+                <a:latin typeface="Consolas" panose="020B0609020204030204" pitchFamily="49" charset="0"/>
+              </a:rPr>
+              <a:t>)(</a:t>
+            </a:r>
+            <a:r>
+              <a:rPr lang="en-US" sz="1600" dirty="0">
+                <a:solidFill>
+                  <a:srgbClr val="9CDCFE"/>
+                </a:solidFill>
+                <a:latin typeface="Consolas" panose="020B0609020204030204" pitchFamily="49" charset="0"/>
+              </a:rPr>
+              <a:t>Questions</a:t>
+            </a:r>
+            <a:r>
+              <a:rPr lang="en-US" sz="1600" dirty="0">
+                <a:solidFill>
+                  <a:srgbClr val="D4D4D4"/>
+                </a:solidFill>
+                <a:latin typeface="Consolas" panose="020B0609020204030204" pitchFamily="49" charset="0"/>
+              </a:rPr>
+              <a:t>);</a:t>
+            </a:r>
+            <a:endParaRPr lang="en-US" sz="1600" b="0" dirty="0">
+              <a:solidFill>
+                <a:srgbClr val="D4D4D4"/>
+              </a:solidFill>
+              <a:effectLst/>
+              <a:latin typeface="Consolas" panose="020B0609020204030204" pitchFamily="49" charset="0"/>
+            </a:endParaRPr>
+          </a:p>
+        </p:txBody>
+      </p:sp>
+      <p:sp>
+        <p:nvSpPr>
+          <p:cNvPr id="15" name="矩形 14">
+            <a:extLst>
+              <a:ext uri="{FF2B5EF4-FFF2-40B4-BE49-F238E27FC236}">
+                <a16:creationId xmlns:a16="http://schemas.microsoft.com/office/drawing/2014/main" id="{FAFF192F-5F5E-40EF-87A7-99EDC5E2E771}"/>
+              </a:ext>
+            </a:extLst>
+          </p:cNvPr>
+          <p:cNvSpPr/>
+          <p:nvPr/>
+        </p:nvSpPr>
+        <p:spPr>
+          <a:xfrm>
+            <a:off x="2832808" y="3865786"/>
+            <a:ext cx="6755439" cy="369332"/>
+          </a:xfrm>
+          <a:prstGeom prst="rect">
+            <a:avLst/>
+          </a:prstGeom>
+        </p:spPr>
+        <p:txBody>
+          <a:bodyPr wrap="none">
+            <a:spAutoFit/>
+          </a:bodyPr>
+          <a:lstStyle/>
+          <a:p>
+            <a:r>
+              <a:rPr lang="en-US" altLang="zh-CN" dirty="0" err="1">
+                <a:solidFill>
+                  <a:schemeClr val="bg1"/>
+                </a:solidFill>
+              </a:rPr>
+              <a:t>mapState</a:t>
+            </a:r>
+            <a:r>
+              <a:rPr lang="zh-CN" altLang="en-US" dirty="0">
+                <a:solidFill>
+                  <a:schemeClr val="bg1"/>
+                </a:solidFill>
+              </a:rPr>
+              <a:t>函数，将</a:t>
+            </a:r>
+            <a:r>
+              <a:rPr lang="en-US" altLang="zh-CN" dirty="0">
+                <a:solidFill>
+                  <a:schemeClr val="bg1"/>
+                </a:solidFill>
+              </a:rPr>
+              <a:t>redux store</a:t>
+            </a:r>
+            <a:r>
+              <a:rPr lang="zh-CN" altLang="en-US" dirty="0">
+                <a:solidFill>
+                  <a:schemeClr val="bg1"/>
+                </a:solidFill>
+              </a:rPr>
+              <a:t>中的数据映射为</a:t>
+            </a:r>
+            <a:r>
+              <a:rPr lang="en-US" altLang="zh-CN" dirty="0">
+                <a:solidFill>
+                  <a:schemeClr val="bg1"/>
+                </a:solidFill>
+              </a:rPr>
+              <a:t>component</a:t>
+            </a:r>
+            <a:r>
+              <a:rPr lang="zh-CN" altLang="en-US" dirty="0">
+                <a:solidFill>
+                  <a:schemeClr val="bg1"/>
+                </a:solidFill>
+              </a:rPr>
+              <a:t>中的</a:t>
+            </a:r>
+            <a:r>
+              <a:rPr lang="en-US" altLang="zh-CN" dirty="0">
+                <a:solidFill>
+                  <a:schemeClr val="bg1"/>
+                </a:solidFill>
+              </a:rPr>
+              <a:t>props</a:t>
+            </a:r>
+            <a:endParaRPr lang="en-US" dirty="0">
+              <a:solidFill>
+                <a:schemeClr val="bg1"/>
+              </a:solidFill>
+            </a:endParaRPr>
+          </a:p>
+        </p:txBody>
+      </p:sp>
+      <p:sp>
+        <p:nvSpPr>
+          <p:cNvPr id="23" name="Rectangle 3">
+            <a:extLst>
+              <a:ext uri="{FF2B5EF4-FFF2-40B4-BE49-F238E27FC236}">
+                <a16:creationId xmlns:a16="http://schemas.microsoft.com/office/drawing/2014/main" id="{93631C87-9668-451A-BE69-C05A2E6CB58B}"/>
+              </a:ext>
+            </a:extLst>
+          </p:cNvPr>
+          <p:cNvSpPr/>
+          <p:nvPr/>
+        </p:nvSpPr>
+        <p:spPr>
+          <a:xfrm rot="10800000">
+            <a:off x="2787089" y="3821852"/>
+            <a:ext cx="45719" cy="457200"/>
+          </a:xfrm>
+          <a:prstGeom prst="rect">
+            <a:avLst/>
+          </a:prstGeom>
+          <a:solidFill>
+            <a:srgbClr val="FFA400"/>
+          </a:solidFill>
+          <a:ln>
+            <a:noFill/>
+          </a:ln>
+        </p:spPr>
+        <p:style>
+          <a:lnRef idx="2">
+            <a:schemeClr val="accent1">
+              <a:shade val="50000"/>
+            </a:schemeClr>
+          </a:lnRef>
+          <a:fillRef idx="1">
+            <a:schemeClr val="accent1"/>
+          </a:fillRef>
+          <a:effectRef idx="0">
+            <a:schemeClr val="accent1"/>
+          </a:effectRef>
+          <a:fontRef idx="minor">
+            <a:schemeClr val="lt1"/>
+          </a:fontRef>
+        </p:style>
+        <p:txBody>
+          <a:bodyPr rtlCol="0" anchor="ctr"/>
+          <a:lstStyle/>
+          <a:p>
+            <a:pPr marL="0" marR="0" lvl="0" indent="0" algn="ctr" defTabSz="914400" rtl="0" eaLnBrk="1" fontAlgn="auto" latinLnBrk="0" hangingPunct="1">
+              <a:lnSpc>
+                <a:spcPct val="100000"/>
+              </a:lnSpc>
+              <a:spcBef>
+                <a:spcPts val="0"/>
+              </a:spcBef>
+              <a:spcAft>
+                <a:spcPts val="0"/>
+              </a:spcAft>
+              <a:buClrTx/>
+              <a:buSzTx/>
+              <a:buFontTx/>
+              <a:buNone/>
+              <a:tabLst/>
+              <a:defRPr/>
+            </a:pPr>
+            <a:endParaRPr kumimoji="0" lang="en-US" sz="1800" b="0" i="0" u="none" strike="noStrike" kern="1200" cap="none" spc="0" normalizeH="0" baseline="0" noProof="0">
+              <a:ln>
+                <a:noFill/>
+              </a:ln>
+              <a:solidFill>
+                <a:prstClr val="white"/>
+              </a:solidFill>
+              <a:effectLst/>
+              <a:uLnTx/>
+              <a:uFillTx/>
+              <a:latin typeface="Calibri" panose="020F0502020204030204"/>
+              <a:ea typeface="+mn-ea"/>
+              <a:cs typeface="+mn-cs"/>
+            </a:endParaRPr>
+          </a:p>
+        </p:txBody>
+      </p:sp>
+      <p:sp>
+        <p:nvSpPr>
+          <p:cNvPr id="24" name="矩形 23">
+            <a:extLst>
+              <a:ext uri="{FF2B5EF4-FFF2-40B4-BE49-F238E27FC236}">
+                <a16:creationId xmlns:a16="http://schemas.microsoft.com/office/drawing/2014/main" id="{5D92A700-A48E-4B97-BE11-41665EC7787E}"/>
+              </a:ext>
+            </a:extLst>
+          </p:cNvPr>
+          <p:cNvSpPr/>
+          <p:nvPr/>
+        </p:nvSpPr>
+        <p:spPr>
+          <a:xfrm>
+            <a:off x="2832808" y="4411140"/>
+            <a:ext cx="7616316" cy="369332"/>
+          </a:xfrm>
+          <a:prstGeom prst="rect">
+            <a:avLst/>
+          </a:prstGeom>
+        </p:spPr>
+        <p:txBody>
+          <a:bodyPr wrap="none">
+            <a:spAutoFit/>
+          </a:bodyPr>
+          <a:lstStyle/>
+          <a:p>
+            <a:r>
+              <a:rPr lang="en-US" dirty="0" err="1">
+                <a:solidFill>
+                  <a:schemeClr val="bg1"/>
+                </a:solidFill>
+              </a:rPr>
+              <a:t>mapDispatch</a:t>
+            </a:r>
+            <a:r>
+              <a:rPr lang="zh-CN" altLang="en-US" dirty="0">
+                <a:solidFill>
+                  <a:schemeClr val="bg1"/>
+                </a:solidFill>
+              </a:rPr>
+              <a:t>函数将我们在</a:t>
+            </a:r>
+            <a:r>
+              <a:rPr lang="en-US" altLang="zh-CN" dirty="0">
+                <a:solidFill>
+                  <a:schemeClr val="bg1"/>
+                </a:solidFill>
+              </a:rPr>
+              <a:t>model</a:t>
+            </a:r>
+            <a:r>
+              <a:rPr lang="zh-CN" altLang="en-US" dirty="0">
+                <a:solidFill>
+                  <a:schemeClr val="bg1"/>
+                </a:solidFill>
+              </a:rPr>
+              <a:t>中定义的</a:t>
+            </a:r>
+            <a:r>
+              <a:rPr lang="en-US" altLang="zh-CN" dirty="0">
+                <a:solidFill>
+                  <a:schemeClr val="bg1"/>
+                </a:solidFill>
+              </a:rPr>
+              <a:t>effect</a:t>
+            </a:r>
+            <a:r>
+              <a:rPr lang="zh-CN" altLang="en-US" dirty="0">
+                <a:solidFill>
+                  <a:schemeClr val="bg1"/>
+                </a:solidFill>
+              </a:rPr>
+              <a:t>映射为</a:t>
+            </a:r>
+            <a:r>
+              <a:rPr lang="en-US" altLang="zh-CN" dirty="0">
+                <a:solidFill>
+                  <a:schemeClr val="bg1"/>
+                </a:solidFill>
+              </a:rPr>
+              <a:t>component</a:t>
+            </a:r>
+            <a:r>
+              <a:rPr lang="zh-CN" altLang="en-US" dirty="0">
+                <a:solidFill>
+                  <a:schemeClr val="bg1"/>
+                </a:solidFill>
+              </a:rPr>
+              <a:t>中的</a:t>
+            </a:r>
+            <a:r>
+              <a:rPr lang="en-US" altLang="zh-CN" dirty="0">
+                <a:solidFill>
+                  <a:schemeClr val="bg1"/>
+                </a:solidFill>
+              </a:rPr>
+              <a:t>props</a:t>
+            </a:r>
+            <a:endParaRPr lang="en-US" dirty="0">
+              <a:solidFill>
+                <a:schemeClr val="bg1"/>
+              </a:solidFill>
+            </a:endParaRPr>
+          </a:p>
+        </p:txBody>
+      </p:sp>
+      <p:sp>
+        <p:nvSpPr>
+          <p:cNvPr id="25" name="Rectangle 3">
+            <a:extLst>
+              <a:ext uri="{FF2B5EF4-FFF2-40B4-BE49-F238E27FC236}">
+                <a16:creationId xmlns:a16="http://schemas.microsoft.com/office/drawing/2014/main" id="{BC8C562F-DA0C-4BC7-BF05-0605B690EF6E}"/>
+              </a:ext>
+            </a:extLst>
+          </p:cNvPr>
+          <p:cNvSpPr/>
+          <p:nvPr/>
+        </p:nvSpPr>
+        <p:spPr>
+          <a:xfrm rot="10800000">
+            <a:off x="2787089" y="4367206"/>
+            <a:ext cx="45719" cy="457200"/>
+          </a:xfrm>
+          <a:prstGeom prst="rect">
+            <a:avLst/>
+          </a:prstGeom>
+          <a:solidFill>
+            <a:srgbClr val="FFA400"/>
+          </a:solidFill>
+          <a:ln>
+            <a:noFill/>
+          </a:ln>
+        </p:spPr>
+        <p:style>
+          <a:lnRef idx="2">
+            <a:schemeClr val="accent1">
+              <a:shade val="50000"/>
+            </a:schemeClr>
+          </a:lnRef>
+          <a:fillRef idx="1">
+            <a:schemeClr val="accent1"/>
+          </a:fillRef>
+          <a:effectRef idx="0">
+            <a:schemeClr val="accent1"/>
+          </a:effectRef>
+          <a:fontRef idx="minor">
+            <a:schemeClr val="lt1"/>
+          </a:fontRef>
+        </p:style>
+        <p:txBody>
+          <a:bodyPr rtlCol="0" anchor="ctr"/>
+          <a:lstStyle/>
+          <a:p>
+            <a:pPr marL="0" marR="0" lvl="0" indent="0" algn="ctr" defTabSz="914400" rtl="0" eaLnBrk="1" fontAlgn="auto" latinLnBrk="0" hangingPunct="1">
+              <a:lnSpc>
+                <a:spcPct val="100000"/>
+              </a:lnSpc>
+              <a:spcBef>
+                <a:spcPts val="0"/>
+              </a:spcBef>
+              <a:spcAft>
+                <a:spcPts val="0"/>
+              </a:spcAft>
+              <a:buClrTx/>
+              <a:buSzTx/>
+              <a:buFontTx/>
+              <a:buNone/>
+              <a:tabLst/>
+              <a:defRPr/>
+            </a:pPr>
+            <a:endParaRPr kumimoji="0" lang="en-US" sz="1800" b="0" i="0" u="none" strike="noStrike" kern="1200" cap="none" spc="0" normalizeH="0" baseline="0" noProof="0">
+              <a:ln>
+                <a:noFill/>
+              </a:ln>
+              <a:solidFill>
+                <a:prstClr val="white"/>
+              </a:solidFill>
+              <a:effectLst/>
+              <a:uLnTx/>
+              <a:uFillTx/>
+              <a:latin typeface="Calibri" panose="020F0502020204030204"/>
+              <a:ea typeface="+mn-ea"/>
+              <a:cs typeface="+mn-cs"/>
+            </a:endParaRPr>
+          </a:p>
+        </p:txBody>
+      </p:sp>
+      <p:sp>
+        <p:nvSpPr>
+          <p:cNvPr id="26" name="矩形 25">
+            <a:extLst>
+              <a:ext uri="{FF2B5EF4-FFF2-40B4-BE49-F238E27FC236}">
+                <a16:creationId xmlns:a16="http://schemas.microsoft.com/office/drawing/2014/main" id="{F814EE61-B1B6-4360-93A4-EBF51CEDE9BA}"/>
+              </a:ext>
+            </a:extLst>
+          </p:cNvPr>
+          <p:cNvSpPr/>
+          <p:nvPr/>
+        </p:nvSpPr>
+        <p:spPr>
+          <a:xfrm>
+            <a:off x="2832808" y="3452377"/>
+            <a:ext cx="646331" cy="369332"/>
+          </a:xfrm>
+          <a:prstGeom prst="rect">
+            <a:avLst/>
+          </a:prstGeom>
+        </p:spPr>
+        <p:txBody>
+          <a:bodyPr wrap="none">
+            <a:spAutoFit/>
+          </a:bodyPr>
+          <a:lstStyle/>
+          <a:p>
+            <a:r>
+              <a:rPr lang="zh-CN" altLang="en-US" dirty="0">
+                <a:solidFill>
+                  <a:schemeClr val="bg1"/>
+                </a:solidFill>
+              </a:rPr>
+              <a:t>其中</a:t>
+            </a:r>
+            <a:endParaRPr lang="en-US" dirty="0"/>
+          </a:p>
+        </p:txBody>
+      </p:sp>
+      <p:sp>
+        <p:nvSpPr>
+          <p:cNvPr id="27" name="矩形 26">
+            <a:extLst>
+              <a:ext uri="{FF2B5EF4-FFF2-40B4-BE49-F238E27FC236}">
+                <a16:creationId xmlns:a16="http://schemas.microsoft.com/office/drawing/2014/main" id="{BDD5A674-616B-43C3-B7AA-44A60C999EC7}"/>
+              </a:ext>
+            </a:extLst>
+          </p:cNvPr>
+          <p:cNvSpPr/>
+          <p:nvPr/>
+        </p:nvSpPr>
+        <p:spPr>
+          <a:xfrm>
+            <a:off x="2832809" y="4953382"/>
+            <a:ext cx="6198300" cy="369332"/>
+          </a:xfrm>
+          <a:prstGeom prst="rect">
+            <a:avLst/>
+          </a:prstGeom>
+        </p:spPr>
+        <p:txBody>
+          <a:bodyPr wrap="none">
+            <a:spAutoFit/>
+          </a:bodyPr>
+          <a:lstStyle/>
+          <a:p>
+            <a:r>
+              <a:rPr lang="en-US" dirty="0">
+                <a:solidFill>
+                  <a:schemeClr val="bg1"/>
+                </a:solidFill>
+              </a:rPr>
+              <a:t>connect</a:t>
+            </a:r>
+            <a:r>
+              <a:rPr lang="zh-CN" altLang="en-US" dirty="0">
+                <a:solidFill>
+                  <a:schemeClr val="bg1"/>
+                </a:solidFill>
+              </a:rPr>
+              <a:t>函数执行上述两条映射，并返回一个新的</a:t>
+            </a:r>
+            <a:r>
+              <a:rPr lang="en-US" altLang="zh-CN" dirty="0">
+                <a:solidFill>
+                  <a:schemeClr val="bg1"/>
+                </a:solidFill>
+              </a:rPr>
+              <a:t>component</a:t>
+            </a:r>
+            <a:endParaRPr lang="en-US" dirty="0">
+              <a:solidFill>
+                <a:schemeClr val="bg1"/>
+              </a:solidFill>
+            </a:endParaRPr>
+          </a:p>
+        </p:txBody>
+      </p:sp>
+      <p:sp>
+        <p:nvSpPr>
+          <p:cNvPr id="28" name="Rectangle 3">
+            <a:extLst>
+              <a:ext uri="{FF2B5EF4-FFF2-40B4-BE49-F238E27FC236}">
+                <a16:creationId xmlns:a16="http://schemas.microsoft.com/office/drawing/2014/main" id="{FE338DDC-C786-4CCB-A4CD-6C4E7D8493CD}"/>
+              </a:ext>
+            </a:extLst>
+          </p:cNvPr>
+          <p:cNvSpPr/>
+          <p:nvPr/>
+        </p:nvSpPr>
+        <p:spPr>
+          <a:xfrm rot="10800000">
+            <a:off x="2787090" y="4909448"/>
+            <a:ext cx="45719" cy="457200"/>
+          </a:xfrm>
+          <a:prstGeom prst="rect">
+            <a:avLst/>
+          </a:prstGeom>
+          <a:solidFill>
+            <a:srgbClr val="FFA400"/>
+          </a:solidFill>
+          <a:ln>
+            <a:noFill/>
+          </a:ln>
+        </p:spPr>
+        <p:style>
+          <a:lnRef idx="2">
+            <a:schemeClr val="accent1">
+              <a:shade val="50000"/>
+            </a:schemeClr>
+          </a:lnRef>
+          <a:fillRef idx="1">
+            <a:schemeClr val="accent1"/>
+          </a:fillRef>
+          <a:effectRef idx="0">
+            <a:schemeClr val="accent1"/>
+          </a:effectRef>
+          <a:fontRef idx="minor">
+            <a:schemeClr val="lt1"/>
+          </a:fontRef>
+        </p:style>
+        <p:txBody>
+          <a:bodyPr rtlCol="0" anchor="ctr"/>
+          <a:lstStyle/>
+          <a:p>
+            <a:pPr marL="0" marR="0" lvl="0" indent="0" algn="ctr" defTabSz="914400" rtl="0" eaLnBrk="1" fontAlgn="auto" latinLnBrk="0" hangingPunct="1">
+              <a:lnSpc>
+                <a:spcPct val="100000"/>
+              </a:lnSpc>
+              <a:spcBef>
+                <a:spcPts val="0"/>
+              </a:spcBef>
+              <a:spcAft>
+                <a:spcPts val="0"/>
+              </a:spcAft>
+              <a:buClrTx/>
+              <a:buSzTx/>
+              <a:buFontTx/>
+              <a:buNone/>
+              <a:tabLst/>
+              <a:defRPr/>
+            </a:pPr>
+            <a:endParaRPr kumimoji="0" lang="en-US" sz="1800" b="0" i="0" u="none" strike="noStrike" kern="1200" cap="none" spc="0" normalizeH="0" baseline="0" noProof="0">
+              <a:ln>
+                <a:noFill/>
+              </a:ln>
+              <a:solidFill>
+                <a:prstClr val="white"/>
+              </a:solidFill>
+              <a:effectLst/>
+              <a:uLnTx/>
+              <a:uFillTx/>
+              <a:latin typeface="Calibri" panose="020F0502020204030204"/>
+              <a:ea typeface="+mn-ea"/>
+              <a:cs typeface="+mn-cs"/>
+            </a:endParaRPr>
+          </a:p>
+        </p:txBody>
+      </p:sp>
+    </p:spTree>
+    <p:extLst>
+      <p:ext uri="{BB962C8B-B14F-4D97-AF65-F5344CB8AC3E}">
+        <p14:creationId xmlns:p14="http://schemas.microsoft.com/office/powerpoint/2010/main" val="771198680"/>
+      </p:ext>
+    </p:extLst>
+  </p:cSld>
+  <p:clrMapOvr>
+    <a:masterClrMapping/>
+  </p:clrMapOvr>
+</p:sld>
+</file>
+
 <file path=ppt/theme/theme1.xml><?xml version="1.0" encoding="utf-8"?>
 <a:theme xmlns:a="http://schemas.openxmlformats.org/drawingml/2006/main" name="Office Theme">
   <a:themeElements>

--- a/lectures/lecture05.pptx
+++ b/lectures/lecture05.pptx
@@ -7,10 +7,11 @@
   <p:sldIdLst>
     <p:sldId id="256" r:id="rId2"/>
     <p:sldId id="258" r:id="rId3"/>
-    <p:sldId id="259" r:id="rId4"/>
-    <p:sldId id="260" r:id="rId5"/>
-    <p:sldId id="261" r:id="rId6"/>
-    <p:sldId id="262" r:id="rId7"/>
+    <p:sldId id="263" r:id="rId4"/>
+    <p:sldId id="259" r:id="rId5"/>
+    <p:sldId id="260" r:id="rId6"/>
+    <p:sldId id="261" r:id="rId7"/>
+    <p:sldId id="262" r:id="rId8"/>
   </p:sldIdLst>
   <p:sldSz cx="12192000" cy="6858000"/>
   <p:notesSz cx="6858000" cy="9144000"/>
@@ -4948,7 +4949,7 @@
         <p:spPr>
           <a:xfrm>
             <a:off x="345731" y="2595914"/>
-            <a:ext cx="1776032" cy="830997"/>
+            <a:ext cx="1776032" cy="1200329"/>
           </a:xfrm>
           <a:prstGeom prst="rect">
             <a:avLst/>
@@ -4979,26 +4980,57 @@
               <a:defRPr/>
             </a:pPr>
             <a:r>
-              <a:rPr lang="en-US" altLang="zh-CN" sz="2400" dirty="0">
+              <a:rPr kumimoji="0" lang="zh-CN" altLang="en-US" sz="2400" b="0" i="0" u="none" strike="noStrike" kern="1200" cap="none" spc="0" normalizeH="0" baseline="0" noProof="0" dirty="0">
+                <a:ln>
+                  <a:noFill/>
+                </a:ln>
                 <a:solidFill>
                   <a:prstClr val="white"/>
                 </a:solidFill>
+                <a:effectLst/>
+                <a:uLnTx/>
+                <a:uFillTx/>
                 <a:latin typeface="Calibri" panose="020F0502020204030204"/>
                 <a:ea typeface="等线" panose="02010600030101010101" pitchFamily="2" charset="-122"/>
-              </a:rPr>
-              <a:t>Create A </a:t>
-            </a:r>
-            <a:r>
-              <a:rPr lang="en-US" sz="2400" dirty="0">
+                <a:cs typeface="+mn-cs"/>
+              </a:rPr>
+              <a:t>检查</a:t>
+            </a:r>
+            <a:r>
+              <a:rPr kumimoji="0" lang="en-US" altLang="zh-CN" sz="2400" b="0" i="0" u="none" strike="noStrike" kern="1200" cap="none" spc="0" normalizeH="0" baseline="0" noProof="0" dirty="0">
+                <a:ln>
+                  <a:noFill/>
+                </a:ln>
                 <a:solidFill>
                   <a:prstClr val="white"/>
                 </a:solidFill>
+                <a:effectLst/>
+                <a:uLnTx/>
+                <a:uFillTx/>
                 <a:latin typeface="Calibri" panose="020F0502020204030204"/>
                 <a:ea typeface="等线" panose="02010600030101010101" pitchFamily="2" charset="-122"/>
-              </a:rPr>
-              <a:t>Model</a:t>
-            </a:r>
-            <a:endParaRPr kumimoji="0" lang="en-US" sz="2400" b="0" i="0" u="none" strike="noStrike" kern="1200" cap="none" spc="0" normalizeH="0" baseline="0" noProof="0" dirty="0">
+                <a:cs typeface="+mn-cs"/>
+              </a:rPr>
+              <a:t>rematch</a:t>
+            </a:r>
+            <a:r>
+              <a:rPr kumimoji="0" lang="zh-CN" altLang="en-US" sz="2400" b="0" i="0" u="none" strike="noStrike" kern="1200" cap="none" spc="0" normalizeH="0" baseline="0" noProof="0" dirty="0">
+                <a:ln>
+                  <a:noFill/>
+                </a:ln>
+                <a:solidFill>
+                  <a:prstClr val="white"/>
+                </a:solidFill>
+                <a:effectLst/>
+                <a:uLnTx/>
+                <a:uFillTx/>
+                <a:latin typeface="Calibri" panose="020F0502020204030204"/>
+                <a:ea typeface="等线" panose="02010600030101010101" pitchFamily="2" charset="-122"/>
+                <a:cs typeface="+mn-cs"/>
+              </a:rPr>
+              <a:t>初始化</a:t>
+            </a:r>
+            <a:endParaRPr kumimoji="0" lang="en-US" altLang="zh-CN" sz="2400" b="0" i="0" u="none" strike="noStrike" kern="1200" cap="none" spc="0" normalizeH="0" baseline="0" noProof="0" dirty="0">
               <a:ln>
                 <a:noFill/>
               </a:ln>
@@ -5009,7 +5041,7 @@
               <a:uLnTx/>
               <a:uFillTx/>
               <a:latin typeface="Calibri" panose="020F0502020204030204"/>
-              <a:ea typeface="+mn-ea"/>
+              <a:ea typeface="等线" panose="02010600030101010101" pitchFamily="2" charset="-122"/>
               <a:cs typeface="+mn-cs"/>
             </a:endParaRPr>
           </a:p>
@@ -5056,7 +5088,7 @@
           <p:cNvPr id="2" name="矩形 1">
             <a:extLst>
               <a:ext uri="{FF2B5EF4-FFF2-40B4-BE49-F238E27FC236}">
-                <a16:creationId xmlns:a16="http://schemas.microsoft.com/office/drawing/2014/main" id="{BCA2521E-563E-47D0-9AC2-2C559DCC2E08}"/>
+                <a16:creationId xmlns:a16="http://schemas.microsoft.com/office/drawing/2014/main" id="{9D4438D2-456A-4129-A7B2-E42280525A67}"/>
               </a:ext>
             </a:extLst>
           </p:cNvPr>
@@ -5065,15 +5097,15 @@
         </p:nvSpPr>
         <p:spPr>
           <a:xfrm>
-            <a:off x="2787090" y="2349693"/>
-            <a:ext cx="6096000" cy="1107996"/>
+            <a:off x="2787090" y="1710534"/>
+            <a:ext cx="8706035" cy="3293209"/>
           </a:xfrm>
           <a:prstGeom prst="rect">
             <a:avLst/>
           </a:prstGeom>
         </p:spPr>
         <p:txBody>
-          <a:bodyPr>
+          <a:bodyPr wrap="square">
             <a:spAutoFit/>
           </a:bodyPr>
           <a:lstStyle/>
@@ -5081,18 +5113,281 @@
             <a:r>
               <a:rPr lang="en-US" sz="1600" dirty="0">
                 <a:solidFill>
-                  <a:schemeClr val="accent6">
-                    <a:lumMod val="75000"/>
-                  </a:schemeClr>
-                </a:solidFill>
-              </a:rPr>
-              <a:t>// In file /models.js</a:t>
+                  <a:srgbClr val="C586C0"/>
+                </a:solidFill>
+                <a:latin typeface="Consolas" panose="020B0609020204030204" pitchFamily="49" charset="0"/>
+              </a:rPr>
+              <a:t>import</a:t>
+            </a:r>
+            <a:r>
+              <a:rPr lang="en-US" sz="1600" dirty="0">
+                <a:solidFill>
+                  <a:srgbClr val="D4D4D4"/>
+                </a:solidFill>
+                <a:latin typeface="Consolas" panose="020B0609020204030204" pitchFamily="49" charset="0"/>
+              </a:rPr>
+              <a:t> { </a:t>
+            </a:r>
+            <a:r>
+              <a:rPr lang="en-US" sz="1600" dirty="0" err="1">
+                <a:solidFill>
+                  <a:srgbClr val="9CDCFE"/>
+                </a:solidFill>
+                <a:latin typeface="Consolas" panose="020B0609020204030204" pitchFamily="49" charset="0"/>
+              </a:rPr>
+              <a:t>init</a:t>
+            </a:r>
+            <a:r>
+              <a:rPr lang="en-US" sz="1600" dirty="0">
+                <a:solidFill>
+                  <a:srgbClr val="D4D4D4"/>
+                </a:solidFill>
+                <a:latin typeface="Consolas" panose="020B0609020204030204" pitchFamily="49" charset="0"/>
+              </a:rPr>
+              <a:t> } </a:t>
+            </a:r>
+            <a:r>
+              <a:rPr lang="en-US" sz="1600" dirty="0">
+                <a:solidFill>
+                  <a:srgbClr val="C586C0"/>
+                </a:solidFill>
+                <a:latin typeface="Consolas" panose="020B0609020204030204" pitchFamily="49" charset="0"/>
+              </a:rPr>
+              <a:t>from</a:t>
+            </a:r>
+            <a:r>
+              <a:rPr lang="en-US" sz="1600" dirty="0">
+                <a:solidFill>
+                  <a:srgbClr val="D4D4D4"/>
+                </a:solidFill>
+                <a:latin typeface="Consolas" panose="020B0609020204030204" pitchFamily="49" charset="0"/>
+              </a:rPr>
+              <a:t> </a:t>
+            </a:r>
+            <a:r>
+              <a:rPr lang="en-US" sz="1600" dirty="0">
+                <a:solidFill>
+                  <a:srgbClr val="CE9178"/>
+                </a:solidFill>
+                <a:latin typeface="Consolas" panose="020B0609020204030204" pitchFamily="49" charset="0"/>
+              </a:rPr>
+              <a:t>"@rematch/core"</a:t>
+            </a:r>
+            <a:r>
+              <a:rPr lang="en-US" sz="1600" dirty="0">
+                <a:solidFill>
+                  <a:srgbClr val="D4D4D4"/>
+                </a:solidFill>
+                <a:latin typeface="Consolas" panose="020B0609020204030204" pitchFamily="49" charset="0"/>
+              </a:rPr>
+              <a:t>;</a:t>
+            </a:r>
+          </a:p>
+          <a:p>
+            <a:r>
+              <a:rPr lang="en-US" sz="1600" dirty="0">
+                <a:solidFill>
+                  <a:srgbClr val="C586C0"/>
+                </a:solidFill>
+                <a:latin typeface="Consolas" panose="020B0609020204030204" pitchFamily="49" charset="0"/>
+              </a:rPr>
+              <a:t>import</a:t>
+            </a:r>
+            <a:r>
+              <a:rPr lang="en-US" sz="1600" dirty="0">
+                <a:solidFill>
+                  <a:srgbClr val="D4D4D4"/>
+                </a:solidFill>
+                <a:latin typeface="Consolas" panose="020B0609020204030204" pitchFamily="49" charset="0"/>
+              </a:rPr>
+              <a:t> { </a:t>
+            </a:r>
+            <a:r>
+              <a:rPr lang="en-US" sz="1600" dirty="0">
+                <a:solidFill>
+                  <a:srgbClr val="9CDCFE"/>
+                </a:solidFill>
+                <a:latin typeface="Consolas" panose="020B0609020204030204" pitchFamily="49" charset="0"/>
+              </a:rPr>
+              <a:t>Provider</a:t>
+            </a:r>
+            <a:r>
+              <a:rPr lang="en-US" sz="1600" dirty="0">
+                <a:solidFill>
+                  <a:srgbClr val="D4D4D4"/>
+                </a:solidFill>
+                <a:latin typeface="Consolas" panose="020B0609020204030204" pitchFamily="49" charset="0"/>
+              </a:rPr>
+              <a:t> } </a:t>
+            </a:r>
+            <a:r>
+              <a:rPr lang="en-US" sz="1600" dirty="0">
+                <a:solidFill>
+                  <a:srgbClr val="C586C0"/>
+                </a:solidFill>
+                <a:latin typeface="Consolas" panose="020B0609020204030204" pitchFamily="49" charset="0"/>
+              </a:rPr>
+              <a:t>from</a:t>
+            </a:r>
+            <a:r>
+              <a:rPr lang="en-US" sz="1600" dirty="0">
+                <a:solidFill>
+                  <a:srgbClr val="D4D4D4"/>
+                </a:solidFill>
+                <a:latin typeface="Consolas" panose="020B0609020204030204" pitchFamily="49" charset="0"/>
+              </a:rPr>
+              <a:t> </a:t>
+            </a:r>
+            <a:r>
+              <a:rPr lang="en-US" sz="1600" dirty="0">
+                <a:solidFill>
+                  <a:srgbClr val="CE9178"/>
+                </a:solidFill>
+                <a:latin typeface="Consolas" panose="020B0609020204030204" pitchFamily="49" charset="0"/>
+              </a:rPr>
+              <a:t>"react-redux"</a:t>
+            </a:r>
+            <a:r>
+              <a:rPr lang="en-US" sz="1600" dirty="0">
+                <a:solidFill>
+                  <a:srgbClr val="D4D4D4"/>
+                </a:solidFill>
+                <a:latin typeface="Consolas" panose="020B0609020204030204" pitchFamily="49" charset="0"/>
+              </a:rPr>
+              <a:t>;</a:t>
+            </a:r>
+          </a:p>
+          <a:p>
+            <a:r>
+              <a:rPr lang="en-US" sz="1600" dirty="0">
+                <a:solidFill>
+                  <a:srgbClr val="C586C0"/>
+                </a:solidFill>
+                <a:latin typeface="Consolas" panose="020B0609020204030204" pitchFamily="49" charset="0"/>
+              </a:rPr>
+              <a:t>import</a:t>
+            </a:r>
+            <a:r>
+              <a:rPr lang="en-US" sz="1600" dirty="0">
+                <a:solidFill>
+                  <a:srgbClr val="D4D4D4"/>
+                </a:solidFill>
+                <a:latin typeface="Consolas" panose="020B0609020204030204" pitchFamily="49" charset="0"/>
+              </a:rPr>
+              <a:t> </a:t>
+            </a:r>
+            <a:r>
+              <a:rPr lang="en-US" sz="1600" dirty="0">
+                <a:solidFill>
+                  <a:srgbClr val="569CD6"/>
+                </a:solidFill>
+                <a:latin typeface="Consolas" panose="020B0609020204030204" pitchFamily="49" charset="0"/>
+              </a:rPr>
+              <a:t>*</a:t>
+            </a:r>
+            <a:r>
+              <a:rPr lang="en-US" sz="1600" dirty="0">
+                <a:solidFill>
+                  <a:srgbClr val="D4D4D4"/>
+                </a:solidFill>
+                <a:latin typeface="Consolas" panose="020B0609020204030204" pitchFamily="49" charset="0"/>
+              </a:rPr>
+              <a:t> </a:t>
+            </a:r>
+            <a:r>
+              <a:rPr lang="en-US" sz="1600" dirty="0">
+                <a:solidFill>
+                  <a:srgbClr val="C586C0"/>
+                </a:solidFill>
+                <a:latin typeface="Consolas" panose="020B0609020204030204" pitchFamily="49" charset="0"/>
+              </a:rPr>
+              <a:t>as</a:t>
+            </a:r>
+            <a:r>
+              <a:rPr lang="en-US" sz="1600" dirty="0">
+                <a:solidFill>
+                  <a:srgbClr val="D4D4D4"/>
+                </a:solidFill>
+                <a:latin typeface="Consolas" panose="020B0609020204030204" pitchFamily="49" charset="0"/>
+              </a:rPr>
+              <a:t> </a:t>
+            </a:r>
+            <a:r>
+              <a:rPr lang="en-US" sz="1600" dirty="0">
+                <a:solidFill>
+                  <a:srgbClr val="9CDCFE"/>
+                </a:solidFill>
+                <a:latin typeface="Consolas" panose="020B0609020204030204" pitchFamily="49" charset="0"/>
+              </a:rPr>
+              <a:t>models</a:t>
+            </a:r>
+            <a:r>
+              <a:rPr lang="en-US" sz="1600" dirty="0">
+                <a:solidFill>
+                  <a:srgbClr val="D4D4D4"/>
+                </a:solidFill>
+                <a:latin typeface="Consolas" panose="020B0609020204030204" pitchFamily="49" charset="0"/>
+              </a:rPr>
+              <a:t> </a:t>
+            </a:r>
+            <a:r>
+              <a:rPr lang="en-US" sz="1600" dirty="0">
+                <a:solidFill>
+                  <a:srgbClr val="C586C0"/>
+                </a:solidFill>
+                <a:latin typeface="Consolas" panose="020B0609020204030204" pitchFamily="49" charset="0"/>
+              </a:rPr>
+              <a:t>from</a:t>
+            </a:r>
+            <a:r>
+              <a:rPr lang="en-US" sz="1600" dirty="0">
+                <a:solidFill>
+                  <a:srgbClr val="D4D4D4"/>
+                </a:solidFill>
+                <a:latin typeface="Consolas" panose="020B0609020204030204" pitchFamily="49" charset="0"/>
+              </a:rPr>
+              <a:t> </a:t>
+            </a:r>
+            <a:r>
+              <a:rPr lang="en-US" sz="1600" dirty="0">
+                <a:solidFill>
+                  <a:srgbClr val="CE9178"/>
+                </a:solidFill>
+                <a:latin typeface="Consolas" panose="020B0609020204030204" pitchFamily="49" charset="0"/>
+              </a:rPr>
+              <a:t>'./models'</a:t>
+            </a:r>
+            <a:r>
+              <a:rPr lang="en-US" sz="1600" dirty="0">
+                <a:solidFill>
+                  <a:srgbClr val="D4D4D4"/>
+                </a:solidFill>
+                <a:latin typeface="Consolas" panose="020B0609020204030204" pitchFamily="49" charset="0"/>
+              </a:rPr>
+              <a:t>;</a:t>
+            </a:r>
+          </a:p>
+          <a:p>
+            <a:br>
+              <a:rPr lang="en-US" sz="1600" dirty="0">
+                <a:solidFill>
+                  <a:srgbClr val="D4D4D4"/>
+                </a:solidFill>
+                <a:latin typeface="Consolas" panose="020B0609020204030204" pitchFamily="49" charset="0"/>
+              </a:rPr>
+            </a:br>
+            <a:r>
+              <a:rPr lang="en-US" sz="1600" dirty="0">
+                <a:solidFill>
+                  <a:srgbClr val="6A9955"/>
+                </a:solidFill>
+                <a:latin typeface="Consolas" panose="020B0609020204030204" pitchFamily="49" charset="0"/>
+              </a:rPr>
+              <a:t>// generate Redux store</a:t>
             </a:r>
             <a:endParaRPr lang="en-US" sz="1600" dirty="0">
               <a:solidFill>
-                <a:schemeClr val="accent6">
-                  <a:lumMod val="75000"/>
-                </a:schemeClr>
+                <a:srgbClr val="D4D4D4"/>
               </a:solidFill>
               <a:latin typeface="Consolas" panose="020B0609020204030204" pitchFamily="49" charset="0"/>
             </a:endParaRPr>
@@ -5101,11 +5396,11 @@
             <a:r>
               <a:rPr lang="en-US" sz="1600" dirty="0">
                 <a:solidFill>
-                  <a:srgbClr val="C586C0"/>
-                </a:solidFill>
-                <a:latin typeface="Consolas" panose="020B0609020204030204" pitchFamily="49" charset="0"/>
-              </a:rPr>
-              <a:t>export</a:t>
+                  <a:srgbClr val="569CD6"/>
+                </a:solidFill>
+                <a:latin typeface="Consolas" panose="020B0609020204030204" pitchFamily="49" charset="0"/>
+              </a:rPr>
+              <a:t>const</a:t>
             </a:r>
             <a:r>
               <a:rPr lang="en-US" sz="1600" dirty="0">
@@ -5119,11 +5414,216 @@
             <a:r>
               <a:rPr lang="en-US" sz="1600" dirty="0">
                 <a:solidFill>
+                  <a:srgbClr val="9CDCFE"/>
+                </a:solidFill>
+                <a:latin typeface="Consolas" panose="020B0609020204030204" pitchFamily="49" charset="0"/>
+              </a:rPr>
+              <a:t>store</a:t>
+            </a:r>
+            <a:r>
+              <a:rPr lang="en-US" sz="1600" dirty="0">
+                <a:solidFill>
+                  <a:srgbClr val="D4D4D4"/>
+                </a:solidFill>
+                <a:latin typeface="Consolas" panose="020B0609020204030204" pitchFamily="49" charset="0"/>
+              </a:rPr>
+              <a:t> = </a:t>
+            </a:r>
+            <a:r>
+              <a:rPr lang="en-US" sz="1600" dirty="0" err="1">
+                <a:solidFill>
+                  <a:srgbClr val="DCDCAA"/>
+                </a:solidFill>
+                <a:latin typeface="Consolas" panose="020B0609020204030204" pitchFamily="49" charset="0"/>
+              </a:rPr>
+              <a:t>init</a:t>
+            </a:r>
+            <a:r>
+              <a:rPr lang="en-US" sz="1600" dirty="0">
+                <a:solidFill>
+                  <a:srgbClr val="D4D4D4"/>
+                </a:solidFill>
+                <a:latin typeface="Consolas" panose="020B0609020204030204" pitchFamily="49" charset="0"/>
+              </a:rPr>
+              <a:t>({</a:t>
+            </a:r>
+          </a:p>
+          <a:p>
+            <a:r>
+              <a:rPr lang="en-US" sz="1600" dirty="0">
+                <a:solidFill>
+                  <a:srgbClr val="9CDCFE"/>
+                </a:solidFill>
+                <a:latin typeface="Consolas" panose="020B0609020204030204" pitchFamily="49" charset="0"/>
+              </a:rPr>
+              <a:t>  models</a:t>
+            </a:r>
+            <a:r>
+              <a:rPr lang="en-US" sz="1600" dirty="0">
+                <a:solidFill>
+                  <a:srgbClr val="D4D4D4"/>
+                </a:solidFill>
+                <a:latin typeface="Consolas" panose="020B0609020204030204" pitchFamily="49" charset="0"/>
+              </a:rPr>
+              <a:t>,</a:t>
+            </a:r>
+          </a:p>
+          <a:p>
+            <a:r>
+              <a:rPr lang="en-US" sz="1600" dirty="0">
+                <a:solidFill>
+                  <a:srgbClr val="D4D4D4"/>
+                </a:solidFill>
+                <a:latin typeface="Consolas" panose="020B0609020204030204" pitchFamily="49" charset="0"/>
+              </a:rPr>
+              <a:t>});</a:t>
+            </a:r>
+          </a:p>
+          <a:p>
+            <a:br>
+              <a:rPr lang="en-US" sz="1600" dirty="0">
+                <a:solidFill>
+                  <a:srgbClr val="D4D4D4"/>
+                </a:solidFill>
+                <a:latin typeface="Consolas" panose="020B0609020204030204" pitchFamily="49" charset="0"/>
+              </a:rPr>
+            </a:br>
+            <a:r>
+              <a:rPr lang="en-US" sz="1600" dirty="0" err="1">
+                <a:solidFill>
+                  <a:srgbClr val="9CDCFE"/>
+                </a:solidFill>
+                <a:latin typeface="Consolas" panose="020B0609020204030204" pitchFamily="49" charset="0"/>
+              </a:rPr>
+              <a:t>ReactDOM</a:t>
+            </a:r>
+            <a:r>
+              <a:rPr lang="en-US" sz="1600" dirty="0" err="1">
+                <a:solidFill>
+                  <a:srgbClr val="D4D4D4"/>
+                </a:solidFill>
+                <a:latin typeface="Consolas" panose="020B0609020204030204" pitchFamily="49" charset="0"/>
+              </a:rPr>
+              <a:t>.</a:t>
+            </a:r>
+            <a:r>
+              <a:rPr lang="en-US" sz="1600" dirty="0" err="1">
+                <a:solidFill>
+                  <a:srgbClr val="DCDCAA"/>
+                </a:solidFill>
+                <a:latin typeface="Consolas" panose="020B0609020204030204" pitchFamily="49" charset="0"/>
+              </a:rPr>
+              <a:t>render</a:t>
+            </a:r>
+            <a:r>
+              <a:rPr lang="en-US" sz="1600" dirty="0">
+                <a:solidFill>
+                  <a:srgbClr val="D4D4D4"/>
+                </a:solidFill>
+                <a:latin typeface="Consolas" panose="020B0609020204030204" pitchFamily="49" charset="0"/>
+              </a:rPr>
+              <a:t>(</a:t>
+            </a:r>
+          </a:p>
+          <a:p>
+            <a:r>
+              <a:rPr lang="en-US" sz="1600" dirty="0">
+                <a:solidFill>
+                  <a:srgbClr val="D4D4D4"/>
+                </a:solidFill>
+                <a:latin typeface="Consolas" panose="020B0609020204030204" pitchFamily="49" charset="0"/>
+              </a:rPr>
+              <a:t>  </a:t>
+            </a:r>
+            <a:r>
+              <a:rPr lang="en-US" sz="1600" dirty="0">
+                <a:solidFill>
+                  <a:srgbClr val="808080"/>
+                </a:solidFill>
+                <a:latin typeface="Consolas" panose="020B0609020204030204" pitchFamily="49" charset="0"/>
+              </a:rPr>
+              <a:t>&lt;</a:t>
+            </a:r>
+            <a:r>
+              <a:rPr lang="en-US" sz="1600" dirty="0">
+                <a:solidFill>
+                  <a:srgbClr val="4EC9B0"/>
+                </a:solidFill>
+                <a:latin typeface="Consolas" panose="020B0609020204030204" pitchFamily="49" charset="0"/>
+              </a:rPr>
+              <a:t>Provider</a:t>
+            </a:r>
+            <a:r>
+              <a:rPr lang="en-US" sz="1600" dirty="0">
+                <a:solidFill>
+                  <a:srgbClr val="D4D4D4"/>
+                </a:solidFill>
+                <a:latin typeface="Consolas" panose="020B0609020204030204" pitchFamily="49" charset="0"/>
+              </a:rPr>
+              <a:t> </a:t>
+            </a:r>
+            <a:r>
+              <a:rPr lang="en-US" sz="1600" dirty="0">
+                <a:solidFill>
+                  <a:srgbClr val="9CDCFE"/>
+                </a:solidFill>
+                <a:latin typeface="Consolas" panose="020B0609020204030204" pitchFamily="49" charset="0"/>
+              </a:rPr>
+              <a:t>store</a:t>
+            </a:r>
+            <a:r>
+              <a:rPr lang="en-US" sz="1600" dirty="0">
+                <a:solidFill>
+                  <a:srgbClr val="D4D4D4"/>
+                </a:solidFill>
+                <a:latin typeface="Consolas" panose="020B0609020204030204" pitchFamily="49" charset="0"/>
+              </a:rPr>
+              <a:t>=</a:t>
+            </a:r>
+            <a:r>
+              <a:rPr lang="en-US" sz="1600" dirty="0">
+                <a:solidFill>
                   <a:srgbClr val="569CD6"/>
                 </a:solidFill>
                 <a:latin typeface="Consolas" panose="020B0609020204030204" pitchFamily="49" charset="0"/>
               </a:rPr>
-              <a:t>const</a:t>
+              <a:t>{</a:t>
+            </a:r>
+            <a:r>
+              <a:rPr lang="en-US" sz="1600" dirty="0">
+                <a:solidFill>
+                  <a:srgbClr val="9CDCFE"/>
+                </a:solidFill>
+                <a:latin typeface="Consolas" panose="020B0609020204030204" pitchFamily="49" charset="0"/>
+              </a:rPr>
+              <a:t>store</a:t>
+            </a:r>
+            <a:r>
+              <a:rPr lang="en-US" sz="1600" dirty="0">
+                <a:solidFill>
+                  <a:srgbClr val="569CD6"/>
+                </a:solidFill>
+                <a:latin typeface="Consolas" panose="020B0609020204030204" pitchFamily="49" charset="0"/>
+              </a:rPr>
+              <a:t>}</a:t>
+            </a:r>
+            <a:r>
+              <a:rPr lang="en-US" sz="1600" dirty="0">
+                <a:solidFill>
+                  <a:srgbClr val="808080"/>
+                </a:solidFill>
+                <a:latin typeface="Consolas" panose="020B0609020204030204" pitchFamily="49" charset="0"/>
+              </a:rPr>
+              <a:t>&gt;&lt;</a:t>
+            </a:r>
+            <a:r>
+              <a:rPr lang="en-US" sz="1600" dirty="0">
+                <a:solidFill>
+                  <a:srgbClr val="4EC9B0"/>
+                </a:solidFill>
+                <a:latin typeface="Consolas" panose="020B0609020204030204" pitchFamily="49" charset="0"/>
+              </a:rPr>
+              <a:t>App</a:t>
             </a:r>
             <a:r>
               <a:rPr lang="en-US" sz="1600" dirty="0">
@@ -5135,33 +5635,78 @@
               <a:t> </a:t>
             </a:r>
             <a:r>
+              <a:rPr lang="en-US" sz="1600" dirty="0">
+                <a:solidFill>
+                  <a:srgbClr val="808080"/>
+                </a:solidFill>
+                <a:latin typeface="Consolas" panose="020B0609020204030204" pitchFamily="49" charset="0"/>
+              </a:rPr>
+              <a:t>/&gt;&lt;/</a:t>
+            </a:r>
+            <a:r>
+              <a:rPr lang="en-US" sz="1600" dirty="0">
+                <a:solidFill>
+                  <a:srgbClr val="4EC9B0"/>
+                </a:solidFill>
+                <a:latin typeface="Consolas" panose="020B0609020204030204" pitchFamily="49" charset="0"/>
+              </a:rPr>
+              <a:t>Provider</a:t>
+            </a:r>
+            <a:r>
+              <a:rPr lang="en-US" sz="1600" dirty="0">
+                <a:solidFill>
+                  <a:srgbClr val="808080"/>
+                </a:solidFill>
+                <a:latin typeface="Consolas" panose="020B0609020204030204" pitchFamily="49" charset="0"/>
+              </a:rPr>
+              <a:t>&gt;</a:t>
+            </a:r>
+            <a:r>
+              <a:rPr lang="en-US" sz="1600" dirty="0">
+                <a:solidFill>
+                  <a:srgbClr val="D4D4D4"/>
+                </a:solidFill>
+                <a:latin typeface="Consolas" panose="020B0609020204030204" pitchFamily="49" charset="0"/>
+              </a:rPr>
+              <a:t>,</a:t>
+            </a:r>
+          </a:p>
+          <a:p>
+            <a:r>
+              <a:rPr lang="en-US" sz="1600" dirty="0">
+                <a:solidFill>
+                  <a:srgbClr val="D4D4D4"/>
+                </a:solidFill>
+                <a:latin typeface="Consolas" panose="020B0609020204030204" pitchFamily="49" charset="0"/>
+              </a:rPr>
+              <a:t>  </a:t>
+            </a:r>
+            <a:r>
               <a:rPr lang="en-US" sz="1600" dirty="0" err="1">
                 <a:solidFill>
                   <a:srgbClr val="9CDCFE"/>
                 </a:solidFill>
                 <a:latin typeface="Consolas" panose="020B0609020204030204" pitchFamily="49" charset="0"/>
               </a:rPr>
-              <a:t>user_token</a:t>
-            </a:r>
-            <a:r>
-              <a:rPr lang="en-US" sz="1600" dirty="0">
+              <a:t>document</a:t>
+            </a:r>
+            <a:r>
+              <a:rPr lang="en-US" sz="1600" dirty="0" err="1">
                 <a:solidFill>
                   <a:srgbClr val="D4D4D4"/>
                 </a:solidFill>
                 <a:latin typeface="Consolas" panose="020B0609020204030204" pitchFamily="49" charset="0"/>
               </a:rPr>
-              <a:t> = {</a:t>
-            </a:r>
-          </a:p>
-          <a:p>
-            <a:r>
-              <a:rPr lang="en-US" sz="1600" dirty="0">
-                <a:solidFill>
-                  <a:srgbClr val="9CDCFE"/>
-                </a:solidFill>
-                <a:latin typeface="Consolas" panose="020B0609020204030204" pitchFamily="49" charset="0"/>
-              </a:rPr>
-              <a:t>  state:</a:t>
+              <a:t>.</a:t>
+            </a:r>
+            <a:r>
+              <a:rPr lang="en-US" sz="1600" dirty="0" err="1">
+                <a:solidFill>
+                  <a:srgbClr val="DCDCAA"/>
+                </a:solidFill>
+                <a:latin typeface="Consolas" panose="020B0609020204030204" pitchFamily="49" charset="0"/>
+              </a:rPr>
+              <a:t>getElementById</a:t>
             </a:r>
             <a:r>
               <a:rPr lang="en-US" sz="1600" dirty="0">
@@ -5170,10 +5715,17 @@
                 </a:solidFill>
                 <a:latin typeface="Consolas" panose="020B0609020204030204" pitchFamily="49" charset="0"/>
               </a:rPr>
-              <a:t> null,</a:t>
-            </a:r>
-          </a:p>
-          <a:p>
+              <a:t>(</a:t>
+            </a:r>
+            <a:r>
+              <a:rPr lang="en-US" sz="1600" dirty="0">
+                <a:solidFill>
+                  <a:srgbClr val="CE9178"/>
+                </a:solidFill>
+                <a:latin typeface="Consolas" panose="020B0609020204030204" pitchFamily="49" charset="0"/>
+              </a:rPr>
+              <a:t>'root'</a:t>
+            </a:r>
             <a:r>
               <a:rPr lang="en-US" sz="1600" dirty="0">
                 <a:solidFill>
@@ -5181,7 +5733,18 @@
                 </a:solidFill>
                 <a:latin typeface="Consolas" panose="020B0609020204030204" pitchFamily="49" charset="0"/>
               </a:rPr>
-              <a:t>};</a:t>
+              <a:t>)</a:t>
+            </a:r>
+          </a:p>
+          <a:p>
+            <a:r>
+              <a:rPr lang="en-US" sz="1600" dirty="0">
+                <a:solidFill>
+                  <a:srgbClr val="D4D4D4"/>
+                </a:solidFill>
+                <a:latin typeface="Consolas" panose="020B0609020204030204" pitchFamily="49" charset="0"/>
+              </a:rPr>
+              <a:t>);</a:t>
             </a:r>
             <a:endParaRPr lang="en-US" sz="1600" b="0" dirty="0">
               <a:solidFill>
@@ -5193,174 +5756,10 @@
           </a:p>
         </p:txBody>
       </p:sp>
-      <p:sp>
-        <p:nvSpPr>
-          <p:cNvPr id="16" name="矩形 15">
-            <a:extLst>
-              <a:ext uri="{FF2B5EF4-FFF2-40B4-BE49-F238E27FC236}">
-                <a16:creationId xmlns:a16="http://schemas.microsoft.com/office/drawing/2014/main" id="{41E7C553-A3A3-444B-B4CE-BB6B9C5B9BC1}"/>
-              </a:ext>
-            </a:extLst>
-          </p:cNvPr>
-          <p:cNvSpPr/>
-          <p:nvPr/>
-        </p:nvSpPr>
-        <p:spPr>
-          <a:xfrm>
-            <a:off x="2787090" y="3828625"/>
-            <a:ext cx="7037824" cy="369332"/>
-          </a:xfrm>
-          <a:prstGeom prst="rect">
-            <a:avLst/>
-          </a:prstGeom>
-        </p:spPr>
-        <p:txBody>
-          <a:bodyPr wrap="none">
-            <a:spAutoFit/>
-          </a:bodyPr>
-          <a:lstStyle/>
-          <a:p>
-            <a:r>
-              <a:rPr lang="zh-CN" altLang="en-US" dirty="0">
-                <a:solidFill>
-                  <a:schemeClr val="bg1"/>
-                </a:solidFill>
-              </a:rPr>
-              <a:t>会在</a:t>
-            </a:r>
-            <a:r>
-              <a:rPr lang="en-US" altLang="zh-CN" dirty="0">
-                <a:solidFill>
-                  <a:schemeClr val="bg1"/>
-                </a:solidFill>
-              </a:rPr>
-              <a:t>redux store</a:t>
-            </a:r>
-            <a:r>
-              <a:rPr lang="zh-CN" altLang="en-US" dirty="0">
-                <a:solidFill>
-                  <a:schemeClr val="bg1"/>
-                </a:solidFill>
-              </a:rPr>
-              <a:t>中生成一个键值对，键名是</a:t>
-            </a:r>
-            <a:r>
-              <a:rPr lang="en-US" altLang="zh-CN" dirty="0" err="1">
-                <a:solidFill>
-                  <a:schemeClr val="bg1"/>
-                </a:solidFill>
-              </a:rPr>
-              <a:t>user_token</a:t>
-            </a:r>
-            <a:r>
-              <a:rPr lang="zh-CN" altLang="en-US" dirty="0">
-                <a:solidFill>
-                  <a:schemeClr val="bg1"/>
-                </a:solidFill>
-              </a:rPr>
-              <a:t>，初始值为</a:t>
-            </a:r>
-            <a:r>
-              <a:rPr lang="en-US" altLang="zh-CN" dirty="0">
-                <a:solidFill>
-                  <a:schemeClr val="bg1"/>
-                </a:solidFill>
-              </a:rPr>
-              <a:t>null</a:t>
-            </a:r>
-            <a:endParaRPr lang="en-US" dirty="0">
-              <a:solidFill>
-                <a:schemeClr val="bg1"/>
-              </a:solidFill>
-            </a:endParaRPr>
-          </a:p>
-        </p:txBody>
-      </p:sp>
-      <p:sp>
-        <p:nvSpPr>
-          <p:cNvPr id="17" name="Rectangle 3">
-            <a:extLst>
-              <a:ext uri="{FF2B5EF4-FFF2-40B4-BE49-F238E27FC236}">
-                <a16:creationId xmlns:a16="http://schemas.microsoft.com/office/drawing/2014/main" id="{36CA20FA-DE4C-42E9-99FC-BBCDA96F2C6D}"/>
-              </a:ext>
-            </a:extLst>
-          </p:cNvPr>
-          <p:cNvSpPr/>
-          <p:nvPr/>
-        </p:nvSpPr>
-        <p:spPr>
-          <a:xfrm rot="10800000">
-            <a:off x="2741371" y="3784691"/>
-            <a:ext cx="45719" cy="457200"/>
-          </a:xfrm>
-          <a:prstGeom prst="rect">
-            <a:avLst/>
-          </a:prstGeom>
-          <a:solidFill>
-            <a:srgbClr val="FFA400"/>
-          </a:solidFill>
-          <a:ln>
-            <a:noFill/>
-          </a:ln>
-        </p:spPr>
-        <p:style>
-          <a:lnRef idx="2">
-            <a:schemeClr val="accent1">
-              <a:shade val="50000"/>
-            </a:schemeClr>
-          </a:lnRef>
-          <a:fillRef idx="1">
-            <a:schemeClr val="accent1"/>
-          </a:fillRef>
-          <a:effectRef idx="0">
-            <a:schemeClr val="accent1"/>
-          </a:effectRef>
-          <a:fontRef idx="minor">
-            <a:schemeClr val="lt1"/>
-          </a:fontRef>
-        </p:style>
-        <p:txBody>
-          <a:bodyPr rtlCol="0" anchor="ctr"/>
-          <a:lstStyle/>
-          <a:p>
-            <a:pPr marL="0" marR="0" lvl="0" indent="0" algn="ctr" defTabSz="914400" rtl="0" eaLnBrk="1" fontAlgn="auto" latinLnBrk="0" hangingPunct="1">
-              <a:lnSpc>
-                <a:spcPct val="100000"/>
-              </a:lnSpc>
-              <a:spcBef>
-                <a:spcPts val="0"/>
-              </a:spcBef>
-              <a:spcAft>
-                <a:spcPts val="0"/>
-              </a:spcAft>
-              <a:buClrTx/>
-              <a:buSzTx/>
-              <a:buFontTx/>
-              <a:buNone/>
-              <a:tabLst/>
-              <a:defRPr/>
-            </a:pPr>
-            <a:endParaRPr kumimoji="0" lang="en-US" sz="1800" b="0" i="0" u="none" strike="noStrike" kern="1200" cap="none" spc="0" normalizeH="0" baseline="0" noProof="0">
-              <a:ln>
-                <a:noFill/>
-              </a:ln>
-              <a:solidFill>
-                <a:prstClr val="white"/>
-              </a:solidFill>
-              <a:effectLst/>
-              <a:uLnTx/>
-              <a:uFillTx/>
-              <a:latin typeface="Calibri" panose="020F0502020204030204"/>
-              <a:ea typeface="+mn-ea"/>
-              <a:cs typeface="+mn-cs"/>
-            </a:endParaRPr>
-          </a:p>
-        </p:txBody>
-      </p:sp>
     </p:spTree>
     <p:extLst>
       <p:ext uri="{BB962C8B-B14F-4D97-AF65-F5344CB8AC3E}">
-        <p14:creationId xmlns:p14="http://schemas.microsoft.com/office/powerpoint/2010/main" val="3951899454"/>
+        <p14:creationId xmlns:p14="http://schemas.microsoft.com/office/powerpoint/2010/main" val="3161449029"/>
       </p:ext>
     </p:extLst>
   </p:cSld>
@@ -5556,7 +5955,7 @@
         <p:spPr>
           <a:xfrm>
             <a:off x="345731" y="2595914"/>
-            <a:ext cx="1776032" cy="1200329"/>
+            <a:ext cx="1776032" cy="830997"/>
           </a:xfrm>
           <a:prstGeom prst="rect">
             <a:avLst/>
@@ -5587,32 +5986,26 @@
               <a:defRPr/>
             </a:pPr>
             <a:r>
-              <a:rPr kumimoji="0" lang="en-US" altLang="zh-CN" sz="2400" b="0" i="0" u="none" strike="noStrike" kern="1200" cap="none" spc="0" normalizeH="0" baseline="0" noProof="0" dirty="0">
-                <a:ln>
-                  <a:noFill/>
-                </a:ln>
+              <a:rPr lang="en-US" altLang="zh-CN" sz="2400" dirty="0">
                 <a:solidFill>
                   <a:prstClr val="white"/>
                 </a:solidFill>
-                <a:effectLst/>
-                <a:uLnTx/>
-                <a:uFillTx/>
                 <a:latin typeface="Calibri" panose="020F0502020204030204"/>
                 <a:ea typeface="等线" panose="02010600030101010101" pitchFamily="2" charset="-122"/>
-                <a:cs typeface="+mn-cs"/>
-              </a:rPr>
-              <a:t>Create Reducers</a:t>
-            </a:r>
-            <a:r>
-              <a:rPr lang="en-US" altLang="zh-CN" sz="2400" dirty="0">
+              </a:rPr>
+              <a:t>Create A </a:t>
+            </a:r>
+            <a:r>
+              <a:rPr lang="en-US" sz="2400" dirty="0">
                 <a:solidFill>
                   <a:prstClr val="white"/>
                 </a:solidFill>
                 <a:latin typeface="Calibri" panose="020F0502020204030204"/>
-              </a:rPr>
-              <a:t> in the Model</a:t>
-            </a:r>
-            <a:endParaRPr kumimoji="0" lang="en-US" altLang="zh-CN" sz="2400" b="0" i="0" u="none" strike="noStrike" kern="1200" cap="none" spc="0" normalizeH="0" baseline="0" noProof="0" dirty="0">
+                <a:ea typeface="等线" panose="02010600030101010101" pitchFamily="2" charset="-122"/>
+              </a:rPr>
+              <a:t>Model</a:t>
+            </a:r>
+            <a:endParaRPr kumimoji="0" lang="en-US" sz="2400" b="0" i="0" u="none" strike="noStrike" kern="1200" cap="none" spc="0" normalizeH="0" baseline="0" noProof="0" dirty="0">
               <a:ln>
                 <a:noFill/>
               </a:ln>
@@ -5623,7 +6016,7 @@
               <a:uLnTx/>
               <a:uFillTx/>
               <a:latin typeface="Calibri" panose="020F0502020204030204"/>
-              <a:ea typeface="等线" panose="02010600030101010101" pitchFamily="2" charset="-122"/>
+              <a:ea typeface="+mn-ea"/>
               <a:cs typeface="+mn-cs"/>
             </a:endParaRPr>
           </a:p>
@@ -5667,10 +6060,10 @@
       </p:pic>
       <p:sp>
         <p:nvSpPr>
-          <p:cNvPr id="3" name="矩形 2">
-            <a:extLst>
-              <a:ext uri="{FF2B5EF4-FFF2-40B4-BE49-F238E27FC236}">
-                <a16:creationId xmlns:a16="http://schemas.microsoft.com/office/drawing/2014/main" id="{72FC8815-CAE3-4D1B-A137-03270E75D742}"/>
+          <p:cNvPr id="2" name="矩形 1">
+            <a:extLst>
+              <a:ext uri="{FF2B5EF4-FFF2-40B4-BE49-F238E27FC236}">
+                <a16:creationId xmlns:a16="http://schemas.microsoft.com/office/drawing/2014/main" id="{BCA2521E-563E-47D0-9AC2-2C559DCC2E08}"/>
               </a:ext>
             </a:extLst>
           </p:cNvPr>
@@ -5679,8 +6072,8 @@
         </p:nvSpPr>
         <p:spPr>
           <a:xfrm>
-            <a:off x="2787090" y="1590500"/>
-            <a:ext cx="6096000" cy="2062103"/>
+            <a:off x="2787090" y="2349693"/>
+            <a:ext cx="6096000" cy="1107996"/>
           </a:xfrm>
           <a:prstGeom prst="rect">
             <a:avLst/>
@@ -5704,7 +6097,9 @@
             </a:r>
             <a:endParaRPr lang="en-US" sz="1600" dirty="0">
               <a:solidFill>
-                <a:srgbClr val="C586C0"/>
+                <a:schemeClr val="accent6">
+                  <a:lumMod val="75000"/>
+                </a:schemeClr>
               </a:solidFill>
               <a:latin typeface="Consolas" panose="020B0609020204030204" pitchFamily="49" charset="0"/>
             </a:endParaRPr>
@@ -5782,17 +6177,10 @@
                 </a:solidFill>
                 <a:latin typeface="Consolas" panose="020B0609020204030204" pitchFamily="49" charset="0"/>
               </a:rPr>
-              <a:t> </a:t>
-            </a:r>
-            <a:r>
-              <a:rPr lang="en-US" sz="1600" dirty="0">
-                <a:solidFill>
-                  <a:srgbClr val="569CD6"/>
-                </a:solidFill>
-                <a:latin typeface="Consolas" panose="020B0609020204030204" pitchFamily="49" charset="0"/>
-              </a:rPr>
-              <a:t>null</a:t>
-            </a:r>
+              <a:t> null,</a:t>
+            </a:r>
+          </a:p>
+          <a:p>
             <a:r>
               <a:rPr lang="en-US" sz="1600" dirty="0">
                 <a:solidFill>
@@ -5800,153 +6188,24 @@
                 </a:solidFill>
                 <a:latin typeface="Consolas" panose="020B0609020204030204" pitchFamily="49" charset="0"/>
               </a:rPr>
-              <a:t>,</a:t>
-            </a:r>
-          </a:p>
-          <a:p>
-            <a:r>
-              <a:rPr lang="en-US" sz="1600" dirty="0">
-                <a:solidFill>
-                  <a:srgbClr val="9CDCFE"/>
-                </a:solidFill>
-                <a:latin typeface="Consolas" panose="020B0609020204030204" pitchFamily="49" charset="0"/>
-              </a:rPr>
-              <a:t>  reducers:</a:t>
-            </a:r>
-            <a:r>
-              <a:rPr lang="en-US" sz="1600" dirty="0">
-                <a:solidFill>
-                  <a:srgbClr val="D4D4D4"/>
-                </a:solidFill>
-                <a:latin typeface="Consolas" panose="020B0609020204030204" pitchFamily="49" charset="0"/>
-              </a:rPr>
-              <a:t> {</a:t>
-            </a:r>
-          </a:p>
-          <a:p>
-            <a:r>
-              <a:rPr lang="en-US" sz="1600" dirty="0">
-                <a:solidFill>
-                  <a:srgbClr val="DCDCAA"/>
-                </a:solidFill>
-                <a:latin typeface="Consolas" panose="020B0609020204030204" pitchFamily="49" charset="0"/>
-              </a:rPr>
-              <a:t>    set</a:t>
-            </a:r>
-            <a:r>
-              <a:rPr lang="en-US" sz="1600" dirty="0">
-                <a:solidFill>
-                  <a:srgbClr val="D4D4D4"/>
-                </a:solidFill>
-                <a:latin typeface="Consolas" panose="020B0609020204030204" pitchFamily="49" charset="0"/>
-              </a:rPr>
-              <a:t>(</a:t>
-            </a:r>
-            <a:r>
-              <a:rPr lang="en-US" sz="1600" dirty="0">
-                <a:solidFill>
-                  <a:srgbClr val="9CDCFE"/>
-                </a:solidFill>
-                <a:latin typeface="Consolas" panose="020B0609020204030204" pitchFamily="49" charset="0"/>
-              </a:rPr>
-              <a:t>state</a:t>
-            </a:r>
-            <a:r>
-              <a:rPr lang="en-US" sz="1600" dirty="0">
-                <a:solidFill>
-                  <a:srgbClr val="D4D4D4"/>
-                </a:solidFill>
-                <a:latin typeface="Consolas" panose="020B0609020204030204" pitchFamily="49" charset="0"/>
-              </a:rPr>
-              <a:t>, </a:t>
-            </a:r>
-            <a:r>
-              <a:rPr lang="en-US" sz="1600" dirty="0">
-                <a:solidFill>
-                  <a:srgbClr val="9CDCFE"/>
-                </a:solidFill>
-                <a:latin typeface="Consolas" panose="020B0609020204030204" pitchFamily="49" charset="0"/>
-              </a:rPr>
-              <a:t>payload</a:t>
-            </a:r>
-            <a:r>
-              <a:rPr lang="en-US" sz="1600" dirty="0">
-                <a:solidFill>
-                  <a:srgbClr val="D4D4D4"/>
-                </a:solidFill>
-                <a:latin typeface="Consolas" panose="020B0609020204030204" pitchFamily="49" charset="0"/>
-              </a:rPr>
-              <a:t>) {</a:t>
-            </a:r>
-          </a:p>
-          <a:p>
-            <a:r>
-              <a:rPr lang="en-US" sz="1600" dirty="0">
-                <a:solidFill>
-                  <a:srgbClr val="C586C0"/>
-                </a:solidFill>
-                <a:latin typeface="Consolas" panose="020B0609020204030204" pitchFamily="49" charset="0"/>
-              </a:rPr>
-              <a:t>      return</a:t>
-            </a:r>
-            <a:r>
-              <a:rPr lang="en-US" sz="1600" dirty="0">
-                <a:solidFill>
-                  <a:srgbClr val="D4D4D4"/>
-                </a:solidFill>
-                <a:latin typeface="Consolas" panose="020B0609020204030204" pitchFamily="49" charset="0"/>
-              </a:rPr>
-              <a:t> </a:t>
-            </a:r>
-            <a:r>
-              <a:rPr lang="en-US" sz="1600" dirty="0">
-                <a:solidFill>
-                  <a:srgbClr val="9CDCFE"/>
-                </a:solidFill>
-                <a:latin typeface="Consolas" panose="020B0609020204030204" pitchFamily="49" charset="0"/>
-              </a:rPr>
-              <a:t>payload</a:t>
-            </a:r>
-            <a:r>
-              <a:rPr lang="en-US" sz="1600" dirty="0">
-                <a:solidFill>
-                  <a:srgbClr val="D4D4D4"/>
-                </a:solidFill>
-                <a:latin typeface="Consolas" panose="020B0609020204030204" pitchFamily="49" charset="0"/>
-              </a:rPr>
-              <a:t>;</a:t>
-            </a:r>
-          </a:p>
-          <a:p>
-            <a:r>
-              <a:rPr lang="en-US" sz="1600" dirty="0">
-                <a:solidFill>
-                  <a:srgbClr val="D4D4D4"/>
-                </a:solidFill>
-                <a:latin typeface="Consolas" panose="020B0609020204030204" pitchFamily="49" charset="0"/>
-              </a:rPr>
-              <a:t>  }</a:t>
-            </a:r>
-          </a:p>
-          <a:p>
-            <a:r>
-              <a:rPr lang="en-US" sz="1600" dirty="0">
-                <a:solidFill>
-                  <a:srgbClr val="D4D4D4"/>
-                </a:solidFill>
-                <a:latin typeface="Consolas" panose="020B0609020204030204" pitchFamily="49" charset="0"/>
-              </a:rPr>
-              <a:t>},</a:t>
-            </a:r>
-          </a:p>
-        </p:txBody>
-      </p:sp>
-      <p:sp>
-        <p:nvSpPr>
-          <p:cNvPr id="9" name="矩形 8">
-            <a:extLst>
-              <a:ext uri="{FF2B5EF4-FFF2-40B4-BE49-F238E27FC236}">
-                <a16:creationId xmlns:a16="http://schemas.microsoft.com/office/drawing/2014/main" id="{BCE22B8E-F1DA-43FD-8978-B2F593528294}"/>
+              <a:t>};</a:t>
+            </a:r>
+            <a:endParaRPr lang="en-US" sz="1600" b="0" dirty="0">
+              <a:solidFill>
+                <a:srgbClr val="D4D4D4"/>
+              </a:solidFill>
+              <a:effectLst/>
+              <a:latin typeface="Consolas" panose="020B0609020204030204" pitchFamily="49" charset="0"/>
+            </a:endParaRPr>
+          </a:p>
+        </p:txBody>
+      </p:sp>
+      <p:sp>
+        <p:nvSpPr>
+          <p:cNvPr id="16" name="矩形 15">
+            <a:extLst>
+              <a:ext uri="{FF2B5EF4-FFF2-40B4-BE49-F238E27FC236}">
+                <a16:creationId xmlns:a16="http://schemas.microsoft.com/office/drawing/2014/main" id="{41E7C553-A3A3-444B-B4CE-BB6B9C5B9BC1}"/>
               </a:ext>
             </a:extLst>
           </p:cNvPr>
@@ -5955,8 +6214,8 @@
         </p:nvSpPr>
         <p:spPr>
           <a:xfrm>
-            <a:off x="2832809" y="4235118"/>
-            <a:ext cx="7003840" cy="369332"/>
+            <a:off x="2787090" y="3828625"/>
+            <a:ext cx="7037824" cy="369332"/>
           </a:xfrm>
           <a:prstGeom prst="rect">
             <a:avLst/>
@@ -5969,12 +6228,20 @@
           <a:lstStyle/>
           <a:p>
             <a:r>
+              <a:rPr lang="zh-CN" altLang="en-US" dirty="0">
+                <a:solidFill>
+                  <a:schemeClr val="bg1"/>
+                </a:solidFill>
+              </a:rPr>
+              <a:t>会在</a:t>
+            </a:r>
+            <a:r>
               <a:rPr lang="en-US" altLang="zh-CN" dirty="0">
                 <a:solidFill>
                   <a:schemeClr val="bg1"/>
                 </a:solidFill>
               </a:rPr>
-              <a:t>state</a:t>
+              <a:t>redux store</a:t>
             </a:r>
             <a:r>
               <a:rPr lang="zh-CN" altLang="en-US" dirty="0">
@@ -5982,7 +6249,23 @@
                   <a:schemeClr val="bg1"/>
                 </a:solidFill>
               </a:rPr>
-              <a:t>的值是当前</a:t>
+              <a:t>中生成一个键值对，键名是</a:t>
+            </a:r>
+            <a:r>
+              <a:rPr lang="en-US" altLang="zh-CN" dirty="0" err="1">
+                <a:solidFill>
+                  <a:schemeClr val="bg1"/>
+                </a:solidFill>
+              </a:rPr>
+              <a:t>user_token</a:t>
+            </a:r>
+            <a:r>
+              <a:rPr lang="zh-CN" altLang="en-US" dirty="0">
+                <a:solidFill>
+                  <a:schemeClr val="bg1"/>
+                </a:solidFill>
+              </a:rPr>
+              <a:t>，初始值为</a:t>
             </a:r>
             <a:r>
               <a:rPr lang="en-US" altLang="zh-CN" dirty="0">
@@ -5990,47 +6273,7 @@
                   <a:schemeClr val="bg1"/>
                 </a:solidFill>
               </a:rPr>
-              <a:t>redux store</a:t>
-            </a:r>
-            <a:r>
-              <a:rPr lang="zh-CN" altLang="en-US" dirty="0">
-                <a:solidFill>
-                  <a:schemeClr val="bg1"/>
-                </a:solidFill>
-              </a:rPr>
-              <a:t>中</a:t>
-            </a:r>
-            <a:r>
-              <a:rPr lang="en-US" altLang="zh-CN" dirty="0" err="1">
-                <a:solidFill>
-                  <a:schemeClr val="bg1"/>
-                </a:solidFill>
-              </a:rPr>
-              <a:t>user_token</a:t>
-            </a:r>
-            <a:r>
-              <a:rPr lang="zh-CN" altLang="en-US" dirty="0">
-                <a:solidFill>
-                  <a:schemeClr val="bg1"/>
-                </a:solidFill>
-              </a:rPr>
-              <a:t>的值，由</a:t>
-            </a:r>
-            <a:r>
-              <a:rPr lang="en-US" altLang="zh-CN" dirty="0">
-                <a:solidFill>
-                  <a:schemeClr val="bg1"/>
-                </a:solidFill>
-              </a:rPr>
-              <a:t>rematch</a:t>
-            </a:r>
-            <a:r>
-              <a:rPr lang="zh-CN" altLang="en-US" dirty="0">
-                <a:solidFill>
-                  <a:schemeClr val="bg1"/>
-                </a:solidFill>
-              </a:rPr>
-              <a:t>自动填充</a:t>
+              <a:t>null</a:t>
             </a:r>
             <a:endParaRPr lang="en-US" dirty="0">
               <a:solidFill>
@@ -6042,10 +6285,10 @@
       </p:sp>
       <p:sp>
         <p:nvSpPr>
-          <p:cNvPr id="13" name="Rectangle 3">
-            <a:extLst>
-              <a:ext uri="{FF2B5EF4-FFF2-40B4-BE49-F238E27FC236}">
-                <a16:creationId xmlns:a16="http://schemas.microsoft.com/office/drawing/2014/main" id="{9E5DE49E-6804-45C4-8726-9FBF345765F3}"/>
+          <p:cNvPr id="17" name="Rectangle 3">
+            <a:extLst>
+              <a:ext uri="{FF2B5EF4-FFF2-40B4-BE49-F238E27FC236}">
+                <a16:creationId xmlns:a16="http://schemas.microsoft.com/office/drawing/2014/main" id="{36CA20FA-DE4C-42E9-99FC-BBCDA96F2C6D}"/>
               </a:ext>
             </a:extLst>
           </p:cNvPr>
@@ -6054,7 +6297,7 @@
         </p:nvSpPr>
         <p:spPr>
           <a:xfrm rot="10800000">
-            <a:off x="2787090" y="4191184"/>
+            <a:off x="2741371" y="3784691"/>
             <a:ext cx="45719" cy="457200"/>
           </a:xfrm>
           <a:prstGeom prst="rect">
@@ -6121,197 +6364,10 @@
           </a:p>
         </p:txBody>
       </p:sp>
-      <p:sp>
-        <p:nvSpPr>
-          <p:cNvPr id="14" name="矩形 13">
-            <a:extLst>
-              <a:ext uri="{FF2B5EF4-FFF2-40B4-BE49-F238E27FC236}">
-                <a16:creationId xmlns:a16="http://schemas.microsoft.com/office/drawing/2014/main" id="{A229A1CC-617F-4EAE-9844-21C532C2A229}"/>
-              </a:ext>
-            </a:extLst>
-          </p:cNvPr>
-          <p:cNvSpPr/>
-          <p:nvPr/>
-        </p:nvSpPr>
-        <p:spPr>
-          <a:xfrm>
-            <a:off x="2832809" y="4780472"/>
-            <a:ext cx="5808706" cy="369332"/>
-          </a:xfrm>
-          <a:prstGeom prst="rect">
-            <a:avLst/>
-          </a:prstGeom>
-        </p:spPr>
-        <p:txBody>
-          <a:bodyPr wrap="none">
-            <a:spAutoFit/>
-          </a:bodyPr>
-          <a:lstStyle/>
-          <a:p>
-            <a:r>
-              <a:rPr lang="en-US" altLang="zh-CN" dirty="0">
-                <a:solidFill>
-                  <a:schemeClr val="bg1"/>
-                </a:solidFill>
-              </a:rPr>
-              <a:t>payload</a:t>
-            </a:r>
-            <a:r>
-              <a:rPr lang="zh-CN" altLang="en-US" dirty="0">
-                <a:solidFill>
-                  <a:schemeClr val="bg1"/>
-                </a:solidFill>
-              </a:rPr>
-              <a:t>的值是程序员调用这个</a:t>
-            </a:r>
-            <a:r>
-              <a:rPr lang="en-US" altLang="zh-CN" dirty="0">
-                <a:solidFill>
-                  <a:schemeClr val="bg1"/>
-                </a:solidFill>
-              </a:rPr>
-              <a:t>reducer</a:t>
-            </a:r>
-            <a:r>
-              <a:rPr lang="zh-CN" altLang="en-US" dirty="0">
-                <a:solidFill>
-                  <a:schemeClr val="bg1"/>
-                </a:solidFill>
-              </a:rPr>
-              <a:t>时，自己填充的值</a:t>
-            </a:r>
-            <a:endParaRPr lang="en-US" dirty="0">
-              <a:solidFill>
-                <a:schemeClr val="bg1"/>
-              </a:solidFill>
-            </a:endParaRPr>
-          </a:p>
-        </p:txBody>
-      </p:sp>
-      <p:sp>
-        <p:nvSpPr>
-          <p:cNvPr id="15" name="Rectangle 3">
-            <a:extLst>
-              <a:ext uri="{FF2B5EF4-FFF2-40B4-BE49-F238E27FC236}">
-                <a16:creationId xmlns:a16="http://schemas.microsoft.com/office/drawing/2014/main" id="{6BD9C473-75DA-4585-BB98-C08665EADF12}"/>
-              </a:ext>
-            </a:extLst>
-          </p:cNvPr>
-          <p:cNvSpPr/>
-          <p:nvPr/>
-        </p:nvSpPr>
-        <p:spPr>
-          <a:xfrm rot="10800000">
-            <a:off x="2787090" y="4736538"/>
-            <a:ext cx="45719" cy="457200"/>
-          </a:xfrm>
-          <a:prstGeom prst="rect">
-            <a:avLst/>
-          </a:prstGeom>
-          <a:solidFill>
-            <a:srgbClr val="FFA400"/>
-          </a:solidFill>
-          <a:ln>
-            <a:noFill/>
-          </a:ln>
-        </p:spPr>
-        <p:style>
-          <a:lnRef idx="2">
-            <a:schemeClr val="accent1">
-              <a:shade val="50000"/>
-            </a:schemeClr>
-          </a:lnRef>
-          <a:fillRef idx="1">
-            <a:schemeClr val="accent1"/>
-          </a:fillRef>
-          <a:effectRef idx="0">
-            <a:schemeClr val="accent1"/>
-          </a:effectRef>
-          <a:fontRef idx="minor">
-            <a:schemeClr val="lt1"/>
-          </a:fontRef>
-        </p:style>
-        <p:txBody>
-          <a:bodyPr rtlCol="0" anchor="ctr"/>
-          <a:lstStyle/>
-          <a:p>
-            <a:pPr marL="0" marR="0" lvl="0" indent="0" algn="ctr" defTabSz="914400" rtl="0" eaLnBrk="1" fontAlgn="auto" latinLnBrk="0" hangingPunct="1">
-              <a:lnSpc>
-                <a:spcPct val="100000"/>
-              </a:lnSpc>
-              <a:spcBef>
-                <a:spcPts val="0"/>
-              </a:spcBef>
-              <a:spcAft>
-                <a:spcPts val="0"/>
-              </a:spcAft>
-              <a:buClrTx/>
-              <a:buSzTx/>
-              <a:buFontTx/>
-              <a:buNone/>
-              <a:tabLst/>
-              <a:defRPr/>
-            </a:pPr>
-            <a:endParaRPr kumimoji="0" lang="en-US" sz="1800" b="0" i="0" u="none" strike="noStrike" kern="1200" cap="none" spc="0" normalizeH="0" baseline="0" noProof="0">
-              <a:ln>
-                <a:noFill/>
-              </a:ln>
-              <a:solidFill>
-                <a:prstClr val="white"/>
-              </a:solidFill>
-              <a:effectLst/>
-              <a:uLnTx/>
-              <a:uFillTx/>
-              <a:latin typeface="Calibri" panose="020F0502020204030204"/>
-              <a:ea typeface="+mn-ea"/>
-              <a:cs typeface="+mn-cs"/>
-            </a:endParaRPr>
-          </a:p>
-        </p:txBody>
-      </p:sp>
-      <p:sp>
-        <p:nvSpPr>
-          <p:cNvPr id="4" name="矩形 3">
-            <a:extLst>
-              <a:ext uri="{FF2B5EF4-FFF2-40B4-BE49-F238E27FC236}">
-                <a16:creationId xmlns:a16="http://schemas.microsoft.com/office/drawing/2014/main" id="{9BCF5D67-81FC-49B7-93DA-6AA27839AB9F}"/>
-              </a:ext>
-            </a:extLst>
-          </p:cNvPr>
-          <p:cNvSpPr/>
-          <p:nvPr/>
-        </p:nvSpPr>
-        <p:spPr>
-          <a:xfrm>
-            <a:off x="2832809" y="3821709"/>
-            <a:ext cx="646331" cy="369332"/>
-          </a:xfrm>
-          <a:prstGeom prst="rect">
-            <a:avLst/>
-          </a:prstGeom>
-        </p:spPr>
-        <p:txBody>
-          <a:bodyPr wrap="none">
-            <a:spAutoFit/>
-          </a:bodyPr>
-          <a:lstStyle/>
-          <a:p>
-            <a:r>
-              <a:rPr lang="zh-CN" altLang="en-US" dirty="0">
-                <a:solidFill>
-                  <a:schemeClr val="bg1"/>
-                </a:solidFill>
-              </a:rPr>
-              <a:t>其中</a:t>
-            </a:r>
-            <a:endParaRPr lang="en-US" dirty="0"/>
-          </a:p>
-        </p:txBody>
-      </p:sp>
     </p:spTree>
     <p:extLst>
       <p:ext uri="{BB962C8B-B14F-4D97-AF65-F5344CB8AC3E}">
-        <p14:creationId xmlns:p14="http://schemas.microsoft.com/office/powerpoint/2010/main" val="216562017"/>
+        <p14:creationId xmlns:p14="http://schemas.microsoft.com/office/powerpoint/2010/main" val="3951899454"/>
       </p:ext>
     </p:extLst>
   </p:cSld>
@@ -6552,8 +6608,31 @@
                 <a:ea typeface="等线" panose="02010600030101010101" pitchFamily="2" charset="-122"/>
                 <a:cs typeface="+mn-cs"/>
               </a:rPr>
-              <a:t>Create Effects in the Model</a:t>
-            </a:r>
+              <a:t>Create Reducers</a:t>
+            </a:r>
+            <a:r>
+              <a:rPr lang="en-US" altLang="zh-CN" sz="2400" dirty="0">
+                <a:solidFill>
+                  <a:prstClr val="white"/>
+                </a:solidFill>
+                <a:latin typeface="Calibri" panose="020F0502020204030204"/>
+              </a:rPr>
+              <a:t> in the Model</a:t>
+            </a:r>
+            <a:endParaRPr kumimoji="0" lang="en-US" altLang="zh-CN" sz="2400" b="0" i="0" u="none" strike="noStrike" kern="1200" cap="none" spc="0" normalizeH="0" baseline="0" noProof="0" dirty="0">
+              <a:ln>
+                <a:noFill/>
+              </a:ln>
+              <a:solidFill>
+                <a:prstClr val="white"/>
+              </a:solidFill>
+              <a:effectLst/>
+              <a:uLnTx/>
+              <a:uFillTx/>
+              <a:latin typeface="Calibri" panose="020F0502020204030204"/>
+              <a:ea typeface="等线" panose="02010600030101010101" pitchFamily="2" charset="-122"/>
+              <a:cs typeface="+mn-cs"/>
+            </a:endParaRPr>
           </a:p>
         </p:txBody>
       </p:sp>
@@ -6595,10 +6674,10 @@
       </p:pic>
       <p:sp>
         <p:nvSpPr>
-          <p:cNvPr id="2" name="矩形 1">
-            <a:extLst>
-              <a:ext uri="{FF2B5EF4-FFF2-40B4-BE49-F238E27FC236}">
-                <a16:creationId xmlns:a16="http://schemas.microsoft.com/office/drawing/2014/main" id="{1FC962CE-5082-4F55-B45C-A53823A22B08}"/>
+          <p:cNvPr id="3" name="矩形 2">
+            <a:extLst>
+              <a:ext uri="{FF2B5EF4-FFF2-40B4-BE49-F238E27FC236}">
+                <a16:creationId xmlns:a16="http://schemas.microsoft.com/office/drawing/2014/main" id="{72FC8815-CAE3-4D1B-A137-03270E75D742}"/>
               </a:ext>
             </a:extLst>
           </p:cNvPr>
@@ -6607,8 +6686,8 @@
         </p:nvSpPr>
         <p:spPr>
           <a:xfrm>
-            <a:off x="2787091" y="654048"/>
-            <a:ext cx="6096000" cy="3293209"/>
+            <a:off x="2787090" y="1590500"/>
+            <a:ext cx="6096000" cy="2062103"/>
           </a:xfrm>
           <a:prstGeom prst="rect">
             <a:avLst/>
@@ -6860,188 +6939,21 @@
             <a:r>
               <a:rPr lang="en-US" sz="1600" dirty="0">
                 <a:solidFill>
-                  <a:srgbClr val="DCDCAA"/>
-                </a:solidFill>
-                <a:latin typeface="Consolas" panose="020B0609020204030204" pitchFamily="49" charset="0"/>
-              </a:rPr>
-              <a:t>  effects</a:t>
-            </a:r>
-            <a:r>
-              <a:rPr lang="en-US" sz="1600" dirty="0">
-                <a:solidFill>
-                  <a:srgbClr val="9CDCFE"/>
-                </a:solidFill>
-                <a:latin typeface="Consolas" panose="020B0609020204030204" pitchFamily="49" charset="0"/>
-              </a:rPr>
-              <a:t>:</a:t>
-            </a:r>
-            <a:r>
-              <a:rPr lang="en-US" sz="1600" dirty="0">
-                <a:solidFill>
                   <a:srgbClr val="D4D4D4"/>
                 </a:solidFill>
                 <a:latin typeface="Consolas" panose="020B0609020204030204" pitchFamily="49" charset="0"/>
               </a:rPr>
-              <a:t> (</a:t>
-            </a:r>
-            <a:r>
-              <a:rPr lang="en-US" sz="1600" dirty="0">
-                <a:solidFill>
-                  <a:srgbClr val="9CDCFE"/>
-                </a:solidFill>
-                <a:latin typeface="Consolas" panose="020B0609020204030204" pitchFamily="49" charset="0"/>
-              </a:rPr>
-              <a:t>dispatch</a:t>
-            </a:r>
-            <a:r>
-              <a:rPr lang="en-US" sz="1600" dirty="0">
-                <a:solidFill>
-                  <a:srgbClr val="D4D4D4"/>
-                </a:solidFill>
-                <a:latin typeface="Consolas" panose="020B0609020204030204" pitchFamily="49" charset="0"/>
-              </a:rPr>
-              <a:t>) </a:t>
-            </a:r>
-            <a:r>
-              <a:rPr lang="en-US" sz="1600" dirty="0">
-                <a:solidFill>
-                  <a:srgbClr val="569CD6"/>
-                </a:solidFill>
-                <a:latin typeface="Consolas" panose="020B0609020204030204" pitchFamily="49" charset="0"/>
-              </a:rPr>
-              <a:t>=&gt;</a:t>
-            </a:r>
-            <a:r>
-              <a:rPr lang="en-US" sz="1600" dirty="0">
-                <a:solidFill>
-                  <a:srgbClr val="D4D4D4"/>
-                </a:solidFill>
-                <a:latin typeface="Consolas" panose="020B0609020204030204" pitchFamily="49" charset="0"/>
-              </a:rPr>
-              <a:t> ({</a:t>
-            </a:r>
-          </a:p>
-          <a:p>
-            <a:r>
-              <a:rPr lang="en-US" sz="1600" dirty="0">
-                <a:solidFill>
-                  <a:srgbClr val="DCDCAA"/>
-                </a:solidFill>
-                <a:latin typeface="Consolas" panose="020B0609020204030204" pitchFamily="49" charset="0"/>
-              </a:rPr>
-              <a:t>    create</a:t>
-            </a:r>
-            <a:r>
-              <a:rPr lang="en-US" sz="1600" dirty="0">
-                <a:solidFill>
-                  <a:srgbClr val="D4D4D4"/>
-                </a:solidFill>
-                <a:latin typeface="Consolas" panose="020B0609020204030204" pitchFamily="49" charset="0"/>
-              </a:rPr>
-              <a:t>(</a:t>
-            </a:r>
-            <a:r>
-              <a:rPr lang="en-US" sz="1600" dirty="0">
-                <a:solidFill>
-                  <a:srgbClr val="9CDCFE"/>
-                </a:solidFill>
-                <a:latin typeface="Consolas" panose="020B0609020204030204" pitchFamily="49" charset="0"/>
-              </a:rPr>
-              <a:t>payload</a:t>
-            </a:r>
-            <a:r>
-              <a:rPr lang="en-US" sz="1600" dirty="0">
-                <a:solidFill>
-                  <a:srgbClr val="D4D4D4"/>
-                </a:solidFill>
-                <a:latin typeface="Consolas" panose="020B0609020204030204" pitchFamily="49" charset="0"/>
-              </a:rPr>
-              <a:t>, </a:t>
-            </a:r>
-            <a:r>
-              <a:rPr lang="en-US" sz="1600" dirty="0">
-                <a:solidFill>
-                  <a:srgbClr val="9CDCFE"/>
-                </a:solidFill>
-                <a:latin typeface="Consolas" panose="020B0609020204030204" pitchFamily="49" charset="0"/>
-              </a:rPr>
-              <a:t>state</a:t>
-            </a:r>
-            <a:r>
-              <a:rPr lang="en-US" sz="1600" dirty="0">
-                <a:solidFill>
-                  <a:srgbClr val="D4D4D4"/>
-                </a:solidFill>
-                <a:latin typeface="Consolas" panose="020B0609020204030204" pitchFamily="49" charset="0"/>
-              </a:rPr>
-              <a:t>) {</a:t>
-            </a:r>
-          </a:p>
-          <a:p>
-            <a:r>
-              <a:rPr lang="en-US" sz="1600" dirty="0">
-                <a:solidFill>
-                  <a:srgbClr val="6A9955"/>
-                </a:solidFill>
-                <a:latin typeface="Consolas" panose="020B0609020204030204" pitchFamily="49" charset="0"/>
-              </a:rPr>
-              <a:t>      // networking stuff here</a:t>
-            </a:r>
-            <a:endParaRPr lang="en-US" sz="1600" dirty="0">
-              <a:solidFill>
-                <a:srgbClr val="D4D4D4"/>
-              </a:solidFill>
-              <a:latin typeface="Consolas" panose="020B0609020204030204" pitchFamily="49" charset="0"/>
-            </a:endParaRPr>
-          </a:p>
-          <a:p>
-            <a:r>
-              <a:rPr lang="en-US" sz="1600" dirty="0">
-                <a:solidFill>
-                  <a:srgbClr val="D4D4D4"/>
-                </a:solidFill>
-                <a:latin typeface="Consolas" panose="020B0609020204030204" pitchFamily="49" charset="0"/>
-              </a:rPr>
-              <a:t>    }</a:t>
-            </a:r>
-          </a:p>
-          <a:p>
-            <a:r>
-              <a:rPr lang="en-US" sz="1600" dirty="0">
-                <a:solidFill>
-                  <a:srgbClr val="D4D4D4"/>
-                </a:solidFill>
-                <a:latin typeface="Consolas" panose="020B0609020204030204" pitchFamily="49" charset="0"/>
-              </a:rPr>
-              <a:t>  }),</a:t>
-            </a:r>
-          </a:p>
-          <a:p>
-            <a:r>
-              <a:rPr lang="en-US" sz="1600" dirty="0">
-                <a:solidFill>
-                  <a:srgbClr val="D4D4D4"/>
-                </a:solidFill>
-                <a:latin typeface="Consolas" panose="020B0609020204030204" pitchFamily="49" charset="0"/>
-              </a:rPr>
-              <a:t>};</a:t>
-            </a:r>
-            <a:endParaRPr lang="en-US" sz="1600" b="0" dirty="0">
-              <a:solidFill>
-                <a:srgbClr val="D4D4D4"/>
-              </a:solidFill>
-              <a:effectLst/>
-              <a:latin typeface="Consolas" panose="020B0609020204030204" pitchFamily="49" charset="0"/>
-            </a:endParaRPr>
-          </a:p>
-        </p:txBody>
-      </p:sp>
-      <p:sp>
-        <p:nvSpPr>
-          <p:cNvPr id="16" name="矩形 15">
-            <a:extLst>
-              <a:ext uri="{FF2B5EF4-FFF2-40B4-BE49-F238E27FC236}">
-                <a16:creationId xmlns:a16="http://schemas.microsoft.com/office/drawing/2014/main" id="{16AFEF6A-7534-48AB-B1CD-C1BDF2A56746}"/>
+              <a:t>},</a:t>
+            </a:r>
+          </a:p>
+        </p:txBody>
+      </p:sp>
+      <p:sp>
+        <p:nvSpPr>
+          <p:cNvPr id="9" name="矩形 8">
+            <a:extLst>
+              <a:ext uri="{FF2B5EF4-FFF2-40B4-BE49-F238E27FC236}">
+                <a16:creationId xmlns:a16="http://schemas.microsoft.com/office/drawing/2014/main" id="{BCE22B8E-F1DA-43FD-8978-B2F593528294}"/>
               </a:ext>
             </a:extLst>
           </p:cNvPr>
@@ -7050,15 +6962,15 @@
         </p:nvSpPr>
         <p:spPr>
           <a:xfrm>
-            <a:off x="2832811" y="4526907"/>
-            <a:ext cx="8884384" cy="646331"/>
+            <a:off x="2832809" y="4235118"/>
+            <a:ext cx="7003840" cy="369332"/>
           </a:xfrm>
           <a:prstGeom prst="rect">
             <a:avLst/>
           </a:prstGeom>
         </p:spPr>
         <p:txBody>
-          <a:bodyPr wrap="square">
+          <a:bodyPr wrap="none">
             <a:spAutoFit/>
           </a:bodyPr>
           <a:lstStyle/>
@@ -7069,7 +6981,7 @@
                   <a:schemeClr val="bg1"/>
                 </a:solidFill>
               </a:rPr>
-              <a:t>dispatch</a:t>
+              <a:t>state</a:t>
             </a:r>
             <a:r>
               <a:rPr lang="zh-CN" altLang="en-US" dirty="0">
@@ -7077,7 +6989,7 @@
                   <a:schemeClr val="bg1"/>
                 </a:solidFill>
               </a:rPr>
-              <a:t>为</a:t>
+              <a:t>的值是当前</a:t>
             </a:r>
             <a:r>
               <a:rPr lang="en-US" altLang="zh-CN" dirty="0">
@@ -7085,7 +6997,7 @@
                   <a:schemeClr val="bg1"/>
                 </a:solidFill>
               </a:rPr>
-              <a:t>rematch</a:t>
+              <a:t>redux store</a:t>
             </a:r>
             <a:r>
               <a:rPr lang="zh-CN" altLang="en-US" dirty="0">
@@ -7093,15 +7005,15 @@
                   <a:schemeClr val="bg1"/>
                 </a:solidFill>
               </a:rPr>
-              <a:t>中的</a:t>
-            </a:r>
-            <a:r>
-              <a:rPr lang="en-US" altLang="zh-CN" dirty="0">
+              <a:t>中</a:t>
+            </a:r>
+            <a:r>
+              <a:rPr lang="en-US" altLang="zh-CN" dirty="0" err="1">
                 <a:solidFill>
                   <a:schemeClr val="bg1"/>
                 </a:solidFill>
               </a:rPr>
-              <a:t>dispatch</a:t>
+              <a:t>user_token</a:t>
             </a:r>
             <a:r>
               <a:rPr lang="zh-CN" altLang="en-US" dirty="0">
@@ -7109,39 +7021,7 @@
                   <a:schemeClr val="bg1"/>
                 </a:solidFill>
               </a:rPr>
-              <a:t>对象，它是对</a:t>
-            </a:r>
-            <a:r>
-              <a:rPr lang="en-US" altLang="zh-CN" dirty="0">
-                <a:solidFill>
-                  <a:schemeClr val="bg1"/>
-                </a:solidFill>
-              </a:rPr>
-              <a:t>redux</a:t>
-            </a:r>
-            <a:r>
-              <a:rPr lang="zh-CN" altLang="en-US" dirty="0">
-                <a:solidFill>
-                  <a:schemeClr val="bg1"/>
-                </a:solidFill>
-              </a:rPr>
-              <a:t>的</a:t>
-            </a:r>
-            <a:r>
-              <a:rPr lang="en-US" altLang="zh-CN" dirty="0">
-                <a:solidFill>
-                  <a:schemeClr val="bg1"/>
-                </a:solidFill>
-              </a:rPr>
-              <a:t>dispatch</a:t>
-            </a:r>
-            <a:r>
-              <a:rPr lang="zh-CN" altLang="en-US" dirty="0">
-                <a:solidFill>
-                  <a:schemeClr val="bg1"/>
-                </a:solidFill>
-              </a:rPr>
-              <a:t>方法的再封装，由</a:t>
+              <a:t>的值，由</a:t>
             </a:r>
             <a:r>
               <a:rPr lang="en-US" altLang="zh-CN" dirty="0">
@@ -7169,10 +7049,10 @@
       </p:sp>
       <p:sp>
         <p:nvSpPr>
-          <p:cNvPr id="17" name="Rectangle 3">
-            <a:extLst>
-              <a:ext uri="{FF2B5EF4-FFF2-40B4-BE49-F238E27FC236}">
-                <a16:creationId xmlns:a16="http://schemas.microsoft.com/office/drawing/2014/main" id="{0C988EF2-0004-4DCE-84C5-8AB5C6AEB5EC}"/>
+          <p:cNvPr id="13" name="Rectangle 3">
+            <a:extLst>
+              <a:ext uri="{FF2B5EF4-FFF2-40B4-BE49-F238E27FC236}">
+                <a16:creationId xmlns:a16="http://schemas.microsoft.com/office/drawing/2014/main" id="{9E5DE49E-6804-45C4-8726-9FBF345765F3}"/>
               </a:ext>
             </a:extLst>
           </p:cNvPr>
@@ -7181,7 +7061,7 @@
         </p:nvSpPr>
         <p:spPr>
           <a:xfrm rot="10800000">
-            <a:off x="2787092" y="4482973"/>
+            <a:off x="2787090" y="4191184"/>
             <a:ext cx="45719" cy="457200"/>
           </a:xfrm>
           <a:prstGeom prst="rect">
@@ -7250,10 +7130,10 @@
       </p:sp>
       <p:sp>
         <p:nvSpPr>
-          <p:cNvPr id="18" name="矩形 17">
-            <a:extLst>
-              <a:ext uri="{FF2B5EF4-FFF2-40B4-BE49-F238E27FC236}">
-                <a16:creationId xmlns:a16="http://schemas.microsoft.com/office/drawing/2014/main" id="{A46506E9-315C-49E9-8504-1F9D2B336A34}"/>
+          <p:cNvPr id="14" name="矩形 13">
+            <a:extLst>
+              <a:ext uri="{FF2B5EF4-FFF2-40B4-BE49-F238E27FC236}">
+                <a16:creationId xmlns:a16="http://schemas.microsoft.com/office/drawing/2014/main" id="{A229A1CC-617F-4EAE-9844-21C532C2A229}"/>
               </a:ext>
             </a:extLst>
           </p:cNvPr>
@@ -7262,8 +7142,8 @@
         </p:nvSpPr>
         <p:spPr>
           <a:xfrm>
-            <a:off x="2832811" y="5217172"/>
-            <a:ext cx="7127720" cy="369332"/>
+            <a:off x="2832809" y="4780472"/>
+            <a:ext cx="5808706" cy="369332"/>
           </a:xfrm>
           <a:prstGeom prst="rect">
             <a:avLst/>
@@ -7281,7 +7161,7 @@
                   <a:schemeClr val="bg1"/>
                 </a:solidFill>
               </a:rPr>
-              <a:t>create</a:t>
+              <a:t>payload</a:t>
             </a:r>
             <a:r>
               <a:rPr lang="zh-CN" altLang="en-US" dirty="0">
@@ -7289,7 +7169,7 @@
                   <a:schemeClr val="bg1"/>
                 </a:solidFill>
               </a:rPr>
-              <a:t>函数中的</a:t>
+              <a:t>的值是程序员调用这个</a:t>
             </a:r>
             <a:r>
               <a:rPr lang="en-US" altLang="zh-CN" dirty="0">
@@ -7297,23 +7177,7 @@
                   <a:schemeClr val="bg1"/>
                 </a:solidFill>
               </a:rPr>
-              <a:t>payload</a:t>
-            </a:r>
-            <a:r>
-              <a:rPr lang="zh-CN" altLang="en-US" dirty="0">
-                <a:solidFill>
-                  <a:schemeClr val="bg1"/>
-                </a:solidFill>
-              </a:rPr>
-              <a:t>的值是程序员调用这个</a:t>
-            </a:r>
-            <a:r>
-              <a:rPr lang="en-US" altLang="zh-CN" dirty="0">
-                <a:solidFill>
-                  <a:schemeClr val="bg1"/>
-                </a:solidFill>
-              </a:rPr>
-              <a:t>effect</a:t>
+              <a:t>reducer</a:t>
             </a:r>
             <a:r>
               <a:rPr lang="zh-CN" altLang="en-US" dirty="0">
@@ -7333,10 +7197,10 @@
       </p:sp>
       <p:sp>
         <p:nvSpPr>
-          <p:cNvPr id="19" name="Rectangle 3">
-            <a:extLst>
-              <a:ext uri="{FF2B5EF4-FFF2-40B4-BE49-F238E27FC236}">
-                <a16:creationId xmlns:a16="http://schemas.microsoft.com/office/drawing/2014/main" id="{89E4CA3C-B359-4331-B74A-D958180E8AD2}"/>
+          <p:cNvPr id="15" name="Rectangle 3">
+            <a:extLst>
+              <a:ext uri="{FF2B5EF4-FFF2-40B4-BE49-F238E27FC236}">
+                <a16:creationId xmlns:a16="http://schemas.microsoft.com/office/drawing/2014/main" id="{6BD9C473-75DA-4585-BB98-C08665EADF12}"/>
               </a:ext>
             </a:extLst>
           </p:cNvPr>
@@ -7345,7 +7209,7 @@
         </p:nvSpPr>
         <p:spPr>
           <a:xfrm rot="10800000">
-            <a:off x="2787092" y="5173238"/>
+            <a:off x="2787090" y="4736538"/>
             <a:ext cx="45719" cy="457200"/>
           </a:xfrm>
           <a:prstGeom prst="rect">
@@ -7414,10 +7278,10 @@
       </p:sp>
       <p:sp>
         <p:nvSpPr>
-          <p:cNvPr id="20" name="矩形 19">
-            <a:extLst>
-              <a:ext uri="{FF2B5EF4-FFF2-40B4-BE49-F238E27FC236}">
-                <a16:creationId xmlns:a16="http://schemas.microsoft.com/office/drawing/2014/main" id="{97A74A6F-0AFF-4871-AAC7-BD3F8AD67B72}"/>
+          <p:cNvPr id="4" name="矩形 3">
+            <a:extLst>
+              <a:ext uri="{FF2B5EF4-FFF2-40B4-BE49-F238E27FC236}">
+                <a16:creationId xmlns:a16="http://schemas.microsoft.com/office/drawing/2014/main" id="{9BCF5D67-81FC-49B7-93DA-6AA27839AB9F}"/>
               </a:ext>
             </a:extLst>
           </p:cNvPr>
@@ -7426,7 +7290,7 @@
         </p:nvSpPr>
         <p:spPr>
           <a:xfrm>
-            <a:off x="2832811" y="4113498"/>
+            <a:off x="2832809" y="3821709"/>
             <a:ext cx="646331" cy="369332"/>
           </a:xfrm>
           <a:prstGeom prst="rect">
@@ -7451,190 +7315,10 @@
           </a:p>
         </p:txBody>
       </p:sp>
-      <p:sp>
-        <p:nvSpPr>
-          <p:cNvPr id="21" name="矩形 20">
-            <a:extLst>
-              <a:ext uri="{FF2B5EF4-FFF2-40B4-BE49-F238E27FC236}">
-                <a16:creationId xmlns:a16="http://schemas.microsoft.com/office/drawing/2014/main" id="{4F748FF6-DC14-4814-A63B-F6D524679188}"/>
-              </a:ext>
-            </a:extLst>
-          </p:cNvPr>
-          <p:cNvSpPr/>
-          <p:nvPr/>
-        </p:nvSpPr>
-        <p:spPr>
-          <a:xfrm>
-            <a:off x="2832812" y="5749928"/>
-            <a:ext cx="6773008" cy="369332"/>
-          </a:xfrm>
-          <a:prstGeom prst="rect">
-            <a:avLst/>
-          </a:prstGeom>
-        </p:spPr>
-        <p:txBody>
-          <a:bodyPr wrap="none">
-            <a:spAutoFit/>
-          </a:bodyPr>
-          <a:lstStyle/>
-          <a:p>
-            <a:r>
-              <a:rPr lang="en-US" altLang="zh-CN" dirty="0">
-                <a:solidFill>
-                  <a:schemeClr val="bg1"/>
-                </a:solidFill>
-              </a:rPr>
-              <a:t>state</a:t>
-            </a:r>
-            <a:r>
-              <a:rPr lang="zh-CN" altLang="en-US" dirty="0">
-                <a:solidFill>
-                  <a:schemeClr val="bg1"/>
-                </a:solidFill>
-              </a:rPr>
-              <a:t>的值是当前</a:t>
-            </a:r>
-            <a:r>
-              <a:rPr lang="en-US" altLang="zh-CN" dirty="0">
-                <a:solidFill>
-                  <a:schemeClr val="bg1"/>
-                </a:solidFill>
-              </a:rPr>
-              <a:t>redux store</a:t>
-            </a:r>
-            <a:r>
-              <a:rPr lang="zh-CN" altLang="en-US" dirty="0">
-                <a:solidFill>
-                  <a:schemeClr val="bg1"/>
-                </a:solidFill>
-              </a:rPr>
-              <a:t>中</a:t>
-            </a:r>
-            <a:r>
-              <a:rPr lang="en-US" altLang="zh-CN" dirty="0" err="1">
-                <a:solidFill>
-                  <a:schemeClr val="bg1"/>
-                </a:solidFill>
-              </a:rPr>
-              <a:t>user_token</a:t>
-            </a:r>
-            <a:r>
-              <a:rPr lang="zh-CN" altLang="en-US" dirty="0">
-                <a:solidFill>
-                  <a:schemeClr val="bg1"/>
-                </a:solidFill>
-              </a:rPr>
-              <a:t>的值，由</a:t>
-            </a:r>
-            <a:r>
-              <a:rPr lang="en-US" altLang="zh-CN" dirty="0">
-                <a:solidFill>
-                  <a:schemeClr val="bg1"/>
-                </a:solidFill>
-              </a:rPr>
-              <a:t>rematch</a:t>
-            </a:r>
-            <a:r>
-              <a:rPr lang="zh-CN" altLang="en-US" dirty="0">
-                <a:solidFill>
-                  <a:schemeClr val="bg1"/>
-                </a:solidFill>
-              </a:rPr>
-              <a:t>自动填充</a:t>
-            </a:r>
-            <a:endParaRPr lang="en-US" dirty="0">
-              <a:solidFill>
-                <a:schemeClr val="bg1"/>
-              </a:solidFill>
-            </a:endParaRPr>
-          </a:p>
-        </p:txBody>
-      </p:sp>
-      <p:sp>
-        <p:nvSpPr>
-          <p:cNvPr id="22" name="Rectangle 3">
-            <a:extLst>
-              <a:ext uri="{FF2B5EF4-FFF2-40B4-BE49-F238E27FC236}">
-                <a16:creationId xmlns:a16="http://schemas.microsoft.com/office/drawing/2014/main" id="{858AED10-2C52-4B89-A192-761DD0005FDA}"/>
-              </a:ext>
-            </a:extLst>
-          </p:cNvPr>
-          <p:cNvSpPr/>
-          <p:nvPr/>
-        </p:nvSpPr>
-        <p:spPr>
-          <a:xfrm rot="10800000">
-            <a:off x="2787093" y="5705994"/>
-            <a:ext cx="45719" cy="457200"/>
-          </a:xfrm>
-          <a:prstGeom prst="rect">
-            <a:avLst/>
-          </a:prstGeom>
-          <a:solidFill>
-            <a:srgbClr val="FFA400"/>
-          </a:solidFill>
-          <a:ln>
-            <a:noFill/>
-          </a:ln>
-        </p:spPr>
-        <p:style>
-          <a:lnRef idx="2">
-            <a:schemeClr val="accent1">
-              <a:shade val="50000"/>
-            </a:schemeClr>
-          </a:lnRef>
-          <a:fillRef idx="1">
-            <a:schemeClr val="accent1"/>
-          </a:fillRef>
-          <a:effectRef idx="0">
-            <a:schemeClr val="accent1"/>
-          </a:effectRef>
-          <a:fontRef idx="minor">
-            <a:schemeClr val="lt1"/>
-          </a:fontRef>
-        </p:style>
-        <p:txBody>
-          <a:bodyPr rtlCol="0" anchor="ctr"/>
-          <a:lstStyle/>
-          <a:p>
-            <a:pPr marL="0" marR="0" lvl="0" indent="0" algn="ctr" defTabSz="914400" rtl="0" eaLnBrk="1" fontAlgn="auto" latinLnBrk="0" hangingPunct="1">
-              <a:lnSpc>
-                <a:spcPct val="100000"/>
-              </a:lnSpc>
-              <a:spcBef>
-                <a:spcPts val="0"/>
-              </a:spcBef>
-              <a:spcAft>
-                <a:spcPts val="0"/>
-              </a:spcAft>
-              <a:buClrTx/>
-              <a:buSzTx/>
-              <a:buFontTx/>
-              <a:buNone/>
-              <a:tabLst/>
-              <a:defRPr/>
-            </a:pPr>
-            <a:endParaRPr kumimoji="0" lang="en-US" sz="1800" b="0" i="0" u="none" strike="noStrike" kern="1200" cap="none" spc="0" normalizeH="0" baseline="0" noProof="0">
-              <a:ln>
-                <a:noFill/>
-              </a:ln>
-              <a:solidFill>
-                <a:prstClr val="white"/>
-              </a:solidFill>
-              <a:effectLst/>
-              <a:uLnTx/>
-              <a:uFillTx/>
-              <a:latin typeface="Calibri" panose="020F0502020204030204"/>
-              <a:ea typeface="+mn-ea"/>
-              <a:cs typeface="+mn-cs"/>
-            </a:endParaRPr>
-          </a:p>
-        </p:txBody>
-      </p:sp>
     </p:spTree>
     <p:extLst>
       <p:ext uri="{BB962C8B-B14F-4D97-AF65-F5344CB8AC3E}">
-        <p14:creationId xmlns:p14="http://schemas.microsoft.com/office/powerpoint/2010/main" val="404747300"/>
+        <p14:creationId xmlns:p14="http://schemas.microsoft.com/office/powerpoint/2010/main" val="216562017"/>
       </p:ext>
     </p:extLst>
   </p:cSld>
@@ -7830,7 +7514,7 @@
         <p:spPr>
           <a:xfrm>
             <a:off x="345731" y="2595914"/>
-            <a:ext cx="1776032" cy="830997"/>
+            <a:ext cx="1776032" cy="1200329"/>
           </a:xfrm>
           <a:prstGeom prst="rect">
             <a:avLst/>
@@ -7875,7 +7559,7 @@
                 <a:ea typeface="等线" panose="02010600030101010101" pitchFamily="2" charset="-122"/>
                 <a:cs typeface="+mn-cs"/>
               </a:rPr>
-              <a:t>Wrap the Component</a:t>
+              <a:t>Create Effects in the Model</a:t>
             </a:r>
           </a:p>
         </p:txBody>
@@ -7918,10 +7602,10 @@
       </p:pic>
       <p:sp>
         <p:nvSpPr>
-          <p:cNvPr id="3" name="矩形 2">
-            <a:extLst>
-              <a:ext uri="{FF2B5EF4-FFF2-40B4-BE49-F238E27FC236}">
-                <a16:creationId xmlns:a16="http://schemas.microsoft.com/office/drawing/2014/main" id="{9A2B4BB1-B96B-4B7F-A48A-E3F0952D78F9}"/>
+          <p:cNvPr id="2" name="矩形 1">
+            <a:extLst>
+              <a:ext uri="{FF2B5EF4-FFF2-40B4-BE49-F238E27FC236}">
+                <a16:creationId xmlns:a16="http://schemas.microsoft.com/office/drawing/2014/main" id="{1FC962CE-5082-4F55-B45C-A53823A22B08}"/>
               </a:ext>
             </a:extLst>
           </p:cNvPr>
@@ -7930,15 +7614,15 @@
         </p:nvSpPr>
         <p:spPr>
           <a:xfrm>
-            <a:off x="2787090" y="1474057"/>
-            <a:ext cx="6841724" cy="1815882"/>
+            <a:off x="2787091" y="654048"/>
+            <a:ext cx="6096000" cy="3293209"/>
           </a:xfrm>
           <a:prstGeom prst="rect">
             <a:avLst/>
           </a:prstGeom>
         </p:spPr>
         <p:txBody>
-          <a:bodyPr wrap="square">
+          <a:bodyPr>
             <a:spAutoFit/>
           </a:bodyPr>
           <a:lstStyle/>
@@ -7946,6 +7630,42 @@
             <a:r>
               <a:rPr lang="en-US" sz="1600" dirty="0">
                 <a:solidFill>
+                  <a:schemeClr val="accent6">
+                    <a:lumMod val="75000"/>
+                  </a:schemeClr>
+                </a:solidFill>
+              </a:rPr>
+              <a:t>// In file /models.js</a:t>
+            </a:r>
+            <a:endParaRPr lang="en-US" sz="1600" dirty="0">
+              <a:solidFill>
+                <a:srgbClr val="C586C0"/>
+              </a:solidFill>
+              <a:latin typeface="Consolas" panose="020B0609020204030204" pitchFamily="49" charset="0"/>
+            </a:endParaRPr>
+          </a:p>
+          <a:p>
+            <a:r>
+              <a:rPr lang="en-US" sz="1600" dirty="0">
+                <a:solidFill>
+                  <a:srgbClr val="C586C0"/>
+                </a:solidFill>
+                <a:latin typeface="Consolas" panose="020B0609020204030204" pitchFamily="49" charset="0"/>
+              </a:rPr>
+              <a:t>export</a:t>
+            </a:r>
+            <a:r>
+              <a:rPr lang="en-US" sz="1600" dirty="0">
+                <a:solidFill>
+                  <a:srgbClr val="D4D4D4"/>
+                </a:solidFill>
+                <a:latin typeface="Consolas" panose="020B0609020204030204" pitchFamily="49" charset="0"/>
+              </a:rPr>
+              <a:t> </a:t>
+            </a:r>
+            <a:r>
+              <a:rPr lang="en-US" sz="1600" dirty="0">
+                <a:solidFill>
                   <a:srgbClr val="569CD6"/>
                 </a:solidFill>
                 <a:latin typeface="Consolas" panose="020B0609020204030204" pitchFamily="49" charset="0"/>
@@ -7964,11 +7684,89 @@
             <a:r>
               <a:rPr lang="en-US" sz="1600" dirty="0" err="1">
                 <a:solidFill>
+                  <a:srgbClr val="9CDCFE"/>
+                </a:solidFill>
+                <a:latin typeface="Consolas" panose="020B0609020204030204" pitchFamily="49" charset="0"/>
+              </a:rPr>
+              <a:t>user_token</a:t>
+            </a:r>
+            <a:r>
+              <a:rPr lang="en-US" sz="1600" dirty="0">
+                <a:solidFill>
+                  <a:srgbClr val="D4D4D4"/>
+                </a:solidFill>
+                <a:latin typeface="Consolas" panose="020B0609020204030204" pitchFamily="49" charset="0"/>
+              </a:rPr>
+              <a:t> = {</a:t>
+            </a:r>
+          </a:p>
+          <a:p>
+            <a:r>
+              <a:rPr lang="en-US" sz="1600" dirty="0">
+                <a:solidFill>
+                  <a:srgbClr val="9CDCFE"/>
+                </a:solidFill>
+                <a:latin typeface="Consolas" panose="020B0609020204030204" pitchFamily="49" charset="0"/>
+              </a:rPr>
+              <a:t>  state:</a:t>
+            </a:r>
+            <a:r>
+              <a:rPr lang="en-US" sz="1600" dirty="0">
+                <a:solidFill>
+                  <a:srgbClr val="D4D4D4"/>
+                </a:solidFill>
+                <a:latin typeface="Consolas" panose="020B0609020204030204" pitchFamily="49" charset="0"/>
+              </a:rPr>
+              <a:t> </a:t>
+            </a:r>
+            <a:r>
+              <a:rPr lang="en-US" sz="1600" dirty="0">
+                <a:solidFill>
+                  <a:srgbClr val="569CD6"/>
+                </a:solidFill>
+                <a:latin typeface="Consolas" panose="020B0609020204030204" pitchFamily="49" charset="0"/>
+              </a:rPr>
+              <a:t>null</a:t>
+            </a:r>
+            <a:r>
+              <a:rPr lang="en-US" sz="1600" dirty="0">
+                <a:solidFill>
+                  <a:srgbClr val="D4D4D4"/>
+                </a:solidFill>
+                <a:latin typeface="Consolas" panose="020B0609020204030204" pitchFamily="49" charset="0"/>
+              </a:rPr>
+              <a:t>,</a:t>
+            </a:r>
+          </a:p>
+          <a:p>
+            <a:r>
+              <a:rPr lang="en-US" sz="1600" dirty="0">
+                <a:solidFill>
+                  <a:srgbClr val="9CDCFE"/>
+                </a:solidFill>
+                <a:latin typeface="Consolas" panose="020B0609020204030204" pitchFamily="49" charset="0"/>
+              </a:rPr>
+              <a:t>  reducers:</a:t>
+            </a:r>
+            <a:r>
+              <a:rPr lang="en-US" sz="1600" dirty="0">
+                <a:solidFill>
+                  <a:srgbClr val="D4D4D4"/>
+                </a:solidFill>
+                <a:latin typeface="Consolas" panose="020B0609020204030204" pitchFamily="49" charset="0"/>
+              </a:rPr>
+              <a:t> {</a:t>
+            </a:r>
+          </a:p>
+          <a:p>
+            <a:r>
+              <a:rPr lang="en-US" sz="1600" dirty="0">
+                <a:solidFill>
                   <a:srgbClr val="DCDCAA"/>
                 </a:solidFill>
                 <a:latin typeface="Consolas" panose="020B0609020204030204" pitchFamily="49" charset="0"/>
               </a:rPr>
-              <a:t>mapState</a:t>
+              <a:t>    set</a:t>
             </a:r>
             <a:r>
               <a:rPr lang="en-US" sz="1600" dirty="0">
@@ -7977,7 +7775,7 @@
                 </a:solidFill>
                 <a:latin typeface="Consolas" panose="020B0609020204030204" pitchFamily="49" charset="0"/>
               </a:rPr>
-              <a:t> = </a:t>
+              <a:t>(</a:t>
             </a:r>
             <a:r>
               <a:rPr lang="en-US" sz="1600" dirty="0">
@@ -7995,11 +7793,125 @@
                 </a:solidFill>
                 <a:latin typeface="Consolas" panose="020B0609020204030204" pitchFamily="49" charset="0"/>
               </a:rPr>
+              <a:t>, </a:t>
+            </a:r>
+            <a:r>
+              <a:rPr lang="en-US" sz="1600" dirty="0">
+                <a:solidFill>
+                  <a:srgbClr val="9CDCFE"/>
+                </a:solidFill>
+                <a:latin typeface="Consolas" panose="020B0609020204030204" pitchFamily="49" charset="0"/>
+              </a:rPr>
+              <a:t>payload</a:t>
+            </a:r>
+            <a:r>
+              <a:rPr lang="en-US" sz="1600" dirty="0">
+                <a:solidFill>
+                  <a:srgbClr val="D4D4D4"/>
+                </a:solidFill>
+                <a:latin typeface="Consolas" panose="020B0609020204030204" pitchFamily="49" charset="0"/>
+              </a:rPr>
+              <a:t>) {</a:t>
+            </a:r>
+          </a:p>
+          <a:p>
+            <a:r>
+              <a:rPr lang="en-US" sz="1600" dirty="0">
+                <a:solidFill>
+                  <a:srgbClr val="C586C0"/>
+                </a:solidFill>
+                <a:latin typeface="Consolas" panose="020B0609020204030204" pitchFamily="49" charset="0"/>
+              </a:rPr>
+              <a:t>      return</a:t>
+            </a:r>
+            <a:r>
+              <a:rPr lang="en-US" sz="1600" dirty="0">
+                <a:solidFill>
+                  <a:srgbClr val="D4D4D4"/>
+                </a:solidFill>
+                <a:latin typeface="Consolas" panose="020B0609020204030204" pitchFamily="49" charset="0"/>
+              </a:rPr>
               <a:t> </a:t>
             </a:r>
             <a:r>
               <a:rPr lang="en-US" sz="1600" dirty="0">
                 <a:solidFill>
+                  <a:srgbClr val="9CDCFE"/>
+                </a:solidFill>
+                <a:latin typeface="Consolas" panose="020B0609020204030204" pitchFamily="49" charset="0"/>
+              </a:rPr>
+              <a:t>payload</a:t>
+            </a:r>
+            <a:r>
+              <a:rPr lang="en-US" sz="1600" dirty="0">
+                <a:solidFill>
+                  <a:srgbClr val="D4D4D4"/>
+                </a:solidFill>
+                <a:latin typeface="Consolas" panose="020B0609020204030204" pitchFamily="49" charset="0"/>
+              </a:rPr>
+              <a:t>;</a:t>
+            </a:r>
+          </a:p>
+          <a:p>
+            <a:r>
+              <a:rPr lang="en-US" sz="1600" dirty="0">
+                <a:solidFill>
+                  <a:srgbClr val="D4D4D4"/>
+                </a:solidFill>
+                <a:latin typeface="Consolas" panose="020B0609020204030204" pitchFamily="49" charset="0"/>
+              </a:rPr>
+              <a:t>  }</a:t>
+            </a:r>
+          </a:p>
+          <a:p>
+            <a:r>
+              <a:rPr lang="en-US" sz="1600" dirty="0">
+                <a:solidFill>
+                  <a:srgbClr val="DCDCAA"/>
+                </a:solidFill>
+                <a:latin typeface="Consolas" panose="020B0609020204030204" pitchFamily="49" charset="0"/>
+              </a:rPr>
+              <a:t>  effects</a:t>
+            </a:r>
+            <a:r>
+              <a:rPr lang="en-US" sz="1600" dirty="0">
+                <a:solidFill>
+                  <a:srgbClr val="9CDCFE"/>
+                </a:solidFill>
+                <a:latin typeface="Consolas" panose="020B0609020204030204" pitchFamily="49" charset="0"/>
+              </a:rPr>
+              <a:t>:</a:t>
+            </a:r>
+            <a:r>
+              <a:rPr lang="en-US" sz="1600" dirty="0">
+                <a:solidFill>
+                  <a:srgbClr val="D4D4D4"/>
+                </a:solidFill>
+                <a:latin typeface="Consolas" panose="020B0609020204030204" pitchFamily="49" charset="0"/>
+              </a:rPr>
+              <a:t> (</a:t>
+            </a:r>
+            <a:r>
+              <a:rPr lang="en-US" sz="1600" dirty="0">
+                <a:solidFill>
+                  <a:srgbClr val="9CDCFE"/>
+                </a:solidFill>
+                <a:latin typeface="Consolas" panose="020B0609020204030204" pitchFamily="49" charset="0"/>
+              </a:rPr>
+              <a:t>dispatch</a:t>
+            </a:r>
+            <a:r>
+              <a:rPr lang="en-US" sz="1600" dirty="0">
+                <a:solidFill>
+                  <a:srgbClr val="D4D4D4"/>
+                </a:solidFill>
+                <a:latin typeface="Consolas" panose="020B0609020204030204" pitchFamily="49" charset="0"/>
+              </a:rPr>
+              <a:t>) </a:t>
+            </a:r>
+            <a:r>
+              <a:rPr lang="en-US" sz="1600" dirty="0">
+                <a:solidFill>
                   <a:srgbClr val="569CD6"/>
                 </a:solidFill>
                 <a:latin typeface="Consolas" panose="020B0609020204030204" pitchFamily="49" charset="0"/>
@@ -8020,11 +7932,29 @@
             <a:r>
               <a:rPr lang="en-US" sz="1600" dirty="0">
                 <a:solidFill>
+                  <a:srgbClr val="DCDCAA"/>
+                </a:solidFill>
+                <a:latin typeface="Consolas" panose="020B0609020204030204" pitchFamily="49" charset="0"/>
+              </a:rPr>
+              <a:t>    create</a:t>
+            </a:r>
+            <a:r>
+              <a:rPr lang="en-US" sz="1600" dirty="0">
+                <a:solidFill>
+                  <a:srgbClr val="D4D4D4"/>
+                </a:solidFill>
+                <a:latin typeface="Consolas" panose="020B0609020204030204" pitchFamily="49" charset="0"/>
+              </a:rPr>
+              <a:t>(</a:t>
+            </a:r>
+            <a:r>
+              <a:rPr lang="en-US" sz="1600" dirty="0">
+                <a:solidFill>
                   <a:srgbClr val="9CDCFE"/>
                 </a:solidFill>
                 <a:latin typeface="Consolas" panose="020B0609020204030204" pitchFamily="49" charset="0"/>
               </a:rPr>
-              <a:t>  questions:</a:t>
+              <a:t>payload</a:t>
             </a:r>
             <a:r>
               <a:rPr lang="en-US" sz="1600" dirty="0">
@@ -8033,10 +7963,10 @@
                 </a:solidFill>
                 <a:latin typeface="Consolas" panose="020B0609020204030204" pitchFamily="49" charset="0"/>
               </a:rPr>
-              <a:t> </a:t>
-            </a:r>
-            <a:r>
-              <a:rPr lang="en-US" sz="1600" err="1">
+              <a:t>, </a:t>
+            </a:r>
+            <a:r>
+              <a:rPr lang="en-US" sz="1600" dirty="0">
                 <a:solidFill>
                   <a:srgbClr val="9CDCFE"/>
                 </a:solidFill>
@@ -8045,31 +7975,24 @@
               <a:t>state</a:t>
             </a:r>
             <a:r>
-              <a:rPr lang="en-US" sz="1600">
+              <a:rPr lang="en-US" sz="1600" dirty="0">
                 <a:solidFill>
                   <a:srgbClr val="D4D4D4"/>
                 </a:solidFill>
                 <a:latin typeface="Consolas" panose="020B0609020204030204" pitchFamily="49" charset="0"/>
               </a:rPr>
-              <a:t>.</a:t>
-            </a:r>
-            <a:r>
-              <a:rPr lang="en-US" sz="1600">
-                <a:solidFill>
-                  <a:srgbClr val="9CDCFE"/>
-                </a:solidFill>
-                <a:latin typeface="Consolas" panose="020B0609020204030204" pitchFamily="49" charset="0"/>
-              </a:rPr>
-              <a:t>questions</a:t>
-            </a:r>
-            <a:r>
-              <a:rPr lang="en-US" sz="1600">
-                <a:solidFill>
-                  <a:srgbClr val="D4D4D4"/>
-                </a:solidFill>
-                <a:latin typeface="Consolas" panose="020B0609020204030204" pitchFamily="49" charset="0"/>
-              </a:rPr>
-              <a:t>,</a:t>
+              <a:t>) {</a:t>
+            </a:r>
+          </a:p>
+          <a:p>
+            <a:r>
+              <a:rPr lang="en-US" sz="1600" dirty="0">
+                <a:solidFill>
+                  <a:srgbClr val="6A9955"/>
+                </a:solidFill>
+                <a:latin typeface="Consolas" panose="020B0609020204030204" pitchFamily="49" charset="0"/>
+              </a:rPr>
+              <a:t>      // networking stuff here</a:t>
             </a:r>
             <a:endParaRPr lang="en-US" sz="1600" dirty="0">
               <a:solidFill>
@@ -8086,19 +8009,10 @@
                 </a:solidFill>
                 <a:latin typeface="Consolas" panose="020B0609020204030204" pitchFamily="49" charset="0"/>
               </a:rPr>
-              <a:t>});</a:t>
-            </a:r>
-          </a:p>
-          <a:p>
-            <a:r>
-              <a:rPr lang="en-US" sz="1600" dirty="0">
-                <a:solidFill>
-                  <a:srgbClr val="569CD6"/>
-                </a:solidFill>
-                <a:latin typeface="Consolas" panose="020B0609020204030204" pitchFamily="49" charset="0"/>
-              </a:rPr>
-              <a:t>const</a:t>
-            </a:r>
+              <a:t>    }</a:t>
+            </a:r>
+          </a:p>
+          <a:p>
             <a:r>
               <a:rPr lang="en-US" sz="1600" dirty="0">
                 <a:solidFill>
@@ -8106,17 +8020,10 @@
                 </a:solidFill>
                 <a:latin typeface="Consolas" panose="020B0609020204030204" pitchFamily="49" charset="0"/>
               </a:rPr>
-              <a:t> </a:t>
-            </a:r>
-            <a:r>
-              <a:rPr lang="en-US" sz="1600" dirty="0" err="1">
-                <a:solidFill>
-                  <a:srgbClr val="DCDCAA"/>
-                </a:solidFill>
-                <a:latin typeface="Consolas" panose="020B0609020204030204" pitchFamily="49" charset="0"/>
-              </a:rPr>
-              <a:t>mapDispatch</a:t>
-            </a:r>
+              <a:t>  }),</a:t>
+            </a:r>
+          </a:p>
+          <a:p>
             <a:r>
               <a:rPr lang="en-US" sz="1600" dirty="0">
                 <a:solidFill>
@@ -8124,319 +8031,7 @@
                 </a:solidFill>
                 <a:latin typeface="Consolas" panose="020B0609020204030204" pitchFamily="49" charset="0"/>
               </a:rPr>
-              <a:t> = ({ </a:t>
-            </a:r>
-            <a:r>
-              <a:rPr lang="en-US" sz="1600" dirty="0">
-                <a:solidFill>
-                  <a:srgbClr val="9CDCFE"/>
-                </a:solidFill>
-                <a:latin typeface="Consolas" panose="020B0609020204030204" pitchFamily="49" charset="0"/>
-              </a:rPr>
-              <a:t>users</a:t>
-            </a:r>
-            <a:r>
-              <a:rPr lang="en-US" sz="1600" dirty="0">
-                <a:solidFill>
-                  <a:srgbClr val="D4D4D4"/>
-                </a:solidFill>
-                <a:latin typeface="Consolas" panose="020B0609020204030204" pitchFamily="49" charset="0"/>
-              </a:rPr>
-              <a:t>: { </a:t>
-            </a:r>
-            <a:r>
-              <a:rPr lang="en-US" sz="1600" dirty="0">
-                <a:solidFill>
-                  <a:srgbClr val="9CDCFE"/>
-                </a:solidFill>
-                <a:latin typeface="Consolas" panose="020B0609020204030204" pitchFamily="49" charset="0"/>
-              </a:rPr>
-              <a:t>create</a:t>
-            </a:r>
-            <a:r>
-              <a:rPr lang="en-US" sz="1600" dirty="0">
-                <a:solidFill>
-                  <a:srgbClr val="D4D4D4"/>
-                </a:solidFill>
-                <a:latin typeface="Consolas" panose="020B0609020204030204" pitchFamily="49" charset="0"/>
-              </a:rPr>
-              <a:t> } }) </a:t>
-            </a:r>
-            <a:r>
-              <a:rPr lang="en-US" sz="1600" dirty="0">
-                <a:solidFill>
-                  <a:srgbClr val="569CD6"/>
-                </a:solidFill>
-                <a:latin typeface="Consolas" panose="020B0609020204030204" pitchFamily="49" charset="0"/>
-              </a:rPr>
-              <a:t>=&gt;</a:t>
-            </a:r>
-            <a:r>
-              <a:rPr lang="en-US" sz="1600" dirty="0">
-                <a:solidFill>
-                  <a:srgbClr val="D4D4D4"/>
-                </a:solidFill>
-                <a:latin typeface="Consolas" panose="020B0609020204030204" pitchFamily="49" charset="0"/>
-              </a:rPr>
-              <a:t> ({</a:t>
-            </a:r>
-          </a:p>
-          <a:p>
-            <a:r>
-              <a:rPr lang="en-US" sz="1600" dirty="0">
-                <a:solidFill>
-                  <a:srgbClr val="DCDCAA"/>
-                </a:solidFill>
-                <a:latin typeface="Consolas" panose="020B0609020204030204" pitchFamily="49" charset="0"/>
-              </a:rPr>
-              <a:t>  submit</a:t>
-            </a:r>
-            <a:r>
-              <a:rPr lang="en-US" sz="1600" dirty="0">
-                <a:solidFill>
-                  <a:srgbClr val="9CDCFE"/>
-                </a:solidFill>
-                <a:latin typeface="Consolas" panose="020B0609020204030204" pitchFamily="49" charset="0"/>
-              </a:rPr>
-              <a:t>:</a:t>
-            </a:r>
-            <a:r>
-              <a:rPr lang="en-US" sz="1600" dirty="0">
-                <a:solidFill>
-                  <a:srgbClr val="D4D4D4"/>
-                </a:solidFill>
-                <a:latin typeface="Consolas" panose="020B0609020204030204" pitchFamily="49" charset="0"/>
-              </a:rPr>
-              <a:t> (</a:t>
-            </a:r>
-            <a:r>
-              <a:rPr lang="en-US" sz="1600" dirty="0">
-                <a:solidFill>
-                  <a:srgbClr val="9CDCFE"/>
-                </a:solidFill>
-                <a:latin typeface="Consolas" panose="020B0609020204030204" pitchFamily="49" charset="0"/>
-              </a:rPr>
-              <a:t>title</a:t>
-            </a:r>
-            <a:r>
-              <a:rPr lang="en-US" sz="1600" dirty="0">
-                <a:solidFill>
-                  <a:srgbClr val="D4D4D4"/>
-                </a:solidFill>
-                <a:latin typeface="Consolas" panose="020B0609020204030204" pitchFamily="49" charset="0"/>
-              </a:rPr>
-              <a:t>, </a:t>
-            </a:r>
-            <a:r>
-              <a:rPr lang="en-US" sz="1600" dirty="0">
-                <a:solidFill>
-                  <a:srgbClr val="9CDCFE"/>
-                </a:solidFill>
-                <a:latin typeface="Consolas" panose="020B0609020204030204" pitchFamily="49" charset="0"/>
-              </a:rPr>
-              <a:t>content</a:t>
-            </a:r>
-            <a:r>
-              <a:rPr lang="en-US" sz="1600" dirty="0">
-                <a:solidFill>
-                  <a:srgbClr val="D4D4D4"/>
-                </a:solidFill>
-                <a:latin typeface="Consolas" panose="020B0609020204030204" pitchFamily="49" charset="0"/>
-              </a:rPr>
-              <a:t>) </a:t>
-            </a:r>
-            <a:r>
-              <a:rPr lang="en-US" sz="1600" dirty="0">
-                <a:solidFill>
-                  <a:srgbClr val="569CD6"/>
-                </a:solidFill>
-                <a:latin typeface="Consolas" panose="020B0609020204030204" pitchFamily="49" charset="0"/>
-              </a:rPr>
-              <a:t>=&gt;</a:t>
-            </a:r>
-            <a:r>
-              <a:rPr lang="en-US" sz="1600" dirty="0">
-                <a:solidFill>
-                  <a:srgbClr val="D4D4D4"/>
-                </a:solidFill>
-                <a:latin typeface="Consolas" panose="020B0609020204030204" pitchFamily="49" charset="0"/>
-              </a:rPr>
-              <a:t> </a:t>
-            </a:r>
-            <a:r>
-              <a:rPr lang="en-US" sz="1600" dirty="0">
-                <a:solidFill>
-                  <a:srgbClr val="DCDCAA"/>
-                </a:solidFill>
-                <a:latin typeface="Consolas" panose="020B0609020204030204" pitchFamily="49" charset="0"/>
-              </a:rPr>
-              <a:t>create</a:t>
-            </a:r>
-            <a:r>
-              <a:rPr lang="en-US" sz="1600" dirty="0">
-                <a:solidFill>
-                  <a:srgbClr val="D4D4D4"/>
-                </a:solidFill>
-                <a:latin typeface="Consolas" panose="020B0609020204030204" pitchFamily="49" charset="0"/>
-              </a:rPr>
-              <a:t>({ </a:t>
-            </a:r>
-            <a:r>
-              <a:rPr lang="en-US" sz="1600" dirty="0">
-                <a:solidFill>
-                  <a:srgbClr val="9CDCFE"/>
-                </a:solidFill>
-                <a:latin typeface="Consolas" panose="020B0609020204030204" pitchFamily="49" charset="0"/>
-              </a:rPr>
-              <a:t>title</a:t>
-            </a:r>
-            <a:r>
-              <a:rPr lang="en-US" sz="1600" dirty="0">
-                <a:solidFill>
-                  <a:srgbClr val="D4D4D4"/>
-                </a:solidFill>
-                <a:latin typeface="Consolas" panose="020B0609020204030204" pitchFamily="49" charset="0"/>
-              </a:rPr>
-              <a:t>, </a:t>
-            </a:r>
-            <a:r>
-              <a:rPr lang="en-US" sz="1600" dirty="0">
-                <a:solidFill>
-                  <a:srgbClr val="9CDCFE"/>
-                </a:solidFill>
-                <a:latin typeface="Consolas" panose="020B0609020204030204" pitchFamily="49" charset="0"/>
-              </a:rPr>
-              <a:t>content</a:t>
-            </a:r>
-            <a:r>
-              <a:rPr lang="en-US" sz="1600" dirty="0">
-                <a:solidFill>
-                  <a:srgbClr val="D4D4D4"/>
-                </a:solidFill>
-                <a:latin typeface="Consolas" panose="020B0609020204030204" pitchFamily="49" charset="0"/>
-              </a:rPr>
-              <a:t> }),</a:t>
-            </a:r>
-          </a:p>
-          <a:p>
-            <a:r>
-              <a:rPr lang="en-US" sz="1600" dirty="0">
-                <a:solidFill>
-                  <a:srgbClr val="D4D4D4"/>
-                </a:solidFill>
-                <a:latin typeface="Consolas" panose="020B0609020204030204" pitchFamily="49" charset="0"/>
-              </a:rPr>
-              <a:t>});</a:t>
-            </a:r>
-          </a:p>
-          <a:p>
-            <a:r>
-              <a:rPr lang="en-US" sz="1600" dirty="0">
-                <a:solidFill>
-                  <a:srgbClr val="C586C0"/>
-                </a:solidFill>
-                <a:latin typeface="Consolas" panose="020B0609020204030204" pitchFamily="49" charset="0"/>
-              </a:rPr>
-              <a:t>export</a:t>
-            </a:r>
-            <a:r>
-              <a:rPr lang="en-US" sz="1600" dirty="0">
-                <a:solidFill>
-                  <a:srgbClr val="D4D4D4"/>
-                </a:solidFill>
-                <a:latin typeface="Consolas" panose="020B0609020204030204" pitchFamily="49" charset="0"/>
-              </a:rPr>
-              <a:t> </a:t>
-            </a:r>
-            <a:r>
-              <a:rPr lang="en-US" sz="1600" dirty="0">
-                <a:solidFill>
-                  <a:srgbClr val="C586C0"/>
-                </a:solidFill>
-                <a:latin typeface="Consolas" panose="020B0609020204030204" pitchFamily="49" charset="0"/>
-              </a:rPr>
-              <a:t>default</a:t>
-            </a:r>
-            <a:r>
-              <a:rPr lang="en-US" sz="1600" dirty="0">
-                <a:solidFill>
-                  <a:srgbClr val="D4D4D4"/>
-                </a:solidFill>
-                <a:latin typeface="Consolas" panose="020B0609020204030204" pitchFamily="49" charset="0"/>
-              </a:rPr>
-              <a:t> </a:t>
-            </a:r>
-            <a:r>
-              <a:rPr lang="en-US" sz="1600" dirty="0">
-                <a:solidFill>
-                  <a:srgbClr val="DCDCAA"/>
-                </a:solidFill>
-                <a:latin typeface="Consolas" panose="020B0609020204030204" pitchFamily="49" charset="0"/>
-              </a:rPr>
-              <a:t>connect</a:t>
-            </a:r>
-            <a:r>
-              <a:rPr lang="en-US" sz="1600" dirty="0">
-                <a:solidFill>
-                  <a:srgbClr val="D4D4D4"/>
-                </a:solidFill>
-                <a:latin typeface="Consolas" panose="020B0609020204030204" pitchFamily="49" charset="0"/>
-              </a:rPr>
-              <a:t>(</a:t>
-            </a:r>
-            <a:r>
-              <a:rPr lang="en-US" sz="1600" dirty="0" err="1">
-                <a:solidFill>
-                  <a:srgbClr val="9CDCFE"/>
-                </a:solidFill>
-                <a:latin typeface="Consolas" panose="020B0609020204030204" pitchFamily="49" charset="0"/>
-              </a:rPr>
-              <a:t>mapState</a:t>
-            </a:r>
-            <a:r>
-              <a:rPr lang="en-US" sz="1600" dirty="0">
-                <a:solidFill>
-                  <a:srgbClr val="D4D4D4"/>
-                </a:solidFill>
-                <a:latin typeface="Consolas" panose="020B0609020204030204" pitchFamily="49" charset="0"/>
-              </a:rPr>
-              <a:t>, </a:t>
-            </a:r>
-            <a:r>
-              <a:rPr lang="en-US" sz="1600" dirty="0" err="1">
-                <a:solidFill>
-                  <a:srgbClr val="9CDCFE"/>
-                </a:solidFill>
-                <a:latin typeface="Consolas" panose="020B0609020204030204" pitchFamily="49" charset="0"/>
-              </a:rPr>
-              <a:t>mapDispatch</a:t>
-            </a:r>
-            <a:r>
-              <a:rPr lang="en-US" sz="1600" dirty="0">
-                <a:solidFill>
-                  <a:srgbClr val="D4D4D4"/>
-                </a:solidFill>
-                <a:latin typeface="Consolas" panose="020B0609020204030204" pitchFamily="49" charset="0"/>
-              </a:rPr>
-              <a:t>)(</a:t>
-            </a:r>
-            <a:r>
-              <a:rPr lang="en-US" sz="1600" dirty="0">
-                <a:solidFill>
-                  <a:srgbClr val="9CDCFE"/>
-                </a:solidFill>
-                <a:latin typeface="Consolas" panose="020B0609020204030204" pitchFamily="49" charset="0"/>
-              </a:rPr>
-              <a:t>Questions</a:t>
-            </a:r>
-            <a:r>
-              <a:rPr lang="en-US" sz="1600" dirty="0">
-                <a:solidFill>
-                  <a:srgbClr val="D4D4D4"/>
-                </a:solidFill>
-                <a:latin typeface="Consolas" panose="020B0609020204030204" pitchFamily="49" charset="0"/>
-              </a:rPr>
-              <a:t>);</a:t>
+              <a:t>};</a:t>
             </a:r>
             <a:endParaRPr lang="en-US" sz="1600" b="0" dirty="0">
               <a:solidFill>
@@ -8448,6 +8043,886 @@
           </a:p>
         </p:txBody>
       </p:sp>
+      <p:sp>
+        <p:nvSpPr>
+          <p:cNvPr id="16" name="矩形 15">
+            <a:extLst>
+              <a:ext uri="{FF2B5EF4-FFF2-40B4-BE49-F238E27FC236}">
+                <a16:creationId xmlns:a16="http://schemas.microsoft.com/office/drawing/2014/main" id="{16AFEF6A-7534-48AB-B1CD-C1BDF2A56746}"/>
+              </a:ext>
+            </a:extLst>
+          </p:cNvPr>
+          <p:cNvSpPr/>
+          <p:nvPr/>
+        </p:nvSpPr>
+        <p:spPr>
+          <a:xfrm>
+            <a:off x="2832811" y="4526907"/>
+            <a:ext cx="8884384" cy="646331"/>
+          </a:xfrm>
+          <a:prstGeom prst="rect">
+            <a:avLst/>
+          </a:prstGeom>
+        </p:spPr>
+        <p:txBody>
+          <a:bodyPr wrap="square">
+            <a:spAutoFit/>
+          </a:bodyPr>
+          <a:lstStyle/>
+          <a:p>
+            <a:r>
+              <a:rPr lang="en-US" altLang="zh-CN" dirty="0">
+                <a:solidFill>
+                  <a:schemeClr val="bg1"/>
+                </a:solidFill>
+              </a:rPr>
+              <a:t>dispatch</a:t>
+            </a:r>
+            <a:r>
+              <a:rPr lang="zh-CN" altLang="en-US" dirty="0">
+                <a:solidFill>
+                  <a:schemeClr val="bg1"/>
+                </a:solidFill>
+              </a:rPr>
+              <a:t>为</a:t>
+            </a:r>
+            <a:r>
+              <a:rPr lang="en-US" altLang="zh-CN" dirty="0">
+                <a:solidFill>
+                  <a:schemeClr val="bg1"/>
+                </a:solidFill>
+              </a:rPr>
+              <a:t>rematch</a:t>
+            </a:r>
+            <a:r>
+              <a:rPr lang="zh-CN" altLang="en-US" dirty="0">
+                <a:solidFill>
+                  <a:schemeClr val="bg1"/>
+                </a:solidFill>
+              </a:rPr>
+              <a:t>中的</a:t>
+            </a:r>
+            <a:r>
+              <a:rPr lang="en-US" altLang="zh-CN" dirty="0">
+                <a:solidFill>
+                  <a:schemeClr val="bg1"/>
+                </a:solidFill>
+              </a:rPr>
+              <a:t>dispatch</a:t>
+            </a:r>
+            <a:r>
+              <a:rPr lang="zh-CN" altLang="en-US" dirty="0">
+                <a:solidFill>
+                  <a:schemeClr val="bg1"/>
+                </a:solidFill>
+              </a:rPr>
+              <a:t>对象，它是对</a:t>
+            </a:r>
+            <a:r>
+              <a:rPr lang="en-US" altLang="zh-CN" dirty="0">
+                <a:solidFill>
+                  <a:schemeClr val="bg1"/>
+                </a:solidFill>
+              </a:rPr>
+              <a:t>redux</a:t>
+            </a:r>
+            <a:r>
+              <a:rPr lang="zh-CN" altLang="en-US" dirty="0">
+                <a:solidFill>
+                  <a:schemeClr val="bg1"/>
+                </a:solidFill>
+              </a:rPr>
+              <a:t>的</a:t>
+            </a:r>
+            <a:r>
+              <a:rPr lang="en-US" altLang="zh-CN" dirty="0">
+                <a:solidFill>
+                  <a:schemeClr val="bg1"/>
+                </a:solidFill>
+              </a:rPr>
+              <a:t>dispatch</a:t>
+            </a:r>
+            <a:r>
+              <a:rPr lang="zh-CN" altLang="en-US" dirty="0">
+                <a:solidFill>
+                  <a:schemeClr val="bg1"/>
+                </a:solidFill>
+              </a:rPr>
+              <a:t>方法的再封装，由</a:t>
+            </a:r>
+            <a:r>
+              <a:rPr lang="en-US" altLang="zh-CN" dirty="0">
+                <a:solidFill>
+                  <a:schemeClr val="bg1"/>
+                </a:solidFill>
+              </a:rPr>
+              <a:t>rematch</a:t>
+            </a:r>
+            <a:r>
+              <a:rPr lang="zh-CN" altLang="en-US" dirty="0">
+                <a:solidFill>
+                  <a:schemeClr val="bg1"/>
+                </a:solidFill>
+              </a:rPr>
+              <a:t>自动填充</a:t>
+            </a:r>
+            <a:endParaRPr lang="en-US" dirty="0">
+              <a:solidFill>
+                <a:schemeClr val="bg1"/>
+              </a:solidFill>
+            </a:endParaRPr>
+          </a:p>
+        </p:txBody>
+      </p:sp>
+      <p:sp>
+        <p:nvSpPr>
+          <p:cNvPr id="17" name="Rectangle 3">
+            <a:extLst>
+              <a:ext uri="{FF2B5EF4-FFF2-40B4-BE49-F238E27FC236}">
+                <a16:creationId xmlns:a16="http://schemas.microsoft.com/office/drawing/2014/main" id="{0C988EF2-0004-4DCE-84C5-8AB5C6AEB5EC}"/>
+              </a:ext>
+            </a:extLst>
+          </p:cNvPr>
+          <p:cNvSpPr/>
+          <p:nvPr/>
+        </p:nvSpPr>
+        <p:spPr>
+          <a:xfrm rot="10800000">
+            <a:off x="2787092" y="4482973"/>
+            <a:ext cx="45719" cy="457200"/>
+          </a:xfrm>
+          <a:prstGeom prst="rect">
+            <a:avLst/>
+          </a:prstGeom>
+          <a:solidFill>
+            <a:srgbClr val="FFA400"/>
+          </a:solidFill>
+          <a:ln>
+            <a:noFill/>
+          </a:ln>
+        </p:spPr>
+        <p:style>
+          <a:lnRef idx="2">
+            <a:schemeClr val="accent1">
+              <a:shade val="50000"/>
+            </a:schemeClr>
+          </a:lnRef>
+          <a:fillRef idx="1">
+            <a:schemeClr val="accent1"/>
+          </a:fillRef>
+          <a:effectRef idx="0">
+            <a:schemeClr val="accent1"/>
+          </a:effectRef>
+          <a:fontRef idx="minor">
+            <a:schemeClr val="lt1"/>
+          </a:fontRef>
+        </p:style>
+        <p:txBody>
+          <a:bodyPr rtlCol="0" anchor="ctr"/>
+          <a:lstStyle/>
+          <a:p>
+            <a:pPr marL="0" marR="0" lvl="0" indent="0" algn="ctr" defTabSz="914400" rtl="0" eaLnBrk="1" fontAlgn="auto" latinLnBrk="0" hangingPunct="1">
+              <a:lnSpc>
+                <a:spcPct val="100000"/>
+              </a:lnSpc>
+              <a:spcBef>
+                <a:spcPts val="0"/>
+              </a:spcBef>
+              <a:spcAft>
+                <a:spcPts val="0"/>
+              </a:spcAft>
+              <a:buClrTx/>
+              <a:buSzTx/>
+              <a:buFontTx/>
+              <a:buNone/>
+              <a:tabLst/>
+              <a:defRPr/>
+            </a:pPr>
+            <a:endParaRPr kumimoji="0" lang="en-US" sz="1800" b="0" i="0" u="none" strike="noStrike" kern="1200" cap="none" spc="0" normalizeH="0" baseline="0" noProof="0">
+              <a:ln>
+                <a:noFill/>
+              </a:ln>
+              <a:solidFill>
+                <a:prstClr val="white"/>
+              </a:solidFill>
+              <a:effectLst/>
+              <a:uLnTx/>
+              <a:uFillTx/>
+              <a:latin typeface="Calibri" panose="020F0502020204030204"/>
+              <a:ea typeface="+mn-ea"/>
+              <a:cs typeface="+mn-cs"/>
+            </a:endParaRPr>
+          </a:p>
+        </p:txBody>
+      </p:sp>
+      <p:sp>
+        <p:nvSpPr>
+          <p:cNvPr id="18" name="矩形 17">
+            <a:extLst>
+              <a:ext uri="{FF2B5EF4-FFF2-40B4-BE49-F238E27FC236}">
+                <a16:creationId xmlns:a16="http://schemas.microsoft.com/office/drawing/2014/main" id="{A46506E9-315C-49E9-8504-1F9D2B336A34}"/>
+              </a:ext>
+            </a:extLst>
+          </p:cNvPr>
+          <p:cNvSpPr/>
+          <p:nvPr/>
+        </p:nvSpPr>
+        <p:spPr>
+          <a:xfrm>
+            <a:off x="2832811" y="5217172"/>
+            <a:ext cx="7127720" cy="369332"/>
+          </a:xfrm>
+          <a:prstGeom prst="rect">
+            <a:avLst/>
+          </a:prstGeom>
+        </p:spPr>
+        <p:txBody>
+          <a:bodyPr wrap="none">
+            <a:spAutoFit/>
+          </a:bodyPr>
+          <a:lstStyle/>
+          <a:p>
+            <a:r>
+              <a:rPr lang="en-US" altLang="zh-CN" dirty="0">
+                <a:solidFill>
+                  <a:schemeClr val="bg1"/>
+                </a:solidFill>
+              </a:rPr>
+              <a:t>create</a:t>
+            </a:r>
+            <a:r>
+              <a:rPr lang="zh-CN" altLang="en-US" dirty="0">
+                <a:solidFill>
+                  <a:schemeClr val="bg1"/>
+                </a:solidFill>
+              </a:rPr>
+              <a:t>函数中的</a:t>
+            </a:r>
+            <a:r>
+              <a:rPr lang="en-US" altLang="zh-CN" dirty="0">
+                <a:solidFill>
+                  <a:schemeClr val="bg1"/>
+                </a:solidFill>
+              </a:rPr>
+              <a:t>payload</a:t>
+            </a:r>
+            <a:r>
+              <a:rPr lang="zh-CN" altLang="en-US" dirty="0">
+                <a:solidFill>
+                  <a:schemeClr val="bg1"/>
+                </a:solidFill>
+              </a:rPr>
+              <a:t>的值是程序员调用这个</a:t>
+            </a:r>
+            <a:r>
+              <a:rPr lang="en-US" altLang="zh-CN" dirty="0">
+                <a:solidFill>
+                  <a:schemeClr val="bg1"/>
+                </a:solidFill>
+              </a:rPr>
+              <a:t>effect</a:t>
+            </a:r>
+            <a:r>
+              <a:rPr lang="zh-CN" altLang="en-US" dirty="0">
+                <a:solidFill>
+                  <a:schemeClr val="bg1"/>
+                </a:solidFill>
+              </a:rPr>
+              <a:t>时，自己填充的值</a:t>
+            </a:r>
+            <a:endParaRPr lang="en-US" dirty="0">
+              <a:solidFill>
+                <a:schemeClr val="bg1"/>
+              </a:solidFill>
+            </a:endParaRPr>
+          </a:p>
+        </p:txBody>
+      </p:sp>
+      <p:sp>
+        <p:nvSpPr>
+          <p:cNvPr id="19" name="Rectangle 3">
+            <a:extLst>
+              <a:ext uri="{FF2B5EF4-FFF2-40B4-BE49-F238E27FC236}">
+                <a16:creationId xmlns:a16="http://schemas.microsoft.com/office/drawing/2014/main" id="{89E4CA3C-B359-4331-B74A-D958180E8AD2}"/>
+              </a:ext>
+            </a:extLst>
+          </p:cNvPr>
+          <p:cNvSpPr/>
+          <p:nvPr/>
+        </p:nvSpPr>
+        <p:spPr>
+          <a:xfrm rot="10800000">
+            <a:off x="2787092" y="5173238"/>
+            <a:ext cx="45719" cy="457200"/>
+          </a:xfrm>
+          <a:prstGeom prst="rect">
+            <a:avLst/>
+          </a:prstGeom>
+          <a:solidFill>
+            <a:srgbClr val="FFA400"/>
+          </a:solidFill>
+          <a:ln>
+            <a:noFill/>
+          </a:ln>
+        </p:spPr>
+        <p:style>
+          <a:lnRef idx="2">
+            <a:schemeClr val="accent1">
+              <a:shade val="50000"/>
+            </a:schemeClr>
+          </a:lnRef>
+          <a:fillRef idx="1">
+            <a:schemeClr val="accent1"/>
+          </a:fillRef>
+          <a:effectRef idx="0">
+            <a:schemeClr val="accent1"/>
+          </a:effectRef>
+          <a:fontRef idx="minor">
+            <a:schemeClr val="lt1"/>
+          </a:fontRef>
+        </p:style>
+        <p:txBody>
+          <a:bodyPr rtlCol="0" anchor="ctr"/>
+          <a:lstStyle/>
+          <a:p>
+            <a:pPr marL="0" marR="0" lvl="0" indent="0" algn="ctr" defTabSz="914400" rtl="0" eaLnBrk="1" fontAlgn="auto" latinLnBrk="0" hangingPunct="1">
+              <a:lnSpc>
+                <a:spcPct val="100000"/>
+              </a:lnSpc>
+              <a:spcBef>
+                <a:spcPts val="0"/>
+              </a:spcBef>
+              <a:spcAft>
+                <a:spcPts val="0"/>
+              </a:spcAft>
+              <a:buClrTx/>
+              <a:buSzTx/>
+              <a:buFontTx/>
+              <a:buNone/>
+              <a:tabLst/>
+              <a:defRPr/>
+            </a:pPr>
+            <a:endParaRPr kumimoji="0" lang="en-US" sz="1800" b="0" i="0" u="none" strike="noStrike" kern="1200" cap="none" spc="0" normalizeH="0" baseline="0" noProof="0">
+              <a:ln>
+                <a:noFill/>
+              </a:ln>
+              <a:solidFill>
+                <a:prstClr val="white"/>
+              </a:solidFill>
+              <a:effectLst/>
+              <a:uLnTx/>
+              <a:uFillTx/>
+              <a:latin typeface="Calibri" panose="020F0502020204030204"/>
+              <a:ea typeface="+mn-ea"/>
+              <a:cs typeface="+mn-cs"/>
+            </a:endParaRPr>
+          </a:p>
+        </p:txBody>
+      </p:sp>
+      <p:sp>
+        <p:nvSpPr>
+          <p:cNvPr id="20" name="矩形 19">
+            <a:extLst>
+              <a:ext uri="{FF2B5EF4-FFF2-40B4-BE49-F238E27FC236}">
+                <a16:creationId xmlns:a16="http://schemas.microsoft.com/office/drawing/2014/main" id="{97A74A6F-0AFF-4871-AAC7-BD3F8AD67B72}"/>
+              </a:ext>
+            </a:extLst>
+          </p:cNvPr>
+          <p:cNvSpPr/>
+          <p:nvPr/>
+        </p:nvSpPr>
+        <p:spPr>
+          <a:xfrm>
+            <a:off x="2832811" y="4113498"/>
+            <a:ext cx="646331" cy="369332"/>
+          </a:xfrm>
+          <a:prstGeom prst="rect">
+            <a:avLst/>
+          </a:prstGeom>
+        </p:spPr>
+        <p:txBody>
+          <a:bodyPr wrap="none">
+            <a:spAutoFit/>
+          </a:bodyPr>
+          <a:lstStyle/>
+          <a:p>
+            <a:r>
+              <a:rPr lang="zh-CN" altLang="en-US" dirty="0">
+                <a:solidFill>
+                  <a:schemeClr val="bg1"/>
+                </a:solidFill>
+              </a:rPr>
+              <a:t>其中</a:t>
+            </a:r>
+            <a:endParaRPr lang="en-US" dirty="0"/>
+          </a:p>
+        </p:txBody>
+      </p:sp>
+      <p:sp>
+        <p:nvSpPr>
+          <p:cNvPr id="21" name="矩形 20">
+            <a:extLst>
+              <a:ext uri="{FF2B5EF4-FFF2-40B4-BE49-F238E27FC236}">
+                <a16:creationId xmlns:a16="http://schemas.microsoft.com/office/drawing/2014/main" id="{4F748FF6-DC14-4814-A63B-F6D524679188}"/>
+              </a:ext>
+            </a:extLst>
+          </p:cNvPr>
+          <p:cNvSpPr/>
+          <p:nvPr/>
+        </p:nvSpPr>
+        <p:spPr>
+          <a:xfrm>
+            <a:off x="2832812" y="5749928"/>
+            <a:ext cx="6773008" cy="369332"/>
+          </a:xfrm>
+          <a:prstGeom prst="rect">
+            <a:avLst/>
+          </a:prstGeom>
+        </p:spPr>
+        <p:txBody>
+          <a:bodyPr wrap="none">
+            <a:spAutoFit/>
+          </a:bodyPr>
+          <a:lstStyle/>
+          <a:p>
+            <a:r>
+              <a:rPr lang="en-US" altLang="zh-CN" dirty="0">
+                <a:solidFill>
+                  <a:schemeClr val="bg1"/>
+                </a:solidFill>
+              </a:rPr>
+              <a:t>state</a:t>
+            </a:r>
+            <a:r>
+              <a:rPr lang="zh-CN" altLang="en-US" dirty="0">
+                <a:solidFill>
+                  <a:schemeClr val="bg1"/>
+                </a:solidFill>
+              </a:rPr>
+              <a:t>的值是当前</a:t>
+            </a:r>
+            <a:r>
+              <a:rPr lang="en-US" altLang="zh-CN" dirty="0">
+                <a:solidFill>
+                  <a:schemeClr val="bg1"/>
+                </a:solidFill>
+              </a:rPr>
+              <a:t>redux store</a:t>
+            </a:r>
+            <a:r>
+              <a:rPr lang="zh-CN" altLang="en-US" dirty="0">
+                <a:solidFill>
+                  <a:schemeClr val="bg1"/>
+                </a:solidFill>
+              </a:rPr>
+              <a:t>中</a:t>
+            </a:r>
+            <a:r>
+              <a:rPr lang="en-US" altLang="zh-CN" dirty="0" err="1">
+                <a:solidFill>
+                  <a:schemeClr val="bg1"/>
+                </a:solidFill>
+              </a:rPr>
+              <a:t>user_token</a:t>
+            </a:r>
+            <a:r>
+              <a:rPr lang="zh-CN" altLang="en-US" dirty="0">
+                <a:solidFill>
+                  <a:schemeClr val="bg1"/>
+                </a:solidFill>
+              </a:rPr>
+              <a:t>的值，由</a:t>
+            </a:r>
+            <a:r>
+              <a:rPr lang="en-US" altLang="zh-CN" dirty="0">
+                <a:solidFill>
+                  <a:schemeClr val="bg1"/>
+                </a:solidFill>
+              </a:rPr>
+              <a:t>rematch</a:t>
+            </a:r>
+            <a:r>
+              <a:rPr lang="zh-CN" altLang="en-US" dirty="0">
+                <a:solidFill>
+                  <a:schemeClr val="bg1"/>
+                </a:solidFill>
+              </a:rPr>
+              <a:t>自动填充</a:t>
+            </a:r>
+            <a:endParaRPr lang="en-US" dirty="0">
+              <a:solidFill>
+                <a:schemeClr val="bg1"/>
+              </a:solidFill>
+            </a:endParaRPr>
+          </a:p>
+        </p:txBody>
+      </p:sp>
+      <p:sp>
+        <p:nvSpPr>
+          <p:cNvPr id="22" name="Rectangle 3">
+            <a:extLst>
+              <a:ext uri="{FF2B5EF4-FFF2-40B4-BE49-F238E27FC236}">
+                <a16:creationId xmlns:a16="http://schemas.microsoft.com/office/drawing/2014/main" id="{858AED10-2C52-4B89-A192-761DD0005FDA}"/>
+              </a:ext>
+            </a:extLst>
+          </p:cNvPr>
+          <p:cNvSpPr/>
+          <p:nvPr/>
+        </p:nvSpPr>
+        <p:spPr>
+          <a:xfrm rot="10800000">
+            <a:off x="2787093" y="5705994"/>
+            <a:ext cx="45719" cy="457200"/>
+          </a:xfrm>
+          <a:prstGeom prst="rect">
+            <a:avLst/>
+          </a:prstGeom>
+          <a:solidFill>
+            <a:srgbClr val="FFA400"/>
+          </a:solidFill>
+          <a:ln>
+            <a:noFill/>
+          </a:ln>
+        </p:spPr>
+        <p:style>
+          <a:lnRef idx="2">
+            <a:schemeClr val="accent1">
+              <a:shade val="50000"/>
+            </a:schemeClr>
+          </a:lnRef>
+          <a:fillRef idx="1">
+            <a:schemeClr val="accent1"/>
+          </a:fillRef>
+          <a:effectRef idx="0">
+            <a:schemeClr val="accent1"/>
+          </a:effectRef>
+          <a:fontRef idx="minor">
+            <a:schemeClr val="lt1"/>
+          </a:fontRef>
+        </p:style>
+        <p:txBody>
+          <a:bodyPr rtlCol="0" anchor="ctr"/>
+          <a:lstStyle/>
+          <a:p>
+            <a:pPr marL="0" marR="0" lvl="0" indent="0" algn="ctr" defTabSz="914400" rtl="0" eaLnBrk="1" fontAlgn="auto" latinLnBrk="0" hangingPunct="1">
+              <a:lnSpc>
+                <a:spcPct val="100000"/>
+              </a:lnSpc>
+              <a:spcBef>
+                <a:spcPts val="0"/>
+              </a:spcBef>
+              <a:spcAft>
+                <a:spcPts val="0"/>
+              </a:spcAft>
+              <a:buClrTx/>
+              <a:buSzTx/>
+              <a:buFontTx/>
+              <a:buNone/>
+              <a:tabLst/>
+              <a:defRPr/>
+            </a:pPr>
+            <a:endParaRPr kumimoji="0" lang="en-US" sz="1800" b="0" i="0" u="none" strike="noStrike" kern="1200" cap="none" spc="0" normalizeH="0" baseline="0" noProof="0">
+              <a:ln>
+                <a:noFill/>
+              </a:ln>
+              <a:solidFill>
+                <a:prstClr val="white"/>
+              </a:solidFill>
+              <a:effectLst/>
+              <a:uLnTx/>
+              <a:uFillTx/>
+              <a:latin typeface="Calibri" panose="020F0502020204030204"/>
+              <a:ea typeface="+mn-ea"/>
+              <a:cs typeface="+mn-cs"/>
+            </a:endParaRPr>
+          </a:p>
+        </p:txBody>
+      </p:sp>
+    </p:spTree>
+    <p:extLst>
+      <p:ext uri="{BB962C8B-B14F-4D97-AF65-F5344CB8AC3E}">
+        <p14:creationId xmlns:p14="http://schemas.microsoft.com/office/powerpoint/2010/main" val="404747300"/>
+      </p:ext>
+    </p:extLst>
+  </p:cSld>
+  <p:clrMapOvr>
+    <a:masterClrMapping/>
+  </p:clrMapOvr>
+</p:sld>
+</file>
+
+<file path=ppt/slides/slide7.xml><?xml version="1.0" encoding="utf-8"?>
+<p:sld xmlns:a="http://schemas.openxmlformats.org/drawingml/2006/main" xmlns:r="http://schemas.openxmlformats.org/officeDocument/2006/relationships" xmlns:p="http://schemas.openxmlformats.org/presentationml/2006/main">
+  <p:cSld>
+    <p:bg>
+      <p:bgPr>
+        <a:solidFill>
+          <a:srgbClr val="181720"/>
+        </a:solidFill>
+        <a:effectLst/>
+      </p:bgPr>
+    </p:bg>
+    <p:spTree>
+      <p:nvGrpSpPr>
+        <p:cNvPr id="1" name=""/>
+        <p:cNvGrpSpPr/>
+        <p:nvPr/>
+      </p:nvGrpSpPr>
+      <p:grpSpPr>
+        <a:xfrm>
+          <a:off x="0" y="0"/>
+          <a:ext cx="0" cy="0"/>
+          <a:chOff x="0" y="0"/>
+          <a:chExt cx="0" cy="0"/>
+        </a:xfrm>
+      </p:grpSpPr>
+      <p:sp>
+        <p:nvSpPr>
+          <p:cNvPr id="10" name="矩形 9">
+            <a:extLst>
+              <a:ext uri="{FF2B5EF4-FFF2-40B4-BE49-F238E27FC236}">
+                <a16:creationId xmlns:a16="http://schemas.microsoft.com/office/drawing/2014/main" id="{A5818015-5ED7-4981-A271-668BCB6BF0B0}"/>
+              </a:ext>
+            </a:extLst>
+          </p:cNvPr>
+          <p:cNvSpPr/>
+          <p:nvPr/>
+        </p:nvSpPr>
+        <p:spPr>
+          <a:xfrm>
+            <a:off x="0" y="0"/>
+            <a:ext cx="2441359" cy="6858000"/>
+          </a:xfrm>
+          <a:prstGeom prst="rect">
+            <a:avLst/>
+          </a:prstGeom>
+          <a:solidFill>
+            <a:srgbClr val="0E0C13"/>
+          </a:solidFill>
+          <a:ln>
+            <a:noFill/>
+          </a:ln>
+        </p:spPr>
+        <p:style>
+          <a:lnRef idx="2">
+            <a:schemeClr val="accent1">
+              <a:shade val="50000"/>
+            </a:schemeClr>
+          </a:lnRef>
+          <a:fillRef idx="1">
+            <a:schemeClr val="accent1"/>
+          </a:fillRef>
+          <a:effectRef idx="0">
+            <a:schemeClr val="accent1"/>
+          </a:effectRef>
+          <a:fontRef idx="minor">
+            <a:schemeClr val="lt1"/>
+          </a:fontRef>
+        </p:style>
+        <p:txBody>
+          <a:bodyPr rtlCol="0" anchor="ctr"/>
+          <a:lstStyle/>
+          <a:p>
+            <a:pPr marL="0" marR="0" lvl="0" indent="0" algn="ctr" defTabSz="914400" rtl="0" eaLnBrk="1" fontAlgn="auto" latinLnBrk="0" hangingPunct="1">
+              <a:lnSpc>
+                <a:spcPct val="100000"/>
+              </a:lnSpc>
+              <a:spcBef>
+                <a:spcPts val="0"/>
+              </a:spcBef>
+              <a:spcAft>
+                <a:spcPts val="0"/>
+              </a:spcAft>
+              <a:buClrTx/>
+              <a:buSzTx/>
+              <a:buFontTx/>
+              <a:buNone/>
+              <a:tabLst/>
+              <a:defRPr/>
+            </a:pPr>
+            <a:endParaRPr kumimoji="0" lang="en-US" sz="1800" b="0" i="0" u="none" strike="noStrike" kern="1200" cap="none" spc="0" normalizeH="0" baseline="0" noProof="0" dirty="0">
+              <a:ln>
+                <a:noFill/>
+              </a:ln>
+              <a:solidFill>
+                <a:prstClr val="white"/>
+              </a:solidFill>
+              <a:effectLst/>
+              <a:uLnTx/>
+              <a:uFillTx/>
+              <a:latin typeface="Calibri" panose="020F0502020204030204"/>
+              <a:ea typeface="+mn-ea"/>
+              <a:cs typeface="+mn-cs"/>
+            </a:endParaRPr>
+          </a:p>
+        </p:txBody>
+      </p:sp>
+      <p:sp>
+        <p:nvSpPr>
+          <p:cNvPr id="11" name="文本框 10">
+            <a:extLst>
+              <a:ext uri="{FF2B5EF4-FFF2-40B4-BE49-F238E27FC236}">
+                <a16:creationId xmlns:a16="http://schemas.microsoft.com/office/drawing/2014/main" id="{67E1321D-BD42-455D-A6E9-7D926506191E}"/>
+              </a:ext>
+            </a:extLst>
+          </p:cNvPr>
+          <p:cNvSpPr txBox="1"/>
+          <p:nvPr/>
+        </p:nvSpPr>
+        <p:spPr>
+          <a:xfrm>
+            <a:off x="345731" y="1580251"/>
+            <a:ext cx="963725" cy="1015663"/>
+          </a:xfrm>
+          <a:prstGeom prst="rect">
+            <a:avLst/>
+          </a:prstGeom>
+          <a:noFill/>
+        </p:spPr>
+        <p:txBody>
+          <a:bodyPr wrap="none" rtlCol="0">
+            <a:spAutoFit/>
+          </a:bodyPr>
+          <a:lstStyle/>
+          <a:p>
+            <a:pPr marL="0" marR="0" lvl="0" indent="0" algn="l" defTabSz="914400" rtl="0" eaLnBrk="1" fontAlgn="auto" latinLnBrk="0" hangingPunct="1">
+              <a:lnSpc>
+                <a:spcPct val="100000"/>
+              </a:lnSpc>
+              <a:spcBef>
+                <a:spcPts val="0"/>
+              </a:spcBef>
+              <a:spcAft>
+                <a:spcPts val="0"/>
+              </a:spcAft>
+              <a:buClrTx/>
+              <a:buSzTx/>
+              <a:buFontTx/>
+              <a:buNone/>
+              <a:tabLst/>
+              <a:defRPr/>
+            </a:pPr>
+            <a:r>
+              <a:rPr kumimoji="0" lang="en-US" sz="6000" b="0" i="0" u="none" strike="noStrike" kern="1200" cap="none" spc="0" normalizeH="0" baseline="0" noProof="0" dirty="0">
+                <a:ln>
+                  <a:noFill/>
+                </a:ln>
+                <a:solidFill>
+                  <a:srgbClr val="24F9CB"/>
+                </a:solidFill>
+                <a:effectLst/>
+                <a:uLnTx/>
+                <a:uFillTx/>
+                <a:latin typeface="Calibri" panose="020F0502020204030204"/>
+                <a:ea typeface="+mn-ea"/>
+                <a:cs typeface="+mn-cs"/>
+              </a:rPr>
+              <a:t>00</a:t>
+            </a:r>
+          </a:p>
+        </p:txBody>
+      </p:sp>
+      <p:sp>
+        <p:nvSpPr>
+          <p:cNvPr id="12" name="文本框 11">
+            <a:extLst>
+              <a:ext uri="{FF2B5EF4-FFF2-40B4-BE49-F238E27FC236}">
+                <a16:creationId xmlns:a16="http://schemas.microsoft.com/office/drawing/2014/main" id="{548CB999-F3EE-4A2C-AFA2-381782F1CCA1}"/>
+              </a:ext>
+            </a:extLst>
+          </p:cNvPr>
+          <p:cNvSpPr txBox="1"/>
+          <p:nvPr/>
+        </p:nvSpPr>
+        <p:spPr>
+          <a:xfrm>
+            <a:off x="345731" y="2595914"/>
+            <a:ext cx="1776032" cy="830997"/>
+          </a:xfrm>
+          <a:prstGeom prst="rect">
+            <a:avLst/>
+          </a:prstGeom>
+          <a:noFill/>
+        </p:spPr>
+        <p:txBody>
+          <a:bodyPr wrap="square" rtlCol="0">
+            <a:spAutoFit/>
+          </a:bodyPr>
+          <a:lstStyle/>
+          <a:p>
+            <a:pPr marL="0" marR="0" lvl="0" indent="0" algn="l" defTabSz="914400" rtl="0" eaLnBrk="1" fontAlgn="auto" latinLnBrk="0" hangingPunct="1">
+              <a:lnSpc>
+                <a:spcPct val="100000"/>
+              </a:lnSpc>
+              <a:spcBef>
+                <a:spcPts val="0"/>
+              </a:spcBef>
+              <a:spcAft>
+                <a:spcPts val="0"/>
+              </a:spcAft>
+              <a:buClrTx/>
+              <a:buSzTx/>
+              <a:buFontTx/>
+              <a:buNone/>
+              <a:tabLst/>
+              <a:defRPr/>
+            </a:pPr>
+            <a:r>
+              <a:rPr kumimoji="0" lang="en-US" altLang="zh-CN" sz="2400" b="0" i="0" u="none" strike="noStrike" kern="1200" cap="none" spc="0" normalizeH="0" baseline="0" noProof="0" dirty="0">
+                <a:ln>
+                  <a:noFill/>
+                </a:ln>
+                <a:solidFill>
+                  <a:prstClr val="white"/>
+                </a:solidFill>
+                <a:effectLst/>
+                <a:uLnTx/>
+                <a:uFillTx/>
+                <a:latin typeface="Calibri" panose="020F0502020204030204"/>
+                <a:ea typeface="等线" panose="02010600030101010101" pitchFamily="2" charset="-122"/>
+                <a:cs typeface="+mn-cs"/>
+              </a:rPr>
+              <a:t>Wrap the Component</a:t>
+            </a:r>
+          </a:p>
+        </p:txBody>
+      </p:sp>
+      <p:pic>
+        <p:nvPicPr>
+          <p:cNvPr id="8" name="图形 7">
+            <a:extLst>
+              <a:ext uri="{FF2B5EF4-FFF2-40B4-BE49-F238E27FC236}">
+                <a16:creationId xmlns:a16="http://schemas.microsoft.com/office/drawing/2014/main" id="{AFA1FBE0-585E-4A7A-8D54-08D1C4C22B49}"/>
+              </a:ext>
+            </a:extLst>
+          </p:cNvPr>
+          <p:cNvPicPr>
+            <a:picLocks noChangeAspect="1"/>
+          </p:cNvPicPr>
+          <p:nvPr/>
+        </p:nvPicPr>
+        <p:blipFill>
+          <a:blip r:embed="rId2">
+            <a:extLst>
+              <a:ext uri="{96DAC541-7B7A-43D3-8B79-37D633B846F1}">
+                <asvg:svgBlip xmlns:asvg="http://schemas.microsoft.com/office/drawing/2016/SVG/main" r:embed="rId3"/>
+              </a:ext>
+            </a:extLst>
+          </a:blip>
+          <a:stretch>
+            <a:fillRect/>
+          </a:stretch>
+        </p:blipFill>
+        <p:spPr>
+          <a:xfrm>
+            <a:off x="214225" y="6493296"/>
+            <a:ext cx="1514139" cy="182880"/>
+          </a:xfrm>
+          <a:prstGeom prst="rect">
+            <a:avLst/>
+          </a:prstGeom>
+        </p:spPr>
+      </p:pic>
       <p:sp>
         <p:nvSpPr>
           <p:cNvPr id="15" name="矩形 14">
@@ -8921,6 +9396,641 @@
         <p:spPr>
           <a:xfrm rot="10800000">
             <a:off x="2787090" y="4909448"/>
+            <a:ext cx="45719" cy="457200"/>
+          </a:xfrm>
+          <a:prstGeom prst="rect">
+            <a:avLst/>
+          </a:prstGeom>
+          <a:solidFill>
+            <a:srgbClr val="FFA400"/>
+          </a:solidFill>
+          <a:ln>
+            <a:noFill/>
+          </a:ln>
+        </p:spPr>
+        <p:style>
+          <a:lnRef idx="2">
+            <a:schemeClr val="accent1">
+              <a:shade val="50000"/>
+            </a:schemeClr>
+          </a:lnRef>
+          <a:fillRef idx="1">
+            <a:schemeClr val="accent1"/>
+          </a:fillRef>
+          <a:effectRef idx="0">
+            <a:schemeClr val="accent1"/>
+          </a:effectRef>
+          <a:fontRef idx="minor">
+            <a:schemeClr val="lt1"/>
+          </a:fontRef>
+        </p:style>
+        <p:txBody>
+          <a:bodyPr rtlCol="0" anchor="ctr"/>
+          <a:lstStyle/>
+          <a:p>
+            <a:pPr marL="0" marR="0" lvl="0" indent="0" algn="ctr" defTabSz="914400" rtl="0" eaLnBrk="1" fontAlgn="auto" latinLnBrk="0" hangingPunct="1">
+              <a:lnSpc>
+                <a:spcPct val="100000"/>
+              </a:lnSpc>
+              <a:spcBef>
+                <a:spcPts val="0"/>
+              </a:spcBef>
+              <a:spcAft>
+                <a:spcPts val="0"/>
+              </a:spcAft>
+              <a:buClrTx/>
+              <a:buSzTx/>
+              <a:buFontTx/>
+              <a:buNone/>
+              <a:tabLst/>
+              <a:defRPr/>
+            </a:pPr>
+            <a:endParaRPr kumimoji="0" lang="en-US" sz="1800" b="0" i="0" u="none" strike="noStrike" kern="1200" cap="none" spc="0" normalizeH="0" baseline="0" noProof="0">
+              <a:ln>
+                <a:noFill/>
+              </a:ln>
+              <a:solidFill>
+                <a:prstClr val="white"/>
+              </a:solidFill>
+              <a:effectLst/>
+              <a:uLnTx/>
+              <a:uFillTx/>
+              <a:latin typeface="Calibri" panose="020F0502020204030204"/>
+              <a:ea typeface="+mn-ea"/>
+              <a:cs typeface="+mn-cs"/>
+            </a:endParaRPr>
+          </a:p>
+        </p:txBody>
+      </p:sp>
+      <p:sp>
+        <p:nvSpPr>
+          <p:cNvPr id="4" name="矩形 3">
+            <a:extLst>
+              <a:ext uri="{FF2B5EF4-FFF2-40B4-BE49-F238E27FC236}">
+                <a16:creationId xmlns:a16="http://schemas.microsoft.com/office/drawing/2014/main" id="{4DA23149-21BA-4B0F-A5EF-F944BD32FB8F}"/>
+              </a:ext>
+            </a:extLst>
+          </p:cNvPr>
+          <p:cNvSpPr/>
+          <p:nvPr/>
+        </p:nvSpPr>
+        <p:spPr>
+          <a:xfrm>
+            <a:off x="2787088" y="1390274"/>
+            <a:ext cx="7662036" cy="1815882"/>
+          </a:xfrm>
+          <a:prstGeom prst="rect">
+            <a:avLst/>
+          </a:prstGeom>
+        </p:spPr>
+        <p:txBody>
+          <a:bodyPr wrap="square">
+            <a:spAutoFit/>
+          </a:bodyPr>
+          <a:lstStyle/>
+          <a:p>
+            <a:r>
+              <a:rPr lang="en-US" sz="1600" dirty="0">
+                <a:solidFill>
+                  <a:srgbClr val="569CD6"/>
+                </a:solidFill>
+                <a:latin typeface="Consolas" panose="020B0609020204030204" pitchFamily="49" charset="0"/>
+              </a:rPr>
+              <a:t>const</a:t>
+            </a:r>
+            <a:r>
+              <a:rPr lang="en-US" sz="1600" dirty="0">
+                <a:solidFill>
+                  <a:srgbClr val="D4D4D4"/>
+                </a:solidFill>
+                <a:latin typeface="Consolas" panose="020B0609020204030204" pitchFamily="49" charset="0"/>
+              </a:rPr>
+              <a:t> </a:t>
+            </a:r>
+            <a:r>
+              <a:rPr lang="en-US" sz="1600" dirty="0" err="1">
+                <a:solidFill>
+                  <a:srgbClr val="DCDCAA"/>
+                </a:solidFill>
+                <a:latin typeface="Consolas" panose="020B0609020204030204" pitchFamily="49" charset="0"/>
+              </a:rPr>
+              <a:t>mapState</a:t>
+            </a:r>
+            <a:r>
+              <a:rPr lang="en-US" sz="1600" dirty="0">
+                <a:solidFill>
+                  <a:srgbClr val="D4D4D4"/>
+                </a:solidFill>
+                <a:latin typeface="Consolas" panose="020B0609020204030204" pitchFamily="49" charset="0"/>
+              </a:rPr>
+              <a:t> = </a:t>
+            </a:r>
+            <a:r>
+              <a:rPr lang="en-US" sz="1600" dirty="0">
+                <a:solidFill>
+                  <a:srgbClr val="9CDCFE"/>
+                </a:solidFill>
+                <a:latin typeface="Consolas" panose="020B0609020204030204" pitchFamily="49" charset="0"/>
+              </a:rPr>
+              <a:t>state</a:t>
+            </a:r>
+            <a:r>
+              <a:rPr lang="en-US" sz="1600" dirty="0">
+                <a:solidFill>
+                  <a:srgbClr val="D4D4D4"/>
+                </a:solidFill>
+                <a:latin typeface="Consolas" panose="020B0609020204030204" pitchFamily="49" charset="0"/>
+              </a:rPr>
+              <a:t> </a:t>
+            </a:r>
+            <a:r>
+              <a:rPr lang="en-US" sz="1600" dirty="0">
+                <a:solidFill>
+                  <a:srgbClr val="569CD6"/>
+                </a:solidFill>
+                <a:latin typeface="Consolas" panose="020B0609020204030204" pitchFamily="49" charset="0"/>
+              </a:rPr>
+              <a:t>=&gt;</a:t>
+            </a:r>
+            <a:r>
+              <a:rPr lang="en-US" sz="1600" dirty="0">
+                <a:solidFill>
+                  <a:srgbClr val="D4D4D4"/>
+                </a:solidFill>
+                <a:latin typeface="Consolas" panose="020B0609020204030204" pitchFamily="49" charset="0"/>
+              </a:rPr>
+              <a:t> ({</a:t>
+            </a:r>
+          </a:p>
+          <a:p>
+            <a:r>
+              <a:rPr lang="en-US" sz="1600" dirty="0">
+                <a:solidFill>
+                  <a:srgbClr val="9CDCFE"/>
+                </a:solidFill>
+                <a:latin typeface="Consolas" panose="020B0609020204030204" pitchFamily="49" charset="0"/>
+              </a:rPr>
+              <a:t>  questions:</a:t>
+            </a:r>
+            <a:r>
+              <a:rPr lang="en-US" sz="1600" dirty="0">
+                <a:solidFill>
+                  <a:srgbClr val="D4D4D4"/>
+                </a:solidFill>
+                <a:latin typeface="Consolas" panose="020B0609020204030204" pitchFamily="49" charset="0"/>
+              </a:rPr>
+              <a:t> </a:t>
+            </a:r>
+            <a:r>
+              <a:rPr lang="en-US" sz="1600" dirty="0" err="1">
+                <a:solidFill>
+                  <a:srgbClr val="9CDCFE"/>
+                </a:solidFill>
+                <a:latin typeface="Consolas" panose="020B0609020204030204" pitchFamily="49" charset="0"/>
+              </a:rPr>
+              <a:t>state</a:t>
+            </a:r>
+            <a:r>
+              <a:rPr lang="en-US" sz="1600" dirty="0" err="1">
+                <a:solidFill>
+                  <a:srgbClr val="D4D4D4"/>
+                </a:solidFill>
+                <a:latin typeface="Consolas" panose="020B0609020204030204" pitchFamily="49" charset="0"/>
+              </a:rPr>
+              <a:t>.</a:t>
+            </a:r>
+            <a:r>
+              <a:rPr lang="en-US" sz="1600" dirty="0" err="1">
+                <a:solidFill>
+                  <a:srgbClr val="9CDCFE"/>
+                </a:solidFill>
+                <a:latin typeface="Consolas" panose="020B0609020204030204" pitchFamily="49" charset="0"/>
+              </a:rPr>
+              <a:t>questions</a:t>
+            </a:r>
+            <a:r>
+              <a:rPr lang="en-US" sz="1600" dirty="0">
+                <a:solidFill>
+                  <a:srgbClr val="D4D4D4"/>
+                </a:solidFill>
+                <a:latin typeface="Consolas" panose="020B0609020204030204" pitchFamily="49" charset="0"/>
+              </a:rPr>
+              <a:t>,</a:t>
+            </a:r>
+          </a:p>
+          <a:p>
+            <a:r>
+              <a:rPr lang="en-US" sz="1600" dirty="0">
+                <a:solidFill>
+                  <a:srgbClr val="D4D4D4"/>
+                </a:solidFill>
+                <a:latin typeface="Consolas" panose="020B0609020204030204" pitchFamily="49" charset="0"/>
+              </a:rPr>
+              <a:t>});</a:t>
+            </a:r>
+          </a:p>
+          <a:p>
+            <a:r>
+              <a:rPr lang="en-US" sz="1600" dirty="0">
+                <a:solidFill>
+                  <a:srgbClr val="569CD6"/>
+                </a:solidFill>
+                <a:latin typeface="Consolas" panose="020B0609020204030204" pitchFamily="49" charset="0"/>
+              </a:rPr>
+              <a:t>const</a:t>
+            </a:r>
+            <a:r>
+              <a:rPr lang="en-US" sz="1600" dirty="0">
+                <a:solidFill>
+                  <a:srgbClr val="D4D4D4"/>
+                </a:solidFill>
+                <a:latin typeface="Consolas" panose="020B0609020204030204" pitchFamily="49" charset="0"/>
+              </a:rPr>
+              <a:t> </a:t>
+            </a:r>
+            <a:r>
+              <a:rPr lang="en-US" sz="1600" dirty="0" err="1">
+                <a:solidFill>
+                  <a:srgbClr val="DCDCAA"/>
+                </a:solidFill>
+                <a:latin typeface="Consolas" panose="020B0609020204030204" pitchFamily="49" charset="0"/>
+              </a:rPr>
+              <a:t>mapDispatch</a:t>
+            </a:r>
+            <a:r>
+              <a:rPr lang="en-US" sz="1600" dirty="0">
+                <a:solidFill>
+                  <a:srgbClr val="D4D4D4"/>
+                </a:solidFill>
+                <a:latin typeface="Consolas" panose="020B0609020204030204" pitchFamily="49" charset="0"/>
+              </a:rPr>
+              <a:t> = ({ </a:t>
+            </a:r>
+            <a:r>
+              <a:rPr lang="en-US" sz="1600" dirty="0">
+                <a:solidFill>
+                  <a:srgbClr val="9CDCFE"/>
+                </a:solidFill>
+                <a:latin typeface="Consolas" panose="020B0609020204030204" pitchFamily="49" charset="0"/>
+              </a:rPr>
+              <a:t>questions</a:t>
+            </a:r>
+            <a:r>
+              <a:rPr lang="en-US" sz="1600" dirty="0">
+                <a:solidFill>
+                  <a:srgbClr val="D4D4D4"/>
+                </a:solidFill>
+                <a:latin typeface="Consolas" panose="020B0609020204030204" pitchFamily="49" charset="0"/>
+              </a:rPr>
+              <a:t>: { </a:t>
+            </a:r>
+            <a:r>
+              <a:rPr lang="en-US" sz="1600" dirty="0" err="1">
+                <a:solidFill>
+                  <a:srgbClr val="9CDCFE"/>
+                </a:solidFill>
+                <a:latin typeface="Consolas" panose="020B0609020204030204" pitchFamily="49" charset="0"/>
+              </a:rPr>
+              <a:t>getAll</a:t>
+            </a:r>
+            <a:r>
+              <a:rPr lang="en-US" sz="1600" dirty="0">
+                <a:solidFill>
+                  <a:srgbClr val="D4D4D4"/>
+                </a:solidFill>
+                <a:latin typeface="Consolas" panose="020B0609020204030204" pitchFamily="49" charset="0"/>
+              </a:rPr>
+              <a:t> } }) </a:t>
+            </a:r>
+            <a:r>
+              <a:rPr lang="en-US" sz="1600" dirty="0">
+                <a:solidFill>
+                  <a:srgbClr val="569CD6"/>
+                </a:solidFill>
+                <a:latin typeface="Consolas" panose="020B0609020204030204" pitchFamily="49" charset="0"/>
+              </a:rPr>
+              <a:t>=&gt;</a:t>
+            </a:r>
+            <a:r>
+              <a:rPr lang="en-US" sz="1600" dirty="0">
+                <a:solidFill>
+                  <a:srgbClr val="D4D4D4"/>
+                </a:solidFill>
+                <a:latin typeface="Consolas" panose="020B0609020204030204" pitchFamily="49" charset="0"/>
+              </a:rPr>
+              <a:t> ({</a:t>
+            </a:r>
+          </a:p>
+          <a:p>
+            <a:r>
+              <a:rPr lang="en-US" sz="1600" dirty="0">
+                <a:solidFill>
+                  <a:srgbClr val="DCDCAA"/>
+                </a:solidFill>
+                <a:latin typeface="Consolas" panose="020B0609020204030204" pitchFamily="49" charset="0"/>
+              </a:rPr>
+              <a:t>  </a:t>
+            </a:r>
+            <a:r>
+              <a:rPr lang="en-US" sz="1600" dirty="0" err="1">
+                <a:solidFill>
+                  <a:srgbClr val="DCDCAA"/>
+                </a:solidFill>
+                <a:latin typeface="Consolas" panose="020B0609020204030204" pitchFamily="49" charset="0"/>
+              </a:rPr>
+              <a:t>getAll</a:t>
+            </a:r>
+            <a:r>
+              <a:rPr lang="en-US" sz="1600" dirty="0">
+                <a:solidFill>
+                  <a:srgbClr val="9CDCFE"/>
+                </a:solidFill>
+                <a:latin typeface="Consolas" panose="020B0609020204030204" pitchFamily="49" charset="0"/>
+              </a:rPr>
+              <a:t>:</a:t>
+            </a:r>
+            <a:r>
+              <a:rPr lang="en-US" sz="1600" dirty="0">
+                <a:solidFill>
+                  <a:srgbClr val="D4D4D4"/>
+                </a:solidFill>
+                <a:latin typeface="Consolas" panose="020B0609020204030204" pitchFamily="49" charset="0"/>
+              </a:rPr>
+              <a:t> () </a:t>
+            </a:r>
+            <a:r>
+              <a:rPr lang="en-US" sz="1600" dirty="0">
+                <a:solidFill>
+                  <a:srgbClr val="569CD6"/>
+                </a:solidFill>
+                <a:latin typeface="Consolas" panose="020B0609020204030204" pitchFamily="49" charset="0"/>
+              </a:rPr>
+              <a:t>=&gt;</a:t>
+            </a:r>
+            <a:r>
+              <a:rPr lang="en-US" sz="1600" dirty="0">
+                <a:solidFill>
+                  <a:srgbClr val="D4D4D4"/>
+                </a:solidFill>
+                <a:latin typeface="Consolas" panose="020B0609020204030204" pitchFamily="49" charset="0"/>
+              </a:rPr>
+              <a:t> </a:t>
+            </a:r>
+            <a:r>
+              <a:rPr lang="en-US" sz="1600" dirty="0" err="1">
+                <a:solidFill>
+                  <a:srgbClr val="DCDCAA"/>
+                </a:solidFill>
+                <a:latin typeface="Consolas" panose="020B0609020204030204" pitchFamily="49" charset="0"/>
+              </a:rPr>
+              <a:t>getAll</a:t>
+            </a:r>
+            <a:r>
+              <a:rPr lang="en-US" sz="1600" dirty="0">
+                <a:solidFill>
+                  <a:srgbClr val="D4D4D4"/>
+                </a:solidFill>
+                <a:latin typeface="Consolas" panose="020B0609020204030204" pitchFamily="49" charset="0"/>
+              </a:rPr>
+              <a:t>(),</a:t>
+            </a:r>
+          </a:p>
+          <a:p>
+            <a:r>
+              <a:rPr lang="en-US" sz="1600" dirty="0">
+                <a:solidFill>
+                  <a:srgbClr val="D4D4D4"/>
+                </a:solidFill>
+                <a:latin typeface="Consolas" panose="020B0609020204030204" pitchFamily="49" charset="0"/>
+              </a:rPr>
+              <a:t>});</a:t>
+            </a:r>
+          </a:p>
+          <a:p>
+            <a:r>
+              <a:rPr lang="en-US" sz="1600" dirty="0">
+                <a:solidFill>
+                  <a:srgbClr val="C586C0"/>
+                </a:solidFill>
+                <a:latin typeface="Consolas" panose="020B0609020204030204" pitchFamily="49" charset="0"/>
+              </a:rPr>
+              <a:t>export</a:t>
+            </a:r>
+            <a:r>
+              <a:rPr lang="en-US" sz="1600" dirty="0">
+                <a:solidFill>
+                  <a:srgbClr val="D4D4D4"/>
+                </a:solidFill>
+                <a:latin typeface="Consolas" panose="020B0609020204030204" pitchFamily="49" charset="0"/>
+              </a:rPr>
+              <a:t> </a:t>
+            </a:r>
+            <a:r>
+              <a:rPr lang="en-US" sz="1600" dirty="0">
+                <a:solidFill>
+                  <a:srgbClr val="C586C0"/>
+                </a:solidFill>
+                <a:latin typeface="Consolas" panose="020B0609020204030204" pitchFamily="49" charset="0"/>
+              </a:rPr>
+              <a:t>default</a:t>
+            </a:r>
+            <a:r>
+              <a:rPr lang="en-US" sz="1600" dirty="0">
+                <a:solidFill>
+                  <a:srgbClr val="D4D4D4"/>
+                </a:solidFill>
+                <a:latin typeface="Consolas" panose="020B0609020204030204" pitchFamily="49" charset="0"/>
+              </a:rPr>
+              <a:t> </a:t>
+            </a:r>
+            <a:r>
+              <a:rPr lang="en-US" sz="1600" dirty="0">
+                <a:solidFill>
+                  <a:srgbClr val="DCDCAA"/>
+                </a:solidFill>
+                <a:latin typeface="Consolas" panose="020B0609020204030204" pitchFamily="49" charset="0"/>
+              </a:rPr>
+              <a:t>connect</a:t>
+            </a:r>
+            <a:r>
+              <a:rPr lang="en-US" sz="1600" dirty="0">
+                <a:solidFill>
+                  <a:srgbClr val="D4D4D4"/>
+                </a:solidFill>
+                <a:latin typeface="Consolas" panose="020B0609020204030204" pitchFamily="49" charset="0"/>
+              </a:rPr>
+              <a:t>(</a:t>
+            </a:r>
+            <a:r>
+              <a:rPr lang="en-US" sz="1600" dirty="0" err="1">
+                <a:solidFill>
+                  <a:srgbClr val="9CDCFE"/>
+                </a:solidFill>
+                <a:latin typeface="Consolas" panose="020B0609020204030204" pitchFamily="49" charset="0"/>
+              </a:rPr>
+              <a:t>mapState</a:t>
+            </a:r>
+            <a:r>
+              <a:rPr lang="en-US" sz="1600" dirty="0">
+                <a:solidFill>
+                  <a:srgbClr val="D4D4D4"/>
+                </a:solidFill>
+                <a:latin typeface="Consolas" panose="020B0609020204030204" pitchFamily="49" charset="0"/>
+              </a:rPr>
+              <a:t>, </a:t>
+            </a:r>
+            <a:r>
+              <a:rPr lang="en-US" sz="1600" dirty="0" err="1">
+                <a:solidFill>
+                  <a:srgbClr val="9CDCFE"/>
+                </a:solidFill>
+                <a:latin typeface="Consolas" panose="020B0609020204030204" pitchFamily="49" charset="0"/>
+              </a:rPr>
+              <a:t>mapDispatch</a:t>
+            </a:r>
+            <a:r>
+              <a:rPr lang="en-US" sz="1600" dirty="0">
+                <a:solidFill>
+                  <a:srgbClr val="D4D4D4"/>
+                </a:solidFill>
+                <a:latin typeface="Consolas" panose="020B0609020204030204" pitchFamily="49" charset="0"/>
+              </a:rPr>
+              <a:t>)(</a:t>
+            </a:r>
+            <a:r>
+              <a:rPr lang="en-US" sz="1600" dirty="0">
+                <a:solidFill>
+                  <a:srgbClr val="9CDCFE"/>
+                </a:solidFill>
+                <a:latin typeface="Consolas" panose="020B0609020204030204" pitchFamily="49" charset="0"/>
+              </a:rPr>
+              <a:t>Questions</a:t>
+            </a:r>
+            <a:r>
+              <a:rPr lang="en-US" sz="1600" dirty="0">
+                <a:solidFill>
+                  <a:srgbClr val="D4D4D4"/>
+                </a:solidFill>
+                <a:latin typeface="Consolas" panose="020B0609020204030204" pitchFamily="49" charset="0"/>
+              </a:rPr>
+              <a:t>);</a:t>
+            </a:r>
+            <a:endParaRPr lang="en-US" sz="1600" b="0" dirty="0">
+              <a:solidFill>
+                <a:srgbClr val="D4D4D4"/>
+              </a:solidFill>
+              <a:effectLst/>
+              <a:latin typeface="Consolas" panose="020B0609020204030204" pitchFamily="49" charset="0"/>
+            </a:endParaRPr>
+          </a:p>
+        </p:txBody>
+      </p:sp>
+      <p:sp>
+        <p:nvSpPr>
+          <p:cNvPr id="29" name="矩形 28">
+            <a:extLst>
+              <a:ext uri="{FF2B5EF4-FFF2-40B4-BE49-F238E27FC236}">
+                <a16:creationId xmlns:a16="http://schemas.microsoft.com/office/drawing/2014/main" id="{77558470-0D55-4E58-9C04-971B1F088077}"/>
+              </a:ext>
+            </a:extLst>
+          </p:cNvPr>
+          <p:cNvSpPr/>
+          <p:nvPr/>
+        </p:nvSpPr>
+        <p:spPr>
+          <a:xfrm>
+            <a:off x="2832809" y="5517094"/>
+            <a:ext cx="9289851" cy="369332"/>
+          </a:xfrm>
+          <a:prstGeom prst="rect">
+            <a:avLst/>
+          </a:prstGeom>
+        </p:spPr>
+        <p:txBody>
+          <a:bodyPr wrap="none">
+            <a:spAutoFit/>
+          </a:bodyPr>
+          <a:lstStyle/>
+          <a:p>
+            <a:r>
+              <a:rPr lang="zh-CN" altLang="en-US" dirty="0">
+                <a:solidFill>
+                  <a:schemeClr val="bg1"/>
+                </a:solidFill>
+              </a:rPr>
+              <a:t>如果不需要</a:t>
+            </a:r>
+            <a:r>
+              <a:rPr lang="en-US" altLang="zh-CN" dirty="0" err="1">
+                <a:solidFill>
+                  <a:schemeClr val="bg1"/>
+                </a:solidFill>
+              </a:rPr>
+              <a:t>mapState</a:t>
+            </a:r>
+            <a:r>
+              <a:rPr lang="zh-CN" altLang="en-US" dirty="0">
+                <a:solidFill>
+                  <a:schemeClr val="bg1"/>
+                </a:solidFill>
+              </a:rPr>
+              <a:t>或者</a:t>
+            </a:r>
+            <a:r>
+              <a:rPr lang="en-US" altLang="zh-CN" dirty="0" err="1">
+                <a:solidFill>
+                  <a:schemeClr val="bg1"/>
+                </a:solidFill>
+              </a:rPr>
+              <a:t>mapDispatch</a:t>
+            </a:r>
+            <a:r>
+              <a:rPr lang="zh-CN" altLang="en-US" dirty="0">
+                <a:solidFill>
+                  <a:schemeClr val="bg1"/>
+                </a:solidFill>
+              </a:rPr>
+              <a:t>，那么在</a:t>
+            </a:r>
+            <a:r>
+              <a:rPr lang="en-US" altLang="zh-CN" dirty="0">
+                <a:solidFill>
+                  <a:schemeClr val="bg1"/>
+                </a:solidFill>
+              </a:rPr>
+              <a:t>connect</a:t>
+            </a:r>
+            <a:r>
+              <a:rPr lang="zh-CN" altLang="en-US" dirty="0">
+                <a:solidFill>
+                  <a:schemeClr val="bg1"/>
+                </a:solidFill>
+              </a:rPr>
+              <a:t>函数中，可以给相应的参数设置为空</a:t>
+            </a:r>
+            <a:endParaRPr lang="en-US" dirty="0">
+              <a:solidFill>
+                <a:schemeClr val="bg1"/>
+              </a:solidFill>
+            </a:endParaRPr>
+          </a:p>
+        </p:txBody>
+      </p:sp>
+      <p:sp>
+        <p:nvSpPr>
+          <p:cNvPr id="30" name="Rectangle 3">
+            <a:extLst>
+              <a:ext uri="{FF2B5EF4-FFF2-40B4-BE49-F238E27FC236}">
+                <a16:creationId xmlns:a16="http://schemas.microsoft.com/office/drawing/2014/main" id="{89F41A80-B4E2-43E1-8D95-38A59C587081}"/>
+              </a:ext>
+            </a:extLst>
+          </p:cNvPr>
+          <p:cNvSpPr/>
+          <p:nvPr/>
+        </p:nvSpPr>
+        <p:spPr>
+          <a:xfrm rot="10800000">
+            <a:off x="2787090" y="5473160"/>
             <a:ext cx="45719" cy="457200"/>
           </a:xfrm>
           <a:prstGeom prst="rect">

--- a/lectures/lecture05.pptx
+++ b/lectures/lecture05.pptx
@@ -7,11 +7,13 @@
   <p:sldIdLst>
     <p:sldId id="256" r:id="rId2"/>
     <p:sldId id="258" r:id="rId3"/>
-    <p:sldId id="263" r:id="rId4"/>
-    <p:sldId id="259" r:id="rId5"/>
-    <p:sldId id="260" r:id="rId6"/>
-    <p:sldId id="261" r:id="rId7"/>
-    <p:sldId id="262" r:id="rId8"/>
+    <p:sldId id="264" r:id="rId4"/>
+    <p:sldId id="265" r:id="rId5"/>
+    <p:sldId id="263" r:id="rId6"/>
+    <p:sldId id="259" r:id="rId7"/>
+    <p:sldId id="260" r:id="rId8"/>
+    <p:sldId id="261" r:id="rId9"/>
+    <p:sldId id="262" r:id="rId10"/>
   </p:sldIdLst>
   <p:sldSz cx="12192000" cy="6858000"/>
   <p:notesSz cx="6858000" cy="9144000"/>
@@ -4341,7 +4343,7 @@
                   <a:noFill/>
                 </a:ln>
                 <a:solidFill>
-                  <a:srgbClr val="24F9CB"/>
+                  <a:srgbClr val="E17079"/>
                 </a:solidFill>
                 <a:effectLst/>
                 <a:uLnTx/>
@@ -4484,7 +4486,7 @@
         </p:nvSpPr>
         <p:spPr>
           <a:xfrm>
-            <a:off x="2832810" y="2458686"/>
+            <a:off x="2832809" y="2687287"/>
             <a:ext cx="5061514" cy="369332"/>
           </a:xfrm>
           <a:prstGeom prst="rect">
@@ -4543,7 +4545,7 @@
         </p:nvSpPr>
         <p:spPr>
           <a:xfrm rot="10800000">
-            <a:off x="2787091" y="2414752"/>
+            <a:off x="2787090" y="2643353"/>
             <a:ext cx="45719" cy="457200"/>
           </a:xfrm>
           <a:prstGeom prst="rect">
@@ -4612,10 +4614,10 @@
       </p:sp>
       <p:sp>
         <p:nvSpPr>
-          <p:cNvPr id="14" name="矩形 13">
-            <a:extLst>
-              <a:ext uri="{FF2B5EF4-FFF2-40B4-BE49-F238E27FC236}">
-                <a16:creationId xmlns:a16="http://schemas.microsoft.com/office/drawing/2014/main" id="{90ADE777-9B1E-4ADA-8D7B-5632125F1E35}"/>
+          <p:cNvPr id="16" name="矩形 15">
+            <a:extLst>
+              <a:ext uri="{FF2B5EF4-FFF2-40B4-BE49-F238E27FC236}">
+                <a16:creationId xmlns:a16="http://schemas.microsoft.com/office/drawing/2014/main" id="{D83ABE3F-A7EC-4E64-AD51-1DB501E431AD}"/>
               </a:ext>
             </a:extLst>
           </p:cNvPr>
@@ -4624,8 +4626,8 @@
         </p:nvSpPr>
         <p:spPr>
           <a:xfrm>
-            <a:off x="2832809" y="3012995"/>
-            <a:ext cx="1887120" cy="369332"/>
+            <a:off x="2832809" y="3252954"/>
+            <a:ext cx="6464655" cy="369332"/>
           </a:xfrm>
           <a:prstGeom prst="rect">
             <a:avLst/>
@@ -4638,12 +4640,20 @@
           <a:lstStyle/>
           <a:p>
             <a:r>
+              <a:rPr lang="en-US" altLang="zh-CN" dirty="0">
+                <a:solidFill>
+                  <a:schemeClr val="bg1"/>
+                </a:solidFill>
+              </a:rPr>
+              <a:t>Rematch</a:t>
+            </a:r>
+            <a:r>
               <a:rPr lang="zh-CN" altLang="en-US" dirty="0">
                 <a:solidFill>
                   <a:schemeClr val="bg1"/>
                 </a:solidFill>
               </a:rPr>
-              <a:t>写</a:t>
+              <a:t>是</a:t>
             </a:r>
             <a:r>
               <a:rPr lang="en-US" altLang="zh-CN" dirty="0">
@@ -4651,7 +4661,7 @@
                   <a:schemeClr val="bg1"/>
                 </a:solidFill>
               </a:rPr>
-              <a:t>rematch</a:t>
+              <a:t>redux</a:t>
             </a:r>
             <a:r>
               <a:rPr lang="zh-CN" altLang="en-US" dirty="0">
@@ -4659,7 +4669,23 @@
                   <a:schemeClr val="bg1"/>
                 </a:solidFill>
               </a:rPr>
-              <a:t>的步骤</a:t>
+              <a:t>的再封装，它可以使</a:t>
+            </a:r>
+            <a:r>
+              <a:rPr lang="en-US" altLang="zh-CN" dirty="0">
+                <a:solidFill>
+                  <a:schemeClr val="bg1"/>
+                </a:solidFill>
+              </a:rPr>
+              <a:t>redux</a:t>
+            </a:r>
+            <a:r>
+              <a:rPr lang="zh-CN" altLang="en-US" dirty="0">
+                <a:solidFill>
+                  <a:schemeClr val="bg1"/>
+                </a:solidFill>
+              </a:rPr>
+              <a:t>的使用变得更加简单</a:t>
             </a:r>
             <a:endParaRPr lang="en-US" dirty="0">
               <a:solidFill>
@@ -4671,10 +4697,10 @@
       </p:sp>
       <p:sp>
         <p:nvSpPr>
-          <p:cNvPr id="15" name="Rectangle 3">
-            <a:extLst>
-              <a:ext uri="{FF2B5EF4-FFF2-40B4-BE49-F238E27FC236}">
-                <a16:creationId xmlns:a16="http://schemas.microsoft.com/office/drawing/2014/main" id="{2BD3ADC9-7097-471F-BD54-7FF0FD8AFCCB}"/>
+          <p:cNvPr id="17" name="Rectangle 3">
+            <a:extLst>
+              <a:ext uri="{FF2B5EF4-FFF2-40B4-BE49-F238E27FC236}">
+                <a16:creationId xmlns:a16="http://schemas.microsoft.com/office/drawing/2014/main" id="{1DE5AD52-795C-46C4-9375-0D80ABA922B6}"/>
               </a:ext>
             </a:extLst>
           </p:cNvPr>
@@ -4683,7 +4709,7 @@
         </p:nvSpPr>
         <p:spPr>
           <a:xfrm rot="10800000">
-            <a:off x="2787090" y="2969061"/>
+            <a:off x="2787090" y="3209020"/>
             <a:ext cx="45719" cy="457200"/>
           </a:xfrm>
           <a:prstGeom prst="rect">
@@ -4920,7 +4946,7 @@
                   <a:noFill/>
                 </a:ln>
                 <a:solidFill>
-                  <a:srgbClr val="24F9CB"/>
+                  <a:srgbClr val="E17079"/>
                 </a:solidFill>
                 <a:effectLst/>
                 <a:uLnTx/>
@@ -4949,7 +4975,7 @@
         <p:spPr>
           <a:xfrm>
             <a:off x="345731" y="2595914"/>
-            <a:ext cx="1776032" cy="1200329"/>
+            <a:ext cx="1280287" cy="461665"/>
           </a:xfrm>
           <a:prstGeom prst="rect">
             <a:avLst/>
@@ -4957,7 +4983,7 @@
           <a:noFill/>
         </p:spPr>
         <p:txBody>
-          <a:bodyPr wrap="square" rtlCol="0">
+          <a:bodyPr wrap="none" rtlCol="0">
             <a:spAutoFit/>
           </a:bodyPr>
           <a:lstStyle/>
@@ -4980,7 +5006,7 @@
               <a:defRPr/>
             </a:pPr>
             <a:r>
-              <a:rPr kumimoji="0" lang="zh-CN" altLang="en-US" sz="2400" b="0" i="0" u="none" strike="noStrike" kern="1200" cap="none" spc="0" normalizeH="0" baseline="0" noProof="0" dirty="0">
+              <a:rPr kumimoji="0" lang="en-US" altLang="zh-CN" sz="2400" b="0" i="0" u="none" strike="noStrike" kern="1200" cap="none" spc="0" normalizeH="0" baseline="0" noProof="0" dirty="0">
                 <a:ln>
                   <a:noFill/>
                 </a:ln>
@@ -4994,43 +5020,9 @@
                 <a:ea typeface="等线" panose="02010600030101010101" pitchFamily="2" charset="-122"/>
                 <a:cs typeface="+mn-cs"/>
               </a:rPr>
-              <a:t>检查</a:t>
-            </a:r>
-            <a:r>
-              <a:rPr kumimoji="0" lang="en-US" altLang="zh-CN" sz="2400" b="0" i="0" u="none" strike="noStrike" kern="1200" cap="none" spc="0" normalizeH="0" baseline="0" noProof="0" dirty="0">
-                <a:ln>
-                  <a:noFill/>
-                </a:ln>
-                <a:solidFill>
-                  <a:prstClr val="white"/>
-                </a:solidFill>
-                <a:effectLst/>
-                <a:uLnTx/>
-                <a:uFillTx/>
-                <a:latin typeface="Calibri" panose="020F0502020204030204"/>
-                <a:ea typeface="等线" panose="02010600030101010101" pitchFamily="2" charset="-122"/>
-                <a:cs typeface="+mn-cs"/>
-              </a:rPr>
-              <a:t>rematch</a:t>
-            </a:r>
-            <a:r>
-              <a:rPr kumimoji="0" lang="zh-CN" altLang="en-US" sz="2400" b="0" i="0" u="none" strike="noStrike" kern="1200" cap="none" spc="0" normalizeH="0" baseline="0" noProof="0" dirty="0">
-                <a:ln>
-                  <a:noFill/>
-                </a:ln>
-                <a:solidFill>
-                  <a:prstClr val="white"/>
-                </a:solidFill>
-                <a:effectLst/>
-                <a:uLnTx/>
-                <a:uFillTx/>
-                <a:latin typeface="Calibri" panose="020F0502020204030204"/>
-                <a:ea typeface="等线" panose="02010600030101010101" pitchFamily="2" charset="-122"/>
-                <a:cs typeface="+mn-cs"/>
-              </a:rPr>
-              <a:t>初始化</a:t>
-            </a:r>
-            <a:endParaRPr kumimoji="0" lang="en-US" altLang="zh-CN" sz="2400" b="0" i="0" u="none" strike="noStrike" kern="1200" cap="none" spc="0" normalizeH="0" baseline="0" noProof="0" dirty="0">
+              <a:t>Rematch</a:t>
+            </a:r>
+            <a:endParaRPr kumimoji="0" lang="en-US" sz="2400" b="0" i="0" u="none" strike="noStrike" kern="1200" cap="none" spc="0" normalizeH="0" baseline="0" noProof="0" dirty="0">
               <a:ln>
                 <a:noFill/>
               </a:ln>
@@ -5041,7 +5033,7 @@
               <a:uLnTx/>
               <a:uFillTx/>
               <a:latin typeface="Calibri" panose="020F0502020204030204"/>
-              <a:ea typeface="等线" panose="02010600030101010101" pitchFamily="2" charset="-122"/>
+              <a:ea typeface="+mn-ea"/>
               <a:cs typeface="+mn-cs"/>
             </a:endParaRPr>
           </a:p>
@@ -5085,10 +5077,10 @@
       </p:pic>
       <p:sp>
         <p:nvSpPr>
-          <p:cNvPr id="2" name="矩形 1">
-            <a:extLst>
-              <a:ext uri="{FF2B5EF4-FFF2-40B4-BE49-F238E27FC236}">
-                <a16:creationId xmlns:a16="http://schemas.microsoft.com/office/drawing/2014/main" id="{9D4438D2-456A-4129-A7B2-E42280525A67}"/>
+          <p:cNvPr id="14" name="Rounded Rectangle 1">
+            <a:extLst>
+              <a:ext uri="{FF2B5EF4-FFF2-40B4-BE49-F238E27FC236}">
+                <a16:creationId xmlns:a16="http://schemas.microsoft.com/office/drawing/2014/main" id="{0AA84F1E-15BC-47F5-9804-C56B2CC53A7E}"/>
               </a:ext>
             </a:extLst>
           </p:cNvPr>
@@ -5097,675 +5089,1227 @@
         </p:nvSpPr>
         <p:spPr>
           <a:xfrm>
-            <a:off x="2787090" y="1710534"/>
-            <a:ext cx="8706035" cy="3293209"/>
+            <a:off x="3206208" y="1027485"/>
+            <a:ext cx="1232371" cy="1351440"/>
+          </a:xfrm>
+          <a:prstGeom prst="roundRect">
+            <a:avLst/>
+          </a:prstGeom>
+          <a:ln>
+            <a:noFill/>
+          </a:ln>
+        </p:spPr>
+        <p:style>
+          <a:lnRef idx="2">
+            <a:schemeClr val="accent1">
+              <a:shade val="50000"/>
+            </a:schemeClr>
+          </a:lnRef>
+          <a:fillRef idx="1">
+            <a:schemeClr val="accent1"/>
+          </a:fillRef>
+          <a:effectRef idx="0">
+            <a:schemeClr val="accent1"/>
+          </a:effectRef>
+          <a:fontRef idx="minor">
+            <a:schemeClr val="lt1"/>
+          </a:fontRef>
+        </p:style>
+        <p:txBody>
+          <a:bodyPr rtlCol="0" anchor="ctr"/>
+          <a:lstStyle/>
+          <a:p>
+            <a:pPr algn="ctr"/>
+            <a:r>
+              <a:rPr lang="en-US" dirty="0"/>
+              <a:t>View</a:t>
+            </a:r>
+          </a:p>
+        </p:txBody>
+      </p:sp>
+      <p:sp>
+        <p:nvSpPr>
+          <p:cNvPr id="15" name="Oval 2">
+            <a:extLst>
+              <a:ext uri="{FF2B5EF4-FFF2-40B4-BE49-F238E27FC236}">
+                <a16:creationId xmlns:a16="http://schemas.microsoft.com/office/drawing/2014/main" id="{0A522A76-A9AC-41F7-B881-8653A5BF785E}"/>
+              </a:ext>
+            </a:extLst>
+          </p:cNvPr>
+          <p:cNvSpPr/>
+          <p:nvPr/>
+        </p:nvSpPr>
+        <p:spPr>
+          <a:xfrm>
+            <a:off x="9743139" y="1027485"/>
+            <a:ext cx="1499765" cy="1499765"/>
+          </a:xfrm>
+          <a:prstGeom prst="ellipse">
+            <a:avLst/>
+          </a:prstGeom>
+          <a:solidFill>
+            <a:schemeClr val="accent2"/>
+          </a:solidFill>
+          <a:ln>
+            <a:noFill/>
+          </a:ln>
+        </p:spPr>
+        <p:style>
+          <a:lnRef idx="2">
+            <a:schemeClr val="accent1">
+              <a:shade val="50000"/>
+            </a:schemeClr>
+          </a:lnRef>
+          <a:fillRef idx="1">
+            <a:schemeClr val="accent1"/>
+          </a:fillRef>
+          <a:effectRef idx="0">
+            <a:schemeClr val="accent1"/>
+          </a:effectRef>
+          <a:fontRef idx="minor">
+            <a:schemeClr val="lt1"/>
+          </a:fontRef>
+        </p:style>
+        <p:txBody>
+          <a:bodyPr rtlCol="0" anchor="ctr"/>
+          <a:lstStyle/>
+          <a:p>
+            <a:pPr algn="ctr"/>
+            <a:r>
+              <a:rPr lang="en-US" dirty="0"/>
+              <a:t>Redux</a:t>
+            </a:r>
+          </a:p>
+          <a:p>
+            <a:pPr algn="ctr"/>
+            <a:r>
+              <a:rPr lang="en-US" dirty="0"/>
+              <a:t>Store</a:t>
+            </a:r>
+          </a:p>
+        </p:txBody>
+      </p:sp>
+      <p:cxnSp>
+        <p:nvCxnSpPr>
+          <p:cNvPr id="18" name="Straight Arrow Connector 6">
+            <a:extLst>
+              <a:ext uri="{FF2B5EF4-FFF2-40B4-BE49-F238E27FC236}">
+                <a16:creationId xmlns:a16="http://schemas.microsoft.com/office/drawing/2014/main" id="{ACB0124A-8FB8-4A13-B3CC-31F855677FB2}"/>
+              </a:ext>
+            </a:extLst>
+          </p:cNvPr>
+          <p:cNvCxnSpPr/>
+          <p:nvPr/>
+        </p:nvCxnSpPr>
+        <p:spPr>
+          <a:xfrm flipH="1">
+            <a:off x="4803629" y="1703205"/>
+            <a:ext cx="4602145" cy="0"/>
+          </a:xfrm>
+          <a:prstGeom prst="straightConnector1">
+            <a:avLst/>
+          </a:prstGeom>
+          <a:ln>
+            <a:tailEnd type="triangle"/>
+          </a:ln>
+        </p:spPr>
+        <p:style>
+          <a:lnRef idx="3">
+            <a:schemeClr val="accent2"/>
+          </a:lnRef>
+          <a:fillRef idx="0">
+            <a:schemeClr val="accent2"/>
+          </a:fillRef>
+          <a:effectRef idx="2">
+            <a:schemeClr val="accent2"/>
+          </a:effectRef>
+          <a:fontRef idx="minor">
+            <a:schemeClr val="tx1"/>
+          </a:fontRef>
+        </p:style>
+      </p:cxnSp>
+      <p:sp>
+        <p:nvSpPr>
+          <p:cNvPr id="19" name="TextBox 7">
+            <a:extLst>
+              <a:ext uri="{FF2B5EF4-FFF2-40B4-BE49-F238E27FC236}">
+                <a16:creationId xmlns:a16="http://schemas.microsoft.com/office/drawing/2014/main" id="{1303A6E3-C3B6-46A4-934F-B8502118AF6D}"/>
+              </a:ext>
+            </a:extLst>
+          </p:cNvPr>
+          <p:cNvSpPr txBox="1"/>
+          <p:nvPr/>
+        </p:nvSpPr>
+        <p:spPr>
+          <a:xfrm>
+            <a:off x="5724105" y="1272715"/>
+            <a:ext cx="1090811" cy="369332"/>
+          </a:xfrm>
+          <a:prstGeom prst="rect">
+            <a:avLst/>
+          </a:prstGeom>
+          <a:noFill/>
+        </p:spPr>
+        <p:txBody>
+          <a:bodyPr wrap="none" rtlCol="0">
+            <a:spAutoFit/>
+          </a:bodyPr>
+          <a:lstStyle/>
+          <a:p>
+            <a:r>
+              <a:rPr lang="en-US" dirty="0">
+                <a:solidFill>
+                  <a:schemeClr val="bg1"/>
+                </a:solidFill>
+              </a:rPr>
+              <a:t>Subscribe</a:t>
+            </a:r>
+          </a:p>
+        </p:txBody>
+      </p:sp>
+      <p:sp>
+        <p:nvSpPr>
+          <p:cNvPr id="20" name="TextBox 8">
+            <a:extLst>
+              <a:ext uri="{FF2B5EF4-FFF2-40B4-BE49-F238E27FC236}">
+                <a16:creationId xmlns:a16="http://schemas.microsoft.com/office/drawing/2014/main" id="{CCC03B6B-0F4C-4C23-8892-4B86014325E0}"/>
+              </a:ext>
+            </a:extLst>
+          </p:cNvPr>
+          <p:cNvSpPr txBox="1"/>
+          <p:nvPr/>
+        </p:nvSpPr>
+        <p:spPr>
+          <a:xfrm>
+            <a:off x="5014841" y="2701249"/>
+            <a:ext cx="2236510" cy="707886"/>
+          </a:xfrm>
+          <a:prstGeom prst="rect">
+            <a:avLst/>
+          </a:prstGeom>
+          <a:noFill/>
+        </p:spPr>
+        <p:txBody>
+          <a:bodyPr wrap="none" rtlCol="0">
+            <a:spAutoFit/>
+          </a:bodyPr>
+          <a:lstStyle/>
+          <a:p>
+            <a:r>
+              <a:rPr lang="zh-CN" altLang="en-US" sz="4000" dirty="0">
+                <a:solidFill>
+                  <a:schemeClr val="bg1"/>
+                </a:solidFill>
+              </a:rPr>
+              <a:t>数据闭环</a:t>
+            </a:r>
+            <a:endParaRPr lang="en-US" sz="4000" dirty="0">
+              <a:solidFill>
+                <a:schemeClr val="bg1"/>
+              </a:solidFill>
+            </a:endParaRPr>
+          </a:p>
+        </p:txBody>
+      </p:sp>
+      <p:cxnSp>
+        <p:nvCxnSpPr>
+          <p:cNvPr id="21" name="Curved Connector 10">
+            <a:extLst>
+              <a:ext uri="{FF2B5EF4-FFF2-40B4-BE49-F238E27FC236}">
+                <a16:creationId xmlns:a16="http://schemas.microsoft.com/office/drawing/2014/main" id="{04579C9D-AF79-4C84-8553-A68E8710A003}"/>
+              </a:ext>
+            </a:extLst>
+          </p:cNvPr>
+          <p:cNvCxnSpPr>
+            <a:cxnSpLocks/>
+            <a:stCxn id="14" idx="1"/>
+            <a:endCxn id="22" idx="1"/>
+          </p:cNvCxnSpPr>
+          <p:nvPr/>
+        </p:nvCxnSpPr>
+        <p:spPr>
+          <a:xfrm rot="10800000" flipH="1" flipV="1">
+            <a:off x="3206208" y="1703204"/>
+            <a:ext cx="98754" cy="3191365"/>
+          </a:xfrm>
+          <a:prstGeom prst="curvedConnector3">
+            <a:avLst>
+              <a:gd name="adj1" fmla="val -231484"/>
+            </a:avLst>
+          </a:prstGeom>
+          <a:ln>
+            <a:headEnd type="none" w="med" len="med"/>
+            <a:tailEnd type="arrow" w="med" len="med"/>
+          </a:ln>
+        </p:spPr>
+        <p:style>
+          <a:lnRef idx="1">
+            <a:schemeClr val="accent1"/>
+          </a:lnRef>
+          <a:fillRef idx="0">
+            <a:schemeClr val="accent1"/>
+          </a:fillRef>
+          <a:effectRef idx="0">
+            <a:schemeClr val="accent1"/>
+          </a:effectRef>
+          <a:fontRef idx="minor">
+            <a:schemeClr val="tx1"/>
+          </a:fontRef>
+        </p:style>
+      </p:cxnSp>
+      <p:sp>
+        <p:nvSpPr>
+          <p:cNvPr id="22" name="Rectangle 20">
+            <a:extLst>
+              <a:ext uri="{FF2B5EF4-FFF2-40B4-BE49-F238E27FC236}">
+                <a16:creationId xmlns:a16="http://schemas.microsoft.com/office/drawing/2014/main" id="{CFB2E96B-40B7-40A9-A516-4DD2053E1058}"/>
+              </a:ext>
+            </a:extLst>
+          </p:cNvPr>
+          <p:cNvSpPr/>
+          <p:nvPr/>
+        </p:nvSpPr>
+        <p:spPr>
+          <a:xfrm>
+            <a:off x="3304962" y="4663737"/>
+            <a:ext cx="1011815" cy="461665"/>
           </a:xfrm>
           <a:prstGeom prst="rect">
             <a:avLst/>
           </a:prstGeom>
         </p:spPr>
         <p:txBody>
-          <a:bodyPr wrap="square">
+          <a:bodyPr wrap="none">
             <a:spAutoFit/>
           </a:bodyPr>
           <a:lstStyle/>
           <a:p>
             <a:r>
-              <a:rPr lang="en-US" sz="1600" dirty="0">
-                <a:solidFill>
-                  <a:srgbClr val="C586C0"/>
-                </a:solidFill>
-                <a:latin typeface="Consolas" panose="020B0609020204030204" pitchFamily="49" charset="0"/>
-              </a:rPr>
-              <a:t>import</a:t>
-            </a:r>
-            <a:r>
-              <a:rPr lang="en-US" sz="1600" dirty="0">
+              <a:rPr lang="en-CA" sz="2400" b="1" dirty="0">
+                <a:solidFill>
+                  <a:schemeClr val="accent5"/>
+                </a:solidFill>
+                <a:latin typeface="-apple-system"/>
+              </a:rPr>
+              <a:t>action</a:t>
+            </a:r>
+          </a:p>
+        </p:txBody>
+      </p:sp>
+      <p:cxnSp>
+        <p:nvCxnSpPr>
+          <p:cNvPr id="23" name="Curved Connector 26">
+            <a:extLst>
+              <a:ext uri="{FF2B5EF4-FFF2-40B4-BE49-F238E27FC236}">
+                <a16:creationId xmlns:a16="http://schemas.microsoft.com/office/drawing/2014/main" id="{7CB49C33-3C62-438D-BA0D-00384FA14A25}"/>
+              </a:ext>
+            </a:extLst>
+          </p:cNvPr>
+          <p:cNvCxnSpPr>
+            <a:cxnSpLocks/>
+            <a:stCxn id="22" idx="3"/>
+            <a:endCxn id="24" idx="1"/>
+          </p:cNvCxnSpPr>
+          <p:nvPr/>
+        </p:nvCxnSpPr>
+        <p:spPr>
+          <a:xfrm>
+            <a:off x="4316777" y="4894570"/>
+            <a:ext cx="985848" cy="1"/>
+          </a:xfrm>
+          <a:prstGeom prst="curvedConnector3">
+            <a:avLst>
+              <a:gd name="adj1" fmla="val 50000"/>
+            </a:avLst>
+          </a:prstGeom>
+          <a:ln w="76200">
+            <a:solidFill>
+              <a:schemeClr val="accent3"/>
+            </a:solidFill>
+            <a:prstDash val="solid"/>
+            <a:tailEnd type="triangle"/>
+          </a:ln>
+        </p:spPr>
+        <p:style>
+          <a:lnRef idx="1">
+            <a:schemeClr val="accent1"/>
+          </a:lnRef>
+          <a:fillRef idx="0">
+            <a:schemeClr val="accent1"/>
+          </a:fillRef>
+          <a:effectRef idx="0">
+            <a:schemeClr val="accent1"/>
+          </a:effectRef>
+          <a:fontRef idx="minor">
+            <a:schemeClr val="tx1"/>
+          </a:fontRef>
+        </p:style>
+      </p:cxnSp>
+      <p:sp>
+        <p:nvSpPr>
+          <p:cNvPr id="24" name="Rectangle 13">
+            <a:extLst>
+              <a:ext uri="{FF2B5EF4-FFF2-40B4-BE49-F238E27FC236}">
+                <a16:creationId xmlns:a16="http://schemas.microsoft.com/office/drawing/2014/main" id="{40BECEAD-6299-487F-954A-F5DE762996A9}"/>
+              </a:ext>
+            </a:extLst>
+          </p:cNvPr>
+          <p:cNvSpPr/>
+          <p:nvPr/>
+        </p:nvSpPr>
+        <p:spPr>
+          <a:xfrm>
+            <a:off x="5302625" y="4571405"/>
+            <a:ext cx="4406271" cy="646331"/>
+          </a:xfrm>
+          <a:prstGeom prst="rect">
+            <a:avLst/>
+          </a:prstGeom>
+        </p:spPr>
+        <p:txBody>
+          <a:bodyPr wrap="none">
+            <a:spAutoFit/>
+          </a:bodyPr>
+          <a:lstStyle/>
+          <a:p>
+            <a:r>
+              <a:rPr lang="en-CA" sz="3600" b="1" dirty="0">
+                <a:solidFill>
+                  <a:schemeClr val="accent3"/>
+                </a:solidFill>
+                <a:latin typeface="-apple-system"/>
+              </a:rPr>
+              <a:t>Reducer(</a:t>
+            </a:r>
+            <a:r>
+              <a:rPr lang="en-CA" sz="3600" b="1" dirty="0">
+                <a:solidFill>
+                  <a:schemeClr val="accent4"/>
+                </a:solidFill>
+                <a:latin typeface="-apple-system"/>
+              </a:rPr>
+              <a:t>state</a:t>
+            </a:r>
+            <a:r>
+              <a:rPr lang="en-CA" sz="3600" b="1" dirty="0">
+                <a:solidFill>
+                  <a:schemeClr val="accent3"/>
+                </a:solidFill>
+                <a:latin typeface="-apple-system"/>
+              </a:rPr>
+              <a:t>, </a:t>
+            </a:r>
+            <a:r>
+              <a:rPr lang="en-CA" sz="3600" b="1" dirty="0">
+                <a:solidFill>
+                  <a:schemeClr val="accent5"/>
+                </a:solidFill>
+                <a:latin typeface="-apple-system"/>
+              </a:rPr>
+              <a:t>action</a:t>
+            </a:r>
+            <a:r>
+              <a:rPr lang="en-CA" sz="3600" b="1" dirty="0">
+                <a:solidFill>
+                  <a:schemeClr val="accent3"/>
+                </a:solidFill>
+                <a:latin typeface="-apple-system"/>
+              </a:rPr>
+              <a:t>)</a:t>
+            </a:r>
+          </a:p>
+        </p:txBody>
+      </p:sp>
+      <p:cxnSp>
+        <p:nvCxnSpPr>
+          <p:cNvPr id="25" name="Curved Connector 22">
+            <a:extLst>
+              <a:ext uri="{FF2B5EF4-FFF2-40B4-BE49-F238E27FC236}">
+                <a16:creationId xmlns:a16="http://schemas.microsoft.com/office/drawing/2014/main" id="{6A4A215F-5CFC-46BE-B550-76AD25E60B12}"/>
+              </a:ext>
+            </a:extLst>
+          </p:cNvPr>
+          <p:cNvCxnSpPr>
+            <a:cxnSpLocks/>
+            <a:stCxn id="24" idx="3"/>
+            <a:endCxn id="15" idx="4"/>
+          </p:cNvCxnSpPr>
+          <p:nvPr/>
+        </p:nvCxnSpPr>
+        <p:spPr>
+          <a:xfrm flipV="1">
+            <a:off x="9708896" y="2527250"/>
+            <a:ext cx="784126" cy="2367321"/>
+          </a:xfrm>
+          <a:prstGeom prst="curvedConnector2">
+            <a:avLst/>
+          </a:prstGeom>
+          <a:ln w="76200">
+            <a:solidFill>
+              <a:schemeClr val="accent3"/>
+            </a:solidFill>
+            <a:prstDash val="solid"/>
+            <a:tailEnd type="triangle"/>
+          </a:ln>
+        </p:spPr>
+        <p:style>
+          <a:lnRef idx="1">
+            <a:schemeClr val="accent1"/>
+          </a:lnRef>
+          <a:fillRef idx="0">
+            <a:schemeClr val="accent1"/>
+          </a:fillRef>
+          <a:effectRef idx="0">
+            <a:schemeClr val="accent1"/>
+          </a:effectRef>
+          <a:fontRef idx="minor">
+            <a:schemeClr val="tx1"/>
+          </a:fontRef>
+        </p:style>
+      </p:cxnSp>
+      <p:sp>
+        <p:nvSpPr>
+          <p:cNvPr id="26" name="TextBox 11">
+            <a:extLst>
+              <a:ext uri="{FF2B5EF4-FFF2-40B4-BE49-F238E27FC236}">
+                <a16:creationId xmlns:a16="http://schemas.microsoft.com/office/drawing/2014/main" id="{E95CF7D1-D336-4932-8C65-171ED94DDB95}"/>
+              </a:ext>
+            </a:extLst>
+          </p:cNvPr>
+          <p:cNvSpPr txBox="1"/>
+          <p:nvPr/>
+        </p:nvSpPr>
+        <p:spPr>
+          <a:xfrm>
+            <a:off x="5167613" y="5622867"/>
+            <a:ext cx="237566" cy="369332"/>
+          </a:xfrm>
+          <a:prstGeom prst="rect">
+            <a:avLst/>
+          </a:prstGeom>
+          <a:noFill/>
+        </p:spPr>
+        <p:txBody>
+          <a:bodyPr wrap="none" rtlCol="0">
+            <a:spAutoFit/>
+          </a:bodyPr>
+          <a:lstStyle/>
+          <a:p>
+            <a:r>
+              <a:rPr lang="zh-CN" altLang="en-US" dirty="0"/>
+              <a:t> </a:t>
+            </a:r>
+            <a:endParaRPr lang="en-US" dirty="0"/>
+          </a:p>
+        </p:txBody>
+      </p:sp>
+      <p:sp>
+        <p:nvSpPr>
+          <p:cNvPr id="27" name="Rectangle 14">
+            <a:extLst>
+              <a:ext uri="{FF2B5EF4-FFF2-40B4-BE49-F238E27FC236}">
+                <a16:creationId xmlns:a16="http://schemas.microsoft.com/office/drawing/2014/main" id="{874897BF-7D35-4C71-BBB6-D4B2301498BB}"/>
+              </a:ext>
+            </a:extLst>
+          </p:cNvPr>
+          <p:cNvSpPr/>
+          <p:nvPr/>
+        </p:nvSpPr>
+        <p:spPr>
+          <a:xfrm>
+            <a:off x="2966959" y="5102319"/>
+            <a:ext cx="1997663" cy="369332"/>
+          </a:xfrm>
+          <a:prstGeom prst="rect">
+            <a:avLst/>
+          </a:prstGeom>
+        </p:spPr>
+        <p:txBody>
+          <a:bodyPr wrap="none">
+            <a:spAutoFit/>
+          </a:bodyPr>
+          <a:lstStyle/>
+          <a:p>
+            <a:r>
+              <a:rPr lang="en-CA" dirty="0">
                 <a:solidFill>
                   <a:srgbClr val="D4D4D4"/>
                 </a:solidFill>
-                <a:latin typeface="Consolas" panose="020B0609020204030204" pitchFamily="49" charset="0"/>
-              </a:rPr>
-              <a:t> { </a:t>
-            </a:r>
-            <a:r>
-              <a:rPr lang="en-US" sz="1600" dirty="0" err="1">
+                <a:latin typeface="Menlo" panose="020B0609030804020204" pitchFamily="49" charset="0"/>
+              </a:rPr>
+              <a:t>{</a:t>
+            </a:r>
+            <a:r>
+              <a:rPr lang="en-CA" dirty="0">
                 <a:solidFill>
                   <a:srgbClr val="9CDCFE"/>
                 </a:solidFill>
-                <a:latin typeface="Consolas" panose="020B0609020204030204" pitchFamily="49" charset="0"/>
-              </a:rPr>
-              <a:t>init</a:t>
-            </a:r>
-            <a:r>
-              <a:rPr lang="en-US" sz="1600" dirty="0">
+                <a:latin typeface="Menlo" panose="020B0609030804020204" pitchFamily="49" charset="0"/>
+              </a:rPr>
+              <a:t>type:</a:t>
+            </a:r>
+            <a:r>
+              <a:rPr lang="en-CA" dirty="0">
                 <a:solidFill>
                   <a:srgbClr val="D4D4D4"/>
                 </a:solidFill>
-                <a:latin typeface="Consolas" panose="020B0609020204030204" pitchFamily="49" charset="0"/>
-              </a:rPr>
-              <a:t> } </a:t>
-            </a:r>
-            <a:r>
-              <a:rPr lang="en-US" sz="1600" dirty="0">
-                <a:solidFill>
-                  <a:srgbClr val="C586C0"/>
-                </a:solidFill>
-                <a:latin typeface="Consolas" panose="020B0609020204030204" pitchFamily="49" charset="0"/>
-              </a:rPr>
-              <a:t>from</a:t>
-            </a:r>
-            <a:r>
-              <a:rPr lang="en-US" sz="1600" dirty="0">
+                <a:latin typeface="Menlo" panose="020B0609030804020204" pitchFamily="49" charset="0"/>
+              </a:rPr>
+              <a:t> </a:t>
+            </a:r>
+            <a:r>
+              <a:rPr lang="en-CA" dirty="0">
+                <a:solidFill>
+                  <a:srgbClr val="CE9178"/>
+                </a:solidFill>
+                <a:latin typeface="Menlo" panose="020B0609030804020204" pitchFamily="49" charset="0"/>
+              </a:rPr>
+              <a:t>'ADD’</a:t>
+            </a:r>
+            <a:r>
+              <a:rPr lang="en-CA" dirty="0">
                 <a:solidFill>
                   <a:srgbClr val="D4D4D4"/>
                 </a:solidFill>
-                <a:latin typeface="Consolas" panose="020B0609020204030204" pitchFamily="49" charset="0"/>
-              </a:rPr>
-              <a:t> </a:t>
-            </a:r>
-            <a:r>
-              <a:rPr lang="en-US" sz="1600" dirty="0">
-                <a:solidFill>
-                  <a:srgbClr val="CE9178"/>
-                </a:solidFill>
-                <a:latin typeface="Consolas" panose="020B0609020204030204" pitchFamily="49" charset="0"/>
-              </a:rPr>
-              <a:t>"@rematch/core"</a:t>
-            </a:r>
-            <a:r>
-              <a:rPr lang="en-US" sz="1600" dirty="0">
-                <a:solidFill>
-                  <a:srgbClr val="D4D4D4"/>
-                </a:solidFill>
-                <a:latin typeface="Consolas" panose="020B0609020204030204" pitchFamily="49" charset="0"/>
-              </a:rPr>
-              <a:t>;</a:t>
-            </a:r>
-          </a:p>
-          <a:p>
-            <a:r>
-              <a:rPr lang="en-US" sz="1600" dirty="0">
-                <a:solidFill>
-                  <a:srgbClr val="C586C0"/>
-                </a:solidFill>
-                <a:latin typeface="Consolas" panose="020B0609020204030204" pitchFamily="49" charset="0"/>
-              </a:rPr>
-              <a:t>import</a:t>
-            </a:r>
-            <a:r>
-              <a:rPr lang="en-US" sz="1600" dirty="0">
-                <a:solidFill>
-                  <a:srgbClr val="D4D4D4"/>
-                </a:solidFill>
-                <a:latin typeface="Consolas" panose="020B0609020204030204" pitchFamily="49" charset="0"/>
-              </a:rPr>
-              <a:t> { </a:t>
-            </a:r>
-            <a:r>
-              <a:rPr lang="en-US" sz="1600" dirty="0">
-                <a:solidFill>
-                  <a:srgbClr val="9CDCFE"/>
-                </a:solidFill>
-                <a:latin typeface="Consolas" panose="020B0609020204030204" pitchFamily="49" charset="0"/>
-              </a:rPr>
-              <a:t>Provider</a:t>
-            </a:r>
-            <a:r>
-              <a:rPr lang="en-US" sz="1600" dirty="0">
-                <a:solidFill>
-                  <a:srgbClr val="D4D4D4"/>
-                </a:solidFill>
-                <a:latin typeface="Consolas" panose="020B0609020204030204" pitchFamily="49" charset="0"/>
-              </a:rPr>
-              <a:t> } </a:t>
-            </a:r>
-            <a:r>
-              <a:rPr lang="en-US" sz="1600" dirty="0">
-                <a:solidFill>
-                  <a:srgbClr val="C586C0"/>
-                </a:solidFill>
-                <a:latin typeface="Consolas" panose="020B0609020204030204" pitchFamily="49" charset="0"/>
-              </a:rPr>
-              <a:t>from</a:t>
-            </a:r>
-            <a:r>
-              <a:rPr lang="en-US" sz="1600" dirty="0">
-                <a:solidFill>
-                  <a:srgbClr val="D4D4D4"/>
-                </a:solidFill>
-                <a:latin typeface="Consolas" panose="020B0609020204030204" pitchFamily="49" charset="0"/>
-              </a:rPr>
-              <a:t> </a:t>
-            </a:r>
-            <a:r>
-              <a:rPr lang="en-US" sz="1600" dirty="0">
-                <a:solidFill>
-                  <a:srgbClr val="CE9178"/>
-                </a:solidFill>
-                <a:latin typeface="Consolas" panose="020B0609020204030204" pitchFamily="49" charset="0"/>
-              </a:rPr>
-              <a:t>"react-redux"</a:t>
-            </a:r>
-            <a:r>
-              <a:rPr lang="en-US" sz="1600" dirty="0">
-                <a:solidFill>
-                  <a:srgbClr val="D4D4D4"/>
-                </a:solidFill>
-                <a:latin typeface="Consolas" panose="020B0609020204030204" pitchFamily="49" charset="0"/>
-              </a:rPr>
-              <a:t>;</a:t>
-            </a:r>
-          </a:p>
-          <a:p>
-            <a:r>
-              <a:rPr lang="en-US" sz="1600" dirty="0">
-                <a:solidFill>
-                  <a:srgbClr val="C586C0"/>
-                </a:solidFill>
-                <a:latin typeface="Consolas" panose="020B0609020204030204" pitchFamily="49" charset="0"/>
-              </a:rPr>
-              <a:t>import</a:t>
-            </a:r>
-            <a:r>
-              <a:rPr lang="en-US" sz="1600" dirty="0">
-                <a:solidFill>
-                  <a:srgbClr val="D4D4D4"/>
-                </a:solidFill>
-                <a:latin typeface="Consolas" panose="020B0609020204030204" pitchFamily="49" charset="0"/>
-              </a:rPr>
-              <a:t> </a:t>
-            </a:r>
-            <a:r>
-              <a:rPr lang="en-US" sz="1600" dirty="0">
-                <a:solidFill>
-                  <a:srgbClr val="569CD6"/>
-                </a:solidFill>
-                <a:latin typeface="Consolas" panose="020B0609020204030204" pitchFamily="49" charset="0"/>
-              </a:rPr>
-              <a:t>*</a:t>
-            </a:r>
-            <a:r>
-              <a:rPr lang="en-US" sz="1600" dirty="0">
-                <a:solidFill>
-                  <a:srgbClr val="D4D4D4"/>
-                </a:solidFill>
-                <a:latin typeface="Consolas" panose="020B0609020204030204" pitchFamily="49" charset="0"/>
-              </a:rPr>
-              <a:t> </a:t>
-            </a:r>
-            <a:r>
-              <a:rPr lang="en-US" sz="1600" dirty="0">
-                <a:solidFill>
-                  <a:srgbClr val="C586C0"/>
-                </a:solidFill>
-                <a:latin typeface="Consolas" panose="020B0609020204030204" pitchFamily="49" charset="0"/>
-              </a:rPr>
-              <a:t>as</a:t>
-            </a:r>
-            <a:r>
-              <a:rPr lang="en-US" sz="1600" dirty="0">
-                <a:solidFill>
-                  <a:srgbClr val="D4D4D4"/>
-                </a:solidFill>
-                <a:latin typeface="Consolas" panose="020B0609020204030204" pitchFamily="49" charset="0"/>
-              </a:rPr>
-              <a:t> </a:t>
-            </a:r>
-            <a:r>
-              <a:rPr lang="en-US" sz="1600" dirty="0">
-                <a:solidFill>
-                  <a:srgbClr val="9CDCFE"/>
-                </a:solidFill>
-                <a:latin typeface="Consolas" panose="020B0609020204030204" pitchFamily="49" charset="0"/>
-              </a:rPr>
-              <a:t>models</a:t>
-            </a:r>
-            <a:r>
-              <a:rPr lang="en-US" sz="1600" dirty="0">
-                <a:solidFill>
-                  <a:srgbClr val="D4D4D4"/>
-                </a:solidFill>
-                <a:latin typeface="Consolas" panose="020B0609020204030204" pitchFamily="49" charset="0"/>
-              </a:rPr>
-              <a:t> </a:t>
-            </a:r>
-            <a:r>
-              <a:rPr lang="en-US" sz="1600" dirty="0">
-                <a:solidFill>
-                  <a:srgbClr val="C586C0"/>
-                </a:solidFill>
-                <a:latin typeface="Consolas" panose="020B0609020204030204" pitchFamily="49" charset="0"/>
-              </a:rPr>
-              <a:t>from</a:t>
-            </a:r>
-            <a:r>
-              <a:rPr lang="en-US" sz="1600" dirty="0">
-                <a:solidFill>
-                  <a:srgbClr val="D4D4D4"/>
-                </a:solidFill>
-                <a:latin typeface="Consolas" panose="020B0609020204030204" pitchFamily="49" charset="0"/>
-              </a:rPr>
-              <a:t> </a:t>
-            </a:r>
-            <a:r>
-              <a:rPr lang="en-US" sz="1600" dirty="0">
-                <a:solidFill>
-                  <a:srgbClr val="CE9178"/>
-                </a:solidFill>
-                <a:latin typeface="Consolas" panose="020B0609020204030204" pitchFamily="49" charset="0"/>
-              </a:rPr>
-              <a:t>'./models'</a:t>
-            </a:r>
-            <a:r>
-              <a:rPr lang="en-US" sz="1600" dirty="0">
-                <a:solidFill>
-                  <a:srgbClr val="D4D4D4"/>
-                </a:solidFill>
-                <a:latin typeface="Consolas" panose="020B0609020204030204" pitchFamily="49" charset="0"/>
-              </a:rPr>
-              <a:t>;</a:t>
-            </a:r>
-          </a:p>
-          <a:p>
-            <a:br>
-              <a:rPr lang="en-US" sz="1600" dirty="0">
-                <a:solidFill>
-                  <a:srgbClr val="D4D4D4"/>
-                </a:solidFill>
-                <a:latin typeface="Consolas" panose="020B0609020204030204" pitchFamily="49" charset="0"/>
-              </a:rPr>
-            </a:br>
-            <a:r>
-              <a:rPr lang="en-US" sz="1600" dirty="0">
-                <a:solidFill>
-                  <a:srgbClr val="6A9955"/>
-                </a:solidFill>
-                <a:latin typeface="Consolas" panose="020B0609020204030204" pitchFamily="49" charset="0"/>
-              </a:rPr>
-              <a:t>// generate Redux store</a:t>
-            </a:r>
-            <a:endParaRPr lang="en-US" sz="1600" dirty="0">
-              <a:solidFill>
-                <a:srgbClr val="D4D4D4"/>
-              </a:solidFill>
-              <a:latin typeface="Consolas" panose="020B0609020204030204" pitchFamily="49" charset="0"/>
-            </a:endParaRPr>
-          </a:p>
-          <a:p>
-            <a:r>
-              <a:rPr lang="en-US" sz="1600" dirty="0">
-                <a:solidFill>
-                  <a:srgbClr val="569CD6"/>
-                </a:solidFill>
-                <a:latin typeface="Consolas" panose="020B0609020204030204" pitchFamily="49" charset="0"/>
-              </a:rPr>
-              <a:t>const</a:t>
-            </a:r>
-            <a:r>
-              <a:rPr lang="en-US" sz="1600" dirty="0">
-                <a:solidFill>
-                  <a:srgbClr val="D4D4D4"/>
-                </a:solidFill>
-                <a:latin typeface="Consolas" panose="020B0609020204030204" pitchFamily="49" charset="0"/>
-              </a:rPr>
-              <a:t> </a:t>
-            </a:r>
-            <a:r>
-              <a:rPr lang="en-US" sz="1600" dirty="0">
-                <a:solidFill>
-                  <a:srgbClr val="9CDCFE"/>
-                </a:solidFill>
-                <a:latin typeface="Consolas" panose="020B0609020204030204" pitchFamily="49" charset="0"/>
-              </a:rPr>
-              <a:t>store</a:t>
-            </a:r>
-            <a:r>
-              <a:rPr lang="en-US" sz="1600" dirty="0">
-                <a:solidFill>
-                  <a:srgbClr val="D4D4D4"/>
-                </a:solidFill>
-                <a:latin typeface="Consolas" panose="020B0609020204030204" pitchFamily="49" charset="0"/>
-              </a:rPr>
-              <a:t> = </a:t>
-            </a:r>
-            <a:r>
-              <a:rPr lang="en-US" sz="1600" dirty="0" err="1">
-                <a:solidFill>
-                  <a:srgbClr val="DCDCAA"/>
-                </a:solidFill>
-                <a:latin typeface="Consolas" panose="020B0609020204030204" pitchFamily="49" charset="0"/>
-              </a:rPr>
-              <a:t>init</a:t>
-            </a:r>
-            <a:r>
-              <a:rPr lang="en-US" sz="1600" dirty="0">
-                <a:solidFill>
-                  <a:srgbClr val="D4D4D4"/>
-                </a:solidFill>
-                <a:latin typeface="Consolas" panose="020B0609020204030204" pitchFamily="49" charset="0"/>
-              </a:rPr>
-              <a:t>({</a:t>
-            </a:r>
-          </a:p>
-          <a:p>
-            <a:r>
-              <a:rPr lang="en-US" sz="1600" dirty="0">
-                <a:solidFill>
-                  <a:srgbClr val="9CDCFE"/>
-                </a:solidFill>
-                <a:latin typeface="Consolas" panose="020B0609020204030204" pitchFamily="49" charset="0"/>
-              </a:rPr>
-              <a:t>  models</a:t>
-            </a:r>
-            <a:r>
-              <a:rPr lang="en-US" sz="1600" dirty="0">
-                <a:solidFill>
-                  <a:srgbClr val="D4D4D4"/>
-                </a:solidFill>
-                <a:latin typeface="Consolas" panose="020B0609020204030204" pitchFamily="49" charset="0"/>
-              </a:rPr>
-              <a:t>,</a:t>
-            </a:r>
-          </a:p>
-          <a:p>
-            <a:r>
-              <a:rPr lang="en-US" sz="1600" dirty="0">
-                <a:solidFill>
-                  <a:srgbClr val="D4D4D4"/>
-                </a:solidFill>
-                <a:latin typeface="Consolas" panose="020B0609020204030204" pitchFamily="49" charset="0"/>
-              </a:rPr>
-              <a:t>});</a:t>
-            </a:r>
-          </a:p>
-          <a:p>
-            <a:br>
-              <a:rPr lang="en-US" sz="1600" dirty="0">
-                <a:solidFill>
-                  <a:srgbClr val="D4D4D4"/>
-                </a:solidFill>
-                <a:latin typeface="Consolas" panose="020B0609020204030204" pitchFamily="49" charset="0"/>
-              </a:rPr>
-            </a:br>
-            <a:r>
-              <a:rPr lang="en-US" sz="1600" dirty="0" err="1">
-                <a:solidFill>
-                  <a:srgbClr val="9CDCFE"/>
-                </a:solidFill>
-                <a:latin typeface="Consolas" panose="020B0609020204030204" pitchFamily="49" charset="0"/>
-              </a:rPr>
-              <a:t>ReactDOM</a:t>
-            </a:r>
-            <a:r>
-              <a:rPr lang="en-US" sz="1600" dirty="0" err="1">
-                <a:solidFill>
-                  <a:srgbClr val="D4D4D4"/>
-                </a:solidFill>
-                <a:latin typeface="Consolas" panose="020B0609020204030204" pitchFamily="49" charset="0"/>
-              </a:rPr>
-              <a:t>.</a:t>
-            </a:r>
-            <a:r>
-              <a:rPr lang="en-US" sz="1600" dirty="0" err="1">
-                <a:solidFill>
-                  <a:srgbClr val="DCDCAA"/>
-                </a:solidFill>
-                <a:latin typeface="Consolas" panose="020B0609020204030204" pitchFamily="49" charset="0"/>
-              </a:rPr>
-              <a:t>render</a:t>
-            </a:r>
-            <a:r>
-              <a:rPr lang="en-US" sz="1600" dirty="0">
-                <a:solidFill>
-                  <a:srgbClr val="D4D4D4"/>
-                </a:solidFill>
-                <a:latin typeface="Consolas" panose="020B0609020204030204" pitchFamily="49" charset="0"/>
-              </a:rPr>
-              <a:t>(</a:t>
-            </a:r>
-          </a:p>
-          <a:p>
-            <a:r>
-              <a:rPr lang="en-US" sz="1600" dirty="0">
-                <a:solidFill>
-                  <a:srgbClr val="D4D4D4"/>
-                </a:solidFill>
-                <a:latin typeface="Consolas" panose="020B0609020204030204" pitchFamily="49" charset="0"/>
-              </a:rPr>
-              <a:t>  </a:t>
-            </a:r>
-            <a:r>
-              <a:rPr lang="en-US" sz="1600" dirty="0">
-                <a:solidFill>
-                  <a:srgbClr val="808080"/>
-                </a:solidFill>
-                <a:latin typeface="Consolas" panose="020B0609020204030204" pitchFamily="49" charset="0"/>
-              </a:rPr>
-              <a:t>&lt;</a:t>
-            </a:r>
-            <a:r>
-              <a:rPr lang="en-US" sz="1600" dirty="0">
-                <a:solidFill>
-                  <a:srgbClr val="4EC9B0"/>
-                </a:solidFill>
-                <a:latin typeface="Consolas" panose="020B0609020204030204" pitchFamily="49" charset="0"/>
-              </a:rPr>
-              <a:t>Provider</a:t>
-            </a:r>
-            <a:r>
-              <a:rPr lang="en-US" sz="1600" dirty="0">
-                <a:solidFill>
-                  <a:srgbClr val="D4D4D4"/>
-                </a:solidFill>
-                <a:latin typeface="Consolas" panose="020B0609020204030204" pitchFamily="49" charset="0"/>
-              </a:rPr>
-              <a:t> </a:t>
-            </a:r>
-            <a:r>
-              <a:rPr lang="en-US" sz="1600" dirty="0">
-                <a:solidFill>
-                  <a:srgbClr val="9CDCFE"/>
-                </a:solidFill>
-                <a:latin typeface="Consolas" panose="020B0609020204030204" pitchFamily="49" charset="0"/>
-              </a:rPr>
-              <a:t>store</a:t>
-            </a:r>
-            <a:r>
-              <a:rPr lang="en-US" sz="1600" dirty="0">
-                <a:solidFill>
-                  <a:srgbClr val="D4D4D4"/>
-                </a:solidFill>
-                <a:latin typeface="Consolas" panose="020B0609020204030204" pitchFamily="49" charset="0"/>
-              </a:rPr>
-              <a:t>=</a:t>
-            </a:r>
-            <a:r>
-              <a:rPr lang="en-US" sz="1600" dirty="0">
-                <a:solidFill>
-                  <a:srgbClr val="569CD6"/>
-                </a:solidFill>
-                <a:latin typeface="Consolas" panose="020B0609020204030204" pitchFamily="49" charset="0"/>
-              </a:rPr>
-              <a:t>{</a:t>
-            </a:r>
-            <a:r>
-              <a:rPr lang="en-US" sz="1600" dirty="0">
-                <a:solidFill>
-                  <a:srgbClr val="9CDCFE"/>
-                </a:solidFill>
-                <a:latin typeface="Consolas" panose="020B0609020204030204" pitchFamily="49" charset="0"/>
-              </a:rPr>
-              <a:t>store</a:t>
-            </a:r>
-            <a:r>
-              <a:rPr lang="en-US" sz="1600" dirty="0">
-                <a:solidFill>
-                  <a:srgbClr val="569CD6"/>
-                </a:solidFill>
-                <a:latin typeface="Consolas" panose="020B0609020204030204" pitchFamily="49" charset="0"/>
+                <a:latin typeface="Menlo" panose="020B0609030804020204" pitchFamily="49" charset="0"/>
               </a:rPr>
               <a:t>}</a:t>
             </a:r>
-            <a:r>
-              <a:rPr lang="en-US" sz="1600" dirty="0">
-                <a:solidFill>
-                  <a:srgbClr val="808080"/>
-                </a:solidFill>
-                <a:latin typeface="Consolas" panose="020B0609020204030204" pitchFamily="49" charset="0"/>
-              </a:rPr>
-              <a:t>&gt;&lt;</a:t>
-            </a:r>
-            <a:r>
-              <a:rPr lang="en-US" sz="1600" dirty="0">
-                <a:solidFill>
-                  <a:srgbClr val="4EC9B0"/>
-                </a:solidFill>
-                <a:latin typeface="Consolas" panose="020B0609020204030204" pitchFamily="49" charset="0"/>
-              </a:rPr>
-              <a:t>App</a:t>
-            </a:r>
-            <a:r>
-              <a:rPr lang="en-US" sz="1600" dirty="0">
-                <a:solidFill>
-                  <a:srgbClr val="D4D4D4"/>
-                </a:solidFill>
-                <a:latin typeface="Consolas" panose="020B0609020204030204" pitchFamily="49" charset="0"/>
-              </a:rPr>
-              <a:t> </a:t>
-            </a:r>
-            <a:r>
-              <a:rPr lang="en-US" sz="1600" dirty="0">
-                <a:solidFill>
-                  <a:srgbClr val="808080"/>
-                </a:solidFill>
-                <a:latin typeface="Consolas" panose="020B0609020204030204" pitchFamily="49" charset="0"/>
-              </a:rPr>
-              <a:t>/&gt;&lt;/</a:t>
-            </a:r>
-            <a:r>
-              <a:rPr lang="en-US" sz="1600" dirty="0">
-                <a:solidFill>
-                  <a:srgbClr val="4EC9B0"/>
-                </a:solidFill>
-                <a:latin typeface="Consolas" panose="020B0609020204030204" pitchFamily="49" charset="0"/>
-              </a:rPr>
-              <a:t>Provider</a:t>
-            </a:r>
-            <a:r>
-              <a:rPr lang="en-US" sz="1600" dirty="0">
-                <a:solidFill>
-                  <a:srgbClr val="808080"/>
-                </a:solidFill>
-                <a:latin typeface="Consolas" panose="020B0609020204030204" pitchFamily="49" charset="0"/>
-              </a:rPr>
-              <a:t>&gt;</a:t>
-            </a:r>
-            <a:r>
-              <a:rPr lang="en-US" sz="1600" dirty="0">
-                <a:solidFill>
-                  <a:srgbClr val="D4D4D4"/>
-                </a:solidFill>
-                <a:latin typeface="Consolas" panose="020B0609020204030204" pitchFamily="49" charset="0"/>
-              </a:rPr>
-              <a:t>,</a:t>
-            </a:r>
-          </a:p>
-          <a:p>
-            <a:r>
-              <a:rPr lang="en-US" sz="1600" dirty="0">
-                <a:solidFill>
-                  <a:srgbClr val="D4D4D4"/>
-                </a:solidFill>
-                <a:latin typeface="Consolas" panose="020B0609020204030204" pitchFamily="49" charset="0"/>
-              </a:rPr>
-              <a:t>  </a:t>
-            </a:r>
-            <a:r>
-              <a:rPr lang="en-US" sz="1600" dirty="0" err="1">
-                <a:solidFill>
-                  <a:srgbClr val="9CDCFE"/>
-                </a:solidFill>
-                <a:latin typeface="Consolas" panose="020B0609020204030204" pitchFamily="49" charset="0"/>
-              </a:rPr>
-              <a:t>document</a:t>
-            </a:r>
-            <a:r>
-              <a:rPr lang="en-US" sz="1600" dirty="0" err="1">
-                <a:solidFill>
-                  <a:srgbClr val="D4D4D4"/>
-                </a:solidFill>
-                <a:latin typeface="Consolas" panose="020B0609020204030204" pitchFamily="49" charset="0"/>
-              </a:rPr>
-              <a:t>.</a:t>
-            </a:r>
-            <a:r>
-              <a:rPr lang="en-US" sz="1600" dirty="0" err="1">
-                <a:solidFill>
-                  <a:srgbClr val="DCDCAA"/>
-                </a:solidFill>
-                <a:latin typeface="Consolas" panose="020B0609020204030204" pitchFamily="49" charset="0"/>
-              </a:rPr>
-              <a:t>getElementById</a:t>
-            </a:r>
-            <a:r>
-              <a:rPr lang="en-US" sz="1600" dirty="0">
-                <a:solidFill>
-                  <a:srgbClr val="D4D4D4"/>
-                </a:solidFill>
-                <a:latin typeface="Consolas" panose="020B0609020204030204" pitchFamily="49" charset="0"/>
-              </a:rPr>
-              <a:t>(</a:t>
-            </a:r>
-            <a:r>
-              <a:rPr lang="en-US" sz="1600" dirty="0">
-                <a:solidFill>
-                  <a:srgbClr val="CE9178"/>
-                </a:solidFill>
-                <a:latin typeface="Consolas" panose="020B0609020204030204" pitchFamily="49" charset="0"/>
-              </a:rPr>
-              <a:t>'root'</a:t>
-            </a:r>
-            <a:r>
-              <a:rPr lang="en-US" sz="1600" dirty="0">
-                <a:solidFill>
-                  <a:srgbClr val="D4D4D4"/>
-                </a:solidFill>
-                <a:latin typeface="Consolas" panose="020B0609020204030204" pitchFamily="49" charset="0"/>
-              </a:rPr>
-              <a:t>)</a:t>
-            </a:r>
-          </a:p>
-          <a:p>
-            <a:r>
-              <a:rPr lang="en-US" sz="1600" dirty="0">
-                <a:solidFill>
-                  <a:srgbClr val="D4D4D4"/>
-                </a:solidFill>
-                <a:latin typeface="Consolas" panose="020B0609020204030204" pitchFamily="49" charset="0"/>
-              </a:rPr>
-              <a:t>);</a:t>
-            </a:r>
-            <a:endParaRPr lang="en-US" sz="1600" b="0" dirty="0">
+            <a:endParaRPr lang="en-CA" b="0" dirty="0">
               <a:solidFill>
                 <a:srgbClr val="D4D4D4"/>
               </a:solidFill>
               <a:effectLst/>
-              <a:latin typeface="Consolas" panose="020B0609020204030204" pitchFamily="49" charset="0"/>
+              <a:latin typeface="Menlo" panose="020B0609030804020204" pitchFamily="49" charset="0"/>
             </a:endParaRPr>
+          </a:p>
+        </p:txBody>
+      </p:sp>
+      <p:sp>
+        <p:nvSpPr>
+          <p:cNvPr id="28" name="Rectangle 15">
+            <a:extLst>
+              <a:ext uri="{FF2B5EF4-FFF2-40B4-BE49-F238E27FC236}">
+                <a16:creationId xmlns:a16="http://schemas.microsoft.com/office/drawing/2014/main" id="{50D96B4A-F145-407B-8C17-047682296ECA}"/>
+              </a:ext>
+            </a:extLst>
+          </p:cNvPr>
+          <p:cNvSpPr/>
+          <p:nvPr/>
+        </p:nvSpPr>
+        <p:spPr>
+          <a:xfrm>
+            <a:off x="6915105" y="5217736"/>
+            <a:ext cx="1300356" cy="369332"/>
+          </a:xfrm>
+          <a:prstGeom prst="rect">
+            <a:avLst/>
+          </a:prstGeom>
+        </p:spPr>
+        <p:txBody>
+          <a:bodyPr wrap="none">
+            <a:spAutoFit/>
+          </a:bodyPr>
+          <a:lstStyle/>
+          <a:p>
+            <a:r>
+              <a:rPr lang="en-CA" dirty="0">
+                <a:solidFill>
+                  <a:srgbClr val="D4D4D4"/>
+                </a:solidFill>
+                <a:latin typeface="Menlo" panose="020B0609030804020204" pitchFamily="49" charset="0"/>
+              </a:rPr>
+              <a:t>{</a:t>
+            </a:r>
+            <a:r>
+              <a:rPr lang="en-CA" dirty="0">
+                <a:solidFill>
+                  <a:srgbClr val="9CDCFE"/>
+                </a:solidFill>
+                <a:latin typeface="Menlo" panose="020B0609030804020204" pitchFamily="49" charset="0"/>
+              </a:rPr>
+              <a:t>sum:</a:t>
+            </a:r>
+            <a:r>
+              <a:rPr lang="en-CA" dirty="0">
+                <a:solidFill>
+                  <a:srgbClr val="D4D4D4"/>
+                </a:solidFill>
+                <a:latin typeface="Menlo" panose="020B0609030804020204" pitchFamily="49" charset="0"/>
+              </a:rPr>
+              <a:t> </a:t>
+            </a:r>
+            <a:r>
+              <a:rPr lang="en-CA" dirty="0">
+                <a:solidFill>
+                  <a:srgbClr val="B5CEA8"/>
+                </a:solidFill>
+                <a:latin typeface="Menlo" panose="020B0609030804020204" pitchFamily="49" charset="0"/>
+              </a:rPr>
+              <a:t>0</a:t>
+            </a:r>
+            <a:r>
+              <a:rPr lang="en-CA" dirty="0">
+                <a:solidFill>
+                  <a:srgbClr val="D4D4D4"/>
+                </a:solidFill>
+                <a:latin typeface="Menlo" panose="020B0609030804020204" pitchFamily="49" charset="0"/>
+              </a:rPr>
+              <a:t>}</a:t>
+            </a:r>
+            <a:endParaRPr lang="en-CA" b="0" dirty="0">
+              <a:solidFill>
+                <a:srgbClr val="D4D4D4"/>
+              </a:solidFill>
+              <a:effectLst/>
+              <a:latin typeface="Menlo" panose="020B0609030804020204" pitchFamily="49" charset="0"/>
+            </a:endParaRPr>
+          </a:p>
+        </p:txBody>
+      </p:sp>
+      <p:sp>
+        <p:nvSpPr>
+          <p:cNvPr id="29" name="Rectangle 27">
+            <a:extLst>
+              <a:ext uri="{FF2B5EF4-FFF2-40B4-BE49-F238E27FC236}">
+                <a16:creationId xmlns:a16="http://schemas.microsoft.com/office/drawing/2014/main" id="{3ED9F79F-9121-4AE0-A89D-302005AE22E0}"/>
+              </a:ext>
+            </a:extLst>
+          </p:cNvPr>
+          <p:cNvSpPr/>
+          <p:nvPr/>
+        </p:nvSpPr>
+        <p:spPr>
+          <a:xfrm>
+            <a:off x="10452091" y="3908419"/>
+            <a:ext cx="1300356" cy="369332"/>
+          </a:xfrm>
+          <a:prstGeom prst="rect">
+            <a:avLst/>
+          </a:prstGeom>
+        </p:spPr>
+        <p:txBody>
+          <a:bodyPr wrap="none">
+            <a:spAutoFit/>
+          </a:bodyPr>
+          <a:lstStyle/>
+          <a:p>
+            <a:r>
+              <a:rPr lang="en-CA" dirty="0">
+                <a:solidFill>
+                  <a:srgbClr val="D4D4D4"/>
+                </a:solidFill>
+                <a:latin typeface="Menlo" panose="020B0609030804020204" pitchFamily="49" charset="0"/>
+              </a:rPr>
+              <a:t>{</a:t>
+            </a:r>
+            <a:r>
+              <a:rPr lang="en-CA" dirty="0">
+                <a:solidFill>
+                  <a:srgbClr val="9CDCFE"/>
+                </a:solidFill>
+                <a:latin typeface="Menlo" panose="020B0609030804020204" pitchFamily="49" charset="0"/>
+              </a:rPr>
+              <a:t>sum:</a:t>
+            </a:r>
+            <a:r>
+              <a:rPr lang="en-CA" dirty="0">
+                <a:solidFill>
+                  <a:srgbClr val="D4D4D4"/>
+                </a:solidFill>
+                <a:latin typeface="Menlo" panose="020B0609030804020204" pitchFamily="49" charset="0"/>
+              </a:rPr>
+              <a:t> </a:t>
+            </a:r>
+            <a:r>
+              <a:rPr lang="en-CA" dirty="0">
+                <a:solidFill>
+                  <a:srgbClr val="B5CEA8"/>
+                </a:solidFill>
+                <a:latin typeface="Menlo" panose="020B0609030804020204" pitchFamily="49" charset="0"/>
+              </a:rPr>
+              <a:t>1</a:t>
+            </a:r>
+            <a:r>
+              <a:rPr lang="en-CA" dirty="0">
+                <a:solidFill>
+                  <a:srgbClr val="D4D4D4"/>
+                </a:solidFill>
+                <a:latin typeface="Menlo" panose="020B0609030804020204" pitchFamily="49" charset="0"/>
+              </a:rPr>
+              <a:t>}</a:t>
+            </a:r>
+            <a:endParaRPr lang="en-CA" b="0" dirty="0">
+              <a:solidFill>
+                <a:srgbClr val="D4D4D4"/>
+              </a:solidFill>
+              <a:effectLst/>
+              <a:latin typeface="Menlo" panose="020B0609030804020204" pitchFamily="49" charset="0"/>
+            </a:endParaRPr>
+          </a:p>
+        </p:txBody>
+      </p:sp>
+      <p:sp>
+        <p:nvSpPr>
+          <p:cNvPr id="30" name="TextBox 25">
+            <a:extLst>
+              <a:ext uri="{FF2B5EF4-FFF2-40B4-BE49-F238E27FC236}">
+                <a16:creationId xmlns:a16="http://schemas.microsoft.com/office/drawing/2014/main" id="{4C3F5504-3555-4CCD-B547-CF5E6E82FAD1}"/>
+              </a:ext>
+            </a:extLst>
+          </p:cNvPr>
+          <p:cNvSpPr txBox="1"/>
+          <p:nvPr/>
+        </p:nvSpPr>
+        <p:spPr>
+          <a:xfrm>
+            <a:off x="6844939" y="1231909"/>
+            <a:ext cx="1920719" cy="369332"/>
+          </a:xfrm>
+          <a:prstGeom prst="rect">
+            <a:avLst/>
+          </a:prstGeom>
+          <a:noFill/>
+        </p:spPr>
+        <p:txBody>
+          <a:bodyPr wrap="none" rtlCol="0">
+            <a:spAutoFit/>
+          </a:bodyPr>
+          <a:lstStyle/>
+          <a:p>
+            <a:r>
+              <a:rPr lang="zh-CN" altLang="en-US" dirty="0">
+                <a:solidFill>
+                  <a:schemeClr val="accent3">
+                    <a:lumMod val="20000"/>
+                    <a:lumOff val="80000"/>
+                  </a:schemeClr>
+                </a:solidFill>
+              </a:rPr>
+              <a:t>更新！ </a:t>
+            </a:r>
+            <a:r>
+              <a:rPr lang="en-US" altLang="zh-CN" dirty="0">
+                <a:solidFill>
+                  <a:schemeClr val="accent3">
+                    <a:lumMod val="20000"/>
+                    <a:lumOff val="80000"/>
+                  </a:schemeClr>
+                </a:solidFill>
+              </a:rPr>
+              <a:t>Sum</a:t>
+            </a:r>
+            <a:r>
+              <a:rPr lang="zh-CN" altLang="en-US" dirty="0">
+                <a:solidFill>
+                  <a:schemeClr val="accent3">
+                    <a:lumMod val="20000"/>
+                    <a:lumOff val="80000"/>
+                  </a:schemeClr>
+                </a:solidFill>
+              </a:rPr>
+              <a:t> </a:t>
+            </a:r>
+            <a:r>
+              <a:rPr lang="en-US" altLang="zh-CN" dirty="0">
+                <a:solidFill>
+                  <a:schemeClr val="accent3">
+                    <a:lumMod val="20000"/>
+                    <a:lumOff val="80000"/>
+                  </a:schemeClr>
+                </a:solidFill>
+              </a:rPr>
+              <a:t>0</a:t>
+            </a:r>
+            <a:r>
+              <a:rPr lang="zh-CN" altLang="en-US" dirty="0">
+                <a:solidFill>
+                  <a:schemeClr val="accent3">
+                    <a:lumMod val="20000"/>
+                    <a:lumOff val="80000"/>
+                  </a:schemeClr>
+                </a:solidFill>
+              </a:rPr>
+              <a:t> </a:t>
+            </a:r>
+            <a:r>
+              <a:rPr lang="en-US" altLang="zh-CN" dirty="0">
+                <a:solidFill>
+                  <a:schemeClr val="accent3">
+                    <a:lumMod val="20000"/>
+                    <a:lumOff val="80000"/>
+                  </a:schemeClr>
+                </a:solidFill>
+              </a:rPr>
+              <a:t>-&gt;</a:t>
+            </a:r>
+            <a:r>
+              <a:rPr lang="zh-CN" altLang="en-US" dirty="0">
+                <a:solidFill>
+                  <a:schemeClr val="accent3">
+                    <a:lumMod val="20000"/>
+                    <a:lumOff val="80000"/>
+                  </a:schemeClr>
+                </a:solidFill>
+              </a:rPr>
+              <a:t> </a:t>
+            </a:r>
+            <a:r>
+              <a:rPr lang="en-US" altLang="zh-CN" dirty="0">
+                <a:solidFill>
+                  <a:schemeClr val="accent3">
+                    <a:lumMod val="20000"/>
+                    <a:lumOff val="80000"/>
+                  </a:schemeClr>
+                </a:solidFill>
+              </a:rPr>
+              <a:t>1</a:t>
+            </a:r>
+            <a:endParaRPr lang="en-US" dirty="0">
+              <a:solidFill>
+                <a:schemeClr val="accent3">
+                  <a:lumMod val="20000"/>
+                  <a:lumOff val="80000"/>
+                </a:schemeClr>
+              </a:solidFill>
+            </a:endParaRPr>
+          </a:p>
+        </p:txBody>
+      </p:sp>
+      <p:sp>
+        <p:nvSpPr>
+          <p:cNvPr id="31" name="TextBox 28">
+            <a:extLst>
+              <a:ext uri="{FF2B5EF4-FFF2-40B4-BE49-F238E27FC236}">
+                <a16:creationId xmlns:a16="http://schemas.microsoft.com/office/drawing/2014/main" id="{6B02A7FD-52D0-4950-9794-AC8398C238E1}"/>
+              </a:ext>
+            </a:extLst>
+          </p:cNvPr>
+          <p:cNvSpPr txBox="1"/>
+          <p:nvPr/>
+        </p:nvSpPr>
+        <p:spPr>
+          <a:xfrm>
+            <a:off x="2966959" y="3186624"/>
+            <a:ext cx="973215" cy="369332"/>
+          </a:xfrm>
+          <a:prstGeom prst="rect">
+            <a:avLst/>
+          </a:prstGeom>
+          <a:noFill/>
+        </p:spPr>
+        <p:txBody>
+          <a:bodyPr wrap="none" rtlCol="0">
+            <a:spAutoFit/>
+          </a:bodyPr>
+          <a:lstStyle/>
+          <a:p>
+            <a:r>
+              <a:rPr lang="en-US" dirty="0">
+                <a:solidFill>
+                  <a:schemeClr val="accent1">
+                    <a:lumMod val="75000"/>
+                  </a:schemeClr>
+                </a:solidFill>
+              </a:rPr>
+              <a:t>dispatch</a:t>
+            </a:r>
           </a:p>
         </p:txBody>
       </p:sp>
     </p:spTree>
     <p:extLst>
       <p:ext uri="{BB962C8B-B14F-4D97-AF65-F5344CB8AC3E}">
-        <p14:creationId xmlns:p14="http://schemas.microsoft.com/office/powerpoint/2010/main" val="3161449029"/>
+        <p14:creationId xmlns:p14="http://schemas.microsoft.com/office/powerpoint/2010/main" val="2052693179"/>
       </p:ext>
     </p:extLst>
   </p:cSld>
   <p:clrMapOvr>
     <a:masterClrMapping/>
   </p:clrMapOvr>
+  <p:timing>
+    <p:tnLst>
+      <p:par>
+        <p:cTn id="1" dur="indefinite" restart="never" nodeType="tmRoot">
+          <p:childTnLst>
+            <p:seq concurrent="1" nextAc="seek">
+              <p:cTn id="2" dur="indefinite" nodeType="mainSeq">
+                <p:childTnLst>
+                  <p:par>
+                    <p:cTn id="3" fill="hold">
+                      <p:stCondLst>
+                        <p:cond delay="indefinite"/>
+                      </p:stCondLst>
+                      <p:childTnLst>
+                        <p:par>
+                          <p:cTn id="4" fill="hold">
+                            <p:stCondLst>
+                              <p:cond delay="0"/>
+                            </p:stCondLst>
+                            <p:childTnLst>
+                              <p:par>
+                                <p:cTn id="5" presetID="22" presetClass="entr" presetSubtype="4" fill="hold" grpId="0" nodeType="clickEffect">
+                                  <p:stCondLst>
+                                    <p:cond delay="0"/>
+                                  </p:stCondLst>
+                                  <p:childTnLst>
+                                    <p:set>
+                                      <p:cBhvr>
+                                        <p:cTn id="6" dur="1" fill="hold">
+                                          <p:stCondLst>
+                                            <p:cond delay="0"/>
+                                          </p:stCondLst>
+                                        </p:cTn>
+                                        <p:tgtEl>
+                                          <p:spTgt spid="31"/>
+                                        </p:tgtEl>
+                                        <p:attrNameLst>
+                                          <p:attrName>style.visibility</p:attrName>
+                                        </p:attrNameLst>
+                                      </p:cBhvr>
+                                      <p:to>
+                                        <p:strVal val="visible"/>
+                                      </p:to>
+                                    </p:set>
+                                    <p:animEffect transition="in" filter="wipe(down)">
+                                      <p:cBhvr>
+                                        <p:cTn id="7" dur="500"/>
+                                        <p:tgtEl>
+                                          <p:spTgt spid="31"/>
+                                        </p:tgtEl>
+                                      </p:cBhvr>
+                                    </p:animEffect>
+                                  </p:childTnLst>
+                                </p:cTn>
+                              </p:par>
+                              <p:par>
+                                <p:cTn id="8" presetID="22" presetClass="entr" presetSubtype="4" fill="hold" nodeType="withEffect">
+                                  <p:stCondLst>
+                                    <p:cond delay="0"/>
+                                  </p:stCondLst>
+                                  <p:childTnLst>
+                                    <p:set>
+                                      <p:cBhvr>
+                                        <p:cTn id="9" dur="1" fill="hold">
+                                          <p:stCondLst>
+                                            <p:cond delay="0"/>
+                                          </p:stCondLst>
+                                        </p:cTn>
+                                        <p:tgtEl>
+                                          <p:spTgt spid="21"/>
+                                        </p:tgtEl>
+                                        <p:attrNameLst>
+                                          <p:attrName>style.visibility</p:attrName>
+                                        </p:attrNameLst>
+                                      </p:cBhvr>
+                                      <p:to>
+                                        <p:strVal val="visible"/>
+                                      </p:to>
+                                    </p:set>
+                                    <p:animEffect transition="in" filter="wipe(down)">
+                                      <p:cBhvr>
+                                        <p:cTn id="10" dur="500"/>
+                                        <p:tgtEl>
+                                          <p:spTgt spid="21"/>
+                                        </p:tgtEl>
+                                      </p:cBhvr>
+                                    </p:animEffect>
+                                  </p:childTnLst>
+                                </p:cTn>
+                              </p:par>
+                              <p:par>
+                                <p:cTn id="11" presetID="22" presetClass="entr" presetSubtype="4" fill="hold" grpId="0" nodeType="withEffect">
+                                  <p:stCondLst>
+                                    <p:cond delay="0"/>
+                                  </p:stCondLst>
+                                  <p:childTnLst>
+                                    <p:set>
+                                      <p:cBhvr>
+                                        <p:cTn id="12" dur="1" fill="hold">
+                                          <p:stCondLst>
+                                            <p:cond delay="0"/>
+                                          </p:stCondLst>
+                                        </p:cTn>
+                                        <p:tgtEl>
+                                          <p:spTgt spid="22"/>
+                                        </p:tgtEl>
+                                        <p:attrNameLst>
+                                          <p:attrName>style.visibility</p:attrName>
+                                        </p:attrNameLst>
+                                      </p:cBhvr>
+                                      <p:to>
+                                        <p:strVal val="visible"/>
+                                      </p:to>
+                                    </p:set>
+                                    <p:animEffect transition="in" filter="wipe(down)">
+                                      <p:cBhvr>
+                                        <p:cTn id="13" dur="500"/>
+                                        <p:tgtEl>
+                                          <p:spTgt spid="22"/>
+                                        </p:tgtEl>
+                                      </p:cBhvr>
+                                    </p:animEffect>
+                                  </p:childTnLst>
+                                </p:cTn>
+                              </p:par>
+                              <p:par>
+                                <p:cTn id="14" presetID="22" presetClass="entr" presetSubtype="4" fill="hold" grpId="0" nodeType="withEffect">
+                                  <p:stCondLst>
+                                    <p:cond delay="0"/>
+                                  </p:stCondLst>
+                                  <p:childTnLst>
+                                    <p:set>
+                                      <p:cBhvr>
+                                        <p:cTn id="15" dur="1" fill="hold">
+                                          <p:stCondLst>
+                                            <p:cond delay="0"/>
+                                          </p:stCondLst>
+                                        </p:cTn>
+                                        <p:tgtEl>
+                                          <p:spTgt spid="27"/>
+                                        </p:tgtEl>
+                                        <p:attrNameLst>
+                                          <p:attrName>style.visibility</p:attrName>
+                                        </p:attrNameLst>
+                                      </p:cBhvr>
+                                      <p:to>
+                                        <p:strVal val="visible"/>
+                                      </p:to>
+                                    </p:set>
+                                    <p:animEffect transition="in" filter="wipe(down)">
+                                      <p:cBhvr>
+                                        <p:cTn id="16" dur="500"/>
+                                        <p:tgtEl>
+                                          <p:spTgt spid="27"/>
+                                        </p:tgtEl>
+                                      </p:cBhvr>
+                                    </p:animEffect>
+                                  </p:childTnLst>
+                                </p:cTn>
+                              </p:par>
+                            </p:childTnLst>
+                          </p:cTn>
+                        </p:par>
+                      </p:childTnLst>
+                    </p:cTn>
+                  </p:par>
+                  <p:par>
+                    <p:cTn id="17" fill="hold">
+                      <p:stCondLst>
+                        <p:cond delay="indefinite"/>
+                      </p:stCondLst>
+                      <p:childTnLst>
+                        <p:par>
+                          <p:cTn id="18" fill="hold">
+                            <p:stCondLst>
+                              <p:cond delay="0"/>
+                            </p:stCondLst>
+                            <p:childTnLst>
+                              <p:par>
+                                <p:cTn id="19" presetID="22" presetClass="entr" presetSubtype="4" fill="hold" grpId="0" nodeType="clickEffect">
+                                  <p:stCondLst>
+                                    <p:cond delay="0"/>
+                                  </p:stCondLst>
+                                  <p:childTnLst>
+                                    <p:set>
+                                      <p:cBhvr>
+                                        <p:cTn id="20" dur="1" fill="hold">
+                                          <p:stCondLst>
+                                            <p:cond delay="0"/>
+                                          </p:stCondLst>
+                                        </p:cTn>
+                                        <p:tgtEl>
+                                          <p:spTgt spid="24"/>
+                                        </p:tgtEl>
+                                        <p:attrNameLst>
+                                          <p:attrName>style.visibility</p:attrName>
+                                        </p:attrNameLst>
+                                      </p:cBhvr>
+                                      <p:to>
+                                        <p:strVal val="visible"/>
+                                      </p:to>
+                                    </p:set>
+                                    <p:animEffect transition="in" filter="wipe(down)">
+                                      <p:cBhvr>
+                                        <p:cTn id="21" dur="500"/>
+                                        <p:tgtEl>
+                                          <p:spTgt spid="24"/>
+                                        </p:tgtEl>
+                                      </p:cBhvr>
+                                    </p:animEffect>
+                                  </p:childTnLst>
+                                </p:cTn>
+                              </p:par>
+                              <p:par>
+                                <p:cTn id="22" presetID="22" presetClass="entr" presetSubtype="4" fill="hold" grpId="0" nodeType="withEffect">
+                                  <p:stCondLst>
+                                    <p:cond delay="0"/>
+                                  </p:stCondLst>
+                                  <p:childTnLst>
+                                    <p:set>
+                                      <p:cBhvr>
+                                        <p:cTn id="23" dur="1" fill="hold">
+                                          <p:stCondLst>
+                                            <p:cond delay="0"/>
+                                          </p:stCondLst>
+                                        </p:cTn>
+                                        <p:tgtEl>
+                                          <p:spTgt spid="28"/>
+                                        </p:tgtEl>
+                                        <p:attrNameLst>
+                                          <p:attrName>style.visibility</p:attrName>
+                                        </p:attrNameLst>
+                                      </p:cBhvr>
+                                      <p:to>
+                                        <p:strVal val="visible"/>
+                                      </p:to>
+                                    </p:set>
+                                    <p:animEffect transition="in" filter="wipe(down)">
+                                      <p:cBhvr>
+                                        <p:cTn id="24" dur="500"/>
+                                        <p:tgtEl>
+                                          <p:spTgt spid="28"/>
+                                        </p:tgtEl>
+                                      </p:cBhvr>
+                                    </p:animEffect>
+                                  </p:childTnLst>
+                                </p:cTn>
+                              </p:par>
+                            </p:childTnLst>
+                          </p:cTn>
+                        </p:par>
+                      </p:childTnLst>
+                    </p:cTn>
+                  </p:par>
+                </p:childTnLst>
+              </p:cTn>
+              <p:prevCondLst>
+                <p:cond evt="onPrev" delay="0">
+                  <p:tgtEl>
+                    <p:sldTgt/>
+                  </p:tgtEl>
+                </p:cond>
+              </p:prevCondLst>
+              <p:nextCondLst>
+                <p:cond evt="onNext" delay="0">
+                  <p:tgtEl>
+                    <p:sldTgt/>
+                  </p:tgtEl>
+                </p:cond>
+              </p:nextCondLst>
+            </p:seq>
+          </p:childTnLst>
+        </p:cTn>
+      </p:par>
+    </p:tnLst>
+    <p:bldLst>
+      <p:bldP spid="22" grpId="0"/>
+      <p:bldP spid="24" grpId="0"/>
+      <p:bldP spid="27" grpId="0"/>
+      <p:bldP spid="28" grpId="0"/>
+      <p:bldP spid="31" grpId="0"/>
+    </p:bldLst>
+  </p:timing>
 </p:sld>
 </file>
 
@@ -5926,7 +6470,7 @@
                   <a:noFill/>
                 </a:ln>
                 <a:solidFill>
-                  <a:srgbClr val="24F9CB"/>
+                  <a:srgbClr val="E17079"/>
                 </a:solidFill>
                 <a:effectLst/>
                 <a:uLnTx/>
@@ -5955,7 +6499,7 @@
         <p:spPr>
           <a:xfrm>
             <a:off x="345731" y="2595914"/>
-            <a:ext cx="1776032" cy="830997"/>
+            <a:ext cx="1280287" cy="461665"/>
           </a:xfrm>
           <a:prstGeom prst="rect">
             <a:avLst/>
@@ -5963,7 +6507,7 @@
           <a:noFill/>
         </p:spPr>
         <p:txBody>
-          <a:bodyPr wrap="square" rtlCol="0">
+          <a:bodyPr wrap="none" rtlCol="0">
             <a:spAutoFit/>
           </a:bodyPr>
           <a:lstStyle/>
@@ -5986,24 +6530,21 @@
               <a:defRPr/>
             </a:pPr>
             <a:r>
-              <a:rPr lang="en-US" altLang="zh-CN" sz="2400" dirty="0">
+              <a:rPr kumimoji="0" lang="en-US" altLang="zh-CN" sz="2400" b="0" i="0" u="none" strike="noStrike" kern="1200" cap="none" spc="0" normalizeH="0" baseline="0" noProof="0" dirty="0">
+                <a:ln>
+                  <a:noFill/>
+                </a:ln>
                 <a:solidFill>
                   <a:prstClr val="white"/>
                 </a:solidFill>
+                <a:effectLst/>
+                <a:uLnTx/>
+                <a:uFillTx/>
                 <a:latin typeface="Calibri" panose="020F0502020204030204"/>
                 <a:ea typeface="等线" panose="02010600030101010101" pitchFamily="2" charset="-122"/>
-              </a:rPr>
-              <a:t>Create A </a:t>
-            </a:r>
-            <a:r>
-              <a:rPr lang="en-US" sz="2400" dirty="0">
-                <a:solidFill>
-                  <a:prstClr val="white"/>
-                </a:solidFill>
-                <a:latin typeface="Calibri" panose="020F0502020204030204"/>
-                <a:ea typeface="等线" panose="02010600030101010101" pitchFamily="2" charset="-122"/>
-              </a:rPr>
-              <a:t>Model</a:t>
+                <a:cs typeface="+mn-cs"/>
+              </a:rPr>
+              <a:t>Rematch</a:t>
             </a:r>
             <a:endParaRPr kumimoji="0" lang="en-US" sz="2400" b="0" i="0" u="none" strike="noStrike" kern="1200" cap="none" spc="0" normalizeH="0" baseline="0" noProof="0" dirty="0">
               <a:ln>
@@ -6060,10 +6601,10 @@
       </p:pic>
       <p:sp>
         <p:nvSpPr>
-          <p:cNvPr id="2" name="矩形 1">
-            <a:extLst>
-              <a:ext uri="{FF2B5EF4-FFF2-40B4-BE49-F238E27FC236}">
-                <a16:creationId xmlns:a16="http://schemas.microsoft.com/office/drawing/2014/main" id="{BCA2521E-563E-47D0-9AC2-2C559DCC2E08}"/>
+          <p:cNvPr id="32" name="Rounded Rectangle 1">
+            <a:extLst>
+              <a:ext uri="{FF2B5EF4-FFF2-40B4-BE49-F238E27FC236}">
+                <a16:creationId xmlns:a16="http://schemas.microsoft.com/office/drawing/2014/main" id="{1F913A36-5C7C-4B04-B334-E2FBE5BC0D5C}"/>
               </a:ext>
             </a:extLst>
           </p:cNvPr>
@@ -6072,140 +6613,50 @@
         </p:nvSpPr>
         <p:spPr>
           <a:xfrm>
-            <a:off x="2787090" y="2349693"/>
-            <a:ext cx="6096000" cy="1107996"/>
+            <a:off x="3206208" y="1027485"/>
+            <a:ext cx="1232371" cy="1351440"/>
           </a:xfrm>
-          <a:prstGeom prst="rect">
+          <a:prstGeom prst="roundRect">
             <a:avLst/>
           </a:prstGeom>
+          <a:ln>
+            <a:noFill/>
+          </a:ln>
         </p:spPr>
-        <p:txBody>
-          <a:bodyPr>
-            <a:spAutoFit/>
-          </a:bodyPr>
+        <p:style>
+          <a:lnRef idx="2">
+            <a:schemeClr val="accent1">
+              <a:shade val="50000"/>
+            </a:schemeClr>
+          </a:lnRef>
+          <a:fillRef idx="1">
+            <a:schemeClr val="accent1"/>
+          </a:fillRef>
+          <a:effectRef idx="0">
+            <a:schemeClr val="accent1"/>
+          </a:effectRef>
+          <a:fontRef idx="minor">
+            <a:schemeClr val="lt1"/>
+          </a:fontRef>
+        </p:style>
+        <p:txBody>
+          <a:bodyPr rtlCol="0" anchor="ctr"/>
           <a:lstStyle/>
           <a:p>
-            <a:r>
-              <a:rPr lang="en-US" sz="1600" dirty="0">
-                <a:solidFill>
-                  <a:schemeClr val="accent6">
-                    <a:lumMod val="75000"/>
-                  </a:schemeClr>
-                </a:solidFill>
-              </a:rPr>
-              <a:t>// In file /models.js</a:t>
-            </a:r>
-            <a:endParaRPr lang="en-US" sz="1600" dirty="0">
-              <a:solidFill>
-                <a:schemeClr val="accent6">
-                  <a:lumMod val="75000"/>
-                </a:schemeClr>
-              </a:solidFill>
-              <a:latin typeface="Consolas" panose="020B0609020204030204" pitchFamily="49" charset="0"/>
-            </a:endParaRPr>
-          </a:p>
-          <a:p>
-            <a:r>
-              <a:rPr lang="en-US" sz="1600" dirty="0">
-                <a:solidFill>
-                  <a:srgbClr val="C586C0"/>
-                </a:solidFill>
-                <a:latin typeface="Consolas" panose="020B0609020204030204" pitchFamily="49" charset="0"/>
-              </a:rPr>
-              <a:t>export</a:t>
-            </a:r>
-            <a:r>
-              <a:rPr lang="en-US" sz="1600" dirty="0">
-                <a:solidFill>
-                  <a:srgbClr val="D4D4D4"/>
-                </a:solidFill>
-                <a:latin typeface="Consolas" panose="020B0609020204030204" pitchFamily="49" charset="0"/>
-              </a:rPr>
-              <a:t> </a:t>
-            </a:r>
-            <a:r>
-              <a:rPr lang="en-US" sz="1600" dirty="0">
-                <a:solidFill>
-                  <a:srgbClr val="569CD6"/>
-                </a:solidFill>
-                <a:latin typeface="Consolas" panose="020B0609020204030204" pitchFamily="49" charset="0"/>
-              </a:rPr>
-              <a:t>const</a:t>
-            </a:r>
-            <a:r>
-              <a:rPr lang="en-US" sz="1600" dirty="0">
-                <a:solidFill>
-                  <a:srgbClr val="D4D4D4"/>
-                </a:solidFill>
-                <a:latin typeface="Consolas" panose="020B0609020204030204" pitchFamily="49" charset="0"/>
-              </a:rPr>
-              <a:t> </a:t>
-            </a:r>
-            <a:r>
-              <a:rPr lang="en-US" sz="1600" dirty="0" err="1">
-                <a:solidFill>
-                  <a:srgbClr val="9CDCFE"/>
-                </a:solidFill>
-                <a:latin typeface="Consolas" panose="020B0609020204030204" pitchFamily="49" charset="0"/>
-              </a:rPr>
-              <a:t>user_token</a:t>
-            </a:r>
-            <a:r>
-              <a:rPr lang="en-US" sz="1600" dirty="0">
-                <a:solidFill>
-                  <a:srgbClr val="D4D4D4"/>
-                </a:solidFill>
-                <a:latin typeface="Consolas" panose="020B0609020204030204" pitchFamily="49" charset="0"/>
-              </a:rPr>
-              <a:t> = {</a:t>
-            </a:r>
-          </a:p>
-          <a:p>
-            <a:r>
-              <a:rPr lang="en-US" sz="1600" dirty="0">
-                <a:solidFill>
-                  <a:srgbClr val="9CDCFE"/>
-                </a:solidFill>
-                <a:latin typeface="Consolas" panose="020B0609020204030204" pitchFamily="49" charset="0"/>
-              </a:rPr>
-              <a:t>  state:</a:t>
-            </a:r>
-            <a:r>
-              <a:rPr lang="en-US" sz="1600" dirty="0">
-                <a:solidFill>
-                  <a:srgbClr val="D4D4D4"/>
-                </a:solidFill>
-                <a:latin typeface="Consolas" panose="020B0609020204030204" pitchFamily="49" charset="0"/>
-              </a:rPr>
-              <a:t> null,</a:t>
-            </a:r>
-          </a:p>
-          <a:p>
-            <a:r>
-              <a:rPr lang="en-US" sz="1600" dirty="0">
-                <a:solidFill>
-                  <a:srgbClr val="D4D4D4"/>
-                </a:solidFill>
-                <a:latin typeface="Consolas" panose="020B0609020204030204" pitchFamily="49" charset="0"/>
-              </a:rPr>
-              <a:t>};</a:t>
-            </a:r>
-            <a:endParaRPr lang="en-US" sz="1600" b="0" dirty="0">
-              <a:solidFill>
-                <a:srgbClr val="D4D4D4"/>
-              </a:solidFill>
-              <a:effectLst/>
-              <a:latin typeface="Consolas" panose="020B0609020204030204" pitchFamily="49" charset="0"/>
-            </a:endParaRPr>
-          </a:p>
-        </p:txBody>
-      </p:sp>
-      <p:sp>
-        <p:nvSpPr>
-          <p:cNvPr id="16" name="矩形 15">
-            <a:extLst>
-              <a:ext uri="{FF2B5EF4-FFF2-40B4-BE49-F238E27FC236}">
-                <a16:creationId xmlns:a16="http://schemas.microsoft.com/office/drawing/2014/main" id="{41E7C553-A3A3-444B-B4CE-BB6B9C5B9BC1}"/>
+            <a:pPr algn="ctr"/>
+            <a:r>
+              <a:rPr lang="en-US" dirty="0"/>
+              <a:t>View</a:t>
+            </a:r>
+          </a:p>
+        </p:txBody>
+      </p:sp>
+      <p:sp>
+        <p:nvSpPr>
+          <p:cNvPr id="33" name="Oval 2">
+            <a:extLst>
+              <a:ext uri="{FF2B5EF4-FFF2-40B4-BE49-F238E27FC236}">
+                <a16:creationId xmlns:a16="http://schemas.microsoft.com/office/drawing/2014/main" id="{0DCC9C9D-C462-43F5-ACA3-E74A61B7A864}"/>
               </a:ext>
             </a:extLst>
           </p:cNvPr>
@@ -6214,97 +6665,14 @@
         </p:nvSpPr>
         <p:spPr>
           <a:xfrm>
-            <a:off x="2787090" y="3828625"/>
-            <a:ext cx="7037824" cy="369332"/>
+            <a:off x="9743139" y="1027485"/>
+            <a:ext cx="1499765" cy="1499765"/>
           </a:xfrm>
-          <a:prstGeom prst="rect">
-            <a:avLst/>
-          </a:prstGeom>
-        </p:spPr>
-        <p:txBody>
-          <a:bodyPr wrap="none">
-            <a:spAutoFit/>
-          </a:bodyPr>
-          <a:lstStyle/>
-          <a:p>
-            <a:r>
-              <a:rPr lang="zh-CN" altLang="en-US" dirty="0">
-                <a:solidFill>
-                  <a:schemeClr val="bg1"/>
-                </a:solidFill>
-              </a:rPr>
-              <a:t>会在</a:t>
-            </a:r>
-            <a:r>
-              <a:rPr lang="en-US" altLang="zh-CN" dirty="0">
-                <a:solidFill>
-                  <a:schemeClr val="bg1"/>
-                </a:solidFill>
-              </a:rPr>
-              <a:t>redux store</a:t>
-            </a:r>
-            <a:r>
-              <a:rPr lang="zh-CN" altLang="en-US" dirty="0">
-                <a:solidFill>
-                  <a:schemeClr val="bg1"/>
-                </a:solidFill>
-              </a:rPr>
-              <a:t>中生成一个键值对，键名是</a:t>
-            </a:r>
-            <a:r>
-              <a:rPr lang="en-US" altLang="zh-CN" dirty="0" err="1">
-                <a:solidFill>
-                  <a:schemeClr val="bg1"/>
-                </a:solidFill>
-              </a:rPr>
-              <a:t>user_token</a:t>
-            </a:r>
-            <a:r>
-              <a:rPr lang="zh-CN" altLang="en-US" dirty="0">
-                <a:solidFill>
-                  <a:schemeClr val="bg1"/>
-                </a:solidFill>
-              </a:rPr>
-              <a:t>，初始值为</a:t>
-            </a:r>
-            <a:r>
-              <a:rPr lang="en-US" altLang="zh-CN" dirty="0">
-                <a:solidFill>
-                  <a:schemeClr val="bg1"/>
-                </a:solidFill>
-              </a:rPr>
-              <a:t>null</a:t>
-            </a:r>
-            <a:endParaRPr lang="en-US" dirty="0">
-              <a:solidFill>
-                <a:schemeClr val="bg1"/>
-              </a:solidFill>
-            </a:endParaRPr>
-          </a:p>
-        </p:txBody>
-      </p:sp>
-      <p:sp>
-        <p:nvSpPr>
-          <p:cNvPr id="17" name="Rectangle 3">
-            <a:extLst>
-              <a:ext uri="{FF2B5EF4-FFF2-40B4-BE49-F238E27FC236}">
-                <a16:creationId xmlns:a16="http://schemas.microsoft.com/office/drawing/2014/main" id="{36CA20FA-DE4C-42E9-99FC-BBCDA96F2C6D}"/>
-              </a:ext>
-            </a:extLst>
-          </p:cNvPr>
-          <p:cNvSpPr/>
-          <p:nvPr/>
-        </p:nvSpPr>
-        <p:spPr>
-          <a:xfrm rot="10800000">
-            <a:off x="2741371" y="3784691"/>
-            <a:ext cx="45719" cy="457200"/>
-          </a:xfrm>
-          <a:prstGeom prst="rect">
+          <a:prstGeom prst="ellipse">
             <a:avLst/>
           </a:prstGeom>
           <a:solidFill>
-            <a:srgbClr val="FFA400"/>
+            <a:schemeClr val="accent2"/>
           </a:solidFill>
           <a:ln>
             <a:noFill/>
@@ -6330,36 +6698,689 @@
           <a:bodyPr rtlCol="0" anchor="ctr"/>
           <a:lstStyle/>
           <a:p>
-            <a:pPr marL="0" marR="0" lvl="0" indent="0" algn="ctr" defTabSz="914400" rtl="0" eaLnBrk="1" fontAlgn="auto" latinLnBrk="0" hangingPunct="1">
-              <a:lnSpc>
-                <a:spcPct val="100000"/>
-              </a:lnSpc>
-              <a:spcBef>
-                <a:spcPts val="0"/>
-              </a:spcBef>
-              <a:spcAft>
-                <a:spcPts val="0"/>
-              </a:spcAft>
-              <a:buClrTx/>
-              <a:buSzTx/>
-              <a:buFontTx/>
-              <a:buNone/>
-              <a:tabLst/>
-              <a:defRPr/>
-            </a:pPr>
-            <a:endParaRPr kumimoji="0" lang="en-US" sz="1800" b="0" i="0" u="none" strike="noStrike" kern="1200" cap="none" spc="0" normalizeH="0" baseline="0" noProof="0">
-              <a:ln>
-                <a:noFill/>
-              </a:ln>
+            <a:pPr algn="ctr"/>
+            <a:r>
+              <a:rPr lang="en-US" dirty="0"/>
+              <a:t>Redux</a:t>
+            </a:r>
+          </a:p>
+          <a:p>
+            <a:pPr algn="ctr"/>
+            <a:r>
+              <a:rPr lang="en-US" dirty="0"/>
+              <a:t>Store</a:t>
+            </a:r>
+          </a:p>
+        </p:txBody>
+      </p:sp>
+      <p:cxnSp>
+        <p:nvCxnSpPr>
+          <p:cNvPr id="34" name="Straight Arrow Connector 6">
+            <a:extLst>
+              <a:ext uri="{FF2B5EF4-FFF2-40B4-BE49-F238E27FC236}">
+                <a16:creationId xmlns:a16="http://schemas.microsoft.com/office/drawing/2014/main" id="{DD21EEF5-BFC2-47BA-8BBB-21D3378444A8}"/>
+              </a:ext>
+            </a:extLst>
+          </p:cNvPr>
+          <p:cNvCxnSpPr/>
+          <p:nvPr/>
+        </p:nvCxnSpPr>
+        <p:spPr>
+          <a:xfrm flipH="1">
+            <a:off x="4803629" y="1703205"/>
+            <a:ext cx="4602145" cy="0"/>
+          </a:xfrm>
+          <a:prstGeom prst="straightConnector1">
+            <a:avLst/>
+          </a:prstGeom>
+          <a:ln>
+            <a:tailEnd type="triangle"/>
+          </a:ln>
+        </p:spPr>
+        <p:style>
+          <a:lnRef idx="3">
+            <a:schemeClr val="accent2"/>
+          </a:lnRef>
+          <a:fillRef idx="0">
+            <a:schemeClr val="accent2"/>
+          </a:fillRef>
+          <a:effectRef idx="2">
+            <a:schemeClr val="accent2"/>
+          </a:effectRef>
+          <a:fontRef idx="minor">
+            <a:schemeClr val="tx1"/>
+          </a:fontRef>
+        </p:style>
+      </p:cxnSp>
+      <p:sp>
+        <p:nvSpPr>
+          <p:cNvPr id="35" name="TextBox 7">
+            <a:extLst>
+              <a:ext uri="{FF2B5EF4-FFF2-40B4-BE49-F238E27FC236}">
+                <a16:creationId xmlns:a16="http://schemas.microsoft.com/office/drawing/2014/main" id="{25DBA07D-D0AD-428E-A157-B0180A58116F}"/>
+              </a:ext>
+            </a:extLst>
+          </p:cNvPr>
+          <p:cNvSpPr txBox="1"/>
+          <p:nvPr/>
+        </p:nvSpPr>
+        <p:spPr>
+          <a:xfrm>
+            <a:off x="5724105" y="1272715"/>
+            <a:ext cx="1090811" cy="369332"/>
+          </a:xfrm>
+          <a:prstGeom prst="rect">
+            <a:avLst/>
+          </a:prstGeom>
+          <a:noFill/>
+        </p:spPr>
+        <p:txBody>
+          <a:bodyPr wrap="none" rtlCol="0">
+            <a:spAutoFit/>
+          </a:bodyPr>
+          <a:lstStyle/>
+          <a:p>
+            <a:r>
+              <a:rPr lang="en-US" dirty="0">
+                <a:solidFill>
+                  <a:schemeClr val="bg1"/>
+                </a:solidFill>
+              </a:rPr>
+              <a:t>Subscribe</a:t>
+            </a:r>
+          </a:p>
+        </p:txBody>
+      </p:sp>
+      <p:sp>
+        <p:nvSpPr>
+          <p:cNvPr id="36" name="TextBox 8">
+            <a:extLst>
+              <a:ext uri="{FF2B5EF4-FFF2-40B4-BE49-F238E27FC236}">
+                <a16:creationId xmlns:a16="http://schemas.microsoft.com/office/drawing/2014/main" id="{71408574-A435-4A8C-9401-2757CDC40A6F}"/>
+              </a:ext>
+            </a:extLst>
+          </p:cNvPr>
+          <p:cNvSpPr txBox="1"/>
+          <p:nvPr/>
+        </p:nvSpPr>
+        <p:spPr>
+          <a:xfrm>
+            <a:off x="5014841" y="2701249"/>
+            <a:ext cx="2236510" cy="707886"/>
+          </a:xfrm>
+          <a:prstGeom prst="rect">
+            <a:avLst/>
+          </a:prstGeom>
+          <a:noFill/>
+        </p:spPr>
+        <p:txBody>
+          <a:bodyPr wrap="none" rtlCol="0">
+            <a:spAutoFit/>
+          </a:bodyPr>
+          <a:lstStyle/>
+          <a:p>
+            <a:r>
+              <a:rPr lang="zh-CN" altLang="en-US" sz="4000" dirty="0">
+                <a:solidFill>
+                  <a:schemeClr val="bg1"/>
+                </a:solidFill>
+              </a:rPr>
+              <a:t>数据闭环</a:t>
+            </a:r>
+            <a:endParaRPr lang="en-US" sz="4000" dirty="0">
               <a:solidFill>
-                <a:prstClr val="white"/>
+                <a:schemeClr val="bg1"/>
+              </a:solidFill>
+            </a:endParaRPr>
+          </a:p>
+        </p:txBody>
+      </p:sp>
+      <p:cxnSp>
+        <p:nvCxnSpPr>
+          <p:cNvPr id="37" name="Curved Connector 22">
+            <a:extLst>
+              <a:ext uri="{FF2B5EF4-FFF2-40B4-BE49-F238E27FC236}">
+                <a16:creationId xmlns:a16="http://schemas.microsoft.com/office/drawing/2014/main" id="{32F2A184-43A0-4668-BD43-D285795592BF}"/>
+              </a:ext>
+            </a:extLst>
+          </p:cNvPr>
+          <p:cNvCxnSpPr>
+            <a:cxnSpLocks/>
+            <a:stCxn id="43" idx="3"/>
+            <a:endCxn id="33" idx="4"/>
+          </p:cNvCxnSpPr>
+          <p:nvPr/>
+        </p:nvCxnSpPr>
+        <p:spPr>
+          <a:xfrm flipV="1">
+            <a:off x="9965188" y="2527250"/>
+            <a:ext cx="527834" cy="2459654"/>
+          </a:xfrm>
+          <a:prstGeom prst="curvedConnector2">
+            <a:avLst/>
+          </a:prstGeom>
+          <a:ln w="76200">
+            <a:solidFill>
+              <a:schemeClr val="accent3"/>
+            </a:solidFill>
+            <a:prstDash val="solid"/>
+            <a:tailEnd type="triangle"/>
+          </a:ln>
+        </p:spPr>
+        <p:style>
+          <a:lnRef idx="1">
+            <a:schemeClr val="accent1"/>
+          </a:lnRef>
+          <a:fillRef idx="0">
+            <a:schemeClr val="accent1"/>
+          </a:fillRef>
+          <a:effectRef idx="0">
+            <a:schemeClr val="accent1"/>
+          </a:effectRef>
+          <a:fontRef idx="minor">
+            <a:schemeClr val="tx1"/>
+          </a:fontRef>
+        </p:style>
+      </p:cxnSp>
+      <p:sp>
+        <p:nvSpPr>
+          <p:cNvPr id="38" name="Rectangle 27">
+            <a:extLst>
+              <a:ext uri="{FF2B5EF4-FFF2-40B4-BE49-F238E27FC236}">
+                <a16:creationId xmlns:a16="http://schemas.microsoft.com/office/drawing/2014/main" id="{2FAC385A-0F72-4DF2-9017-B7AB6BB62EE9}"/>
+              </a:ext>
+            </a:extLst>
+          </p:cNvPr>
+          <p:cNvSpPr/>
+          <p:nvPr/>
+        </p:nvSpPr>
+        <p:spPr>
+          <a:xfrm>
+            <a:off x="10452091" y="3908419"/>
+            <a:ext cx="1300356" cy="369332"/>
+          </a:xfrm>
+          <a:prstGeom prst="rect">
+            <a:avLst/>
+          </a:prstGeom>
+        </p:spPr>
+        <p:txBody>
+          <a:bodyPr wrap="none">
+            <a:spAutoFit/>
+          </a:bodyPr>
+          <a:lstStyle/>
+          <a:p>
+            <a:r>
+              <a:rPr lang="en-CA" dirty="0">
+                <a:solidFill>
+                  <a:srgbClr val="D4D4D4"/>
+                </a:solidFill>
+                <a:latin typeface="Menlo" panose="020B0609030804020204" pitchFamily="49" charset="0"/>
+              </a:rPr>
+              <a:t>{</a:t>
+            </a:r>
+            <a:r>
+              <a:rPr lang="en-CA" dirty="0">
+                <a:solidFill>
+                  <a:srgbClr val="9CDCFE"/>
+                </a:solidFill>
+                <a:latin typeface="Menlo" panose="020B0609030804020204" pitchFamily="49" charset="0"/>
+              </a:rPr>
+              <a:t>sum:</a:t>
+            </a:r>
+            <a:r>
+              <a:rPr lang="en-CA" dirty="0">
+                <a:solidFill>
+                  <a:srgbClr val="D4D4D4"/>
+                </a:solidFill>
+                <a:latin typeface="Menlo" panose="020B0609030804020204" pitchFamily="49" charset="0"/>
+              </a:rPr>
+              <a:t> </a:t>
+            </a:r>
+            <a:r>
+              <a:rPr lang="en-CA" dirty="0">
+                <a:solidFill>
+                  <a:srgbClr val="B5CEA8"/>
+                </a:solidFill>
+                <a:latin typeface="Menlo" panose="020B0609030804020204" pitchFamily="49" charset="0"/>
+              </a:rPr>
+              <a:t>1</a:t>
+            </a:r>
+            <a:r>
+              <a:rPr lang="en-CA" dirty="0">
+                <a:solidFill>
+                  <a:srgbClr val="D4D4D4"/>
+                </a:solidFill>
+                <a:latin typeface="Menlo" panose="020B0609030804020204" pitchFamily="49" charset="0"/>
+              </a:rPr>
+              <a:t>}</a:t>
+            </a:r>
+            <a:endParaRPr lang="en-CA" b="0" dirty="0">
+              <a:solidFill>
+                <a:srgbClr val="D4D4D4"/>
               </a:solidFill>
               <a:effectLst/>
-              <a:uLnTx/>
-              <a:uFillTx/>
-              <a:latin typeface="Calibri" panose="020F0502020204030204"/>
-              <a:ea typeface="+mn-ea"/>
-              <a:cs typeface="+mn-cs"/>
+              <a:latin typeface="Menlo" panose="020B0609030804020204" pitchFamily="49" charset="0"/>
+            </a:endParaRPr>
+          </a:p>
+        </p:txBody>
+      </p:sp>
+      <p:sp>
+        <p:nvSpPr>
+          <p:cNvPr id="39" name="TextBox 25">
+            <a:extLst>
+              <a:ext uri="{FF2B5EF4-FFF2-40B4-BE49-F238E27FC236}">
+                <a16:creationId xmlns:a16="http://schemas.microsoft.com/office/drawing/2014/main" id="{7EF83BF6-144C-426C-A58B-AE6737379A47}"/>
+              </a:ext>
+            </a:extLst>
+          </p:cNvPr>
+          <p:cNvSpPr txBox="1"/>
+          <p:nvPr/>
+        </p:nvSpPr>
+        <p:spPr>
+          <a:xfrm>
+            <a:off x="6844939" y="1231909"/>
+            <a:ext cx="1920719" cy="369332"/>
+          </a:xfrm>
+          <a:prstGeom prst="rect">
+            <a:avLst/>
+          </a:prstGeom>
+          <a:noFill/>
+        </p:spPr>
+        <p:txBody>
+          <a:bodyPr wrap="none" rtlCol="0">
+            <a:spAutoFit/>
+          </a:bodyPr>
+          <a:lstStyle/>
+          <a:p>
+            <a:r>
+              <a:rPr lang="zh-CN" altLang="en-US" dirty="0">
+                <a:solidFill>
+                  <a:schemeClr val="accent3">
+                    <a:lumMod val="20000"/>
+                    <a:lumOff val="80000"/>
+                  </a:schemeClr>
+                </a:solidFill>
+              </a:rPr>
+              <a:t>更新！ </a:t>
+            </a:r>
+            <a:r>
+              <a:rPr lang="en-US" altLang="zh-CN" dirty="0">
+                <a:solidFill>
+                  <a:schemeClr val="accent3">
+                    <a:lumMod val="20000"/>
+                    <a:lumOff val="80000"/>
+                  </a:schemeClr>
+                </a:solidFill>
+              </a:rPr>
+              <a:t>Sum</a:t>
+            </a:r>
+            <a:r>
+              <a:rPr lang="zh-CN" altLang="en-US" dirty="0">
+                <a:solidFill>
+                  <a:schemeClr val="accent3">
+                    <a:lumMod val="20000"/>
+                    <a:lumOff val="80000"/>
+                  </a:schemeClr>
+                </a:solidFill>
+              </a:rPr>
+              <a:t> </a:t>
+            </a:r>
+            <a:r>
+              <a:rPr lang="en-US" altLang="zh-CN" dirty="0">
+                <a:solidFill>
+                  <a:schemeClr val="accent3">
+                    <a:lumMod val="20000"/>
+                    <a:lumOff val="80000"/>
+                  </a:schemeClr>
+                </a:solidFill>
+              </a:rPr>
+              <a:t>0</a:t>
+            </a:r>
+            <a:r>
+              <a:rPr lang="zh-CN" altLang="en-US" dirty="0">
+                <a:solidFill>
+                  <a:schemeClr val="accent3">
+                    <a:lumMod val="20000"/>
+                    <a:lumOff val="80000"/>
+                  </a:schemeClr>
+                </a:solidFill>
+              </a:rPr>
+              <a:t> </a:t>
+            </a:r>
+            <a:r>
+              <a:rPr lang="en-US" altLang="zh-CN" dirty="0">
+                <a:solidFill>
+                  <a:schemeClr val="accent3">
+                    <a:lumMod val="20000"/>
+                    <a:lumOff val="80000"/>
+                  </a:schemeClr>
+                </a:solidFill>
+              </a:rPr>
+              <a:t>-&gt;</a:t>
+            </a:r>
+            <a:r>
+              <a:rPr lang="zh-CN" altLang="en-US" dirty="0">
+                <a:solidFill>
+                  <a:schemeClr val="accent3">
+                    <a:lumMod val="20000"/>
+                    <a:lumOff val="80000"/>
+                  </a:schemeClr>
+                </a:solidFill>
+              </a:rPr>
+              <a:t> </a:t>
+            </a:r>
+            <a:r>
+              <a:rPr lang="en-US" altLang="zh-CN" dirty="0">
+                <a:solidFill>
+                  <a:schemeClr val="accent3">
+                    <a:lumMod val="20000"/>
+                    <a:lumOff val="80000"/>
+                  </a:schemeClr>
+                </a:solidFill>
+              </a:rPr>
+              <a:t>1</a:t>
+            </a:r>
+            <a:endParaRPr lang="en-US" dirty="0">
+              <a:solidFill>
+                <a:schemeClr val="accent3">
+                  <a:lumMod val="20000"/>
+                  <a:lumOff val="80000"/>
+                </a:schemeClr>
+              </a:solidFill>
+            </a:endParaRPr>
+          </a:p>
+        </p:txBody>
+      </p:sp>
+      <p:cxnSp>
+        <p:nvCxnSpPr>
+          <p:cNvPr id="40" name="Curved Connector 10">
+            <a:extLst>
+              <a:ext uri="{FF2B5EF4-FFF2-40B4-BE49-F238E27FC236}">
+                <a16:creationId xmlns:a16="http://schemas.microsoft.com/office/drawing/2014/main" id="{DDBF1A39-05FE-438D-BDD1-B4872FAEC706}"/>
+              </a:ext>
+            </a:extLst>
+          </p:cNvPr>
+          <p:cNvCxnSpPr>
+            <a:cxnSpLocks/>
+            <a:stCxn id="32" idx="2"/>
+          </p:cNvCxnSpPr>
+          <p:nvPr/>
+        </p:nvCxnSpPr>
+        <p:spPr>
+          <a:xfrm rot="5400000">
+            <a:off x="2331727" y="3253408"/>
+            <a:ext cx="2365151" cy="616184"/>
+          </a:xfrm>
+          <a:prstGeom prst="curvedConnector3">
+            <a:avLst>
+              <a:gd name="adj1" fmla="val 50000"/>
+            </a:avLst>
+          </a:prstGeom>
+          <a:ln>
+            <a:headEnd type="none" w="med" len="med"/>
+            <a:tailEnd type="arrow" w="med" len="med"/>
+          </a:ln>
+        </p:spPr>
+        <p:style>
+          <a:lnRef idx="1">
+            <a:schemeClr val="accent1"/>
+          </a:lnRef>
+          <a:fillRef idx="0">
+            <a:schemeClr val="accent1"/>
+          </a:fillRef>
+          <a:effectRef idx="0">
+            <a:schemeClr val="accent1"/>
+          </a:effectRef>
+          <a:fontRef idx="minor">
+            <a:schemeClr val="tx1"/>
+          </a:fontRef>
+        </p:style>
+      </p:cxnSp>
+      <p:sp>
+        <p:nvSpPr>
+          <p:cNvPr id="41" name="Rectangle 20">
+            <a:extLst>
+              <a:ext uri="{FF2B5EF4-FFF2-40B4-BE49-F238E27FC236}">
+                <a16:creationId xmlns:a16="http://schemas.microsoft.com/office/drawing/2014/main" id="{8F1BFFB3-E80A-4C14-A66D-182952882A1E}"/>
+              </a:ext>
+            </a:extLst>
+          </p:cNvPr>
+          <p:cNvSpPr/>
+          <p:nvPr/>
+        </p:nvSpPr>
+        <p:spPr>
+          <a:xfrm>
+            <a:off x="2815039" y="4744075"/>
+            <a:ext cx="2909066" cy="461665"/>
+          </a:xfrm>
+          <a:prstGeom prst="rect">
+            <a:avLst/>
+          </a:prstGeom>
+        </p:spPr>
+        <p:txBody>
+          <a:bodyPr wrap="none">
+            <a:spAutoFit/>
+          </a:bodyPr>
+          <a:lstStyle/>
+          <a:p>
+            <a:r>
+              <a:rPr lang="en-US" altLang="zh-CN" sz="2400" b="1" dirty="0">
+                <a:solidFill>
+                  <a:schemeClr val="accent5"/>
+                </a:solidFill>
+                <a:latin typeface="-apple-system"/>
+              </a:rPr>
+              <a:t>effect(payload, state)</a:t>
+            </a:r>
+            <a:endParaRPr lang="en-CA" sz="2400" b="1" dirty="0">
+              <a:solidFill>
+                <a:schemeClr val="accent5"/>
+              </a:solidFill>
+              <a:latin typeface="-apple-system"/>
+            </a:endParaRPr>
+          </a:p>
+        </p:txBody>
+      </p:sp>
+      <p:cxnSp>
+        <p:nvCxnSpPr>
+          <p:cNvPr id="42" name="Curved Connector 26">
+            <a:extLst>
+              <a:ext uri="{FF2B5EF4-FFF2-40B4-BE49-F238E27FC236}">
+                <a16:creationId xmlns:a16="http://schemas.microsoft.com/office/drawing/2014/main" id="{C082E398-C1CE-4001-BED3-179BA1BF8FA4}"/>
+              </a:ext>
+            </a:extLst>
+          </p:cNvPr>
+          <p:cNvCxnSpPr>
+            <a:cxnSpLocks/>
+          </p:cNvCxnSpPr>
+          <p:nvPr/>
+        </p:nvCxnSpPr>
+        <p:spPr>
+          <a:xfrm>
+            <a:off x="5724105" y="4986903"/>
+            <a:ext cx="985848" cy="1"/>
+          </a:xfrm>
+          <a:prstGeom prst="curvedConnector3">
+            <a:avLst>
+              <a:gd name="adj1" fmla="val 50000"/>
+            </a:avLst>
+          </a:prstGeom>
+          <a:ln w="76200">
+            <a:solidFill>
+              <a:schemeClr val="accent3"/>
+            </a:solidFill>
+            <a:prstDash val="solid"/>
+            <a:tailEnd type="triangle"/>
+          </a:ln>
+        </p:spPr>
+        <p:style>
+          <a:lnRef idx="1">
+            <a:schemeClr val="accent1"/>
+          </a:lnRef>
+          <a:fillRef idx="0">
+            <a:schemeClr val="accent1"/>
+          </a:fillRef>
+          <a:effectRef idx="0">
+            <a:schemeClr val="accent1"/>
+          </a:effectRef>
+          <a:fontRef idx="minor">
+            <a:schemeClr val="tx1"/>
+          </a:fontRef>
+        </p:style>
+      </p:cxnSp>
+      <p:sp>
+        <p:nvSpPr>
+          <p:cNvPr id="43" name="Rectangle 13">
+            <a:extLst>
+              <a:ext uri="{FF2B5EF4-FFF2-40B4-BE49-F238E27FC236}">
+                <a16:creationId xmlns:a16="http://schemas.microsoft.com/office/drawing/2014/main" id="{B89D20DE-EADB-4A95-93AC-B47F9A2BDBA6}"/>
+              </a:ext>
+            </a:extLst>
+          </p:cNvPr>
+          <p:cNvSpPr/>
+          <p:nvPr/>
+        </p:nvSpPr>
+        <p:spPr>
+          <a:xfrm>
+            <a:off x="6743600" y="4756071"/>
+            <a:ext cx="3221588" cy="461665"/>
+          </a:xfrm>
+          <a:prstGeom prst="rect">
+            <a:avLst/>
+          </a:prstGeom>
+        </p:spPr>
+        <p:txBody>
+          <a:bodyPr wrap="none">
+            <a:spAutoFit/>
+          </a:bodyPr>
+          <a:lstStyle/>
+          <a:p>
+            <a:r>
+              <a:rPr lang="en-CA" sz="2400" b="1" dirty="0">
+                <a:solidFill>
+                  <a:schemeClr val="accent3"/>
+                </a:solidFill>
+                <a:latin typeface="-apple-system"/>
+              </a:rPr>
+              <a:t>Reducer(</a:t>
+            </a:r>
+            <a:r>
+              <a:rPr lang="en-CA" sz="2400" b="1" dirty="0">
+                <a:solidFill>
+                  <a:schemeClr val="accent4"/>
+                </a:solidFill>
+                <a:latin typeface="-apple-system"/>
+              </a:rPr>
+              <a:t>state</a:t>
+            </a:r>
+            <a:r>
+              <a:rPr lang="en-CA" sz="2400" b="1" dirty="0">
+                <a:solidFill>
+                  <a:schemeClr val="accent3"/>
+                </a:solidFill>
+                <a:latin typeface="-apple-system"/>
+              </a:rPr>
+              <a:t>, </a:t>
+            </a:r>
+            <a:r>
+              <a:rPr lang="en-CA" sz="2400" b="1" dirty="0">
+                <a:solidFill>
+                  <a:schemeClr val="accent5"/>
+                </a:solidFill>
+                <a:latin typeface="-apple-system"/>
+              </a:rPr>
+              <a:t>payload</a:t>
+            </a:r>
+            <a:r>
+              <a:rPr lang="en-CA" sz="2400" b="1" dirty="0">
+                <a:solidFill>
+                  <a:schemeClr val="accent3"/>
+                </a:solidFill>
+                <a:latin typeface="-apple-system"/>
+              </a:rPr>
+              <a:t>)</a:t>
+            </a:r>
+          </a:p>
+        </p:txBody>
+      </p:sp>
+      <p:sp>
+        <p:nvSpPr>
+          <p:cNvPr id="44" name="Rectangle 15">
+            <a:extLst>
+              <a:ext uri="{FF2B5EF4-FFF2-40B4-BE49-F238E27FC236}">
+                <a16:creationId xmlns:a16="http://schemas.microsoft.com/office/drawing/2014/main" id="{D3D890E2-0194-4324-B9F3-EEEECC34DF57}"/>
+              </a:ext>
+            </a:extLst>
+          </p:cNvPr>
+          <p:cNvSpPr/>
+          <p:nvPr/>
+        </p:nvSpPr>
+        <p:spPr>
+          <a:xfrm>
+            <a:off x="7593191" y="5154794"/>
+            <a:ext cx="1300356" cy="369332"/>
+          </a:xfrm>
+          <a:prstGeom prst="rect">
+            <a:avLst/>
+          </a:prstGeom>
+        </p:spPr>
+        <p:txBody>
+          <a:bodyPr wrap="none">
+            <a:spAutoFit/>
+          </a:bodyPr>
+          <a:lstStyle/>
+          <a:p>
+            <a:r>
+              <a:rPr lang="en-CA" dirty="0">
+                <a:solidFill>
+                  <a:srgbClr val="D4D4D4"/>
+                </a:solidFill>
+                <a:latin typeface="Menlo" panose="020B0609030804020204" pitchFamily="49" charset="0"/>
+              </a:rPr>
+              <a:t>{</a:t>
+            </a:r>
+            <a:r>
+              <a:rPr lang="en-CA" dirty="0">
+                <a:solidFill>
+                  <a:srgbClr val="9CDCFE"/>
+                </a:solidFill>
+                <a:latin typeface="Menlo" panose="020B0609030804020204" pitchFamily="49" charset="0"/>
+              </a:rPr>
+              <a:t>sum:</a:t>
+            </a:r>
+            <a:r>
+              <a:rPr lang="en-CA" dirty="0">
+                <a:solidFill>
+                  <a:srgbClr val="D4D4D4"/>
+                </a:solidFill>
+                <a:latin typeface="Menlo" panose="020B0609030804020204" pitchFamily="49" charset="0"/>
+              </a:rPr>
+              <a:t> </a:t>
+            </a:r>
+            <a:r>
+              <a:rPr lang="en-CA" dirty="0">
+                <a:solidFill>
+                  <a:srgbClr val="B5CEA8"/>
+                </a:solidFill>
+                <a:latin typeface="Menlo" panose="020B0609030804020204" pitchFamily="49" charset="0"/>
+              </a:rPr>
+              <a:t>0</a:t>
+            </a:r>
+            <a:r>
+              <a:rPr lang="en-CA" dirty="0">
+                <a:solidFill>
+                  <a:srgbClr val="D4D4D4"/>
+                </a:solidFill>
+                <a:latin typeface="Menlo" panose="020B0609030804020204" pitchFamily="49" charset="0"/>
+              </a:rPr>
+              <a:t>}</a:t>
+            </a:r>
+            <a:endParaRPr lang="en-CA" b="0" dirty="0">
+              <a:solidFill>
+                <a:srgbClr val="D4D4D4"/>
+              </a:solidFill>
+              <a:effectLst/>
+              <a:latin typeface="Menlo" panose="020B0609030804020204" pitchFamily="49" charset="0"/>
             </a:endParaRPr>
           </a:p>
         </p:txBody>
@@ -6367,13 +7388,259 @@
     </p:spTree>
     <p:extLst>
       <p:ext uri="{BB962C8B-B14F-4D97-AF65-F5344CB8AC3E}">
-        <p14:creationId xmlns:p14="http://schemas.microsoft.com/office/powerpoint/2010/main" val="3951899454"/>
+        <p14:creationId xmlns:p14="http://schemas.microsoft.com/office/powerpoint/2010/main" val="3654928054"/>
       </p:ext>
     </p:extLst>
   </p:cSld>
   <p:clrMapOvr>
     <a:masterClrMapping/>
   </p:clrMapOvr>
+  <p:timing>
+    <p:tnLst>
+      <p:par>
+        <p:cTn id="1" dur="indefinite" restart="never" nodeType="tmRoot">
+          <p:childTnLst>
+            <p:seq concurrent="1" nextAc="seek">
+              <p:cTn id="2" dur="indefinite" nodeType="mainSeq">
+                <p:childTnLst>
+                  <p:par>
+                    <p:cTn id="3" fill="hold">
+                      <p:stCondLst>
+                        <p:cond delay="indefinite"/>
+                      </p:stCondLst>
+                      <p:childTnLst>
+                        <p:par>
+                          <p:cTn id="4" fill="hold">
+                            <p:stCondLst>
+                              <p:cond delay="0"/>
+                            </p:stCondLst>
+                            <p:childTnLst>
+                              <p:par>
+                                <p:cTn id="5" presetID="10" presetClass="entr" presetSubtype="0" fill="hold" nodeType="clickEffect">
+                                  <p:stCondLst>
+                                    <p:cond delay="0"/>
+                                  </p:stCondLst>
+                                  <p:childTnLst>
+                                    <p:set>
+                                      <p:cBhvr>
+                                        <p:cTn id="6" dur="1" fill="hold">
+                                          <p:stCondLst>
+                                            <p:cond delay="0"/>
+                                          </p:stCondLst>
+                                        </p:cTn>
+                                        <p:tgtEl>
+                                          <p:spTgt spid="40"/>
+                                        </p:tgtEl>
+                                        <p:attrNameLst>
+                                          <p:attrName>style.visibility</p:attrName>
+                                        </p:attrNameLst>
+                                      </p:cBhvr>
+                                      <p:to>
+                                        <p:strVal val="visible"/>
+                                      </p:to>
+                                    </p:set>
+                                    <p:animEffect transition="in" filter="fade">
+                                      <p:cBhvr>
+                                        <p:cTn id="7" dur="500"/>
+                                        <p:tgtEl>
+                                          <p:spTgt spid="40"/>
+                                        </p:tgtEl>
+                                      </p:cBhvr>
+                                    </p:animEffect>
+                                  </p:childTnLst>
+                                </p:cTn>
+                              </p:par>
+                              <p:par>
+                                <p:cTn id="8" presetID="10" presetClass="entr" presetSubtype="0" fill="hold" grpId="0" nodeType="withEffect">
+                                  <p:stCondLst>
+                                    <p:cond delay="0"/>
+                                  </p:stCondLst>
+                                  <p:childTnLst>
+                                    <p:set>
+                                      <p:cBhvr>
+                                        <p:cTn id="9" dur="1" fill="hold">
+                                          <p:stCondLst>
+                                            <p:cond delay="0"/>
+                                          </p:stCondLst>
+                                        </p:cTn>
+                                        <p:tgtEl>
+                                          <p:spTgt spid="41"/>
+                                        </p:tgtEl>
+                                        <p:attrNameLst>
+                                          <p:attrName>style.visibility</p:attrName>
+                                        </p:attrNameLst>
+                                      </p:cBhvr>
+                                      <p:to>
+                                        <p:strVal val="visible"/>
+                                      </p:to>
+                                    </p:set>
+                                    <p:animEffect transition="in" filter="fade">
+                                      <p:cBhvr>
+                                        <p:cTn id="10" dur="500"/>
+                                        <p:tgtEl>
+                                          <p:spTgt spid="41"/>
+                                        </p:tgtEl>
+                                      </p:cBhvr>
+                                    </p:animEffect>
+                                  </p:childTnLst>
+                                </p:cTn>
+                              </p:par>
+                            </p:childTnLst>
+                          </p:cTn>
+                        </p:par>
+                      </p:childTnLst>
+                    </p:cTn>
+                  </p:par>
+                  <p:par>
+                    <p:cTn id="11" fill="hold">
+                      <p:stCondLst>
+                        <p:cond delay="indefinite"/>
+                      </p:stCondLst>
+                      <p:childTnLst>
+                        <p:par>
+                          <p:cTn id="12" fill="hold">
+                            <p:stCondLst>
+                              <p:cond delay="0"/>
+                            </p:stCondLst>
+                            <p:childTnLst>
+                              <p:par>
+                                <p:cTn id="13" presetID="10" presetClass="entr" presetSubtype="0" fill="hold" nodeType="clickEffect">
+                                  <p:stCondLst>
+                                    <p:cond delay="0"/>
+                                  </p:stCondLst>
+                                  <p:childTnLst>
+                                    <p:set>
+                                      <p:cBhvr>
+                                        <p:cTn id="14" dur="1" fill="hold">
+                                          <p:stCondLst>
+                                            <p:cond delay="0"/>
+                                          </p:stCondLst>
+                                        </p:cTn>
+                                        <p:tgtEl>
+                                          <p:spTgt spid="42"/>
+                                        </p:tgtEl>
+                                        <p:attrNameLst>
+                                          <p:attrName>style.visibility</p:attrName>
+                                        </p:attrNameLst>
+                                      </p:cBhvr>
+                                      <p:to>
+                                        <p:strVal val="visible"/>
+                                      </p:to>
+                                    </p:set>
+                                    <p:animEffect transition="in" filter="fade">
+                                      <p:cBhvr>
+                                        <p:cTn id="15" dur="500"/>
+                                        <p:tgtEl>
+                                          <p:spTgt spid="42"/>
+                                        </p:tgtEl>
+                                      </p:cBhvr>
+                                    </p:animEffect>
+                                  </p:childTnLst>
+                                </p:cTn>
+                              </p:par>
+                              <p:par>
+                                <p:cTn id="16" presetID="10" presetClass="entr" presetSubtype="0" fill="hold" grpId="0" nodeType="withEffect">
+                                  <p:stCondLst>
+                                    <p:cond delay="0"/>
+                                  </p:stCondLst>
+                                  <p:childTnLst>
+                                    <p:set>
+                                      <p:cBhvr>
+                                        <p:cTn id="17" dur="1" fill="hold">
+                                          <p:stCondLst>
+                                            <p:cond delay="0"/>
+                                          </p:stCondLst>
+                                        </p:cTn>
+                                        <p:tgtEl>
+                                          <p:spTgt spid="43"/>
+                                        </p:tgtEl>
+                                        <p:attrNameLst>
+                                          <p:attrName>style.visibility</p:attrName>
+                                        </p:attrNameLst>
+                                      </p:cBhvr>
+                                      <p:to>
+                                        <p:strVal val="visible"/>
+                                      </p:to>
+                                    </p:set>
+                                    <p:animEffect transition="in" filter="fade">
+                                      <p:cBhvr>
+                                        <p:cTn id="18" dur="500"/>
+                                        <p:tgtEl>
+                                          <p:spTgt spid="43"/>
+                                        </p:tgtEl>
+                                      </p:cBhvr>
+                                    </p:animEffect>
+                                  </p:childTnLst>
+                                </p:cTn>
+                              </p:par>
+                              <p:par>
+                                <p:cTn id="19" presetID="10" presetClass="entr" presetSubtype="0" fill="hold" grpId="0" nodeType="withEffect">
+                                  <p:stCondLst>
+                                    <p:cond delay="0"/>
+                                  </p:stCondLst>
+                                  <p:childTnLst>
+                                    <p:set>
+                                      <p:cBhvr>
+                                        <p:cTn id="20" dur="1" fill="hold">
+                                          <p:stCondLst>
+                                            <p:cond delay="0"/>
+                                          </p:stCondLst>
+                                        </p:cTn>
+                                        <p:tgtEl>
+                                          <p:spTgt spid="44"/>
+                                        </p:tgtEl>
+                                        <p:attrNameLst>
+                                          <p:attrName>style.visibility</p:attrName>
+                                        </p:attrNameLst>
+                                      </p:cBhvr>
+                                      <p:to>
+                                        <p:strVal val="visible"/>
+                                      </p:to>
+                                    </p:set>
+                                    <p:animEffect transition="in" filter="fade">
+                                      <p:cBhvr>
+                                        <p:cTn id="21" dur="500"/>
+                                        <p:tgtEl>
+                                          <p:spTgt spid="44"/>
+                                        </p:tgtEl>
+                                      </p:cBhvr>
+                                    </p:animEffect>
+                                  </p:childTnLst>
+                                </p:cTn>
+                              </p:par>
+                            </p:childTnLst>
+                          </p:cTn>
+                        </p:par>
+                      </p:childTnLst>
+                    </p:cTn>
+                  </p:par>
+                </p:childTnLst>
+              </p:cTn>
+              <p:prevCondLst>
+                <p:cond evt="onPrev" delay="0">
+                  <p:tgtEl>
+                    <p:sldTgt/>
+                  </p:tgtEl>
+                </p:cond>
+              </p:prevCondLst>
+              <p:nextCondLst>
+                <p:cond evt="onNext" delay="0">
+                  <p:tgtEl>
+                    <p:sldTgt/>
+                  </p:tgtEl>
+                </p:cond>
+              </p:nextCondLst>
+            </p:seq>
+          </p:childTnLst>
+        </p:cTn>
+      </p:par>
+    </p:tnLst>
+    <p:bldLst>
+      <p:bldP spid="41" grpId="0"/>
+      <p:bldP spid="43" grpId="0"/>
+      <p:bldP spid="44" grpId="0"/>
+    </p:bldLst>
+  </p:timing>
 </p:sld>
 </file>
 
@@ -6543,7 +7810,7 @@
                 <a:ea typeface="+mn-ea"/>
                 <a:cs typeface="+mn-cs"/>
               </a:rPr>
-              <a:t>00</a:t>
+              <a:t>01</a:t>
             </a:r>
           </a:p>
         </p:txBody>
@@ -6563,7 +7830,7 @@
         <p:spPr>
           <a:xfrm>
             <a:off x="345731" y="2595914"/>
-            <a:ext cx="1776032" cy="1200329"/>
+            <a:ext cx="1776032" cy="1384995"/>
           </a:xfrm>
           <a:prstGeom prst="rect">
             <a:avLst/>
@@ -6575,6 +7842,40 @@
             <a:spAutoFit/>
           </a:bodyPr>
           <a:lstStyle/>
+          <a:p>
+            <a:pPr>
+              <a:defRPr/>
+            </a:pPr>
+            <a:r>
+              <a:rPr lang="zh-CN" altLang="en-US" sz="2400" dirty="0">
+                <a:solidFill>
+                  <a:prstClr val="white"/>
+                </a:solidFill>
+              </a:rPr>
+              <a:t>写</a:t>
+            </a:r>
+            <a:r>
+              <a:rPr lang="en-US" altLang="zh-CN" sz="2400" dirty="0">
+                <a:solidFill>
+                  <a:prstClr val="white"/>
+                </a:solidFill>
+              </a:rPr>
+              <a:t>Rematch</a:t>
+            </a:r>
+            <a:r>
+              <a:rPr lang="zh-CN" altLang="en-US" sz="2400" dirty="0">
+                <a:solidFill>
+                  <a:prstClr val="white"/>
+                </a:solidFill>
+              </a:rPr>
+              <a:t>的步骤</a:t>
+            </a:r>
+            <a:endParaRPr lang="en-US" sz="2400" dirty="0">
+              <a:solidFill>
+                <a:prstClr val="white"/>
+              </a:solidFill>
+            </a:endParaRPr>
+          </a:p>
           <a:p>
             <a:pPr marL="0" marR="0" lvl="0" indent="0" algn="l" defTabSz="914400" rtl="0" eaLnBrk="1" fontAlgn="auto" latinLnBrk="0" hangingPunct="1">
               <a:lnSpc>
@@ -6594,12 +7895,12 @@
               <a:defRPr/>
             </a:pPr>
             <a:r>
-              <a:rPr kumimoji="0" lang="en-US" altLang="zh-CN" sz="2400" b="0" i="0" u="none" strike="noStrike" kern="1200" cap="none" spc="0" normalizeH="0" baseline="0" noProof="0" dirty="0">
+              <a:rPr kumimoji="0" lang="zh-CN" altLang="en-US" b="0" i="0" u="none" strike="noStrike" kern="1200" cap="none" spc="0" normalizeH="0" baseline="0" noProof="0" dirty="0">
                 <a:ln>
                   <a:noFill/>
                 </a:ln>
                 <a:solidFill>
-                  <a:prstClr val="white"/>
+                  <a:srgbClr val="24F9CB"/>
                 </a:solidFill>
                 <a:effectLst/>
                 <a:uLnTx/>
@@ -6608,23 +7909,48 @@
                 <a:ea typeface="等线" panose="02010600030101010101" pitchFamily="2" charset="-122"/>
                 <a:cs typeface="+mn-cs"/>
               </a:rPr>
-              <a:t>Create Reducers</a:t>
-            </a:r>
-            <a:r>
-              <a:rPr lang="en-US" altLang="zh-CN" sz="2400" dirty="0">
-                <a:solidFill>
-                  <a:prstClr val="white"/>
-                </a:solidFill>
+              <a:t>检查</a:t>
+            </a:r>
+            <a:r>
+              <a:rPr kumimoji="0" lang="en-US" altLang="zh-CN" b="0" i="0" u="none" strike="noStrike" kern="1200" cap="none" spc="0" normalizeH="0" baseline="0" noProof="0" dirty="0">
+                <a:ln>
+                  <a:noFill/>
+                </a:ln>
+                <a:solidFill>
+                  <a:srgbClr val="24F9CB"/>
+                </a:solidFill>
+                <a:effectLst/>
+                <a:uLnTx/>
+                <a:uFillTx/>
                 <a:latin typeface="Calibri" panose="020F0502020204030204"/>
-              </a:rPr>
-              <a:t> in the Model</a:t>
-            </a:r>
-            <a:endParaRPr kumimoji="0" lang="en-US" altLang="zh-CN" sz="2400" b="0" i="0" u="none" strike="noStrike" kern="1200" cap="none" spc="0" normalizeH="0" baseline="0" noProof="0" dirty="0">
+                <a:ea typeface="等线" panose="02010600030101010101" pitchFamily="2" charset="-122"/>
+                <a:cs typeface="+mn-cs"/>
+              </a:rPr>
+              <a:t>rematch</a:t>
+            </a:r>
+            <a:r>
+              <a:rPr kumimoji="0" lang="zh-CN" altLang="en-US" b="0" i="0" u="none" strike="noStrike" kern="1200" cap="none" spc="0" normalizeH="0" baseline="0" noProof="0" dirty="0">
+                <a:ln>
+                  <a:noFill/>
+                </a:ln>
+                <a:solidFill>
+                  <a:srgbClr val="24F9CB"/>
+                </a:solidFill>
+                <a:effectLst/>
+                <a:uLnTx/>
+                <a:uFillTx/>
+                <a:latin typeface="Calibri" panose="020F0502020204030204"/>
+                <a:ea typeface="等线" panose="02010600030101010101" pitchFamily="2" charset="-122"/>
+                <a:cs typeface="+mn-cs"/>
+              </a:rPr>
+              <a:t>初始化</a:t>
+            </a:r>
+            <a:endParaRPr kumimoji="0" lang="en-US" altLang="zh-CN" b="0" i="0" u="none" strike="noStrike" kern="1200" cap="none" spc="0" normalizeH="0" baseline="0" noProof="0" dirty="0">
               <a:ln>
                 <a:noFill/>
               </a:ln>
               <a:solidFill>
-                <a:prstClr val="white"/>
+                <a:srgbClr val="24F9CB"/>
               </a:solidFill>
               <a:effectLst/>
               <a:uLnTx/>
@@ -6674,10 +8000,10 @@
       </p:pic>
       <p:sp>
         <p:nvSpPr>
-          <p:cNvPr id="3" name="矩形 2">
-            <a:extLst>
-              <a:ext uri="{FF2B5EF4-FFF2-40B4-BE49-F238E27FC236}">
-                <a16:creationId xmlns:a16="http://schemas.microsoft.com/office/drawing/2014/main" id="{72FC8815-CAE3-4D1B-A137-03270E75D742}"/>
+          <p:cNvPr id="2" name="矩形 1">
+            <a:extLst>
+              <a:ext uri="{FF2B5EF4-FFF2-40B4-BE49-F238E27FC236}">
+                <a16:creationId xmlns:a16="http://schemas.microsoft.com/office/drawing/2014/main" id="{9D4438D2-456A-4129-A7B2-E42280525A67}"/>
               </a:ext>
             </a:extLst>
           </p:cNvPr>
@@ -6686,15 +8012,15 @@
         </p:nvSpPr>
         <p:spPr>
           <a:xfrm>
-            <a:off x="2787090" y="1590500"/>
-            <a:ext cx="6096000" cy="2062103"/>
+            <a:off x="2787090" y="1710534"/>
+            <a:ext cx="8706035" cy="3293209"/>
           </a:xfrm>
           <a:prstGeom prst="rect">
             <a:avLst/>
           </a:prstGeom>
         </p:spPr>
         <p:txBody>
-          <a:bodyPr>
+          <a:bodyPr wrap="square">
             <a:spAutoFit/>
           </a:bodyPr>
           <a:lstStyle/>
@@ -6702,16 +8028,281 @@
             <a:r>
               <a:rPr lang="en-US" sz="1600" dirty="0">
                 <a:solidFill>
-                  <a:schemeClr val="accent6">
-                    <a:lumMod val="75000"/>
-                  </a:schemeClr>
-                </a:solidFill>
-              </a:rPr>
-              <a:t>// In file /models.js</a:t>
+                  <a:srgbClr val="C586C0"/>
+                </a:solidFill>
+                <a:latin typeface="Consolas" panose="020B0609020204030204" pitchFamily="49" charset="0"/>
+              </a:rPr>
+              <a:t>import</a:t>
+            </a:r>
+            <a:r>
+              <a:rPr lang="en-US" sz="1600" dirty="0">
+                <a:solidFill>
+                  <a:srgbClr val="D4D4D4"/>
+                </a:solidFill>
+                <a:latin typeface="Consolas" panose="020B0609020204030204" pitchFamily="49" charset="0"/>
+              </a:rPr>
+              <a:t> { </a:t>
+            </a:r>
+            <a:r>
+              <a:rPr lang="en-US" sz="1600" dirty="0" err="1">
+                <a:solidFill>
+                  <a:srgbClr val="9CDCFE"/>
+                </a:solidFill>
+                <a:latin typeface="Consolas" panose="020B0609020204030204" pitchFamily="49" charset="0"/>
+              </a:rPr>
+              <a:t>init</a:t>
+            </a:r>
+            <a:r>
+              <a:rPr lang="en-US" sz="1600" dirty="0">
+                <a:solidFill>
+                  <a:srgbClr val="D4D4D4"/>
+                </a:solidFill>
+                <a:latin typeface="Consolas" panose="020B0609020204030204" pitchFamily="49" charset="0"/>
+              </a:rPr>
+              <a:t> } </a:t>
+            </a:r>
+            <a:r>
+              <a:rPr lang="en-US" sz="1600" dirty="0">
+                <a:solidFill>
+                  <a:srgbClr val="C586C0"/>
+                </a:solidFill>
+                <a:latin typeface="Consolas" panose="020B0609020204030204" pitchFamily="49" charset="0"/>
+              </a:rPr>
+              <a:t>from</a:t>
+            </a:r>
+            <a:r>
+              <a:rPr lang="en-US" sz="1600" dirty="0">
+                <a:solidFill>
+                  <a:srgbClr val="D4D4D4"/>
+                </a:solidFill>
+                <a:latin typeface="Consolas" panose="020B0609020204030204" pitchFamily="49" charset="0"/>
+              </a:rPr>
+              <a:t> </a:t>
+            </a:r>
+            <a:r>
+              <a:rPr lang="en-US" sz="1600" dirty="0">
+                <a:solidFill>
+                  <a:srgbClr val="CE9178"/>
+                </a:solidFill>
+                <a:latin typeface="Consolas" panose="020B0609020204030204" pitchFamily="49" charset="0"/>
+              </a:rPr>
+              <a:t>"@rematch/core"</a:t>
+            </a:r>
+            <a:r>
+              <a:rPr lang="en-US" sz="1600" dirty="0">
+                <a:solidFill>
+                  <a:srgbClr val="D4D4D4"/>
+                </a:solidFill>
+                <a:latin typeface="Consolas" panose="020B0609020204030204" pitchFamily="49" charset="0"/>
+              </a:rPr>
+              <a:t>;</a:t>
+            </a:r>
+          </a:p>
+          <a:p>
+            <a:r>
+              <a:rPr lang="en-US" sz="1600" dirty="0">
+                <a:solidFill>
+                  <a:srgbClr val="C586C0"/>
+                </a:solidFill>
+                <a:latin typeface="Consolas" panose="020B0609020204030204" pitchFamily="49" charset="0"/>
+              </a:rPr>
+              <a:t>import</a:t>
+            </a:r>
+            <a:r>
+              <a:rPr lang="en-US" sz="1600" dirty="0">
+                <a:solidFill>
+                  <a:srgbClr val="D4D4D4"/>
+                </a:solidFill>
+                <a:latin typeface="Consolas" panose="020B0609020204030204" pitchFamily="49" charset="0"/>
+              </a:rPr>
+              <a:t> { </a:t>
+            </a:r>
+            <a:r>
+              <a:rPr lang="en-US" sz="1600" dirty="0">
+                <a:solidFill>
+                  <a:srgbClr val="9CDCFE"/>
+                </a:solidFill>
+                <a:latin typeface="Consolas" panose="020B0609020204030204" pitchFamily="49" charset="0"/>
+              </a:rPr>
+              <a:t>Provider</a:t>
+            </a:r>
+            <a:r>
+              <a:rPr lang="en-US" sz="1600" dirty="0">
+                <a:solidFill>
+                  <a:srgbClr val="D4D4D4"/>
+                </a:solidFill>
+                <a:latin typeface="Consolas" panose="020B0609020204030204" pitchFamily="49" charset="0"/>
+              </a:rPr>
+              <a:t> } </a:t>
+            </a:r>
+            <a:r>
+              <a:rPr lang="en-US" sz="1600" dirty="0">
+                <a:solidFill>
+                  <a:srgbClr val="C586C0"/>
+                </a:solidFill>
+                <a:latin typeface="Consolas" panose="020B0609020204030204" pitchFamily="49" charset="0"/>
+              </a:rPr>
+              <a:t>from</a:t>
+            </a:r>
+            <a:r>
+              <a:rPr lang="en-US" sz="1600" dirty="0">
+                <a:solidFill>
+                  <a:srgbClr val="D4D4D4"/>
+                </a:solidFill>
+                <a:latin typeface="Consolas" panose="020B0609020204030204" pitchFamily="49" charset="0"/>
+              </a:rPr>
+              <a:t> </a:t>
+            </a:r>
+            <a:r>
+              <a:rPr lang="en-US" sz="1600" dirty="0">
+                <a:solidFill>
+                  <a:srgbClr val="CE9178"/>
+                </a:solidFill>
+                <a:latin typeface="Consolas" panose="020B0609020204030204" pitchFamily="49" charset="0"/>
+              </a:rPr>
+              <a:t>"react-redux"</a:t>
+            </a:r>
+            <a:r>
+              <a:rPr lang="en-US" sz="1600" dirty="0">
+                <a:solidFill>
+                  <a:srgbClr val="D4D4D4"/>
+                </a:solidFill>
+                <a:latin typeface="Consolas" panose="020B0609020204030204" pitchFamily="49" charset="0"/>
+              </a:rPr>
+              <a:t>;</a:t>
+            </a:r>
+          </a:p>
+          <a:p>
+            <a:r>
+              <a:rPr lang="en-US" sz="1600" dirty="0">
+                <a:solidFill>
+                  <a:srgbClr val="C586C0"/>
+                </a:solidFill>
+                <a:latin typeface="Consolas" panose="020B0609020204030204" pitchFamily="49" charset="0"/>
+              </a:rPr>
+              <a:t>import</a:t>
+            </a:r>
+            <a:r>
+              <a:rPr lang="en-US" sz="1600" dirty="0">
+                <a:solidFill>
+                  <a:srgbClr val="D4D4D4"/>
+                </a:solidFill>
+                <a:latin typeface="Consolas" panose="020B0609020204030204" pitchFamily="49" charset="0"/>
+              </a:rPr>
+              <a:t> </a:t>
+            </a:r>
+            <a:r>
+              <a:rPr lang="en-US" sz="1600" dirty="0">
+                <a:solidFill>
+                  <a:srgbClr val="569CD6"/>
+                </a:solidFill>
+                <a:latin typeface="Consolas" panose="020B0609020204030204" pitchFamily="49" charset="0"/>
+              </a:rPr>
+              <a:t>*</a:t>
+            </a:r>
+            <a:r>
+              <a:rPr lang="en-US" sz="1600" dirty="0">
+                <a:solidFill>
+                  <a:srgbClr val="D4D4D4"/>
+                </a:solidFill>
+                <a:latin typeface="Consolas" panose="020B0609020204030204" pitchFamily="49" charset="0"/>
+              </a:rPr>
+              <a:t> </a:t>
+            </a:r>
+            <a:r>
+              <a:rPr lang="en-US" sz="1600" dirty="0">
+                <a:solidFill>
+                  <a:srgbClr val="C586C0"/>
+                </a:solidFill>
+                <a:latin typeface="Consolas" panose="020B0609020204030204" pitchFamily="49" charset="0"/>
+              </a:rPr>
+              <a:t>as</a:t>
+            </a:r>
+            <a:r>
+              <a:rPr lang="en-US" sz="1600" dirty="0">
+                <a:solidFill>
+                  <a:srgbClr val="D4D4D4"/>
+                </a:solidFill>
+                <a:latin typeface="Consolas" panose="020B0609020204030204" pitchFamily="49" charset="0"/>
+              </a:rPr>
+              <a:t> </a:t>
+            </a:r>
+            <a:r>
+              <a:rPr lang="en-US" sz="1600" dirty="0">
+                <a:solidFill>
+                  <a:srgbClr val="9CDCFE"/>
+                </a:solidFill>
+                <a:latin typeface="Consolas" panose="020B0609020204030204" pitchFamily="49" charset="0"/>
+              </a:rPr>
+              <a:t>models</a:t>
+            </a:r>
+            <a:r>
+              <a:rPr lang="en-US" sz="1600" dirty="0">
+                <a:solidFill>
+                  <a:srgbClr val="D4D4D4"/>
+                </a:solidFill>
+                <a:latin typeface="Consolas" panose="020B0609020204030204" pitchFamily="49" charset="0"/>
+              </a:rPr>
+              <a:t> </a:t>
+            </a:r>
+            <a:r>
+              <a:rPr lang="en-US" sz="1600" dirty="0">
+                <a:solidFill>
+                  <a:srgbClr val="C586C0"/>
+                </a:solidFill>
+                <a:latin typeface="Consolas" panose="020B0609020204030204" pitchFamily="49" charset="0"/>
+              </a:rPr>
+              <a:t>from</a:t>
+            </a:r>
+            <a:r>
+              <a:rPr lang="en-US" sz="1600" dirty="0">
+                <a:solidFill>
+                  <a:srgbClr val="D4D4D4"/>
+                </a:solidFill>
+                <a:latin typeface="Consolas" panose="020B0609020204030204" pitchFamily="49" charset="0"/>
+              </a:rPr>
+              <a:t> </a:t>
+            </a:r>
+            <a:r>
+              <a:rPr lang="en-US" sz="1600" dirty="0">
+                <a:solidFill>
+                  <a:srgbClr val="CE9178"/>
+                </a:solidFill>
+                <a:latin typeface="Consolas" panose="020B0609020204030204" pitchFamily="49" charset="0"/>
+              </a:rPr>
+              <a:t>'./models'</a:t>
+            </a:r>
+            <a:r>
+              <a:rPr lang="en-US" sz="1600" dirty="0">
+                <a:solidFill>
+                  <a:srgbClr val="D4D4D4"/>
+                </a:solidFill>
+                <a:latin typeface="Consolas" panose="020B0609020204030204" pitchFamily="49" charset="0"/>
+              </a:rPr>
+              <a:t>;</a:t>
+            </a:r>
+          </a:p>
+          <a:p>
+            <a:br>
+              <a:rPr lang="en-US" sz="1600" dirty="0">
+                <a:solidFill>
+                  <a:srgbClr val="D4D4D4"/>
+                </a:solidFill>
+                <a:latin typeface="Consolas" panose="020B0609020204030204" pitchFamily="49" charset="0"/>
+              </a:rPr>
+            </a:br>
+            <a:r>
+              <a:rPr lang="en-US" sz="1600" dirty="0">
+                <a:solidFill>
+                  <a:srgbClr val="6A9955"/>
+                </a:solidFill>
+                <a:latin typeface="Consolas" panose="020B0609020204030204" pitchFamily="49" charset="0"/>
+              </a:rPr>
+              <a:t>// generate Redux store</a:t>
             </a:r>
             <a:endParaRPr lang="en-US" sz="1600" dirty="0">
               <a:solidFill>
-                <a:srgbClr val="C586C0"/>
+                <a:srgbClr val="D4D4D4"/>
               </a:solidFill>
               <a:latin typeface="Consolas" panose="020B0609020204030204" pitchFamily="49" charset="0"/>
             </a:endParaRPr>
@@ -6720,11 +8311,11 @@
             <a:r>
               <a:rPr lang="en-US" sz="1600" dirty="0">
                 <a:solidFill>
-                  <a:srgbClr val="C586C0"/>
-                </a:solidFill>
-                <a:latin typeface="Consolas" panose="020B0609020204030204" pitchFamily="49" charset="0"/>
-              </a:rPr>
-              <a:t>export</a:t>
+                  <a:srgbClr val="569CD6"/>
+                </a:solidFill>
+                <a:latin typeface="Consolas" panose="020B0609020204030204" pitchFamily="49" charset="0"/>
+              </a:rPr>
+              <a:t>const</a:t>
             </a:r>
             <a:r>
               <a:rPr lang="en-US" sz="1600" dirty="0">
@@ -6738,11 +8329,216 @@
             <a:r>
               <a:rPr lang="en-US" sz="1600" dirty="0">
                 <a:solidFill>
+                  <a:srgbClr val="9CDCFE"/>
+                </a:solidFill>
+                <a:latin typeface="Consolas" panose="020B0609020204030204" pitchFamily="49" charset="0"/>
+              </a:rPr>
+              <a:t>store</a:t>
+            </a:r>
+            <a:r>
+              <a:rPr lang="en-US" sz="1600" dirty="0">
+                <a:solidFill>
+                  <a:srgbClr val="D4D4D4"/>
+                </a:solidFill>
+                <a:latin typeface="Consolas" panose="020B0609020204030204" pitchFamily="49" charset="0"/>
+              </a:rPr>
+              <a:t> = </a:t>
+            </a:r>
+            <a:r>
+              <a:rPr lang="en-US" sz="1600" dirty="0" err="1">
+                <a:solidFill>
+                  <a:srgbClr val="DCDCAA"/>
+                </a:solidFill>
+                <a:latin typeface="Consolas" panose="020B0609020204030204" pitchFamily="49" charset="0"/>
+              </a:rPr>
+              <a:t>init</a:t>
+            </a:r>
+            <a:r>
+              <a:rPr lang="en-US" sz="1600" dirty="0">
+                <a:solidFill>
+                  <a:srgbClr val="D4D4D4"/>
+                </a:solidFill>
+                <a:latin typeface="Consolas" panose="020B0609020204030204" pitchFamily="49" charset="0"/>
+              </a:rPr>
+              <a:t>({</a:t>
+            </a:r>
+          </a:p>
+          <a:p>
+            <a:r>
+              <a:rPr lang="en-US" sz="1600" dirty="0">
+                <a:solidFill>
+                  <a:srgbClr val="9CDCFE"/>
+                </a:solidFill>
+                <a:latin typeface="Consolas" panose="020B0609020204030204" pitchFamily="49" charset="0"/>
+              </a:rPr>
+              <a:t>  models</a:t>
+            </a:r>
+            <a:r>
+              <a:rPr lang="en-US" sz="1600" dirty="0">
+                <a:solidFill>
+                  <a:srgbClr val="D4D4D4"/>
+                </a:solidFill>
+                <a:latin typeface="Consolas" panose="020B0609020204030204" pitchFamily="49" charset="0"/>
+              </a:rPr>
+              <a:t>,</a:t>
+            </a:r>
+          </a:p>
+          <a:p>
+            <a:r>
+              <a:rPr lang="en-US" sz="1600" dirty="0">
+                <a:solidFill>
+                  <a:srgbClr val="D4D4D4"/>
+                </a:solidFill>
+                <a:latin typeface="Consolas" panose="020B0609020204030204" pitchFamily="49" charset="0"/>
+              </a:rPr>
+              <a:t>});</a:t>
+            </a:r>
+          </a:p>
+          <a:p>
+            <a:br>
+              <a:rPr lang="en-US" sz="1600" dirty="0">
+                <a:solidFill>
+                  <a:srgbClr val="D4D4D4"/>
+                </a:solidFill>
+                <a:latin typeface="Consolas" panose="020B0609020204030204" pitchFamily="49" charset="0"/>
+              </a:rPr>
+            </a:br>
+            <a:r>
+              <a:rPr lang="en-US" sz="1600" dirty="0" err="1">
+                <a:solidFill>
+                  <a:srgbClr val="9CDCFE"/>
+                </a:solidFill>
+                <a:latin typeface="Consolas" panose="020B0609020204030204" pitchFamily="49" charset="0"/>
+              </a:rPr>
+              <a:t>ReactDOM</a:t>
+            </a:r>
+            <a:r>
+              <a:rPr lang="en-US" sz="1600" dirty="0" err="1">
+                <a:solidFill>
+                  <a:srgbClr val="D4D4D4"/>
+                </a:solidFill>
+                <a:latin typeface="Consolas" panose="020B0609020204030204" pitchFamily="49" charset="0"/>
+              </a:rPr>
+              <a:t>.</a:t>
+            </a:r>
+            <a:r>
+              <a:rPr lang="en-US" sz="1600" dirty="0" err="1">
+                <a:solidFill>
+                  <a:srgbClr val="DCDCAA"/>
+                </a:solidFill>
+                <a:latin typeface="Consolas" panose="020B0609020204030204" pitchFamily="49" charset="0"/>
+              </a:rPr>
+              <a:t>render</a:t>
+            </a:r>
+            <a:r>
+              <a:rPr lang="en-US" sz="1600" dirty="0">
+                <a:solidFill>
+                  <a:srgbClr val="D4D4D4"/>
+                </a:solidFill>
+                <a:latin typeface="Consolas" panose="020B0609020204030204" pitchFamily="49" charset="0"/>
+              </a:rPr>
+              <a:t>(</a:t>
+            </a:r>
+          </a:p>
+          <a:p>
+            <a:r>
+              <a:rPr lang="en-US" sz="1600" dirty="0">
+                <a:solidFill>
+                  <a:srgbClr val="D4D4D4"/>
+                </a:solidFill>
+                <a:latin typeface="Consolas" panose="020B0609020204030204" pitchFamily="49" charset="0"/>
+              </a:rPr>
+              <a:t>  </a:t>
+            </a:r>
+            <a:r>
+              <a:rPr lang="en-US" sz="1600" dirty="0">
+                <a:solidFill>
+                  <a:srgbClr val="808080"/>
+                </a:solidFill>
+                <a:latin typeface="Consolas" panose="020B0609020204030204" pitchFamily="49" charset="0"/>
+              </a:rPr>
+              <a:t>&lt;</a:t>
+            </a:r>
+            <a:r>
+              <a:rPr lang="en-US" sz="1600" dirty="0">
+                <a:solidFill>
+                  <a:srgbClr val="4EC9B0"/>
+                </a:solidFill>
+                <a:latin typeface="Consolas" panose="020B0609020204030204" pitchFamily="49" charset="0"/>
+              </a:rPr>
+              <a:t>Provider</a:t>
+            </a:r>
+            <a:r>
+              <a:rPr lang="en-US" sz="1600" dirty="0">
+                <a:solidFill>
+                  <a:srgbClr val="D4D4D4"/>
+                </a:solidFill>
+                <a:latin typeface="Consolas" panose="020B0609020204030204" pitchFamily="49" charset="0"/>
+              </a:rPr>
+              <a:t> </a:t>
+            </a:r>
+            <a:r>
+              <a:rPr lang="en-US" sz="1600" dirty="0">
+                <a:solidFill>
+                  <a:srgbClr val="9CDCFE"/>
+                </a:solidFill>
+                <a:latin typeface="Consolas" panose="020B0609020204030204" pitchFamily="49" charset="0"/>
+              </a:rPr>
+              <a:t>store</a:t>
+            </a:r>
+            <a:r>
+              <a:rPr lang="en-US" sz="1600" dirty="0">
+                <a:solidFill>
+                  <a:srgbClr val="D4D4D4"/>
+                </a:solidFill>
+                <a:latin typeface="Consolas" panose="020B0609020204030204" pitchFamily="49" charset="0"/>
+              </a:rPr>
+              <a:t>=</a:t>
+            </a:r>
+            <a:r>
+              <a:rPr lang="en-US" sz="1600" dirty="0">
+                <a:solidFill>
                   <a:srgbClr val="569CD6"/>
                 </a:solidFill>
                 <a:latin typeface="Consolas" panose="020B0609020204030204" pitchFamily="49" charset="0"/>
               </a:rPr>
-              <a:t>const</a:t>
+              <a:t>{</a:t>
+            </a:r>
+            <a:r>
+              <a:rPr lang="en-US" sz="1600" dirty="0">
+                <a:solidFill>
+                  <a:srgbClr val="9CDCFE"/>
+                </a:solidFill>
+                <a:latin typeface="Consolas" panose="020B0609020204030204" pitchFamily="49" charset="0"/>
+              </a:rPr>
+              <a:t>store</a:t>
+            </a:r>
+            <a:r>
+              <a:rPr lang="en-US" sz="1600" dirty="0">
+                <a:solidFill>
+                  <a:srgbClr val="569CD6"/>
+                </a:solidFill>
+                <a:latin typeface="Consolas" panose="020B0609020204030204" pitchFamily="49" charset="0"/>
+              </a:rPr>
+              <a:t>}</a:t>
+            </a:r>
+            <a:r>
+              <a:rPr lang="en-US" sz="1600" dirty="0">
+                <a:solidFill>
+                  <a:srgbClr val="808080"/>
+                </a:solidFill>
+                <a:latin typeface="Consolas" panose="020B0609020204030204" pitchFamily="49" charset="0"/>
+              </a:rPr>
+              <a:t>&gt;&lt;</a:t>
+            </a:r>
+            <a:r>
+              <a:rPr lang="en-US" sz="1600" dirty="0">
+                <a:solidFill>
+                  <a:srgbClr val="4EC9B0"/>
+                </a:solidFill>
+                <a:latin typeface="Consolas" panose="020B0609020204030204" pitchFamily="49" charset="0"/>
+              </a:rPr>
+              <a:t>App</a:t>
             </a:r>
             <a:r>
               <a:rPr lang="en-US" sz="1600" dirty="0">
@@ -6754,33 +8550,78 @@
               <a:t> </a:t>
             </a:r>
             <a:r>
+              <a:rPr lang="en-US" sz="1600" dirty="0">
+                <a:solidFill>
+                  <a:srgbClr val="808080"/>
+                </a:solidFill>
+                <a:latin typeface="Consolas" panose="020B0609020204030204" pitchFamily="49" charset="0"/>
+              </a:rPr>
+              <a:t>/&gt;&lt;/</a:t>
+            </a:r>
+            <a:r>
+              <a:rPr lang="en-US" sz="1600" dirty="0">
+                <a:solidFill>
+                  <a:srgbClr val="4EC9B0"/>
+                </a:solidFill>
+                <a:latin typeface="Consolas" panose="020B0609020204030204" pitchFamily="49" charset="0"/>
+              </a:rPr>
+              <a:t>Provider</a:t>
+            </a:r>
+            <a:r>
+              <a:rPr lang="en-US" sz="1600" dirty="0">
+                <a:solidFill>
+                  <a:srgbClr val="808080"/>
+                </a:solidFill>
+                <a:latin typeface="Consolas" panose="020B0609020204030204" pitchFamily="49" charset="0"/>
+              </a:rPr>
+              <a:t>&gt;</a:t>
+            </a:r>
+            <a:r>
+              <a:rPr lang="en-US" sz="1600" dirty="0">
+                <a:solidFill>
+                  <a:srgbClr val="D4D4D4"/>
+                </a:solidFill>
+                <a:latin typeface="Consolas" panose="020B0609020204030204" pitchFamily="49" charset="0"/>
+              </a:rPr>
+              <a:t>,</a:t>
+            </a:r>
+          </a:p>
+          <a:p>
+            <a:r>
+              <a:rPr lang="en-US" sz="1600" dirty="0">
+                <a:solidFill>
+                  <a:srgbClr val="D4D4D4"/>
+                </a:solidFill>
+                <a:latin typeface="Consolas" panose="020B0609020204030204" pitchFamily="49" charset="0"/>
+              </a:rPr>
+              <a:t>  </a:t>
+            </a:r>
+            <a:r>
               <a:rPr lang="en-US" sz="1600" dirty="0" err="1">
                 <a:solidFill>
                   <a:srgbClr val="9CDCFE"/>
                 </a:solidFill>
                 <a:latin typeface="Consolas" panose="020B0609020204030204" pitchFamily="49" charset="0"/>
               </a:rPr>
-              <a:t>user_token</a:t>
-            </a:r>
-            <a:r>
-              <a:rPr lang="en-US" sz="1600" dirty="0">
+              <a:t>document</a:t>
+            </a:r>
+            <a:r>
+              <a:rPr lang="en-US" sz="1600" dirty="0" err="1">
                 <a:solidFill>
                   <a:srgbClr val="D4D4D4"/>
                 </a:solidFill>
                 <a:latin typeface="Consolas" panose="020B0609020204030204" pitchFamily="49" charset="0"/>
               </a:rPr>
-              <a:t> = {</a:t>
-            </a:r>
-          </a:p>
-          <a:p>
-            <a:r>
-              <a:rPr lang="en-US" sz="1600" dirty="0">
-                <a:solidFill>
-                  <a:srgbClr val="9CDCFE"/>
-                </a:solidFill>
-                <a:latin typeface="Consolas" panose="020B0609020204030204" pitchFamily="49" charset="0"/>
-              </a:rPr>
-              <a:t>  state:</a:t>
+              <a:t>.</a:t>
+            </a:r>
+            <a:r>
+              <a:rPr lang="en-US" sz="1600" dirty="0" err="1">
+                <a:solidFill>
+                  <a:srgbClr val="DCDCAA"/>
+                </a:solidFill>
+                <a:latin typeface="Consolas" panose="020B0609020204030204" pitchFamily="49" charset="0"/>
+              </a:rPr>
+              <a:t>getElementById</a:t>
             </a:r>
             <a:r>
               <a:rPr lang="en-US" sz="1600" dirty="0">
@@ -6789,16 +8630,16 @@
                 </a:solidFill>
                 <a:latin typeface="Consolas" panose="020B0609020204030204" pitchFamily="49" charset="0"/>
               </a:rPr>
-              <a:t> </a:t>
-            </a:r>
-            <a:r>
-              <a:rPr lang="en-US" sz="1600" dirty="0">
-                <a:solidFill>
-                  <a:srgbClr val="569CD6"/>
-                </a:solidFill>
-                <a:latin typeface="Consolas" panose="020B0609020204030204" pitchFamily="49" charset="0"/>
-              </a:rPr>
-              <a:t>null</a:t>
+              <a:t>(</a:t>
+            </a:r>
+            <a:r>
+              <a:rPr lang="en-US" sz="1600" dirty="0">
+                <a:solidFill>
+                  <a:srgbClr val="CE9178"/>
+                </a:solidFill>
+                <a:latin typeface="Consolas" panose="020B0609020204030204" pitchFamily="49" charset="0"/>
+              </a:rPr>
+              <a:t>'root'</a:t>
             </a:r>
             <a:r>
               <a:rPr lang="en-US" sz="1600" dirty="0">
@@ -6807,19 +8648,10 @@
                 </a:solidFill>
                 <a:latin typeface="Consolas" panose="020B0609020204030204" pitchFamily="49" charset="0"/>
               </a:rPr>
-              <a:t>,</a:t>
-            </a:r>
-          </a:p>
-          <a:p>
-            <a:r>
-              <a:rPr lang="en-US" sz="1600" dirty="0">
-                <a:solidFill>
-                  <a:srgbClr val="9CDCFE"/>
-                </a:solidFill>
-                <a:latin typeface="Consolas" panose="020B0609020204030204" pitchFamily="49" charset="0"/>
-              </a:rPr>
-              <a:t>  reducers:</a:t>
-            </a:r>
+              <a:t>)</a:t>
+            </a:r>
+          </a:p>
+          <a:p>
             <a:r>
               <a:rPr lang="en-US" sz="1600" dirty="0">
                 <a:solidFill>
@@ -6827,498 +8659,22 @@
                 </a:solidFill>
                 <a:latin typeface="Consolas" panose="020B0609020204030204" pitchFamily="49" charset="0"/>
               </a:rPr>
-              <a:t> {</a:t>
-            </a:r>
-          </a:p>
-          <a:p>
-            <a:r>
-              <a:rPr lang="en-US" sz="1600" dirty="0">
-                <a:solidFill>
-                  <a:srgbClr val="DCDCAA"/>
-                </a:solidFill>
-                <a:latin typeface="Consolas" panose="020B0609020204030204" pitchFamily="49" charset="0"/>
-              </a:rPr>
-              <a:t>    set</a:t>
-            </a:r>
-            <a:r>
-              <a:rPr lang="en-US" sz="1600" dirty="0">
-                <a:solidFill>
-                  <a:srgbClr val="D4D4D4"/>
-                </a:solidFill>
-                <a:latin typeface="Consolas" panose="020B0609020204030204" pitchFamily="49" charset="0"/>
-              </a:rPr>
-              <a:t>(</a:t>
-            </a:r>
-            <a:r>
-              <a:rPr lang="en-US" sz="1600" dirty="0">
-                <a:solidFill>
-                  <a:srgbClr val="9CDCFE"/>
-                </a:solidFill>
-                <a:latin typeface="Consolas" panose="020B0609020204030204" pitchFamily="49" charset="0"/>
-              </a:rPr>
-              <a:t>state</a:t>
-            </a:r>
-            <a:r>
-              <a:rPr lang="en-US" sz="1600" dirty="0">
-                <a:solidFill>
-                  <a:srgbClr val="D4D4D4"/>
-                </a:solidFill>
-                <a:latin typeface="Consolas" panose="020B0609020204030204" pitchFamily="49" charset="0"/>
-              </a:rPr>
-              <a:t>, </a:t>
-            </a:r>
-            <a:r>
-              <a:rPr lang="en-US" sz="1600" dirty="0">
-                <a:solidFill>
-                  <a:srgbClr val="9CDCFE"/>
-                </a:solidFill>
-                <a:latin typeface="Consolas" panose="020B0609020204030204" pitchFamily="49" charset="0"/>
-              </a:rPr>
-              <a:t>payload</a:t>
-            </a:r>
-            <a:r>
-              <a:rPr lang="en-US" sz="1600" dirty="0">
-                <a:solidFill>
-                  <a:srgbClr val="D4D4D4"/>
-                </a:solidFill>
-                <a:latin typeface="Consolas" panose="020B0609020204030204" pitchFamily="49" charset="0"/>
-              </a:rPr>
-              <a:t>) {</a:t>
-            </a:r>
-          </a:p>
-          <a:p>
-            <a:r>
-              <a:rPr lang="en-US" sz="1600" dirty="0">
-                <a:solidFill>
-                  <a:srgbClr val="C586C0"/>
-                </a:solidFill>
-                <a:latin typeface="Consolas" panose="020B0609020204030204" pitchFamily="49" charset="0"/>
-              </a:rPr>
-              <a:t>      return</a:t>
-            </a:r>
-            <a:r>
-              <a:rPr lang="en-US" sz="1600" dirty="0">
-                <a:solidFill>
-                  <a:srgbClr val="D4D4D4"/>
-                </a:solidFill>
-                <a:latin typeface="Consolas" panose="020B0609020204030204" pitchFamily="49" charset="0"/>
-              </a:rPr>
-              <a:t> </a:t>
-            </a:r>
-            <a:r>
-              <a:rPr lang="en-US" sz="1600" dirty="0">
-                <a:solidFill>
-                  <a:srgbClr val="9CDCFE"/>
-                </a:solidFill>
-                <a:latin typeface="Consolas" panose="020B0609020204030204" pitchFamily="49" charset="0"/>
-              </a:rPr>
-              <a:t>payload</a:t>
-            </a:r>
-            <a:r>
-              <a:rPr lang="en-US" sz="1600" dirty="0">
-                <a:solidFill>
-                  <a:srgbClr val="D4D4D4"/>
-                </a:solidFill>
-                <a:latin typeface="Consolas" panose="020B0609020204030204" pitchFamily="49" charset="0"/>
-              </a:rPr>
-              <a:t>;</a:t>
-            </a:r>
-          </a:p>
-          <a:p>
-            <a:r>
-              <a:rPr lang="en-US" sz="1600" dirty="0">
-                <a:solidFill>
-                  <a:srgbClr val="D4D4D4"/>
-                </a:solidFill>
-                <a:latin typeface="Consolas" panose="020B0609020204030204" pitchFamily="49" charset="0"/>
-              </a:rPr>
-              <a:t>  }</a:t>
-            </a:r>
-          </a:p>
-          <a:p>
-            <a:r>
-              <a:rPr lang="en-US" sz="1600" dirty="0">
-                <a:solidFill>
-                  <a:srgbClr val="D4D4D4"/>
-                </a:solidFill>
-                <a:latin typeface="Consolas" panose="020B0609020204030204" pitchFamily="49" charset="0"/>
-              </a:rPr>
-              <a:t>},</a:t>
-            </a:r>
-          </a:p>
-        </p:txBody>
-      </p:sp>
-      <p:sp>
-        <p:nvSpPr>
-          <p:cNvPr id="9" name="矩形 8">
-            <a:extLst>
-              <a:ext uri="{FF2B5EF4-FFF2-40B4-BE49-F238E27FC236}">
-                <a16:creationId xmlns:a16="http://schemas.microsoft.com/office/drawing/2014/main" id="{BCE22B8E-F1DA-43FD-8978-B2F593528294}"/>
-              </a:ext>
-            </a:extLst>
-          </p:cNvPr>
-          <p:cNvSpPr/>
-          <p:nvPr/>
-        </p:nvSpPr>
-        <p:spPr>
-          <a:xfrm>
-            <a:off x="2832809" y="4235118"/>
-            <a:ext cx="7003840" cy="369332"/>
-          </a:xfrm>
-          <a:prstGeom prst="rect">
-            <a:avLst/>
-          </a:prstGeom>
-        </p:spPr>
-        <p:txBody>
-          <a:bodyPr wrap="none">
-            <a:spAutoFit/>
-          </a:bodyPr>
-          <a:lstStyle/>
-          <a:p>
-            <a:r>
-              <a:rPr lang="en-US" altLang="zh-CN" dirty="0">
-                <a:solidFill>
-                  <a:schemeClr val="bg1"/>
-                </a:solidFill>
-              </a:rPr>
-              <a:t>state</a:t>
-            </a:r>
-            <a:r>
-              <a:rPr lang="zh-CN" altLang="en-US" dirty="0">
-                <a:solidFill>
-                  <a:schemeClr val="bg1"/>
-                </a:solidFill>
-              </a:rPr>
-              <a:t>的值是当前</a:t>
-            </a:r>
-            <a:r>
-              <a:rPr lang="en-US" altLang="zh-CN" dirty="0">
-                <a:solidFill>
-                  <a:schemeClr val="bg1"/>
-                </a:solidFill>
-              </a:rPr>
-              <a:t>redux store</a:t>
-            </a:r>
-            <a:r>
-              <a:rPr lang="zh-CN" altLang="en-US" dirty="0">
-                <a:solidFill>
-                  <a:schemeClr val="bg1"/>
-                </a:solidFill>
-              </a:rPr>
-              <a:t>中</a:t>
-            </a:r>
-            <a:r>
-              <a:rPr lang="en-US" altLang="zh-CN" dirty="0" err="1">
-                <a:solidFill>
-                  <a:schemeClr val="bg1"/>
-                </a:solidFill>
-              </a:rPr>
-              <a:t>user_token</a:t>
-            </a:r>
-            <a:r>
-              <a:rPr lang="zh-CN" altLang="en-US" dirty="0">
-                <a:solidFill>
-                  <a:schemeClr val="bg1"/>
-                </a:solidFill>
-              </a:rPr>
-              <a:t>的值，由</a:t>
-            </a:r>
-            <a:r>
-              <a:rPr lang="en-US" altLang="zh-CN" dirty="0">
-                <a:solidFill>
-                  <a:schemeClr val="bg1"/>
-                </a:solidFill>
-              </a:rPr>
-              <a:t>rematch</a:t>
-            </a:r>
-            <a:r>
-              <a:rPr lang="zh-CN" altLang="en-US" dirty="0">
-                <a:solidFill>
-                  <a:schemeClr val="bg1"/>
-                </a:solidFill>
-              </a:rPr>
-              <a:t>自动填充</a:t>
-            </a:r>
-            <a:endParaRPr lang="en-US" dirty="0">
+              <a:t>);</a:t>
+            </a:r>
+            <a:endParaRPr lang="en-US" sz="1600" b="0" dirty="0">
               <a:solidFill>
-                <a:schemeClr val="bg1"/>
-              </a:solidFill>
-            </a:endParaRPr>
-          </a:p>
-        </p:txBody>
-      </p:sp>
-      <p:sp>
-        <p:nvSpPr>
-          <p:cNvPr id="13" name="Rectangle 3">
-            <a:extLst>
-              <a:ext uri="{FF2B5EF4-FFF2-40B4-BE49-F238E27FC236}">
-                <a16:creationId xmlns:a16="http://schemas.microsoft.com/office/drawing/2014/main" id="{9E5DE49E-6804-45C4-8726-9FBF345765F3}"/>
-              </a:ext>
-            </a:extLst>
-          </p:cNvPr>
-          <p:cNvSpPr/>
-          <p:nvPr/>
-        </p:nvSpPr>
-        <p:spPr>
-          <a:xfrm rot="10800000">
-            <a:off x="2787090" y="4191184"/>
-            <a:ext cx="45719" cy="457200"/>
-          </a:xfrm>
-          <a:prstGeom prst="rect">
-            <a:avLst/>
-          </a:prstGeom>
-          <a:solidFill>
-            <a:srgbClr val="FFA400"/>
-          </a:solidFill>
-          <a:ln>
-            <a:noFill/>
-          </a:ln>
-        </p:spPr>
-        <p:style>
-          <a:lnRef idx="2">
-            <a:schemeClr val="accent1">
-              <a:shade val="50000"/>
-            </a:schemeClr>
-          </a:lnRef>
-          <a:fillRef idx="1">
-            <a:schemeClr val="accent1"/>
-          </a:fillRef>
-          <a:effectRef idx="0">
-            <a:schemeClr val="accent1"/>
-          </a:effectRef>
-          <a:fontRef idx="minor">
-            <a:schemeClr val="lt1"/>
-          </a:fontRef>
-        </p:style>
-        <p:txBody>
-          <a:bodyPr rtlCol="0" anchor="ctr"/>
-          <a:lstStyle/>
-          <a:p>
-            <a:pPr marL="0" marR="0" lvl="0" indent="0" algn="ctr" defTabSz="914400" rtl="0" eaLnBrk="1" fontAlgn="auto" latinLnBrk="0" hangingPunct="1">
-              <a:lnSpc>
-                <a:spcPct val="100000"/>
-              </a:lnSpc>
-              <a:spcBef>
-                <a:spcPts val="0"/>
-              </a:spcBef>
-              <a:spcAft>
-                <a:spcPts val="0"/>
-              </a:spcAft>
-              <a:buClrTx/>
-              <a:buSzTx/>
-              <a:buFontTx/>
-              <a:buNone/>
-              <a:tabLst/>
-              <a:defRPr/>
-            </a:pPr>
-            <a:endParaRPr kumimoji="0" lang="en-US" sz="1800" b="0" i="0" u="none" strike="noStrike" kern="1200" cap="none" spc="0" normalizeH="0" baseline="0" noProof="0">
-              <a:ln>
-                <a:noFill/>
-              </a:ln>
-              <a:solidFill>
-                <a:prstClr val="white"/>
+                <a:srgbClr val="D4D4D4"/>
               </a:solidFill>
               <a:effectLst/>
-              <a:uLnTx/>
-              <a:uFillTx/>
-              <a:latin typeface="Calibri" panose="020F0502020204030204"/>
-              <a:ea typeface="+mn-ea"/>
-              <a:cs typeface="+mn-cs"/>
+              <a:latin typeface="Consolas" panose="020B0609020204030204" pitchFamily="49" charset="0"/>
             </a:endParaRPr>
-          </a:p>
-        </p:txBody>
-      </p:sp>
-      <p:sp>
-        <p:nvSpPr>
-          <p:cNvPr id="14" name="矩形 13">
-            <a:extLst>
-              <a:ext uri="{FF2B5EF4-FFF2-40B4-BE49-F238E27FC236}">
-                <a16:creationId xmlns:a16="http://schemas.microsoft.com/office/drawing/2014/main" id="{A229A1CC-617F-4EAE-9844-21C532C2A229}"/>
-              </a:ext>
-            </a:extLst>
-          </p:cNvPr>
-          <p:cNvSpPr/>
-          <p:nvPr/>
-        </p:nvSpPr>
-        <p:spPr>
-          <a:xfrm>
-            <a:off x="2832809" y="4780472"/>
-            <a:ext cx="5808706" cy="369332"/>
-          </a:xfrm>
-          <a:prstGeom prst="rect">
-            <a:avLst/>
-          </a:prstGeom>
-        </p:spPr>
-        <p:txBody>
-          <a:bodyPr wrap="none">
-            <a:spAutoFit/>
-          </a:bodyPr>
-          <a:lstStyle/>
-          <a:p>
-            <a:r>
-              <a:rPr lang="en-US" altLang="zh-CN" dirty="0">
-                <a:solidFill>
-                  <a:schemeClr val="bg1"/>
-                </a:solidFill>
-              </a:rPr>
-              <a:t>payload</a:t>
-            </a:r>
-            <a:r>
-              <a:rPr lang="zh-CN" altLang="en-US" dirty="0">
-                <a:solidFill>
-                  <a:schemeClr val="bg1"/>
-                </a:solidFill>
-              </a:rPr>
-              <a:t>的值是程序员调用这个</a:t>
-            </a:r>
-            <a:r>
-              <a:rPr lang="en-US" altLang="zh-CN" dirty="0">
-                <a:solidFill>
-                  <a:schemeClr val="bg1"/>
-                </a:solidFill>
-              </a:rPr>
-              <a:t>reducer</a:t>
-            </a:r>
-            <a:r>
-              <a:rPr lang="zh-CN" altLang="en-US" dirty="0">
-                <a:solidFill>
-                  <a:schemeClr val="bg1"/>
-                </a:solidFill>
-              </a:rPr>
-              <a:t>时，自己填充的值</a:t>
-            </a:r>
-            <a:endParaRPr lang="en-US" dirty="0">
-              <a:solidFill>
-                <a:schemeClr val="bg1"/>
-              </a:solidFill>
-            </a:endParaRPr>
-          </a:p>
-        </p:txBody>
-      </p:sp>
-      <p:sp>
-        <p:nvSpPr>
-          <p:cNvPr id="15" name="Rectangle 3">
-            <a:extLst>
-              <a:ext uri="{FF2B5EF4-FFF2-40B4-BE49-F238E27FC236}">
-                <a16:creationId xmlns:a16="http://schemas.microsoft.com/office/drawing/2014/main" id="{6BD9C473-75DA-4585-BB98-C08665EADF12}"/>
-              </a:ext>
-            </a:extLst>
-          </p:cNvPr>
-          <p:cNvSpPr/>
-          <p:nvPr/>
-        </p:nvSpPr>
-        <p:spPr>
-          <a:xfrm rot="10800000">
-            <a:off x="2787090" y="4736538"/>
-            <a:ext cx="45719" cy="457200"/>
-          </a:xfrm>
-          <a:prstGeom prst="rect">
-            <a:avLst/>
-          </a:prstGeom>
-          <a:solidFill>
-            <a:srgbClr val="FFA400"/>
-          </a:solidFill>
-          <a:ln>
-            <a:noFill/>
-          </a:ln>
-        </p:spPr>
-        <p:style>
-          <a:lnRef idx="2">
-            <a:schemeClr val="accent1">
-              <a:shade val="50000"/>
-            </a:schemeClr>
-          </a:lnRef>
-          <a:fillRef idx="1">
-            <a:schemeClr val="accent1"/>
-          </a:fillRef>
-          <a:effectRef idx="0">
-            <a:schemeClr val="accent1"/>
-          </a:effectRef>
-          <a:fontRef idx="minor">
-            <a:schemeClr val="lt1"/>
-          </a:fontRef>
-        </p:style>
-        <p:txBody>
-          <a:bodyPr rtlCol="0" anchor="ctr"/>
-          <a:lstStyle/>
-          <a:p>
-            <a:pPr marL="0" marR="0" lvl="0" indent="0" algn="ctr" defTabSz="914400" rtl="0" eaLnBrk="1" fontAlgn="auto" latinLnBrk="0" hangingPunct="1">
-              <a:lnSpc>
-                <a:spcPct val="100000"/>
-              </a:lnSpc>
-              <a:spcBef>
-                <a:spcPts val="0"/>
-              </a:spcBef>
-              <a:spcAft>
-                <a:spcPts val="0"/>
-              </a:spcAft>
-              <a:buClrTx/>
-              <a:buSzTx/>
-              <a:buFontTx/>
-              <a:buNone/>
-              <a:tabLst/>
-              <a:defRPr/>
-            </a:pPr>
-            <a:endParaRPr kumimoji="0" lang="en-US" sz="1800" b="0" i="0" u="none" strike="noStrike" kern="1200" cap="none" spc="0" normalizeH="0" baseline="0" noProof="0">
-              <a:ln>
-                <a:noFill/>
-              </a:ln>
-              <a:solidFill>
-                <a:prstClr val="white"/>
-              </a:solidFill>
-              <a:effectLst/>
-              <a:uLnTx/>
-              <a:uFillTx/>
-              <a:latin typeface="Calibri" panose="020F0502020204030204"/>
-              <a:ea typeface="+mn-ea"/>
-              <a:cs typeface="+mn-cs"/>
-            </a:endParaRPr>
-          </a:p>
-        </p:txBody>
-      </p:sp>
-      <p:sp>
-        <p:nvSpPr>
-          <p:cNvPr id="4" name="矩形 3">
-            <a:extLst>
-              <a:ext uri="{FF2B5EF4-FFF2-40B4-BE49-F238E27FC236}">
-                <a16:creationId xmlns:a16="http://schemas.microsoft.com/office/drawing/2014/main" id="{9BCF5D67-81FC-49B7-93DA-6AA27839AB9F}"/>
-              </a:ext>
-            </a:extLst>
-          </p:cNvPr>
-          <p:cNvSpPr/>
-          <p:nvPr/>
-        </p:nvSpPr>
-        <p:spPr>
-          <a:xfrm>
-            <a:off x="2832809" y="3821709"/>
-            <a:ext cx="646331" cy="369332"/>
-          </a:xfrm>
-          <a:prstGeom prst="rect">
-            <a:avLst/>
-          </a:prstGeom>
-        </p:spPr>
-        <p:txBody>
-          <a:bodyPr wrap="none">
-            <a:spAutoFit/>
-          </a:bodyPr>
-          <a:lstStyle/>
-          <a:p>
-            <a:r>
-              <a:rPr lang="zh-CN" altLang="en-US" dirty="0">
-                <a:solidFill>
-                  <a:schemeClr val="bg1"/>
-                </a:solidFill>
-              </a:rPr>
-              <a:t>其中</a:t>
-            </a:r>
-            <a:endParaRPr lang="en-US" dirty="0"/>
           </a:p>
         </p:txBody>
       </p:sp>
     </p:spTree>
     <p:extLst>
       <p:ext uri="{BB962C8B-B14F-4D97-AF65-F5344CB8AC3E}">
-        <p14:creationId xmlns:p14="http://schemas.microsoft.com/office/powerpoint/2010/main" val="216562017"/>
+        <p14:creationId xmlns:p14="http://schemas.microsoft.com/office/powerpoint/2010/main" val="3161449029"/>
       </p:ext>
     </p:extLst>
   </p:cSld>
@@ -7494,7 +8850,7 @@
                 <a:ea typeface="+mn-ea"/>
                 <a:cs typeface="+mn-cs"/>
               </a:rPr>
-              <a:t>00</a:t>
+              <a:t>01</a:t>
             </a:r>
           </a:p>
         </p:txBody>
@@ -7514,7 +8870,7 @@
         <p:spPr>
           <a:xfrm>
             <a:off x="345731" y="2595914"/>
-            <a:ext cx="1776032" cy="1200329"/>
+            <a:ext cx="1776032" cy="1107996"/>
           </a:xfrm>
           <a:prstGeom prst="rect">
             <a:avLst/>
@@ -7526,6 +8882,40 @@
             <a:spAutoFit/>
           </a:bodyPr>
           <a:lstStyle/>
+          <a:p>
+            <a:pPr>
+              <a:defRPr/>
+            </a:pPr>
+            <a:r>
+              <a:rPr lang="zh-CN" altLang="en-US" sz="2400" dirty="0">
+                <a:solidFill>
+                  <a:prstClr val="white"/>
+                </a:solidFill>
+              </a:rPr>
+              <a:t>写</a:t>
+            </a:r>
+            <a:r>
+              <a:rPr lang="en-US" altLang="zh-CN" sz="2400" dirty="0">
+                <a:solidFill>
+                  <a:prstClr val="white"/>
+                </a:solidFill>
+              </a:rPr>
+              <a:t>Rematch</a:t>
+            </a:r>
+            <a:r>
+              <a:rPr lang="zh-CN" altLang="en-US" sz="2400" dirty="0">
+                <a:solidFill>
+                  <a:prstClr val="white"/>
+                </a:solidFill>
+              </a:rPr>
+              <a:t>的步骤</a:t>
+            </a:r>
+            <a:endParaRPr lang="en-US" sz="2400" dirty="0">
+              <a:solidFill>
+                <a:prstClr val="white"/>
+              </a:solidFill>
+            </a:endParaRPr>
+          </a:p>
           <a:p>
             <a:pPr marL="0" marR="0" lvl="0" indent="0" algn="l" defTabSz="914400" rtl="0" eaLnBrk="1" fontAlgn="auto" latinLnBrk="0" hangingPunct="1">
               <a:lnSpc>
@@ -7545,22 +8935,37 @@
               <a:defRPr/>
             </a:pPr>
             <a:r>
-              <a:rPr kumimoji="0" lang="en-US" altLang="zh-CN" sz="2400" b="0" i="0" u="none" strike="noStrike" kern="1200" cap="none" spc="0" normalizeH="0" baseline="0" noProof="0" dirty="0">
-                <a:ln>
-                  <a:noFill/>
-                </a:ln>
-                <a:solidFill>
-                  <a:prstClr val="white"/>
-                </a:solidFill>
-                <a:effectLst/>
-                <a:uLnTx/>
-                <a:uFillTx/>
+              <a:rPr lang="en-US" altLang="zh-CN" dirty="0">
+                <a:solidFill>
+                  <a:srgbClr val="24F9CB"/>
+                </a:solidFill>
                 <a:latin typeface="Calibri" panose="020F0502020204030204"/>
                 <a:ea typeface="等线" panose="02010600030101010101" pitchFamily="2" charset="-122"/>
-                <a:cs typeface="+mn-cs"/>
-              </a:rPr>
-              <a:t>Create Effects in the Model</a:t>
-            </a:r>
+              </a:rPr>
+              <a:t>Create A </a:t>
+            </a:r>
+            <a:r>
+              <a:rPr lang="en-US" dirty="0">
+                <a:solidFill>
+                  <a:srgbClr val="24F9CB"/>
+                </a:solidFill>
+                <a:latin typeface="Calibri" panose="020F0502020204030204"/>
+                <a:ea typeface="等线" panose="02010600030101010101" pitchFamily="2" charset="-122"/>
+              </a:rPr>
+              <a:t>Model</a:t>
+            </a:r>
+            <a:endParaRPr kumimoji="0" lang="en-US" b="0" i="0" u="none" strike="noStrike" kern="1200" cap="none" spc="0" normalizeH="0" baseline="0" noProof="0" dirty="0">
+              <a:ln>
+                <a:noFill/>
+              </a:ln>
+              <a:solidFill>
+                <a:srgbClr val="24F9CB"/>
+              </a:solidFill>
+              <a:effectLst/>
+              <a:uLnTx/>
+              <a:uFillTx/>
+              <a:latin typeface="Calibri" panose="020F0502020204030204"/>
+            </a:endParaRPr>
           </a:p>
         </p:txBody>
       </p:sp>
@@ -7605,7 +9010,7 @@
           <p:cNvPr id="2" name="矩形 1">
             <a:extLst>
               <a:ext uri="{FF2B5EF4-FFF2-40B4-BE49-F238E27FC236}">
-                <a16:creationId xmlns:a16="http://schemas.microsoft.com/office/drawing/2014/main" id="{1FC962CE-5082-4F55-B45C-A53823A22B08}"/>
+                <a16:creationId xmlns:a16="http://schemas.microsoft.com/office/drawing/2014/main" id="{BCA2521E-563E-47D0-9AC2-2C559DCC2E08}"/>
               </a:ext>
             </a:extLst>
           </p:cNvPr>
@@ -7614,8 +9019,8 @@
         </p:nvSpPr>
         <p:spPr>
           <a:xfrm>
-            <a:off x="2787091" y="654048"/>
-            <a:ext cx="6096000" cy="3293209"/>
+            <a:off x="2787090" y="2349693"/>
+            <a:ext cx="6096000" cy="1107996"/>
           </a:xfrm>
           <a:prstGeom prst="rect">
             <a:avLst/>
@@ -7639,7 +9044,9 @@
             </a:r>
             <a:endParaRPr lang="en-US" sz="1600" dirty="0">
               <a:solidFill>
-                <a:srgbClr val="C586C0"/>
+                <a:schemeClr val="accent6">
+                  <a:lumMod val="75000"/>
+                </a:schemeClr>
               </a:solidFill>
               <a:latin typeface="Consolas" panose="020B0609020204030204" pitchFamily="49" charset="0"/>
             </a:endParaRPr>
@@ -7717,310 +9124,7 @@
                 </a:solidFill>
                 <a:latin typeface="Consolas" panose="020B0609020204030204" pitchFamily="49" charset="0"/>
               </a:rPr>
-              <a:t> </a:t>
-            </a:r>
-            <a:r>
-              <a:rPr lang="en-US" sz="1600" dirty="0">
-                <a:solidFill>
-                  <a:srgbClr val="569CD6"/>
-                </a:solidFill>
-                <a:latin typeface="Consolas" panose="020B0609020204030204" pitchFamily="49" charset="0"/>
-              </a:rPr>
-              <a:t>null</a:t>
-            </a:r>
-            <a:r>
-              <a:rPr lang="en-US" sz="1600" dirty="0">
-                <a:solidFill>
-                  <a:srgbClr val="D4D4D4"/>
-                </a:solidFill>
-                <a:latin typeface="Consolas" panose="020B0609020204030204" pitchFamily="49" charset="0"/>
-              </a:rPr>
-              <a:t>,</a:t>
-            </a:r>
-          </a:p>
-          <a:p>
-            <a:r>
-              <a:rPr lang="en-US" sz="1600" dirty="0">
-                <a:solidFill>
-                  <a:srgbClr val="9CDCFE"/>
-                </a:solidFill>
-                <a:latin typeface="Consolas" panose="020B0609020204030204" pitchFamily="49" charset="0"/>
-              </a:rPr>
-              <a:t>  reducers:</a:t>
-            </a:r>
-            <a:r>
-              <a:rPr lang="en-US" sz="1600" dirty="0">
-                <a:solidFill>
-                  <a:srgbClr val="D4D4D4"/>
-                </a:solidFill>
-                <a:latin typeface="Consolas" panose="020B0609020204030204" pitchFamily="49" charset="0"/>
-              </a:rPr>
-              <a:t> {</a:t>
-            </a:r>
-          </a:p>
-          <a:p>
-            <a:r>
-              <a:rPr lang="en-US" sz="1600" dirty="0">
-                <a:solidFill>
-                  <a:srgbClr val="DCDCAA"/>
-                </a:solidFill>
-                <a:latin typeface="Consolas" panose="020B0609020204030204" pitchFamily="49" charset="0"/>
-              </a:rPr>
-              <a:t>    set</a:t>
-            </a:r>
-            <a:r>
-              <a:rPr lang="en-US" sz="1600" dirty="0">
-                <a:solidFill>
-                  <a:srgbClr val="D4D4D4"/>
-                </a:solidFill>
-                <a:latin typeface="Consolas" panose="020B0609020204030204" pitchFamily="49" charset="0"/>
-              </a:rPr>
-              <a:t>(</a:t>
-            </a:r>
-            <a:r>
-              <a:rPr lang="en-US" sz="1600" dirty="0">
-                <a:solidFill>
-                  <a:srgbClr val="9CDCFE"/>
-                </a:solidFill>
-                <a:latin typeface="Consolas" panose="020B0609020204030204" pitchFamily="49" charset="0"/>
-              </a:rPr>
-              <a:t>state</a:t>
-            </a:r>
-            <a:r>
-              <a:rPr lang="en-US" sz="1600" dirty="0">
-                <a:solidFill>
-                  <a:srgbClr val="D4D4D4"/>
-                </a:solidFill>
-                <a:latin typeface="Consolas" panose="020B0609020204030204" pitchFamily="49" charset="0"/>
-              </a:rPr>
-              <a:t>, </a:t>
-            </a:r>
-            <a:r>
-              <a:rPr lang="en-US" sz="1600" dirty="0">
-                <a:solidFill>
-                  <a:srgbClr val="9CDCFE"/>
-                </a:solidFill>
-                <a:latin typeface="Consolas" panose="020B0609020204030204" pitchFamily="49" charset="0"/>
-              </a:rPr>
-              <a:t>payload</a:t>
-            </a:r>
-            <a:r>
-              <a:rPr lang="en-US" sz="1600" dirty="0">
-                <a:solidFill>
-                  <a:srgbClr val="D4D4D4"/>
-                </a:solidFill>
-                <a:latin typeface="Consolas" panose="020B0609020204030204" pitchFamily="49" charset="0"/>
-              </a:rPr>
-              <a:t>) {</a:t>
-            </a:r>
-          </a:p>
-          <a:p>
-            <a:r>
-              <a:rPr lang="en-US" sz="1600" dirty="0">
-                <a:solidFill>
-                  <a:srgbClr val="C586C0"/>
-                </a:solidFill>
-                <a:latin typeface="Consolas" panose="020B0609020204030204" pitchFamily="49" charset="0"/>
-              </a:rPr>
-              <a:t>      return</a:t>
-            </a:r>
-            <a:r>
-              <a:rPr lang="en-US" sz="1600" dirty="0">
-                <a:solidFill>
-                  <a:srgbClr val="D4D4D4"/>
-                </a:solidFill>
-                <a:latin typeface="Consolas" panose="020B0609020204030204" pitchFamily="49" charset="0"/>
-              </a:rPr>
-              <a:t> </a:t>
-            </a:r>
-            <a:r>
-              <a:rPr lang="en-US" sz="1600" dirty="0">
-                <a:solidFill>
-                  <a:srgbClr val="9CDCFE"/>
-                </a:solidFill>
-                <a:latin typeface="Consolas" panose="020B0609020204030204" pitchFamily="49" charset="0"/>
-              </a:rPr>
-              <a:t>payload</a:t>
-            </a:r>
-            <a:r>
-              <a:rPr lang="en-US" sz="1600" dirty="0">
-                <a:solidFill>
-                  <a:srgbClr val="D4D4D4"/>
-                </a:solidFill>
-                <a:latin typeface="Consolas" panose="020B0609020204030204" pitchFamily="49" charset="0"/>
-              </a:rPr>
-              <a:t>;</a:t>
-            </a:r>
-          </a:p>
-          <a:p>
-            <a:r>
-              <a:rPr lang="en-US" sz="1600" dirty="0">
-                <a:solidFill>
-                  <a:srgbClr val="D4D4D4"/>
-                </a:solidFill>
-                <a:latin typeface="Consolas" panose="020B0609020204030204" pitchFamily="49" charset="0"/>
-              </a:rPr>
-              <a:t>  }</a:t>
-            </a:r>
-          </a:p>
-          <a:p>
-            <a:r>
-              <a:rPr lang="en-US" sz="1600" dirty="0">
-                <a:solidFill>
-                  <a:srgbClr val="DCDCAA"/>
-                </a:solidFill>
-                <a:latin typeface="Consolas" panose="020B0609020204030204" pitchFamily="49" charset="0"/>
-              </a:rPr>
-              <a:t>  effects</a:t>
-            </a:r>
-            <a:r>
-              <a:rPr lang="en-US" sz="1600" dirty="0">
-                <a:solidFill>
-                  <a:srgbClr val="9CDCFE"/>
-                </a:solidFill>
-                <a:latin typeface="Consolas" panose="020B0609020204030204" pitchFamily="49" charset="0"/>
-              </a:rPr>
-              <a:t>:</a:t>
-            </a:r>
-            <a:r>
-              <a:rPr lang="en-US" sz="1600" dirty="0">
-                <a:solidFill>
-                  <a:srgbClr val="D4D4D4"/>
-                </a:solidFill>
-                <a:latin typeface="Consolas" panose="020B0609020204030204" pitchFamily="49" charset="0"/>
-              </a:rPr>
-              <a:t> (</a:t>
-            </a:r>
-            <a:r>
-              <a:rPr lang="en-US" sz="1600" dirty="0">
-                <a:solidFill>
-                  <a:srgbClr val="9CDCFE"/>
-                </a:solidFill>
-                <a:latin typeface="Consolas" panose="020B0609020204030204" pitchFamily="49" charset="0"/>
-              </a:rPr>
-              <a:t>dispatch</a:t>
-            </a:r>
-            <a:r>
-              <a:rPr lang="en-US" sz="1600" dirty="0">
-                <a:solidFill>
-                  <a:srgbClr val="D4D4D4"/>
-                </a:solidFill>
-                <a:latin typeface="Consolas" panose="020B0609020204030204" pitchFamily="49" charset="0"/>
-              </a:rPr>
-              <a:t>) </a:t>
-            </a:r>
-            <a:r>
-              <a:rPr lang="en-US" sz="1600" dirty="0">
-                <a:solidFill>
-                  <a:srgbClr val="569CD6"/>
-                </a:solidFill>
-                <a:latin typeface="Consolas" panose="020B0609020204030204" pitchFamily="49" charset="0"/>
-              </a:rPr>
-              <a:t>=&gt;</a:t>
-            </a:r>
-            <a:r>
-              <a:rPr lang="en-US" sz="1600" dirty="0">
-                <a:solidFill>
-                  <a:srgbClr val="D4D4D4"/>
-                </a:solidFill>
-                <a:latin typeface="Consolas" panose="020B0609020204030204" pitchFamily="49" charset="0"/>
-              </a:rPr>
-              <a:t> ({</a:t>
-            </a:r>
-          </a:p>
-          <a:p>
-            <a:r>
-              <a:rPr lang="en-US" sz="1600" dirty="0">
-                <a:solidFill>
-                  <a:srgbClr val="DCDCAA"/>
-                </a:solidFill>
-                <a:latin typeface="Consolas" panose="020B0609020204030204" pitchFamily="49" charset="0"/>
-              </a:rPr>
-              <a:t>    create</a:t>
-            </a:r>
-            <a:r>
-              <a:rPr lang="en-US" sz="1600" dirty="0">
-                <a:solidFill>
-                  <a:srgbClr val="D4D4D4"/>
-                </a:solidFill>
-                <a:latin typeface="Consolas" panose="020B0609020204030204" pitchFamily="49" charset="0"/>
-              </a:rPr>
-              <a:t>(</a:t>
-            </a:r>
-            <a:r>
-              <a:rPr lang="en-US" sz="1600" dirty="0">
-                <a:solidFill>
-                  <a:srgbClr val="9CDCFE"/>
-                </a:solidFill>
-                <a:latin typeface="Consolas" panose="020B0609020204030204" pitchFamily="49" charset="0"/>
-              </a:rPr>
-              <a:t>payload</a:t>
-            </a:r>
-            <a:r>
-              <a:rPr lang="en-US" sz="1600" dirty="0">
-                <a:solidFill>
-                  <a:srgbClr val="D4D4D4"/>
-                </a:solidFill>
-                <a:latin typeface="Consolas" panose="020B0609020204030204" pitchFamily="49" charset="0"/>
-              </a:rPr>
-              <a:t>, </a:t>
-            </a:r>
-            <a:r>
-              <a:rPr lang="en-US" sz="1600" dirty="0">
-                <a:solidFill>
-                  <a:srgbClr val="9CDCFE"/>
-                </a:solidFill>
-                <a:latin typeface="Consolas" panose="020B0609020204030204" pitchFamily="49" charset="0"/>
-              </a:rPr>
-              <a:t>state</a:t>
-            </a:r>
-            <a:r>
-              <a:rPr lang="en-US" sz="1600" dirty="0">
-                <a:solidFill>
-                  <a:srgbClr val="D4D4D4"/>
-                </a:solidFill>
-                <a:latin typeface="Consolas" panose="020B0609020204030204" pitchFamily="49" charset="0"/>
-              </a:rPr>
-              <a:t>) {</a:t>
-            </a:r>
-          </a:p>
-          <a:p>
-            <a:r>
-              <a:rPr lang="en-US" sz="1600" dirty="0">
-                <a:solidFill>
-                  <a:srgbClr val="6A9955"/>
-                </a:solidFill>
-                <a:latin typeface="Consolas" panose="020B0609020204030204" pitchFamily="49" charset="0"/>
-              </a:rPr>
-              <a:t>      // networking stuff here</a:t>
-            </a:r>
-            <a:endParaRPr lang="en-US" sz="1600" dirty="0">
-              <a:solidFill>
-                <a:srgbClr val="D4D4D4"/>
-              </a:solidFill>
-              <a:latin typeface="Consolas" panose="020B0609020204030204" pitchFamily="49" charset="0"/>
-            </a:endParaRPr>
-          </a:p>
-          <a:p>
-            <a:r>
-              <a:rPr lang="en-US" sz="1600" dirty="0">
-                <a:solidFill>
-                  <a:srgbClr val="D4D4D4"/>
-                </a:solidFill>
-                <a:latin typeface="Consolas" panose="020B0609020204030204" pitchFamily="49" charset="0"/>
-              </a:rPr>
-              <a:t>    }</a:t>
-            </a:r>
-          </a:p>
-          <a:p>
-            <a:r>
-              <a:rPr lang="en-US" sz="1600" dirty="0">
-                <a:solidFill>
-                  <a:srgbClr val="D4D4D4"/>
-                </a:solidFill>
-                <a:latin typeface="Consolas" panose="020B0609020204030204" pitchFamily="49" charset="0"/>
-              </a:rPr>
-              <a:t>  }),</a:t>
+              <a:t> null,</a:t>
             </a:r>
           </a:p>
           <a:p>
@@ -8048,7 +9152,7 @@
           <p:cNvPr id="16" name="矩形 15">
             <a:extLst>
               <a:ext uri="{FF2B5EF4-FFF2-40B4-BE49-F238E27FC236}">
-                <a16:creationId xmlns:a16="http://schemas.microsoft.com/office/drawing/2014/main" id="{16AFEF6A-7534-48AB-B1CD-C1BDF2A56746}"/>
+                <a16:creationId xmlns:a16="http://schemas.microsoft.com/office/drawing/2014/main" id="{41E7C553-A3A3-444B-B4CE-BB6B9C5B9BC1}"/>
               </a:ext>
             </a:extLst>
           </p:cNvPr>
@@ -8057,26 +9161,34 @@
         </p:nvSpPr>
         <p:spPr>
           <a:xfrm>
-            <a:off x="2832811" y="4526907"/>
-            <a:ext cx="8884384" cy="646331"/>
+            <a:off x="2787090" y="3828625"/>
+            <a:ext cx="7037824" cy="369332"/>
           </a:xfrm>
           <a:prstGeom prst="rect">
             <a:avLst/>
           </a:prstGeom>
         </p:spPr>
         <p:txBody>
-          <a:bodyPr wrap="square">
+          <a:bodyPr wrap="none">
             <a:spAutoFit/>
           </a:bodyPr>
           <a:lstStyle/>
           <a:p>
             <a:r>
+              <a:rPr lang="zh-CN" altLang="en-US" dirty="0">
+                <a:solidFill>
+                  <a:schemeClr val="bg1"/>
+                </a:solidFill>
+              </a:rPr>
+              <a:t>会在</a:t>
+            </a:r>
+            <a:r>
               <a:rPr lang="en-US" altLang="zh-CN" dirty="0">
                 <a:solidFill>
                   <a:schemeClr val="bg1"/>
                 </a:solidFill>
               </a:rPr>
-              <a:t>dispatch</a:t>
+              <a:t>redux store</a:t>
             </a:r>
             <a:r>
               <a:rPr lang="zh-CN" altLang="en-US" dirty="0">
@@ -8084,7 +9196,23 @@
                   <a:schemeClr val="bg1"/>
                 </a:solidFill>
               </a:rPr>
-              <a:t>为</a:t>
+              <a:t>中生成一个键值对，键名是</a:t>
+            </a:r>
+            <a:r>
+              <a:rPr lang="en-US" altLang="zh-CN" dirty="0" err="1">
+                <a:solidFill>
+                  <a:schemeClr val="bg1"/>
+                </a:solidFill>
+              </a:rPr>
+              <a:t>user_token</a:t>
+            </a:r>
+            <a:r>
+              <a:rPr lang="zh-CN" altLang="en-US" dirty="0">
+                <a:solidFill>
+                  <a:schemeClr val="bg1"/>
+                </a:solidFill>
+              </a:rPr>
+              <a:t>，初始值为</a:t>
             </a:r>
             <a:r>
               <a:rPr lang="en-US" altLang="zh-CN" dirty="0">
@@ -8092,79 +9220,7 @@
                   <a:schemeClr val="bg1"/>
                 </a:solidFill>
               </a:rPr>
-              <a:t>rematch</a:t>
-            </a:r>
-            <a:r>
-              <a:rPr lang="zh-CN" altLang="en-US" dirty="0">
-                <a:solidFill>
-                  <a:schemeClr val="bg1"/>
-                </a:solidFill>
-              </a:rPr>
-              <a:t>中的</a:t>
-            </a:r>
-            <a:r>
-              <a:rPr lang="en-US" altLang="zh-CN" dirty="0">
-                <a:solidFill>
-                  <a:schemeClr val="bg1"/>
-                </a:solidFill>
-              </a:rPr>
-              <a:t>dispatch</a:t>
-            </a:r>
-            <a:r>
-              <a:rPr lang="zh-CN" altLang="en-US" dirty="0">
-                <a:solidFill>
-                  <a:schemeClr val="bg1"/>
-                </a:solidFill>
-              </a:rPr>
-              <a:t>对象，它是对</a:t>
-            </a:r>
-            <a:r>
-              <a:rPr lang="en-US" altLang="zh-CN" dirty="0">
-                <a:solidFill>
-                  <a:schemeClr val="bg1"/>
-                </a:solidFill>
-              </a:rPr>
-              <a:t>redux</a:t>
-            </a:r>
-            <a:r>
-              <a:rPr lang="zh-CN" altLang="en-US" dirty="0">
-                <a:solidFill>
-                  <a:schemeClr val="bg1"/>
-                </a:solidFill>
-              </a:rPr>
-              <a:t>的</a:t>
-            </a:r>
-            <a:r>
-              <a:rPr lang="en-US" altLang="zh-CN" dirty="0">
-                <a:solidFill>
-                  <a:schemeClr val="bg1"/>
-                </a:solidFill>
-              </a:rPr>
-              <a:t>dispatch</a:t>
-            </a:r>
-            <a:r>
-              <a:rPr lang="zh-CN" altLang="en-US" dirty="0">
-                <a:solidFill>
-                  <a:schemeClr val="bg1"/>
-                </a:solidFill>
-              </a:rPr>
-              <a:t>方法的再封装，由</a:t>
-            </a:r>
-            <a:r>
-              <a:rPr lang="en-US" altLang="zh-CN" dirty="0">
-                <a:solidFill>
-                  <a:schemeClr val="bg1"/>
-                </a:solidFill>
-              </a:rPr>
-              <a:t>rematch</a:t>
-            </a:r>
-            <a:r>
-              <a:rPr lang="zh-CN" altLang="en-US" dirty="0">
-                <a:solidFill>
-                  <a:schemeClr val="bg1"/>
-                </a:solidFill>
-              </a:rPr>
-              <a:t>自动填充</a:t>
+              <a:t>null</a:t>
             </a:r>
             <a:endParaRPr lang="en-US" dirty="0">
               <a:solidFill>
@@ -8179,7 +9235,7 @@
           <p:cNvPr id="17" name="Rectangle 3">
             <a:extLst>
               <a:ext uri="{FF2B5EF4-FFF2-40B4-BE49-F238E27FC236}">
-                <a16:creationId xmlns:a16="http://schemas.microsoft.com/office/drawing/2014/main" id="{0C988EF2-0004-4DCE-84C5-8AB5C6AEB5EC}"/>
+                <a16:creationId xmlns:a16="http://schemas.microsoft.com/office/drawing/2014/main" id="{36CA20FA-DE4C-42E9-99FC-BBCDA96F2C6D}"/>
               </a:ext>
             </a:extLst>
           </p:cNvPr>
@@ -8188,7 +9244,7 @@
         </p:nvSpPr>
         <p:spPr>
           <a:xfrm rot="10800000">
-            <a:off x="2787092" y="4482973"/>
+            <a:off x="2741371" y="3784691"/>
             <a:ext cx="45719" cy="457200"/>
           </a:xfrm>
           <a:prstGeom prst="rect">
@@ -8255,393 +9311,10 @@
           </a:p>
         </p:txBody>
       </p:sp>
-      <p:sp>
-        <p:nvSpPr>
-          <p:cNvPr id="18" name="矩形 17">
-            <a:extLst>
-              <a:ext uri="{FF2B5EF4-FFF2-40B4-BE49-F238E27FC236}">
-                <a16:creationId xmlns:a16="http://schemas.microsoft.com/office/drawing/2014/main" id="{A46506E9-315C-49E9-8504-1F9D2B336A34}"/>
-              </a:ext>
-            </a:extLst>
-          </p:cNvPr>
-          <p:cNvSpPr/>
-          <p:nvPr/>
-        </p:nvSpPr>
-        <p:spPr>
-          <a:xfrm>
-            <a:off x="2832811" y="5217172"/>
-            <a:ext cx="7127720" cy="369332"/>
-          </a:xfrm>
-          <a:prstGeom prst="rect">
-            <a:avLst/>
-          </a:prstGeom>
-        </p:spPr>
-        <p:txBody>
-          <a:bodyPr wrap="none">
-            <a:spAutoFit/>
-          </a:bodyPr>
-          <a:lstStyle/>
-          <a:p>
-            <a:r>
-              <a:rPr lang="en-US" altLang="zh-CN" dirty="0">
-                <a:solidFill>
-                  <a:schemeClr val="bg1"/>
-                </a:solidFill>
-              </a:rPr>
-              <a:t>create</a:t>
-            </a:r>
-            <a:r>
-              <a:rPr lang="zh-CN" altLang="en-US" dirty="0">
-                <a:solidFill>
-                  <a:schemeClr val="bg1"/>
-                </a:solidFill>
-              </a:rPr>
-              <a:t>函数中的</a:t>
-            </a:r>
-            <a:r>
-              <a:rPr lang="en-US" altLang="zh-CN" dirty="0">
-                <a:solidFill>
-                  <a:schemeClr val="bg1"/>
-                </a:solidFill>
-              </a:rPr>
-              <a:t>payload</a:t>
-            </a:r>
-            <a:r>
-              <a:rPr lang="zh-CN" altLang="en-US" dirty="0">
-                <a:solidFill>
-                  <a:schemeClr val="bg1"/>
-                </a:solidFill>
-              </a:rPr>
-              <a:t>的值是程序员调用这个</a:t>
-            </a:r>
-            <a:r>
-              <a:rPr lang="en-US" altLang="zh-CN" dirty="0">
-                <a:solidFill>
-                  <a:schemeClr val="bg1"/>
-                </a:solidFill>
-              </a:rPr>
-              <a:t>effect</a:t>
-            </a:r>
-            <a:r>
-              <a:rPr lang="zh-CN" altLang="en-US" dirty="0">
-                <a:solidFill>
-                  <a:schemeClr val="bg1"/>
-                </a:solidFill>
-              </a:rPr>
-              <a:t>时，自己填充的值</a:t>
-            </a:r>
-            <a:endParaRPr lang="en-US" dirty="0">
-              <a:solidFill>
-                <a:schemeClr val="bg1"/>
-              </a:solidFill>
-            </a:endParaRPr>
-          </a:p>
-        </p:txBody>
-      </p:sp>
-      <p:sp>
-        <p:nvSpPr>
-          <p:cNvPr id="19" name="Rectangle 3">
-            <a:extLst>
-              <a:ext uri="{FF2B5EF4-FFF2-40B4-BE49-F238E27FC236}">
-                <a16:creationId xmlns:a16="http://schemas.microsoft.com/office/drawing/2014/main" id="{89E4CA3C-B359-4331-B74A-D958180E8AD2}"/>
-              </a:ext>
-            </a:extLst>
-          </p:cNvPr>
-          <p:cNvSpPr/>
-          <p:nvPr/>
-        </p:nvSpPr>
-        <p:spPr>
-          <a:xfrm rot="10800000">
-            <a:off x="2787092" y="5173238"/>
-            <a:ext cx="45719" cy="457200"/>
-          </a:xfrm>
-          <a:prstGeom prst="rect">
-            <a:avLst/>
-          </a:prstGeom>
-          <a:solidFill>
-            <a:srgbClr val="FFA400"/>
-          </a:solidFill>
-          <a:ln>
-            <a:noFill/>
-          </a:ln>
-        </p:spPr>
-        <p:style>
-          <a:lnRef idx="2">
-            <a:schemeClr val="accent1">
-              <a:shade val="50000"/>
-            </a:schemeClr>
-          </a:lnRef>
-          <a:fillRef idx="1">
-            <a:schemeClr val="accent1"/>
-          </a:fillRef>
-          <a:effectRef idx="0">
-            <a:schemeClr val="accent1"/>
-          </a:effectRef>
-          <a:fontRef idx="minor">
-            <a:schemeClr val="lt1"/>
-          </a:fontRef>
-        </p:style>
-        <p:txBody>
-          <a:bodyPr rtlCol="0" anchor="ctr"/>
-          <a:lstStyle/>
-          <a:p>
-            <a:pPr marL="0" marR="0" lvl="0" indent="0" algn="ctr" defTabSz="914400" rtl="0" eaLnBrk="1" fontAlgn="auto" latinLnBrk="0" hangingPunct="1">
-              <a:lnSpc>
-                <a:spcPct val="100000"/>
-              </a:lnSpc>
-              <a:spcBef>
-                <a:spcPts val="0"/>
-              </a:spcBef>
-              <a:spcAft>
-                <a:spcPts val="0"/>
-              </a:spcAft>
-              <a:buClrTx/>
-              <a:buSzTx/>
-              <a:buFontTx/>
-              <a:buNone/>
-              <a:tabLst/>
-              <a:defRPr/>
-            </a:pPr>
-            <a:endParaRPr kumimoji="0" lang="en-US" sz="1800" b="0" i="0" u="none" strike="noStrike" kern="1200" cap="none" spc="0" normalizeH="0" baseline="0" noProof="0">
-              <a:ln>
-                <a:noFill/>
-              </a:ln>
-              <a:solidFill>
-                <a:prstClr val="white"/>
-              </a:solidFill>
-              <a:effectLst/>
-              <a:uLnTx/>
-              <a:uFillTx/>
-              <a:latin typeface="Calibri" panose="020F0502020204030204"/>
-              <a:ea typeface="+mn-ea"/>
-              <a:cs typeface="+mn-cs"/>
-            </a:endParaRPr>
-          </a:p>
-        </p:txBody>
-      </p:sp>
-      <p:sp>
-        <p:nvSpPr>
-          <p:cNvPr id="20" name="矩形 19">
-            <a:extLst>
-              <a:ext uri="{FF2B5EF4-FFF2-40B4-BE49-F238E27FC236}">
-                <a16:creationId xmlns:a16="http://schemas.microsoft.com/office/drawing/2014/main" id="{97A74A6F-0AFF-4871-AAC7-BD3F8AD67B72}"/>
-              </a:ext>
-            </a:extLst>
-          </p:cNvPr>
-          <p:cNvSpPr/>
-          <p:nvPr/>
-        </p:nvSpPr>
-        <p:spPr>
-          <a:xfrm>
-            <a:off x="2832811" y="4113498"/>
-            <a:ext cx="646331" cy="369332"/>
-          </a:xfrm>
-          <a:prstGeom prst="rect">
-            <a:avLst/>
-          </a:prstGeom>
-        </p:spPr>
-        <p:txBody>
-          <a:bodyPr wrap="none">
-            <a:spAutoFit/>
-          </a:bodyPr>
-          <a:lstStyle/>
-          <a:p>
-            <a:r>
-              <a:rPr lang="zh-CN" altLang="en-US" dirty="0">
-                <a:solidFill>
-                  <a:schemeClr val="bg1"/>
-                </a:solidFill>
-              </a:rPr>
-              <a:t>其中</a:t>
-            </a:r>
-            <a:endParaRPr lang="en-US" dirty="0"/>
-          </a:p>
-        </p:txBody>
-      </p:sp>
-      <p:sp>
-        <p:nvSpPr>
-          <p:cNvPr id="21" name="矩形 20">
-            <a:extLst>
-              <a:ext uri="{FF2B5EF4-FFF2-40B4-BE49-F238E27FC236}">
-                <a16:creationId xmlns:a16="http://schemas.microsoft.com/office/drawing/2014/main" id="{4F748FF6-DC14-4814-A63B-F6D524679188}"/>
-              </a:ext>
-            </a:extLst>
-          </p:cNvPr>
-          <p:cNvSpPr/>
-          <p:nvPr/>
-        </p:nvSpPr>
-        <p:spPr>
-          <a:xfrm>
-            <a:off x="2832812" y="5749928"/>
-            <a:ext cx="6773008" cy="369332"/>
-          </a:xfrm>
-          <a:prstGeom prst="rect">
-            <a:avLst/>
-          </a:prstGeom>
-        </p:spPr>
-        <p:txBody>
-          <a:bodyPr wrap="none">
-            <a:spAutoFit/>
-          </a:bodyPr>
-          <a:lstStyle/>
-          <a:p>
-            <a:r>
-              <a:rPr lang="en-US" altLang="zh-CN" dirty="0">
-                <a:solidFill>
-                  <a:schemeClr val="bg1"/>
-                </a:solidFill>
-              </a:rPr>
-              <a:t>state</a:t>
-            </a:r>
-            <a:r>
-              <a:rPr lang="zh-CN" altLang="en-US" dirty="0">
-                <a:solidFill>
-                  <a:schemeClr val="bg1"/>
-                </a:solidFill>
-              </a:rPr>
-              <a:t>的值是当前</a:t>
-            </a:r>
-            <a:r>
-              <a:rPr lang="en-US" altLang="zh-CN" dirty="0">
-                <a:solidFill>
-                  <a:schemeClr val="bg1"/>
-                </a:solidFill>
-              </a:rPr>
-              <a:t>redux store</a:t>
-            </a:r>
-            <a:r>
-              <a:rPr lang="zh-CN" altLang="en-US" dirty="0">
-                <a:solidFill>
-                  <a:schemeClr val="bg1"/>
-                </a:solidFill>
-              </a:rPr>
-              <a:t>中</a:t>
-            </a:r>
-            <a:r>
-              <a:rPr lang="en-US" altLang="zh-CN" dirty="0" err="1">
-                <a:solidFill>
-                  <a:schemeClr val="bg1"/>
-                </a:solidFill>
-              </a:rPr>
-              <a:t>user_token</a:t>
-            </a:r>
-            <a:r>
-              <a:rPr lang="zh-CN" altLang="en-US" dirty="0">
-                <a:solidFill>
-                  <a:schemeClr val="bg1"/>
-                </a:solidFill>
-              </a:rPr>
-              <a:t>的值，由</a:t>
-            </a:r>
-            <a:r>
-              <a:rPr lang="en-US" altLang="zh-CN" dirty="0">
-                <a:solidFill>
-                  <a:schemeClr val="bg1"/>
-                </a:solidFill>
-              </a:rPr>
-              <a:t>rematch</a:t>
-            </a:r>
-            <a:r>
-              <a:rPr lang="zh-CN" altLang="en-US" dirty="0">
-                <a:solidFill>
-                  <a:schemeClr val="bg1"/>
-                </a:solidFill>
-              </a:rPr>
-              <a:t>自动填充</a:t>
-            </a:r>
-            <a:endParaRPr lang="en-US" dirty="0">
-              <a:solidFill>
-                <a:schemeClr val="bg1"/>
-              </a:solidFill>
-            </a:endParaRPr>
-          </a:p>
-        </p:txBody>
-      </p:sp>
-      <p:sp>
-        <p:nvSpPr>
-          <p:cNvPr id="22" name="Rectangle 3">
-            <a:extLst>
-              <a:ext uri="{FF2B5EF4-FFF2-40B4-BE49-F238E27FC236}">
-                <a16:creationId xmlns:a16="http://schemas.microsoft.com/office/drawing/2014/main" id="{858AED10-2C52-4B89-A192-761DD0005FDA}"/>
-              </a:ext>
-            </a:extLst>
-          </p:cNvPr>
-          <p:cNvSpPr/>
-          <p:nvPr/>
-        </p:nvSpPr>
-        <p:spPr>
-          <a:xfrm rot="10800000">
-            <a:off x="2787093" y="5705994"/>
-            <a:ext cx="45719" cy="457200"/>
-          </a:xfrm>
-          <a:prstGeom prst="rect">
-            <a:avLst/>
-          </a:prstGeom>
-          <a:solidFill>
-            <a:srgbClr val="FFA400"/>
-          </a:solidFill>
-          <a:ln>
-            <a:noFill/>
-          </a:ln>
-        </p:spPr>
-        <p:style>
-          <a:lnRef idx="2">
-            <a:schemeClr val="accent1">
-              <a:shade val="50000"/>
-            </a:schemeClr>
-          </a:lnRef>
-          <a:fillRef idx="1">
-            <a:schemeClr val="accent1"/>
-          </a:fillRef>
-          <a:effectRef idx="0">
-            <a:schemeClr val="accent1"/>
-          </a:effectRef>
-          <a:fontRef idx="minor">
-            <a:schemeClr val="lt1"/>
-          </a:fontRef>
-        </p:style>
-        <p:txBody>
-          <a:bodyPr rtlCol="0" anchor="ctr"/>
-          <a:lstStyle/>
-          <a:p>
-            <a:pPr marL="0" marR="0" lvl="0" indent="0" algn="ctr" defTabSz="914400" rtl="0" eaLnBrk="1" fontAlgn="auto" latinLnBrk="0" hangingPunct="1">
-              <a:lnSpc>
-                <a:spcPct val="100000"/>
-              </a:lnSpc>
-              <a:spcBef>
-                <a:spcPts val="0"/>
-              </a:spcBef>
-              <a:spcAft>
-                <a:spcPts val="0"/>
-              </a:spcAft>
-              <a:buClrTx/>
-              <a:buSzTx/>
-              <a:buFontTx/>
-              <a:buNone/>
-              <a:tabLst/>
-              <a:defRPr/>
-            </a:pPr>
-            <a:endParaRPr kumimoji="0" lang="en-US" sz="1800" b="0" i="0" u="none" strike="noStrike" kern="1200" cap="none" spc="0" normalizeH="0" baseline="0" noProof="0">
-              <a:ln>
-                <a:noFill/>
-              </a:ln>
-              <a:solidFill>
-                <a:prstClr val="white"/>
-              </a:solidFill>
-              <a:effectLst/>
-              <a:uLnTx/>
-              <a:uFillTx/>
-              <a:latin typeface="Calibri" panose="020F0502020204030204"/>
-              <a:ea typeface="+mn-ea"/>
-              <a:cs typeface="+mn-cs"/>
-            </a:endParaRPr>
-          </a:p>
-        </p:txBody>
-      </p:sp>
     </p:spTree>
     <p:extLst>
       <p:ext uri="{BB962C8B-B14F-4D97-AF65-F5344CB8AC3E}">
-        <p14:creationId xmlns:p14="http://schemas.microsoft.com/office/powerpoint/2010/main" val="404747300"/>
+        <p14:creationId xmlns:p14="http://schemas.microsoft.com/office/powerpoint/2010/main" val="3951899454"/>
       </p:ext>
     </p:extLst>
   </p:cSld>
@@ -8817,7 +9490,7 @@
                 <a:ea typeface="+mn-ea"/>
                 <a:cs typeface="+mn-cs"/>
               </a:rPr>
-              <a:t>00</a:t>
+              <a:t>01</a:t>
             </a:r>
           </a:p>
         </p:txBody>
@@ -8837,7 +9510,7 @@
         <p:spPr>
           <a:xfrm>
             <a:off x="345731" y="2595914"/>
-            <a:ext cx="1776032" cy="830997"/>
+            <a:ext cx="1776032" cy="1384995"/>
           </a:xfrm>
           <a:prstGeom prst="rect">
             <a:avLst/>
@@ -8849,6 +9522,40 @@
             <a:spAutoFit/>
           </a:bodyPr>
           <a:lstStyle/>
+          <a:p>
+            <a:pPr>
+              <a:defRPr/>
+            </a:pPr>
+            <a:r>
+              <a:rPr lang="zh-CN" altLang="en-US" sz="2400" dirty="0">
+                <a:solidFill>
+                  <a:prstClr val="white"/>
+                </a:solidFill>
+              </a:rPr>
+              <a:t>写</a:t>
+            </a:r>
+            <a:r>
+              <a:rPr lang="en-US" altLang="zh-CN" sz="2400" dirty="0">
+                <a:solidFill>
+                  <a:prstClr val="white"/>
+                </a:solidFill>
+              </a:rPr>
+              <a:t>Rematch</a:t>
+            </a:r>
+            <a:r>
+              <a:rPr lang="zh-CN" altLang="en-US" sz="2400" dirty="0">
+                <a:solidFill>
+                  <a:prstClr val="white"/>
+                </a:solidFill>
+              </a:rPr>
+              <a:t>的步骤</a:t>
+            </a:r>
+            <a:endParaRPr lang="en-US" sz="2400" dirty="0">
+              <a:solidFill>
+                <a:prstClr val="white"/>
+              </a:solidFill>
+            </a:endParaRPr>
+          </a:p>
           <a:p>
             <a:pPr marL="0" marR="0" lvl="0" indent="0" algn="l" defTabSz="914400" rtl="0" eaLnBrk="1" fontAlgn="auto" latinLnBrk="0" hangingPunct="1">
               <a:lnSpc>
@@ -8868,12 +9575,2353 @@
               <a:defRPr/>
             </a:pPr>
             <a:r>
-              <a:rPr kumimoji="0" lang="en-US" altLang="zh-CN" sz="2400" b="0" i="0" u="none" strike="noStrike" kern="1200" cap="none" spc="0" normalizeH="0" baseline="0" noProof="0" dirty="0">
+              <a:rPr kumimoji="0" lang="en-US" altLang="zh-CN" b="0" i="0" u="none" strike="noStrike" kern="1200" cap="none" spc="0" normalizeH="0" baseline="0" noProof="0" dirty="0">
                 <a:ln>
                   <a:noFill/>
                 </a:ln>
                 <a:solidFill>
+                  <a:srgbClr val="24F9CB"/>
+                </a:solidFill>
+                <a:effectLst/>
+                <a:uLnTx/>
+                <a:uFillTx/>
+                <a:latin typeface="Calibri" panose="020F0502020204030204"/>
+                <a:ea typeface="等线" panose="02010600030101010101" pitchFamily="2" charset="-122"/>
+                <a:cs typeface="+mn-cs"/>
+              </a:rPr>
+              <a:t>Create Reducers</a:t>
+            </a:r>
+            <a:r>
+              <a:rPr lang="en-US" altLang="zh-CN" dirty="0">
+                <a:solidFill>
+                  <a:srgbClr val="24F9CB"/>
+                </a:solidFill>
+                <a:latin typeface="Calibri" panose="020F0502020204030204"/>
+              </a:rPr>
+              <a:t> in the Model</a:t>
+            </a:r>
+            <a:endParaRPr kumimoji="0" lang="en-US" altLang="zh-CN" b="0" i="0" u="none" strike="noStrike" kern="1200" cap="none" spc="0" normalizeH="0" baseline="0" noProof="0" dirty="0">
+              <a:ln>
+                <a:noFill/>
+              </a:ln>
+              <a:solidFill>
+                <a:srgbClr val="24F9CB"/>
+              </a:solidFill>
+              <a:effectLst/>
+              <a:uLnTx/>
+              <a:uFillTx/>
+              <a:latin typeface="Calibri" panose="020F0502020204030204"/>
+              <a:ea typeface="等线" panose="02010600030101010101" pitchFamily="2" charset="-122"/>
+            </a:endParaRPr>
+          </a:p>
+        </p:txBody>
+      </p:sp>
+      <p:pic>
+        <p:nvPicPr>
+          <p:cNvPr id="8" name="图形 7">
+            <a:extLst>
+              <a:ext uri="{FF2B5EF4-FFF2-40B4-BE49-F238E27FC236}">
+                <a16:creationId xmlns:a16="http://schemas.microsoft.com/office/drawing/2014/main" id="{AFA1FBE0-585E-4A7A-8D54-08D1C4C22B49}"/>
+              </a:ext>
+            </a:extLst>
+          </p:cNvPr>
+          <p:cNvPicPr>
+            <a:picLocks noChangeAspect="1"/>
+          </p:cNvPicPr>
+          <p:nvPr/>
+        </p:nvPicPr>
+        <p:blipFill>
+          <a:blip r:embed="rId2">
+            <a:extLst>
+              <a:ext uri="{96DAC541-7B7A-43D3-8B79-37D633B846F1}">
+                <asvg:svgBlip xmlns:asvg="http://schemas.microsoft.com/office/drawing/2016/SVG/main" r:embed="rId3"/>
+              </a:ext>
+            </a:extLst>
+          </a:blip>
+          <a:stretch>
+            <a:fillRect/>
+          </a:stretch>
+        </p:blipFill>
+        <p:spPr>
+          <a:xfrm>
+            <a:off x="214225" y="6493296"/>
+            <a:ext cx="1514139" cy="182880"/>
+          </a:xfrm>
+          <a:prstGeom prst="rect">
+            <a:avLst/>
+          </a:prstGeom>
+        </p:spPr>
+      </p:pic>
+      <p:sp>
+        <p:nvSpPr>
+          <p:cNvPr id="3" name="矩形 2">
+            <a:extLst>
+              <a:ext uri="{FF2B5EF4-FFF2-40B4-BE49-F238E27FC236}">
+                <a16:creationId xmlns:a16="http://schemas.microsoft.com/office/drawing/2014/main" id="{72FC8815-CAE3-4D1B-A137-03270E75D742}"/>
+              </a:ext>
+            </a:extLst>
+          </p:cNvPr>
+          <p:cNvSpPr/>
+          <p:nvPr/>
+        </p:nvSpPr>
+        <p:spPr>
+          <a:xfrm>
+            <a:off x="2787090" y="1590500"/>
+            <a:ext cx="6096000" cy="2062103"/>
+          </a:xfrm>
+          <a:prstGeom prst="rect">
+            <a:avLst/>
+          </a:prstGeom>
+        </p:spPr>
+        <p:txBody>
+          <a:bodyPr>
+            <a:spAutoFit/>
+          </a:bodyPr>
+          <a:lstStyle/>
+          <a:p>
+            <a:r>
+              <a:rPr lang="en-US" sz="1600" dirty="0">
+                <a:solidFill>
+                  <a:schemeClr val="accent6">
+                    <a:lumMod val="75000"/>
+                  </a:schemeClr>
+                </a:solidFill>
+              </a:rPr>
+              <a:t>// In file /models.js</a:t>
+            </a:r>
+            <a:endParaRPr lang="en-US" sz="1600" dirty="0">
+              <a:solidFill>
+                <a:srgbClr val="C586C0"/>
+              </a:solidFill>
+              <a:latin typeface="Consolas" panose="020B0609020204030204" pitchFamily="49" charset="0"/>
+            </a:endParaRPr>
+          </a:p>
+          <a:p>
+            <a:r>
+              <a:rPr lang="en-US" sz="1600" dirty="0">
+                <a:solidFill>
+                  <a:srgbClr val="C586C0"/>
+                </a:solidFill>
+                <a:latin typeface="Consolas" panose="020B0609020204030204" pitchFamily="49" charset="0"/>
+              </a:rPr>
+              <a:t>export</a:t>
+            </a:r>
+            <a:r>
+              <a:rPr lang="en-US" sz="1600" dirty="0">
+                <a:solidFill>
+                  <a:srgbClr val="D4D4D4"/>
+                </a:solidFill>
+                <a:latin typeface="Consolas" panose="020B0609020204030204" pitchFamily="49" charset="0"/>
+              </a:rPr>
+              <a:t> </a:t>
+            </a:r>
+            <a:r>
+              <a:rPr lang="en-US" sz="1600" dirty="0">
+                <a:solidFill>
+                  <a:srgbClr val="569CD6"/>
+                </a:solidFill>
+                <a:latin typeface="Consolas" panose="020B0609020204030204" pitchFamily="49" charset="0"/>
+              </a:rPr>
+              <a:t>const</a:t>
+            </a:r>
+            <a:r>
+              <a:rPr lang="en-US" sz="1600" dirty="0">
+                <a:solidFill>
+                  <a:srgbClr val="D4D4D4"/>
+                </a:solidFill>
+                <a:latin typeface="Consolas" panose="020B0609020204030204" pitchFamily="49" charset="0"/>
+              </a:rPr>
+              <a:t> </a:t>
+            </a:r>
+            <a:r>
+              <a:rPr lang="en-US" sz="1600" dirty="0" err="1">
+                <a:solidFill>
+                  <a:srgbClr val="9CDCFE"/>
+                </a:solidFill>
+                <a:latin typeface="Consolas" panose="020B0609020204030204" pitchFamily="49" charset="0"/>
+              </a:rPr>
+              <a:t>user_token</a:t>
+            </a:r>
+            <a:r>
+              <a:rPr lang="en-US" sz="1600" dirty="0">
+                <a:solidFill>
+                  <a:srgbClr val="D4D4D4"/>
+                </a:solidFill>
+                <a:latin typeface="Consolas" panose="020B0609020204030204" pitchFamily="49" charset="0"/>
+              </a:rPr>
+              <a:t> = {</a:t>
+            </a:r>
+          </a:p>
+          <a:p>
+            <a:r>
+              <a:rPr lang="en-US" sz="1600" dirty="0">
+                <a:solidFill>
+                  <a:srgbClr val="9CDCFE"/>
+                </a:solidFill>
+                <a:latin typeface="Consolas" panose="020B0609020204030204" pitchFamily="49" charset="0"/>
+              </a:rPr>
+              <a:t>  state:</a:t>
+            </a:r>
+            <a:r>
+              <a:rPr lang="en-US" sz="1600" dirty="0">
+                <a:solidFill>
+                  <a:srgbClr val="D4D4D4"/>
+                </a:solidFill>
+                <a:latin typeface="Consolas" panose="020B0609020204030204" pitchFamily="49" charset="0"/>
+              </a:rPr>
+              <a:t> </a:t>
+            </a:r>
+            <a:r>
+              <a:rPr lang="en-US" sz="1600" dirty="0">
+                <a:solidFill>
+                  <a:srgbClr val="569CD6"/>
+                </a:solidFill>
+                <a:latin typeface="Consolas" panose="020B0609020204030204" pitchFamily="49" charset="0"/>
+              </a:rPr>
+              <a:t>null</a:t>
+            </a:r>
+            <a:r>
+              <a:rPr lang="en-US" sz="1600" dirty="0">
+                <a:solidFill>
+                  <a:srgbClr val="D4D4D4"/>
+                </a:solidFill>
+                <a:latin typeface="Consolas" panose="020B0609020204030204" pitchFamily="49" charset="0"/>
+              </a:rPr>
+              <a:t>,</a:t>
+            </a:r>
+          </a:p>
+          <a:p>
+            <a:r>
+              <a:rPr lang="en-US" sz="1600" dirty="0">
+                <a:solidFill>
+                  <a:srgbClr val="9CDCFE"/>
+                </a:solidFill>
+                <a:latin typeface="Consolas" panose="020B0609020204030204" pitchFamily="49" charset="0"/>
+              </a:rPr>
+              <a:t>  reducers:</a:t>
+            </a:r>
+            <a:r>
+              <a:rPr lang="en-US" sz="1600" dirty="0">
+                <a:solidFill>
+                  <a:srgbClr val="D4D4D4"/>
+                </a:solidFill>
+                <a:latin typeface="Consolas" panose="020B0609020204030204" pitchFamily="49" charset="0"/>
+              </a:rPr>
+              <a:t> {</a:t>
+            </a:r>
+          </a:p>
+          <a:p>
+            <a:r>
+              <a:rPr lang="en-US" sz="1600" dirty="0">
+                <a:solidFill>
+                  <a:srgbClr val="DCDCAA"/>
+                </a:solidFill>
+                <a:latin typeface="Consolas" panose="020B0609020204030204" pitchFamily="49" charset="0"/>
+              </a:rPr>
+              <a:t>    set</a:t>
+            </a:r>
+            <a:r>
+              <a:rPr lang="en-US" sz="1600" dirty="0">
+                <a:solidFill>
+                  <a:srgbClr val="D4D4D4"/>
+                </a:solidFill>
+                <a:latin typeface="Consolas" panose="020B0609020204030204" pitchFamily="49" charset="0"/>
+              </a:rPr>
+              <a:t>(</a:t>
+            </a:r>
+            <a:r>
+              <a:rPr lang="en-US" sz="1600" dirty="0">
+                <a:solidFill>
+                  <a:srgbClr val="9CDCFE"/>
+                </a:solidFill>
+                <a:latin typeface="Consolas" panose="020B0609020204030204" pitchFamily="49" charset="0"/>
+              </a:rPr>
+              <a:t>state</a:t>
+            </a:r>
+            <a:r>
+              <a:rPr lang="en-US" sz="1600" dirty="0">
+                <a:solidFill>
+                  <a:srgbClr val="D4D4D4"/>
+                </a:solidFill>
+                <a:latin typeface="Consolas" panose="020B0609020204030204" pitchFamily="49" charset="0"/>
+              </a:rPr>
+              <a:t>, </a:t>
+            </a:r>
+            <a:r>
+              <a:rPr lang="en-US" sz="1600" dirty="0">
+                <a:solidFill>
+                  <a:srgbClr val="9CDCFE"/>
+                </a:solidFill>
+                <a:latin typeface="Consolas" panose="020B0609020204030204" pitchFamily="49" charset="0"/>
+              </a:rPr>
+              <a:t>payload</a:t>
+            </a:r>
+            <a:r>
+              <a:rPr lang="en-US" sz="1600" dirty="0">
+                <a:solidFill>
+                  <a:srgbClr val="D4D4D4"/>
+                </a:solidFill>
+                <a:latin typeface="Consolas" panose="020B0609020204030204" pitchFamily="49" charset="0"/>
+              </a:rPr>
+              <a:t>) {</a:t>
+            </a:r>
+          </a:p>
+          <a:p>
+            <a:r>
+              <a:rPr lang="en-US" sz="1600" dirty="0">
+                <a:solidFill>
+                  <a:srgbClr val="C586C0"/>
+                </a:solidFill>
+                <a:latin typeface="Consolas" panose="020B0609020204030204" pitchFamily="49" charset="0"/>
+              </a:rPr>
+              <a:t>      return</a:t>
+            </a:r>
+            <a:r>
+              <a:rPr lang="en-US" sz="1600" dirty="0">
+                <a:solidFill>
+                  <a:srgbClr val="D4D4D4"/>
+                </a:solidFill>
+                <a:latin typeface="Consolas" panose="020B0609020204030204" pitchFamily="49" charset="0"/>
+              </a:rPr>
+              <a:t> </a:t>
+            </a:r>
+            <a:r>
+              <a:rPr lang="en-US" sz="1600" dirty="0">
+                <a:solidFill>
+                  <a:srgbClr val="9CDCFE"/>
+                </a:solidFill>
+                <a:latin typeface="Consolas" panose="020B0609020204030204" pitchFamily="49" charset="0"/>
+              </a:rPr>
+              <a:t>payload</a:t>
+            </a:r>
+            <a:r>
+              <a:rPr lang="en-US" sz="1600" dirty="0">
+                <a:solidFill>
+                  <a:srgbClr val="D4D4D4"/>
+                </a:solidFill>
+                <a:latin typeface="Consolas" panose="020B0609020204030204" pitchFamily="49" charset="0"/>
+              </a:rPr>
+              <a:t>;</a:t>
+            </a:r>
+          </a:p>
+          <a:p>
+            <a:r>
+              <a:rPr lang="en-US" sz="1600" dirty="0">
+                <a:solidFill>
+                  <a:srgbClr val="D4D4D4"/>
+                </a:solidFill>
+                <a:latin typeface="Consolas" panose="020B0609020204030204" pitchFamily="49" charset="0"/>
+              </a:rPr>
+              <a:t>  }</a:t>
+            </a:r>
+          </a:p>
+          <a:p>
+            <a:r>
+              <a:rPr lang="en-US" sz="1600" dirty="0">
+                <a:solidFill>
+                  <a:srgbClr val="D4D4D4"/>
+                </a:solidFill>
+                <a:latin typeface="Consolas" panose="020B0609020204030204" pitchFamily="49" charset="0"/>
+              </a:rPr>
+              <a:t>},</a:t>
+            </a:r>
+          </a:p>
+        </p:txBody>
+      </p:sp>
+      <p:sp>
+        <p:nvSpPr>
+          <p:cNvPr id="9" name="矩形 8">
+            <a:extLst>
+              <a:ext uri="{FF2B5EF4-FFF2-40B4-BE49-F238E27FC236}">
+                <a16:creationId xmlns:a16="http://schemas.microsoft.com/office/drawing/2014/main" id="{BCE22B8E-F1DA-43FD-8978-B2F593528294}"/>
+              </a:ext>
+            </a:extLst>
+          </p:cNvPr>
+          <p:cNvSpPr/>
+          <p:nvPr/>
+        </p:nvSpPr>
+        <p:spPr>
+          <a:xfrm>
+            <a:off x="2832809" y="4235118"/>
+            <a:ext cx="7003840" cy="369332"/>
+          </a:xfrm>
+          <a:prstGeom prst="rect">
+            <a:avLst/>
+          </a:prstGeom>
+        </p:spPr>
+        <p:txBody>
+          <a:bodyPr wrap="none">
+            <a:spAutoFit/>
+          </a:bodyPr>
+          <a:lstStyle/>
+          <a:p>
+            <a:r>
+              <a:rPr lang="en-US" altLang="zh-CN" dirty="0">
+                <a:solidFill>
+                  <a:schemeClr val="bg1"/>
+                </a:solidFill>
+              </a:rPr>
+              <a:t>state</a:t>
+            </a:r>
+            <a:r>
+              <a:rPr lang="zh-CN" altLang="en-US" dirty="0">
+                <a:solidFill>
+                  <a:schemeClr val="bg1"/>
+                </a:solidFill>
+              </a:rPr>
+              <a:t>的值是当前</a:t>
+            </a:r>
+            <a:r>
+              <a:rPr lang="en-US" altLang="zh-CN" dirty="0">
+                <a:solidFill>
+                  <a:schemeClr val="bg1"/>
+                </a:solidFill>
+              </a:rPr>
+              <a:t>redux store</a:t>
+            </a:r>
+            <a:r>
+              <a:rPr lang="zh-CN" altLang="en-US" dirty="0">
+                <a:solidFill>
+                  <a:schemeClr val="bg1"/>
+                </a:solidFill>
+              </a:rPr>
+              <a:t>中</a:t>
+            </a:r>
+            <a:r>
+              <a:rPr lang="en-US" altLang="zh-CN" dirty="0" err="1">
+                <a:solidFill>
+                  <a:schemeClr val="bg1"/>
+                </a:solidFill>
+              </a:rPr>
+              <a:t>user_token</a:t>
+            </a:r>
+            <a:r>
+              <a:rPr lang="zh-CN" altLang="en-US" dirty="0">
+                <a:solidFill>
+                  <a:schemeClr val="bg1"/>
+                </a:solidFill>
+              </a:rPr>
+              <a:t>的值，由</a:t>
+            </a:r>
+            <a:r>
+              <a:rPr lang="en-US" altLang="zh-CN" dirty="0">
+                <a:solidFill>
+                  <a:schemeClr val="bg1"/>
+                </a:solidFill>
+              </a:rPr>
+              <a:t>rematch</a:t>
+            </a:r>
+            <a:r>
+              <a:rPr lang="zh-CN" altLang="en-US" dirty="0">
+                <a:solidFill>
+                  <a:schemeClr val="bg1"/>
+                </a:solidFill>
+              </a:rPr>
+              <a:t>自动填充</a:t>
+            </a:r>
+            <a:endParaRPr lang="en-US" dirty="0">
+              <a:solidFill>
+                <a:schemeClr val="bg1"/>
+              </a:solidFill>
+            </a:endParaRPr>
+          </a:p>
+        </p:txBody>
+      </p:sp>
+      <p:sp>
+        <p:nvSpPr>
+          <p:cNvPr id="13" name="Rectangle 3">
+            <a:extLst>
+              <a:ext uri="{FF2B5EF4-FFF2-40B4-BE49-F238E27FC236}">
+                <a16:creationId xmlns:a16="http://schemas.microsoft.com/office/drawing/2014/main" id="{9E5DE49E-6804-45C4-8726-9FBF345765F3}"/>
+              </a:ext>
+            </a:extLst>
+          </p:cNvPr>
+          <p:cNvSpPr/>
+          <p:nvPr/>
+        </p:nvSpPr>
+        <p:spPr>
+          <a:xfrm rot="10800000">
+            <a:off x="2787090" y="4191184"/>
+            <a:ext cx="45719" cy="457200"/>
+          </a:xfrm>
+          <a:prstGeom prst="rect">
+            <a:avLst/>
+          </a:prstGeom>
+          <a:solidFill>
+            <a:srgbClr val="FFA400"/>
+          </a:solidFill>
+          <a:ln>
+            <a:noFill/>
+          </a:ln>
+        </p:spPr>
+        <p:style>
+          <a:lnRef idx="2">
+            <a:schemeClr val="accent1">
+              <a:shade val="50000"/>
+            </a:schemeClr>
+          </a:lnRef>
+          <a:fillRef idx="1">
+            <a:schemeClr val="accent1"/>
+          </a:fillRef>
+          <a:effectRef idx="0">
+            <a:schemeClr val="accent1"/>
+          </a:effectRef>
+          <a:fontRef idx="minor">
+            <a:schemeClr val="lt1"/>
+          </a:fontRef>
+        </p:style>
+        <p:txBody>
+          <a:bodyPr rtlCol="0" anchor="ctr"/>
+          <a:lstStyle/>
+          <a:p>
+            <a:pPr marL="0" marR="0" lvl="0" indent="0" algn="ctr" defTabSz="914400" rtl="0" eaLnBrk="1" fontAlgn="auto" latinLnBrk="0" hangingPunct="1">
+              <a:lnSpc>
+                <a:spcPct val="100000"/>
+              </a:lnSpc>
+              <a:spcBef>
+                <a:spcPts val="0"/>
+              </a:spcBef>
+              <a:spcAft>
+                <a:spcPts val="0"/>
+              </a:spcAft>
+              <a:buClrTx/>
+              <a:buSzTx/>
+              <a:buFontTx/>
+              <a:buNone/>
+              <a:tabLst/>
+              <a:defRPr/>
+            </a:pPr>
+            <a:endParaRPr kumimoji="0" lang="en-US" sz="1800" b="0" i="0" u="none" strike="noStrike" kern="1200" cap="none" spc="0" normalizeH="0" baseline="0" noProof="0">
+              <a:ln>
+                <a:noFill/>
+              </a:ln>
+              <a:solidFill>
+                <a:prstClr val="white"/>
+              </a:solidFill>
+              <a:effectLst/>
+              <a:uLnTx/>
+              <a:uFillTx/>
+              <a:latin typeface="Calibri" panose="020F0502020204030204"/>
+              <a:ea typeface="+mn-ea"/>
+              <a:cs typeface="+mn-cs"/>
+            </a:endParaRPr>
+          </a:p>
+        </p:txBody>
+      </p:sp>
+      <p:sp>
+        <p:nvSpPr>
+          <p:cNvPr id="14" name="矩形 13">
+            <a:extLst>
+              <a:ext uri="{FF2B5EF4-FFF2-40B4-BE49-F238E27FC236}">
+                <a16:creationId xmlns:a16="http://schemas.microsoft.com/office/drawing/2014/main" id="{A229A1CC-617F-4EAE-9844-21C532C2A229}"/>
+              </a:ext>
+            </a:extLst>
+          </p:cNvPr>
+          <p:cNvSpPr/>
+          <p:nvPr/>
+        </p:nvSpPr>
+        <p:spPr>
+          <a:xfrm>
+            <a:off x="2832809" y="4780472"/>
+            <a:ext cx="5808706" cy="369332"/>
+          </a:xfrm>
+          <a:prstGeom prst="rect">
+            <a:avLst/>
+          </a:prstGeom>
+        </p:spPr>
+        <p:txBody>
+          <a:bodyPr wrap="none">
+            <a:spAutoFit/>
+          </a:bodyPr>
+          <a:lstStyle/>
+          <a:p>
+            <a:r>
+              <a:rPr lang="en-US" altLang="zh-CN" dirty="0">
+                <a:solidFill>
+                  <a:schemeClr val="bg1"/>
+                </a:solidFill>
+              </a:rPr>
+              <a:t>payload</a:t>
+            </a:r>
+            <a:r>
+              <a:rPr lang="zh-CN" altLang="en-US" dirty="0">
+                <a:solidFill>
+                  <a:schemeClr val="bg1"/>
+                </a:solidFill>
+              </a:rPr>
+              <a:t>的值是程序员调用这个</a:t>
+            </a:r>
+            <a:r>
+              <a:rPr lang="en-US" altLang="zh-CN" dirty="0">
+                <a:solidFill>
+                  <a:schemeClr val="bg1"/>
+                </a:solidFill>
+              </a:rPr>
+              <a:t>reducer</a:t>
+            </a:r>
+            <a:r>
+              <a:rPr lang="zh-CN" altLang="en-US" dirty="0">
+                <a:solidFill>
+                  <a:schemeClr val="bg1"/>
+                </a:solidFill>
+              </a:rPr>
+              <a:t>时，自己填充的值</a:t>
+            </a:r>
+            <a:endParaRPr lang="en-US" dirty="0">
+              <a:solidFill>
+                <a:schemeClr val="bg1"/>
+              </a:solidFill>
+            </a:endParaRPr>
+          </a:p>
+        </p:txBody>
+      </p:sp>
+      <p:sp>
+        <p:nvSpPr>
+          <p:cNvPr id="15" name="Rectangle 3">
+            <a:extLst>
+              <a:ext uri="{FF2B5EF4-FFF2-40B4-BE49-F238E27FC236}">
+                <a16:creationId xmlns:a16="http://schemas.microsoft.com/office/drawing/2014/main" id="{6BD9C473-75DA-4585-BB98-C08665EADF12}"/>
+              </a:ext>
+            </a:extLst>
+          </p:cNvPr>
+          <p:cNvSpPr/>
+          <p:nvPr/>
+        </p:nvSpPr>
+        <p:spPr>
+          <a:xfrm rot="10800000">
+            <a:off x="2787090" y="4736538"/>
+            <a:ext cx="45719" cy="457200"/>
+          </a:xfrm>
+          <a:prstGeom prst="rect">
+            <a:avLst/>
+          </a:prstGeom>
+          <a:solidFill>
+            <a:srgbClr val="FFA400"/>
+          </a:solidFill>
+          <a:ln>
+            <a:noFill/>
+          </a:ln>
+        </p:spPr>
+        <p:style>
+          <a:lnRef idx="2">
+            <a:schemeClr val="accent1">
+              <a:shade val="50000"/>
+            </a:schemeClr>
+          </a:lnRef>
+          <a:fillRef idx="1">
+            <a:schemeClr val="accent1"/>
+          </a:fillRef>
+          <a:effectRef idx="0">
+            <a:schemeClr val="accent1"/>
+          </a:effectRef>
+          <a:fontRef idx="minor">
+            <a:schemeClr val="lt1"/>
+          </a:fontRef>
+        </p:style>
+        <p:txBody>
+          <a:bodyPr rtlCol="0" anchor="ctr"/>
+          <a:lstStyle/>
+          <a:p>
+            <a:pPr marL="0" marR="0" lvl="0" indent="0" algn="ctr" defTabSz="914400" rtl="0" eaLnBrk="1" fontAlgn="auto" latinLnBrk="0" hangingPunct="1">
+              <a:lnSpc>
+                <a:spcPct val="100000"/>
+              </a:lnSpc>
+              <a:spcBef>
+                <a:spcPts val="0"/>
+              </a:spcBef>
+              <a:spcAft>
+                <a:spcPts val="0"/>
+              </a:spcAft>
+              <a:buClrTx/>
+              <a:buSzTx/>
+              <a:buFontTx/>
+              <a:buNone/>
+              <a:tabLst/>
+              <a:defRPr/>
+            </a:pPr>
+            <a:endParaRPr kumimoji="0" lang="en-US" sz="1800" b="0" i="0" u="none" strike="noStrike" kern="1200" cap="none" spc="0" normalizeH="0" baseline="0" noProof="0">
+              <a:ln>
+                <a:noFill/>
+              </a:ln>
+              <a:solidFill>
+                <a:prstClr val="white"/>
+              </a:solidFill>
+              <a:effectLst/>
+              <a:uLnTx/>
+              <a:uFillTx/>
+              <a:latin typeface="Calibri" panose="020F0502020204030204"/>
+              <a:ea typeface="+mn-ea"/>
+              <a:cs typeface="+mn-cs"/>
+            </a:endParaRPr>
+          </a:p>
+        </p:txBody>
+      </p:sp>
+      <p:sp>
+        <p:nvSpPr>
+          <p:cNvPr id="4" name="矩形 3">
+            <a:extLst>
+              <a:ext uri="{FF2B5EF4-FFF2-40B4-BE49-F238E27FC236}">
+                <a16:creationId xmlns:a16="http://schemas.microsoft.com/office/drawing/2014/main" id="{9BCF5D67-81FC-49B7-93DA-6AA27839AB9F}"/>
+              </a:ext>
+            </a:extLst>
+          </p:cNvPr>
+          <p:cNvSpPr/>
+          <p:nvPr/>
+        </p:nvSpPr>
+        <p:spPr>
+          <a:xfrm>
+            <a:off x="2832809" y="3821709"/>
+            <a:ext cx="646331" cy="369332"/>
+          </a:xfrm>
+          <a:prstGeom prst="rect">
+            <a:avLst/>
+          </a:prstGeom>
+        </p:spPr>
+        <p:txBody>
+          <a:bodyPr wrap="none">
+            <a:spAutoFit/>
+          </a:bodyPr>
+          <a:lstStyle/>
+          <a:p>
+            <a:r>
+              <a:rPr lang="zh-CN" altLang="en-US" dirty="0">
+                <a:solidFill>
+                  <a:schemeClr val="bg1"/>
+                </a:solidFill>
+              </a:rPr>
+              <a:t>其中</a:t>
+            </a:r>
+            <a:endParaRPr lang="en-US" dirty="0"/>
+          </a:p>
+        </p:txBody>
+      </p:sp>
+    </p:spTree>
+    <p:extLst>
+      <p:ext uri="{BB962C8B-B14F-4D97-AF65-F5344CB8AC3E}">
+        <p14:creationId xmlns:p14="http://schemas.microsoft.com/office/powerpoint/2010/main" val="216562017"/>
+      </p:ext>
+    </p:extLst>
+  </p:cSld>
+  <p:clrMapOvr>
+    <a:masterClrMapping/>
+  </p:clrMapOvr>
+</p:sld>
+</file>
+
+<file path=ppt/slides/slide8.xml><?xml version="1.0" encoding="utf-8"?>
+<p:sld xmlns:a="http://schemas.openxmlformats.org/drawingml/2006/main" xmlns:r="http://schemas.openxmlformats.org/officeDocument/2006/relationships" xmlns:p="http://schemas.openxmlformats.org/presentationml/2006/main">
+  <p:cSld>
+    <p:bg>
+      <p:bgPr>
+        <a:solidFill>
+          <a:srgbClr val="181720"/>
+        </a:solidFill>
+        <a:effectLst/>
+      </p:bgPr>
+    </p:bg>
+    <p:spTree>
+      <p:nvGrpSpPr>
+        <p:cNvPr id="1" name=""/>
+        <p:cNvGrpSpPr/>
+        <p:nvPr/>
+      </p:nvGrpSpPr>
+      <p:grpSpPr>
+        <a:xfrm>
+          <a:off x="0" y="0"/>
+          <a:ext cx="0" cy="0"/>
+          <a:chOff x="0" y="0"/>
+          <a:chExt cx="0" cy="0"/>
+        </a:xfrm>
+      </p:grpSpPr>
+      <p:sp>
+        <p:nvSpPr>
+          <p:cNvPr id="10" name="矩形 9">
+            <a:extLst>
+              <a:ext uri="{FF2B5EF4-FFF2-40B4-BE49-F238E27FC236}">
+                <a16:creationId xmlns:a16="http://schemas.microsoft.com/office/drawing/2014/main" id="{A5818015-5ED7-4981-A271-668BCB6BF0B0}"/>
+              </a:ext>
+            </a:extLst>
+          </p:cNvPr>
+          <p:cNvSpPr/>
+          <p:nvPr/>
+        </p:nvSpPr>
+        <p:spPr>
+          <a:xfrm>
+            <a:off x="0" y="0"/>
+            <a:ext cx="2441359" cy="6858000"/>
+          </a:xfrm>
+          <a:prstGeom prst="rect">
+            <a:avLst/>
+          </a:prstGeom>
+          <a:solidFill>
+            <a:srgbClr val="0E0C13"/>
+          </a:solidFill>
+          <a:ln>
+            <a:noFill/>
+          </a:ln>
+        </p:spPr>
+        <p:style>
+          <a:lnRef idx="2">
+            <a:schemeClr val="accent1">
+              <a:shade val="50000"/>
+            </a:schemeClr>
+          </a:lnRef>
+          <a:fillRef idx="1">
+            <a:schemeClr val="accent1"/>
+          </a:fillRef>
+          <a:effectRef idx="0">
+            <a:schemeClr val="accent1"/>
+          </a:effectRef>
+          <a:fontRef idx="minor">
+            <a:schemeClr val="lt1"/>
+          </a:fontRef>
+        </p:style>
+        <p:txBody>
+          <a:bodyPr rtlCol="0" anchor="ctr"/>
+          <a:lstStyle/>
+          <a:p>
+            <a:pPr marL="0" marR="0" lvl="0" indent="0" algn="ctr" defTabSz="914400" rtl="0" eaLnBrk="1" fontAlgn="auto" latinLnBrk="0" hangingPunct="1">
+              <a:lnSpc>
+                <a:spcPct val="100000"/>
+              </a:lnSpc>
+              <a:spcBef>
+                <a:spcPts val="0"/>
+              </a:spcBef>
+              <a:spcAft>
+                <a:spcPts val="0"/>
+              </a:spcAft>
+              <a:buClrTx/>
+              <a:buSzTx/>
+              <a:buFontTx/>
+              <a:buNone/>
+              <a:tabLst/>
+              <a:defRPr/>
+            </a:pPr>
+            <a:endParaRPr kumimoji="0" lang="en-US" sz="1800" b="0" i="0" u="none" strike="noStrike" kern="1200" cap="none" spc="0" normalizeH="0" baseline="0" noProof="0" dirty="0">
+              <a:ln>
+                <a:noFill/>
+              </a:ln>
+              <a:solidFill>
+                <a:prstClr val="white"/>
+              </a:solidFill>
+              <a:effectLst/>
+              <a:uLnTx/>
+              <a:uFillTx/>
+              <a:latin typeface="Calibri" panose="020F0502020204030204"/>
+              <a:ea typeface="+mn-ea"/>
+              <a:cs typeface="+mn-cs"/>
+            </a:endParaRPr>
+          </a:p>
+        </p:txBody>
+      </p:sp>
+      <p:sp>
+        <p:nvSpPr>
+          <p:cNvPr id="11" name="文本框 10">
+            <a:extLst>
+              <a:ext uri="{FF2B5EF4-FFF2-40B4-BE49-F238E27FC236}">
+                <a16:creationId xmlns:a16="http://schemas.microsoft.com/office/drawing/2014/main" id="{67E1321D-BD42-455D-A6E9-7D926506191E}"/>
+              </a:ext>
+            </a:extLst>
+          </p:cNvPr>
+          <p:cNvSpPr txBox="1"/>
+          <p:nvPr/>
+        </p:nvSpPr>
+        <p:spPr>
+          <a:xfrm>
+            <a:off x="345731" y="1580251"/>
+            <a:ext cx="963725" cy="1015663"/>
+          </a:xfrm>
+          <a:prstGeom prst="rect">
+            <a:avLst/>
+          </a:prstGeom>
+          <a:noFill/>
+        </p:spPr>
+        <p:txBody>
+          <a:bodyPr wrap="none" rtlCol="0">
+            <a:spAutoFit/>
+          </a:bodyPr>
+          <a:lstStyle/>
+          <a:p>
+            <a:pPr marL="0" marR="0" lvl="0" indent="0" algn="l" defTabSz="914400" rtl="0" eaLnBrk="1" fontAlgn="auto" latinLnBrk="0" hangingPunct="1">
+              <a:lnSpc>
+                <a:spcPct val="100000"/>
+              </a:lnSpc>
+              <a:spcBef>
+                <a:spcPts val="0"/>
+              </a:spcBef>
+              <a:spcAft>
+                <a:spcPts val="0"/>
+              </a:spcAft>
+              <a:buClrTx/>
+              <a:buSzTx/>
+              <a:buFontTx/>
+              <a:buNone/>
+              <a:tabLst/>
+              <a:defRPr/>
+            </a:pPr>
+            <a:r>
+              <a:rPr kumimoji="0" lang="en-US" sz="6000" b="0" i="0" u="none" strike="noStrike" kern="1200" cap="none" spc="0" normalizeH="0" baseline="0" noProof="0" dirty="0">
+                <a:ln>
+                  <a:noFill/>
+                </a:ln>
+                <a:solidFill>
+                  <a:srgbClr val="24F9CB"/>
+                </a:solidFill>
+                <a:effectLst/>
+                <a:uLnTx/>
+                <a:uFillTx/>
+                <a:latin typeface="Calibri" panose="020F0502020204030204"/>
+                <a:ea typeface="+mn-ea"/>
+                <a:cs typeface="+mn-cs"/>
+              </a:rPr>
+              <a:t>01</a:t>
+            </a:r>
+          </a:p>
+        </p:txBody>
+      </p:sp>
+      <p:sp>
+        <p:nvSpPr>
+          <p:cNvPr id="12" name="文本框 11">
+            <a:extLst>
+              <a:ext uri="{FF2B5EF4-FFF2-40B4-BE49-F238E27FC236}">
+                <a16:creationId xmlns:a16="http://schemas.microsoft.com/office/drawing/2014/main" id="{548CB999-F3EE-4A2C-AFA2-381782F1CCA1}"/>
+              </a:ext>
+            </a:extLst>
+          </p:cNvPr>
+          <p:cNvSpPr txBox="1"/>
+          <p:nvPr/>
+        </p:nvSpPr>
+        <p:spPr>
+          <a:xfrm>
+            <a:off x="345731" y="2595914"/>
+            <a:ext cx="1776032" cy="1384995"/>
+          </a:xfrm>
+          <a:prstGeom prst="rect">
+            <a:avLst/>
+          </a:prstGeom>
+          <a:noFill/>
+        </p:spPr>
+        <p:txBody>
+          <a:bodyPr wrap="square" rtlCol="0">
+            <a:spAutoFit/>
+          </a:bodyPr>
+          <a:lstStyle/>
+          <a:p>
+            <a:pPr>
+              <a:defRPr/>
+            </a:pPr>
+            <a:r>
+              <a:rPr lang="zh-CN" altLang="en-US" sz="2400" dirty="0">
+                <a:solidFill>
                   <a:prstClr val="white"/>
+                </a:solidFill>
+              </a:rPr>
+              <a:t>写</a:t>
+            </a:r>
+            <a:r>
+              <a:rPr lang="en-US" altLang="zh-CN" sz="2400" dirty="0">
+                <a:solidFill>
+                  <a:prstClr val="white"/>
+                </a:solidFill>
+              </a:rPr>
+              <a:t>Rematch</a:t>
+            </a:r>
+            <a:r>
+              <a:rPr lang="zh-CN" altLang="en-US" sz="2400" dirty="0">
+                <a:solidFill>
+                  <a:prstClr val="white"/>
+                </a:solidFill>
+              </a:rPr>
+              <a:t>的步骤</a:t>
+            </a:r>
+            <a:endParaRPr lang="en-US" sz="2400" dirty="0">
+              <a:solidFill>
+                <a:prstClr val="white"/>
+              </a:solidFill>
+            </a:endParaRPr>
+          </a:p>
+          <a:p>
+            <a:pPr marL="0" marR="0" lvl="0" indent="0" algn="l" defTabSz="914400" rtl="0" eaLnBrk="1" fontAlgn="auto" latinLnBrk="0" hangingPunct="1">
+              <a:lnSpc>
+                <a:spcPct val="100000"/>
+              </a:lnSpc>
+              <a:spcBef>
+                <a:spcPts val="0"/>
+              </a:spcBef>
+              <a:spcAft>
+                <a:spcPts val="0"/>
+              </a:spcAft>
+              <a:buClrTx/>
+              <a:buSzTx/>
+              <a:buFontTx/>
+              <a:buNone/>
+              <a:tabLst/>
+              <a:defRPr/>
+            </a:pPr>
+            <a:r>
+              <a:rPr kumimoji="0" lang="en-US" altLang="zh-CN" b="0" i="0" u="none" strike="noStrike" kern="1200" cap="none" spc="0" normalizeH="0" baseline="0" noProof="0" dirty="0">
+                <a:ln>
+                  <a:noFill/>
+                </a:ln>
+                <a:solidFill>
+                  <a:srgbClr val="24F9CB"/>
+                </a:solidFill>
+                <a:effectLst/>
+                <a:uLnTx/>
+                <a:uFillTx/>
+                <a:latin typeface="Calibri" panose="020F0502020204030204"/>
+                <a:ea typeface="等线" panose="02010600030101010101" pitchFamily="2" charset="-122"/>
+                <a:cs typeface="+mn-cs"/>
+              </a:rPr>
+              <a:t>Create Effects in the Model</a:t>
+            </a:r>
+          </a:p>
+        </p:txBody>
+      </p:sp>
+      <p:pic>
+        <p:nvPicPr>
+          <p:cNvPr id="8" name="图形 7">
+            <a:extLst>
+              <a:ext uri="{FF2B5EF4-FFF2-40B4-BE49-F238E27FC236}">
+                <a16:creationId xmlns:a16="http://schemas.microsoft.com/office/drawing/2014/main" id="{AFA1FBE0-585E-4A7A-8D54-08D1C4C22B49}"/>
+              </a:ext>
+            </a:extLst>
+          </p:cNvPr>
+          <p:cNvPicPr>
+            <a:picLocks noChangeAspect="1"/>
+          </p:cNvPicPr>
+          <p:nvPr/>
+        </p:nvPicPr>
+        <p:blipFill>
+          <a:blip r:embed="rId2">
+            <a:extLst>
+              <a:ext uri="{96DAC541-7B7A-43D3-8B79-37D633B846F1}">
+                <asvg:svgBlip xmlns:asvg="http://schemas.microsoft.com/office/drawing/2016/SVG/main" r:embed="rId3"/>
+              </a:ext>
+            </a:extLst>
+          </a:blip>
+          <a:stretch>
+            <a:fillRect/>
+          </a:stretch>
+        </p:blipFill>
+        <p:spPr>
+          <a:xfrm>
+            <a:off x="214225" y="6493296"/>
+            <a:ext cx="1514139" cy="182880"/>
+          </a:xfrm>
+          <a:prstGeom prst="rect">
+            <a:avLst/>
+          </a:prstGeom>
+        </p:spPr>
+      </p:pic>
+      <p:sp>
+        <p:nvSpPr>
+          <p:cNvPr id="2" name="矩形 1">
+            <a:extLst>
+              <a:ext uri="{FF2B5EF4-FFF2-40B4-BE49-F238E27FC236}">
+                <a16:creationId xmlns:a16="http://schemas.microsoft.com/office/drawing/2014/main" id="{1FC962CE-5082-4F55-B45C-A53823A22B08}"/>
+              </a:ext>
+            </a:extLst>
+          </p:cNvPr>
+          <p:cNvSpPr/>
+          <p:nvPr/>
+        </p:nvSpPr>
+        <p:spPr>
+          <a:xfrm>
+            <a:off x="2787091" y="654048"/>
+            <a:ext cx="6096000" cy="3293209"/>
+          </a:xfrm>
+          <a:prstGeom prst="rect">
+            <a:avLst/>
+          </a:prstGeom>
+        </p:spPr>
+        <p:txBody>
+          <a:bodyPr>
+            <a:spAutoFit/>
+          </a:bodyPr>
+          <a:lstStyle/>
+          <a:p>
+            <a:r>
+              <a:rPr lang="en-US" sz="1600" dirty="0">
+                <a:solidFill>
+                  <a:schemeClr val="accent6">
+                    <a:lumMod val="75000"/>
+                  </a:schemeClr>
+                </a:solidFill>
+              </a:rPr>
+              <a:t>// In file /models.js</a:t>
+            </a:r>
+            <a:endParaRPr lang="en-US" sz="1600" dirty="0">
+              <a:solidFill>
+                <a:srgbClr val="C586C0"/>
+              </a:solidFill>
+              <a:latin typeface="Consolas" panose="020B0609020204030204" pitchFamily="49" charset="0"/>
+            </a:endParaRPr>
+          </a:p>
+          <a:p>
+            <a:r>
+              <a:rPr lang="en-US" sz="1600" dirty="0">
+                <a:solidFill>
+                  <a:srgbClr val="C586C0"/>
+                </a:solidFill>
+                <a:latin typeface="Consolas" panose="020B0609020204030204" pitchFamily="49" charset="0"/>
+              </a:rPr>
+              <a:t>export</a:t>
+            </a:r>
+            <a:r>
+              <a:rPr lang="en-US" sz="1600" dirty="0">
+                <a:solidFill>
+                  <a:srgbClr val="D4D4D4"/>
+                </a:solidFill>
+                <a:latin typeface="Consolas" panose="020B0609020204030204" pitchFamily="49" charset="0"/>
+              </a:rPr>
+              <a:t> </a:t>
+            </a:r>
+            <a:r>
+              <a:rPr lang="en-US" sz="1600" dirty="0">
+                <a:solidFill>
+                  <a:srgbClr val="569CD6"/>
+                </a:solidFill>
+                <a:latin typeface="Consolas" panose="020B0609020204030204" pitchFamily="49" charset="0"/>
+              </a:rPr>
+              <a:t>const</a:t>
+            </a:r>
+            <a:r>
+              <a:rPr lang="en-US" sz="1600" dirty="0">
+                <a:solidFill>
+                  <a:srgbClr val="D4D4D4"/>
+                </a:solidFill>
+                <a:latin typeface="Consolas" panose="020B0609020204030204" pitchFamily="49" charset="0"/>
+              </a:rPr>
+              <a:t> </a:t>
+            </a:r>
+            <a:r>
+              <a:rPr lang="en-US" sz="1600" dirty="0" err="1">
+                <a:solidFill>
+                  <a:srgbClr val="9CDCFE"/>
+                </a:solidFill>
+                <a:latin typeface="Consolas" panose="020B0609020204030204" pitchFamily="49" charset="0"/>
+              </a:rPr>
+              <a:t>user_token</a:t>
+            </a:r>
+            <a:r>
+              <a:rPr lang="en-US" sz="1600" dirty="0">
+                <a:solidFill>
+                  <a:srgbClr val="D4D4D4"/>
+                </a:solidFill>
+                <a:latin typeface="Consolas" panose="020B0609020204030204" pitchFamily="49" charset="0"/>
+              </a:rPr>
+              <a:t> = {</a:t>
+            </a:r>
+          </a:p>
+          <a:p>
+            <a:r>
+              <a:rPr lang="en-US" sz="1600" dirty="0">
+                <a:solidFill>
+                  <a:srgbClr val="9CDCFE"/>
+                </a:solidFill>
+                <a:latin typeface="Consolas" panose="020B0609020204030204" pitchFamily="49" charset="0"/>
+              </a:rPr>
+              <a:t>  state:</a:t>
+            </a:r>
+            <a:r>
+              <a:rPr lang="en-US" sz="1600" dirty="0">
+                <a:solidFill>
+                  <a:srgbClr val="D4D4D4"/>
+                </a:solidFill>
+                <a:latin typeface="Consolas" panose="020B0609020204030204" pitchFamily="49" charset="0"/>
+              </a:rPr>
+              <a:t> </a:t>
+            </a:r>
+            <a:r>
+              <a:rPr lang="en-US" sz="1600" dirty="0">
+                <a:solidFill>
+                  <a:srgbClr val="569CD6"/>
+                </a:solidFill>
+                <a:latin typeface="Consolas" panose="020B0609020204030204" pitchFamily="49" charset="0"/>
+              </a:rPr>
+              <a:t>null</a:t>
+            </a:r>
+            <a:r>
+              <a:rPr lang="en-US" sz="1600" dirty="0">
+                <a:solidFill>
+                  <a:srgbClr val="D4D4D4"/>
+                </a:solidFill>
+                <a:latin typeface="Consolas" panose="020B0609020204030204" pitchFamily="49" charset="0"/>
+              </a:rPr>
+              <a:t>,</a:t>
+            </a:r>
+          </a:p>
+          <a:p>
+            <a:r>
+              <a:rPr lang="en-US" sz="1600" dirty="0">
+                <a:solidFill>
+                  <a:srgbClr val="9CDCFE"/>
+                </a:solidFill>
+                <a:latin typeface="Consolas" panose="020B0609020204030204" pitchFamily="49" charset="0"/>
+              </a:rPr>
+              <a:t>  reducers:</a:t>
+            </a:r>
+            <a:r>
+              <a:rPr lang="en-US" sz="1600" dirty="0">
+                <a:solidFill>
+                  <a:srgbClr val="D4D4D4"/>
+                </a:solidFill>
+                <a:latin typeface="Consolas" panose="020B0609020204030204" pitchFamily="49" charset="0"/>
+              </a:rPr>
+              <a:t> {</a:t>
+            </a:r>
+          </a:p>
+          <a:p>
+            <a:r>
+              <a:rPr lang="en-US" sz="1600" dirty="0">
+                <a:solidFill>
+                  <a:srgbClr val="DCDCAA"/>
+                </a:solidFill>
+                <a:latin typeface="Consolas" panose="020B0609020204030204" pitchFamily="49" charset="0"/>
+              </a:rPr>
+              <a:t>    set</a:t>
+            </a:r>
+            <a:r>
+              <a:rPr lang="en-US" sz="1600" dirty="0">
+                <a:solidFill>
+                  <a:srgbClr val="D4D4D4"/>
+                </a:solidFill>
+                <a:latin typeface="Consolas" panose="020B0609020204030204" pitchFamily="49" charset="0"/>
+              </a:rPr>
+              <a:t>(</a:t>
+            </a:r>
+            <a:r>
+              <a:rPr lang="en-US" sz="1600" dirty="0">
+                <a:solidFill>
+                  <a:srgbClr val="9CDCFE"/>
+                </a:solidFill>
+                <a:latin typeface="Consolas" panose="020B0609020204030204" pitchFamily="49" charset="0"/>
+              </a:rPr>
+              <a:t>state</a:t>
+            </a:r>
+            <a:r>
+              <a:rPr lang="en-US" sz="1600" dirty="0">
+                <a:solidFill>
+                  <a:srgbClr val="D4D4D4"/>
+                </a:solidFill>
+                <a:latin typeface="Consolas" panose="020B0609020204030204" pitchFamily="49" charset="0"/>
+              </a:rPr>
+              <a:t>, </a:t>
+            </a:r>
+            <a:r>
+              <a:rPr lang="en-US" sz="1600" dirty="0">
+                <a:solidFill>
+                  <a:srgbClr val="9CDCFE"/>
+                </a:solidFill>
+                <a:latin typeface="Consolas" panose="020B0609020204030204" pitchFamily="49" charset="0"/>
+              </a:rPr>
+              <a:t>payload</a:t>
+            </a:r>
+            <a:r>
+              <a:rPr lang="en-US" sz="1600" dirty="0">
+                <a:solidFill>
+                  <a:srgbClr val="D4D4D4"/>
+                </a:solidFill>
+                <a:latin typeface="Consolas" panose="020B0609020204030204" pitchFamily="49" charset="0"/>
+              </a:rPr>
+              <a:t>) {</a:t>
+            </a:r>
+          </a:p>
+          <a:p>
+            <a:r>
+              <a:rPr lang="en-US" sz="1600" dirty="0">
+                <a:solidFill>
+                  <a:srgbClr val="C586C0"/>
+                </a:solidFill>
+                <a:latin typeface="Consolas" panose="020B0609020204030204" pitchFamily="49" charset="0"/>
+              </a:rPr>
+              <a:t>      return</a:t>
+            </a:r>
+            <a:r>
+              <a:rPr lang="en-US" sz="1600" dirty="0">
+                <a:solidFill>
+                  <a:srgbClr val="D4D4D4"/>
+                </a:solidFill>
+                <a:latin typeface="Consolas" panose="020B0609020204030204" pitchFamily="49" charset="0"/>
+              </a:rPr>
+              <a:t> </a:t>
+            </a:r>
+            <a:r>
+              <a:rPr lang="en-US" sz="1600" dirty="0">
+                <a:solidFill>
+                  <a:srgbClr val="9CDCFE"/>
+                </a:solidFill>
+                <a:latin typeface="Consolas" panose="020B0609020204030204" pitchFamily="49" charset="0"/>
+              </a:rPr>
+              <a:t>payload</a:t>
+            </a:r>
+            <a:r>
+              <a:rPr lang="en-US" sz="1600" dirty="0">
+                <a:solidFill>
+                  <a:srgbClr val="D4D4D4"/>
+                </a:solidFill>
+                <a:latin typeface="Consolas" panose="020B0609020204030204" pitchFamily="49" charset="0"/>
+              </a:rPr>
+              <a:t>;</a:t>
+            </a:r>
+          </a:p>
+          <a:p>
+            <a:r>
+              <a:rPr lang="en-US" sz="1600" dirty="0">
+                <a:solidFill>
+                  <a:srgbClr val="D4D4D4"/>
+                </a:solidFill>
+                <a:latin typeface="Consolas" panose="020B0609020204030204" pitchFamily="49" charset="0"/>
+              </a:rPr>
+              <a:t>  }</a:t>
+            </a:r>
+          </a:p>
+          <a:p>
+            <a:r>
+              <a:rPr lang="en-US" sz="1600" dirty="0">
+                <a:solidFill>
+                  <a:srgbClr val="DCDCAA"/>
+                </a:solidFill>
+                <a:latin typeface="Consolas" panose="020B0609020204030204" pitchFamily="49" charset="0"/>
+              </a:rPr>
+              <a:t>  effects</a:t>
+            </a:r>
+            <a:r>
+              <a:rPr lang="en-US" sz="1600" dirty="0">
+                <a:solidFill>
+                  <a:srgbClr val="9CDCFE"/>
+                </a:solidFill>
+                <a:latin typeface="Consolas" panose="020B0609020204030204" pitchFamily="49" charset="0"/>
+              </a:rPr>
+              <a:t>:</a:t>
+            </a:r>
+            <a:r>
+              <a:rPr lang="en-US" sz="1600" dirty="0">
+                <a:solidFill>
+                  <a:srgbClr val="D4D4D4"/>
+                </a:solidFill>
+                <a:latin typeface="Consolas" panose="020B0609020204030204" pitchFamily="49" charset="0"/>
+              </a:rPr>
+              <a:t> (</a:t>
+            </a:r>
+            <a:r>
+              <a:rPr lang="en-US" sz="1600" dirty="0">
+                <a:solidFill>
+                  <a:srgbClr val="9CDCFE"/>
+                </a:solidFill>
+                <a:latin typeface="Consolas" panose="020B0609020204030204" pitchFamily="49" charset="0"/>
+              </a:rPr>
+              <a:t>dispatch</a:t>
+            </a:r>
+            <a:r>
+              <a:rPr lang="en-US" sz="1600" dirty="0">
+                <a:solidFill>
+                  <a:srgbClr val="D4D4D4"/>
+                </a:solidFill>
+                <a:latin typeface="Consolas" panose="020B0609020204030204" pitchFamily="49" charset="0"/>
+              </a:rPr>
+              <a:t>) </a:t>
+            </a:r>
+            <a:r>
+              <a:rPr lang="en-US" sz="1600" dirty="0">
+                <a:solidFill>
+                  <a:srgbClr val="569CD6"/>
+                </a:solidFill>
+                <a:latin typeface="Consolas" panose="020B0609020204030204" pitchFamily="49" charset="0"/>
+              </a:rPr>
+              <a:t>=&gt;</a:t>
+            </a:r>
+            <a:r>
+              <a:rPr lang="en-US" sz="1600" dirty="0">
+                <a:solidFill>
+                  <a:srgbClr val="D4D4D4"/>
+                </a:solidFill>
+                <a:latin typeface="Consolas" panose="020B0609020204030204" pitchFamily="49" charset="0"/>
+              </a:rPr>
+              <a:t> ({</a:t>
+            </a:r>
+          </a:p>
+          <a:p>
+            <a:r>
+              <a:rPr lang="en-US" sz="1600" dirty="0">
+                <a:solidFill>
+                  <a:srgbClr val="DCDCAA"/>
+                </a:solidFill>
+                <a:latin typeface="Consolas" panose="020B0609020204030204" pitchFamily="49" charset="0"/>
+              </a:rPr>
+              <a:t>    create</a:t>
+            </a:r>
+            <a:r>
+              <a:rPr lang="en-US" sz="1600" dirty="0">
+                <a:solidFill>
+                  <a:srgbClr val="D4D4D4"/>
+                </a:solidFill>
+                <a:latin typeface="Consolas" panose="020B0609020204030204" pitchFamily="49" charset="0"/>
+              </a:rPr>
+              <a:t>(</a:t>
+            </a:r>
+            <a:r>
+              <a:rPr lang="en-US" sz="1600" dirty="0">
+                <a:solidFill>
+                  <a:srgbClr val="9CDCFE"/>
+                </a:solidFill>
+                <a:latin typeface="Consolas" panose="020B0609020204030204" pitchFamily="49" charset="0"/>
+              </a:rPr>
+              <a:t>payload</a:t>
+            </a:r>
+            <a:r>
+              <a:rPr lang="en-US" sz="1600" dirty="0">
+                <a:solidFill>
+                  <a:srgbClr val="D4D4D4"/>
+                </a:solidFill>
+                <a:latin typeface="Consolas" panose="020B0609020204030204" pitchFamily="49" charset="0"/>
+              </a:rPr>
+              <a:t>, </a:t>
+            </a:r>
+            <a:r>
+              <a:rPr lang="en-US" sz="1600" dirty="0">
+                <a:solidFill>
+                  <a:srgbClr val="9CDCFE"/>
+                </a:solidFill>
+                <a:latin typeface="Consolas" panose="020B0609020204030204" pitchFamily="49" charset="0"/>
+              </a:rPr>
+              <a:t>state</a:t>
+            </a:r>
+            <a:r>
+              <a:rPr lang="en-US" sz="1600" dirty="0">
+                <a:solidFill>
+                  <a:srgbClr val="D4D4D4"/>
+                </a:solidFill>
+                <a:latin typeface="Consolas" panose="020B0609020204030204" pitchFamily="49" charset="0"/>
+              </a:rPr>
+              <a:t>) {</a:t>
+            </a:r>
+          </a:p>
+          <a:p>
+            <a:r>
+              <a:rPr lang="en-US" sz="1600" dirty="0">
+                <a:solidFill>
+                  <a:srgbClr val="6A9955"/>
+                </a:solidFill>
+                <a:latin typeface="Consolas" panose="020B0609020204030204" pitchFamily="49" charset="0"/>
+              </a:rPr>
+              <a:t>      // networking stuff here</a:t>
+            </a:r>
+            <a:endParaRPr lang="en-US" sz="1600" dirty="0">
+              <a:solidFill>
+                <a:srgbClr val="D4D4D4"/>
+              </a:solidFill>
+              <a:latin typeface="Consolas" panose="020B0609020204030204" pitchFamily="49" charset="0"/>
+            </a:endParaRPr>
+          </a:p>
+          <a:p>
+            <a:r>
+              <a:rPr lang="en-US" sz="1600" dirty="0">
+                <a:solidFill>
+                  <a:srgbClr val="D4D4D4"/>
+                </a:solidFill>
+                <a:latin typeface="Consolas" panose="020B0609020204030204" pitchFamily="49" charset="0"/>
+              </a:rPr>
+              <a:t>    }</a:t>
+            </a:r>
+          </a:p>
+          <a:p>
+            <a:r>
+              <a:rPr lang="en-US" sz="1600" dirty="0">
+                <a:solidFill>
+                  <a:srgbClr val="D4D4D4"/>
+                </a:solidFill>
+                <a:latin typeface="Consolas" panose="020B0609020204030204" pitchFamily="49" charset="0"/>
+              </a:rPr>
+              <a:t>  }),</a:t>
+            </a:r>
+          </a:p>
+          <a:p>
+            <a:r>
+              <a:rPr lang="en-US" sz="1600" dirty="0">
+                <a:solidFill>
+                  <a:srgbClr val="D4D4D4"/>
+                </a:solidFill>
+                <a:latin typeface="Consolas" panose="020B0609020204030204" pitchFamily="49" charset="0"/>
+              </a:rPr>
+              <a:t>};</a:t>
+            </a:r>
+            <a:endParaRPr lang="en-US" sz="1600" b="0" dirty="0">
+              <a:solidFill>
+                <a:srgbClr val="D4D4D4"/>
+              </a:solidFill>
+              <a:effectLst/>
+              <a:latin typeface="Consolas" panose="020B0609020204030204" pitchFamily="49" charset="0"/>
+            </a:endParaRPr>
+          </a:p>
+        </p:txBody>
+      </p:sp>
+      <p:sp>
+        <p:nvSpPr>
+          <p:cNvPr id="16" name="矩形 15">
+            <a:extLst>
+              <a:ext uri="{FF2B5EF4-FFF2-40B4-BE49-F238E27FC236}">
+                <a16:creationId xmlns:a16="http://schemas.microsoft.com/office/drawing/2014/main" id="{16AFEF6A-7534-48AB-B1CD-C1BDF2A56746}"/>
+              </a:ext>
+            </a:extLst>
+          </p:cNvPr>
+          <p:cNvSpPr/>
+          <p:nvPr/>
+        </p:nvSpPr>
+        <p:spPr>
+          <a:xfrm>
+            <a:off x="2832811" y="4526907"/>
+            <a:ext cx="8884384" cy="646331"/>
+          </a:xfrm>
+          <a:prstGeom prst="rect">
+            <a:avLst/>
+          </a:prstGeom>
+        </p:spPr>
+        <p:txBody>
+          <a:bodyPr wrap="square">
+            <a:spAutoFit/>
+          </a:bodyPr>
+          <a:lstStyle/>
+          <a:p>
+            <a:r>
+              <a:rPr lang="en-US" altLang="zh-CN" dirty="0">
+                <a:solidFill>
+                  <a:schemeClr val="bg1"/>
+                </a:solidFill>
+              </a:rPr>
+              <a:t>dispatch</a:t>
+            </a:r>
+            <a:r>
+              <a:rPr lang="zh-CN" altLang="en-US" dirty="0">
+                <a:solidFill>
+                  <a:schemeClr val="bg1"/>
+                </a:solidFill>
+              </a:rPr>
+              <a:t>为</a:t>
+            </a:r>
+            <a:r>
+              <a:rPr lang="en-US" altLang="zh-CN" dirty="0">
+                <a:solidFill>
+                  <a:schemeClr val="bg1"/>
+                </a:solidFill>
+              </a:rPr>
+              <a:t>rematch</a:t>
+            </a:r>
+            <a:r>
+              <a:rPr lang="zh-CN" altLang="en-US" dirty="0">
+                <a:solidFill>
+                  <a:schemeClr val="bg1"/>
+                </a:solidFill>
+              </a:rPr>
+              <a:t>中的</a:t>
+            </a:r>
+            <a:r>
+              <a:rPr lang="en-US" altLang="zh-CN" dirty="0">
+                <a:solidFill>
+                  <a:schemeClr val="bg1"/>
+                </a:solidFill>
+              </a:rPr>
+              <a:t>dispatch</a:t>
+            </a:r>
+            <a:r>
+              <a:rPr lang="zh-CN" altLang="en-US" dirty="0">
+                <a:solidFill>
+                  <a:schemeClr val="bg1"/>
+                </a:solidFill>
+              </a:rPr>
+              <a:t>对象，它是对</a:t>
+            </a:r>
+            <a:r>
+              <a:rPr lang="en-US" altLang="zh-CN" dirty="0">
+                <a:solidFill>
+                  <a:schemeClr val="bg1"/>
+                </a:solidFill>
+              </a:rPr>
+              <a:t>redux</a:t>
+            </a:r>
+            <a:r>
+              <a:rPr lang="zh-CN" altLang="en-US" dirty="0">
+                <a:solidFill>
+                  <a:schemeClr val="bg1"/>
+                </a:solidFill>
+              </a:rPr>
+              <a:t>的</a:t>
+            </a:r>
+            <a:r>
+              <a:rPr lang="en-US" altLang="zh-CN" dirty="0">
+                <a:solidFill>
+                  <a:schemeClr val="bg1"/>
+                </a:solidFill>
+              </a:rPr>
+              <a:t>dispatch</a:t>
+            </a:r>
+            <a:r>
+              <a:rPr lang="zh-CN" altLang="en-US" dirty="0">
+                <a:solidFill>
+                  <a:schemeClr val="bg1"/>
+                </a:solidFill>
+              </a:rPr>
+              <a:t>方法的再封装，由</a:t>
+            </a:r>
+            <a:r>
+              <a:rPr lang="en-US" altLang="zh-CN" dirty="0">
+                <a:solidFill>
+                  <a:schemeClr val="bg1"/>
+                </a:solidFill>
+              </a:rPr>
+              <a:t>rematch</a:t>
+            </a:r>
+            <a:r>
+              <a:rPr lang="zh-CN" altLang="en-US" dirty="0">
+                <a:solidFill>
+                  <a:schemeClr val="bg1"/>
+                </a:solidFill>
+              </a:rPr>
+              <a:t>自动填充</a:t>
+            </a:r>
+            <a:endParaRPr lang="en-US" dirty="0">
+              <a:solidFill>
+                <a:schemeClr val="bg1"/>
+              </a:solidFill>
+            </a:endParaRPr>
+          </a:p>
+        </p:txBody>
+      </p:sp>
+      <p:sp>
+        <p:nvSpPr>
+          <p:cNvPr id="17" name="Rectangle 3">
+            <a:extLst>
+              <a:ext uri="{FF2B5EF4-FFF2-40B4-BE49-F238E27FC236}">
+                <a16:creationId xmlns:a16="http://schemas.microsoft.com/office/drawing/2014/main" id="{0C988EF2-0004-4DCE-84C5-8AB5C6AEB5EC}"/>
+              </a:ext>
+            </a:extLst>
+          </p:cNvPr>
+          <p:cNvSpPr/>
+          <p:nvPr/>
+        </p:nvSpPr>
+        <p:spPr>
+          <a:xfrm rot="10800000">
+            <a:off x="2787092" y="4482973"/>
+            <a:ext cx="45719" cy="457200"/>
+          </a:xfrm>
+          <a:prstGeom prst="rect">
+            <a:avLst/>
+          </a:prstGeom>
+          <a:solidFill>
+            <a:srgbClr val="FFA400"/>
+          </a:solidFill>
+          <a:ln>
+            <a:noFill/>
+          </a:ln>
+        </p:spPr>
+        <p:style>
+          <a:lnRef idx="2">
+            <a:schemeClr val="accent1">
+              <a:shade val="50000"/>
+            </a:schemeClr>
+          </a:lnRef>
+          <a:fillRef idx="1">
+            <a:schemeClr val="accent1"/>
+          </a:fillRef>
+          <a:effectRef idx="0">
+            <a:schemeClr val="accent1"/>
+          </a:effectRef>
+          <a:fontRef idx="minor">
+            <a:schemeClr val="lt1"/>
+          </a:fontRef>
+        </p:style>
+        <p:txBody>
+          <a:bodyPr rtlCol="0" anchor="ctr"/>
+          <a:lstStyle/>
+          <a:p>
+            <a:pPr marL="0" marR="0" lvl="0" indent="0" algn="ctr" defTabSz="914400" rtl="0" eaLnBrk="1" fontAlgn="auto" latinLnBrk="0" hangingPunct="1">
+              <a:lnSpc>
+                <a:spcPct val="100000"/>
+              </a:lnSpc>
+              <a:spcBef>
+                <a:spcPts val="0"/>
+              </a:spcBef>
+              <a:spcAft>
+                <a:spcPts val="0"/>
+              </a:spcAft>
+              <a:buClrTx/>
+              <a:buSzTx/>
+              <a:buFontTx/>
+              <a:buNone/>
+              <a:tabLst/>
+              <a:defRPr/>
+            </a:pPr>
+            <a:endParaRPr kumimoji="0" lang="en-US" sz="1800" b="0" i="0" u="none" strike="noStrike" kern="1200" cap="none" spc="0" normalizeH="0" baseline="0" noProof="0">
+              <a:ln>
+                <a:noFill/>
+              </a:ln>
+              <a:solidFill>
+                <a:prstClr val="white"/>
+              </a:solidFill>
+              <a:effectLst/>
+              <a:uLnTx/>
+              <a:uFillTx/>
+              <a:latin typeface="Calibri" panose="020F0502020204030204"/>
+              <a:ea typeface="+mn-ea"/>
+              <a:cs typeface="+mn-cs"/>
+            </a:endParaRPr>
+          </a:p>
+        </p:txBody>
+      </p:sp>
+      <p:sp>
+        <p:nvSpPr>
+          <p:cNvPr id="18" name="矩形 17">
+            <a:extLst>
+              <a:ext uri="{FF2B5EF4-FFF2-40B4-BE49-F238E27FC236}">
+                <a16:creationId xmlns:a16="http://schemas.microsoft.com/office/drawing/2014/main" id="{A46506E9-315C-49E9-8504-1F9D2B336A34}"/>
+              </a:ext>
+            </a:extLst>
+          </p:cNvPr>
+          <p:cNvSpPr/>
+          <p:nvPr/>
+        </p:nvSpPr>
+        <p:spPr>
+          <a:xfrm>
+            <a:off x="2832811" y="5217172"/>
+            <a:ext cx="7127720" cy="369332"/>
+          </a:xfrm>
+          <a:prstGeom prst="rect">
+            <a:avLst/>
+          </a:prstGeom>
+        </p:spPr>
+        <p:txBody>
+          <a:bodyPr wrap="none">
+            <a:spAutoFit/>
+          </a:bodyPr>
+          <a:lstStyle/>
+          <a:p>
+            <a:r>
+              <a:rPr lang="en-US" altLang="zh-CN" dirty="0">
+                <a:solidFill>
+                  <a:schemeClr val="bg1"/>
+                </a:solidFill>
+              </a:rPr>
+              <a:t>create</a:t>
+            </a:r>
+            <a:r>
+              <a:rPr lang="zh-CN" altLang="en-US" dirty="0">
+                <a:solidFill>
+                  <a:schemeClr val="bg1"/>
+                </a:solidFill>
+              </a:rPr>
+              <a:t>函数中的</a:t>
+            </a:r>
+            <a:r>
+              <a:rPr lang="en-US" altLang="zh-CN" dirty="0">
+                <a:solidFill>
+                  <a:schemeClr val="bg1"/>
+                </a:solidFill>
+              </a:rPr>
+              <a:t>payload</a:t>
+            </a:r>
+            <a:r>
+              <a:rPr lang="zh-CN" altLang="en-US" dirty="0">
+                <a:solidFill>
+                  <a:schemeClr val="bg1"/>
+                </a:solidFill>
+              </a:rPr>
+              <a:t>的值是程序员调用这个</a:t>
+            </a:r>
+            <a:r>
+              <a:rPr lang="en-US" altLang="zh-CN" dirty="0">
+                <a:solidFill>
+                  <a:schemeClr val="bg1"/>
+                </a:solidFill>
+              </a:rPr>
+              <a:t>effect</a:t>
+            </a:r>
+            <a:r>
+              <a:rPr lang="zh-CN" altLang="en-US" dirty="0">
+                <a:solidFill>
+                  <a:schemeClr val="bg1"/>
+                </a:solidFill>
+              </a:rPr>
+              <a:t>时，自己填充的值</a:t>
+            </a:r>
+            <a:endParaRPr lang="en-US" dirty="0">
+              <a:solidFill>
+                <a:schemeClr val="bg1"/>
+              </a:solidFill>
+            </a:endParaRPr>
+          </a:p>
+        </p:txBody>
+      </p:sp>
+      <p:sp>
+        <p:nvSpPr>
+          <p:cNvPr id="19" name="Rectangle 3">
+            <a:extLst>
+              <a:ext uri="{FF2B5EF4-FFF2-40B4-BE49-F238E27FC236}">
+                <a16:creationId xmlns:a16="http://schemas.microsoft.com/office/drawing/2014/main" id="{89E4CA3C-B359-4331-B74A-D958180E8AD2}"/>
+              </a:ext>
+            </a:extLst>
+          </p:cNvPr>
+          <p:cNvSpPr/>
+          <p:nvPr/>
+        </p:nvSpPr>
+        <p:spPr>
+          <a:xfrm rot="10800000">
+            <a:off x="2787092" y="5173238"/>
+            <a:ext cx="45719" cy="457200"/>
+          </a:xfrm>
+          <a:prstGeom prst="rect">
+            <a:avLst/>
+          </a:prstGeom>
+          <a:solidFill>
+            <a:srgbClr val="FFA400"/>
+          </a:solidFill>
+          <a:ln>
+            <a:noFill/>
+          </a:ln>
+        </p:spPr>
+        <p:style>
+          <a:lnRef idx="2">
+            <a:schemeClr val="accent1">
+              <a:shade val="50000"/>
+            </a:schemeClr>
+          </a:lnRef>
+          <a:fillRef idx="1">
+            <a:schemeClr val="accent1"/>
+          </a:fillRef>
+          <a:effectRef idx="0">
+            <a:schemeClr val="accent1"/>
+          </a:effectRef>
+          <a:fontRef idx="minor">
+            <a:schemeClr val="lt1"/>
+          </a:fontRef>
+        </p:style>
+        <p:txBody>
+          <a:bodyPr rtlCol="0" anchor="ctr"/>
+          <a:lstStyle/>
+          <a:p>
+            <a:pPr marL="0" marR="0" lvl="0" indent="0" algn="ctr" defTabSz="914400" rtl="0" eaLnBrk="1" fontAlgn="auto" latinLnBrk="0" hangingPunct="1">
+              <a:lnSpc>
+                <a:spcPct val="100000"/>
+              </a:lnSpc>
+              <a:spcBef>
+                <a:spcPts val="0"/>
+              </a:spcBef>
+              <a:spcAft>
+                <a:spcPts val="0"/>
+              </a:spcAft>
+              <a:buClrTx/>
+              <a:buSzTx/>
+              <a:buFontTx/>
+              <a:buNone/>
+              <a:tabLst/>
+              <a:defRPr/>
+            </a:pPr>
+            <a:endParaRPr kumimoji="0" lang="en-US" sz="1800" b="0" i="0" u="none" strike="noStrike" kern="1200" cap="none" spc="0" normalizeH="0" baseline="0" noProof="0">
+              <a:ln>
+                <a:noFill/>
+              </a:ln>
+              <a:solidFill>
+                <a:prstClr val="white"/>
+              </a:solidFill>
+              <a:effectLst/>
+              <a:uLnTx/>
+              <a:uFillTx/>
+              <a:latin typeface="Calibri" panose="020F0502020204030204"/>
+              <a:ea typeface="+mn-ea"/>
+              <a:cs typeface="+mn-cs"/>
+            </a:endParaRPr>
+          </a:p>
+        </p:txBody>
+      </p:sp>
+      <p:sp>
+        <p:nvSpPr>
+          <p:cNvPr id="20" name="矩形 19">
+            <a:extLst>
+              <a:ext uri="{FF2B5EF4-FFF2-40B4-BE49-F238E27FC236}">
+                <a16:creationId xmlns:a16="http://schemas.microsoft.com/office/drawing/2014/main" id="{97A74A6F-0AFF-4871-AAC7-BD3F8AD67B72}"/>
+              </a:ext>
+            </a:extLst>
+          </p:cNvPr>
+          <p:cNvSpPr/>
+          <p:nvPr/>
+        </p:nvSpPr>
+        <p:spPr>
+          <a:xfrm>
+            <a:off x="2832811" y="4113498"/>
+            <a:ext cx="646331" cy="369332"/>
+          </a:xfrm>
+          <a:prstGeom prst="rect">
+            <a:avLst/>
+          </a:prstGeom>
+        </p:spPr>
+        <p:txBody>
+          <a:bodyPr wrap="none">
+            <a:spAutoFit/>
+          </a:bodyPr>
+          <a:lstStyle/>
+          <a:p>
+            <a:r>
+              <a:rPr lang="zh-CN" altLang="en-US" dirty="0">
+                <a:solidFill>
+                  <a:schemeClr val="bg1"/>
+                </a:solidFill>
+              </a:rPr>
+              <a:t>其中</a:t>
+            </a:r>
+            <a:endParaRPr lang="en-US" dirty="0"/>
+          </a:p>
+        </p:txBody>
+      </p:sp>
+      <p:sp>
+        <p:nvSpPr>
+          <p:cNvPr id="21" name="矩形 20">
+            <a:extLst>
+              <a:ext uri="{FF2B5EF4-FFF2-40B4-BE49-F238E27FC236}">
+                <a16:creationId xmlns:a16="http://schemas.microsoft.com/office/drawing/2014/main" id="{4F748FF6-DC14-4814-A63B-F6D524679188}"/>
+              </a:ext>
+            </a:extLst>
+          </p:cNvPr>
+          <p:cNvSpPr/>
+          <p:nvPr/>
+        </p:nvSpPr>
+        <p:spPr>
+          <a:xfrm>
+            <a:off x="2832812" y="5749928"/>
+            <a:ext cx="6773008" cy="369332"/>
+          </a:xfrm>
+          <a:prstGeom prst="rect">
+            <a:avLst/>
+          </a:prstGeom>
+        </p:spPr>
+        <p:txBody>
+          <a:bodyPr wrap="none">
+            <a:spAutoFit/>
+          </a:bodyPr>
+          <a:lstStyle/>
+          <a:p>
+            <a:r>
+              <a:rPr lang="en-US" altLang="zh-CN" dirty="0">
+                <a:solidFill>
+                  <a:schemeClr val="bg1"/>
+                </a:solidFill>
+              </a:rPr>
+              <a:t>state</a:t>
+            </a:r>
+            <a:r>
+              <a:rPr lang="zh-CN" altLang="en-US" dirty="0">
+                <a:solidFill>
+                  <a:schemeClr val="bg1"/>
+                </a:solidFill>
+              </a:rPr>
+              <a:t>的值是当前</a:t>
+            </a:r>
+            <a:r>
+              <a:rPr lang="en-US" altLang="zh-CN" dirty="0">
+                <a:solidFill>
+                  <a:schemeClr val="bg1"/>
+                </a:solidFill>
+              </a:rPr>
+              <a:t>redux store</a:t>
+            </a:r>
+            <a:r>
+              <a:rPr lang="zh-CN" altLang="en-US" dirty="0">
+                <a:solidFill>
+                  <a:schemeClr val="bg1"/>
+                </a:solidFill>
+              </a:rPr>
+              <a:t>中</a:t>
+            </a:r>
+            <a:r>
+              <a:rPr lang="en-US" altLang="zh-CN" dirty="0" err="1">
+                <a:solidFill>
+                  <a:schemeClr val="bg1"/>
+                </a:solidFill>
+              </a:rPr>
+              <a:t>user_token</a:t>
+            </a:r>
+            <a:r>
+              <a:rPr lang="zh-CN" altLang="en-US" dirty="0">
+                <a:solidFill>
+                  <a:schemeClr val="bg1"/>
+                </a:solidFill>
+              </a:rPr>
+              <a:t>的值，由</a:t>
+            </a:r>
+            <a:r>
+              <a:rPr lang="en-US" altLang="zh-CN" dirty="0">
+                <a:solidFill>
+                  <a:schemeClr val="bg1"/>
+                </a:solidFill>
+              </a:rPr>
+              <a:t>rematch</a:t>
+            </a:r>
+            <a:r>
+              <a:rPr lang="zh-CN" altLang="en-US" dirty="0">
+                <a:solidFill>
+                  <a:schemeClr val="bg1"/>
+                </a:solidFill>
+              </a:rPr>
+              <a:t>自动填充</a:t>
+            </a:r>
+            <a:endParaRPr lang="en-US" dirty="0">
+              <a:solidFill>
+                <a:schemeClr val="bg1"/>
+              </a:solidFill>
+            </a:endParaRPr>
+          </a:p>
+        </p:txBody>
+      </p:sp>
+      <p:sp>
+        <p:nvSpPr>
+          <p:cNvPr id="22" name="Rectangle 3">
+            <a:extLst>
+              <a:ext uri="{FF2B5EF4-FFF2-40B4-BE49-F238E27FC236}">
+                <a16:creationId xmlns:a16="http://schemas.microsoft.com/office/drawing/2014/main" id="{858AED10-2C52-4B89-A192-761DD0005FDA}"/>
+              </a:ext>
+            </a:extLst>
+          </p:cNvPr>
+          <p:cNvSpPr/>
+          <p:nvPr/>
+        </p:nvSpPr>
+        <p:spPr>
+          <a:xfrm rot="10800000">
+            <a:off x="2787093" y="5705994"/>
+            <a:ext cx="45719" cy="457200"/>
+          </a:xfrm>
+          <a:prstGeom prst="rect">
+            <a:avLst/>
+          </a:prstGeom>
+          <a:solidFill>
+            <a:srgbClr val="FFA400"/>
+          </a:solidFill>
+          <a:ln>
+            <a:noFill/>
+          </a:ln>
+        </p:spPr>
+        <p:style>
+          <a:lnRef idx="2">
+            <a:schemeClr val="accent1">
+              <a:shade val="50000"/>
+            </a:schemeClr>
+          </a:lnRef>
+          <a:fillRef idx="1">
+            <a:schemeClr val="accent1"/>
+          </a:fillRef>
+          <a:effectRef idx="0">
+            <a:schemeClr val="accent1"/>
+          </a:effectRef>
+          <a:fontRef idx="minor">
+            <a:schemeClr val="lt1"/>
+          </a:fontRef>
+        </p:style>
+        <p:txBody>
+          <a:bodyPr rtlCol="0" anchor="ctr"/>
+          <a:lstStyle/>
+          <a:p>
+            <a:pPr marL="0" marR="0" lvl="0" indent="0" algn="ctr" defTabSz="914400" rtl="0" eaLnBrk="1" fontAlgn="auto" latinLnBrk="0" hangingPunct="1">
+              <a:lnSpc>
+                <a:spcPct val="100000"/>
+              </a:lnSpc>
+              <a:spcBef>
+                <a:spcPts val="0"/>
+              </a:spcBef>
+              <a:spcAft>
+                <a:spcPts val="0"/>
+              </a:spcAft>
+              <a:buClrTx/>
+              <a:buSzTx/>
+              <a:buFontTx/>
+              <a:buNone/>
+              <a:tabLst/>
+              <a:defRPr/>
+            </a:pPr>
+            <a:endParaRPr kumimoji="0" lang="en-US" sz="1800" b="0" i="0" u="none" strike="noStrike" kern="1200" cap="none" spc="0" normalizeH="0" baseline="0" noProof="0">
+              <a:ln>
+                <a:noFill/>
+              </a:ln>
+              <a:solidFill>
+                <a:prstClr val="white"/>
+              </a:solidFill>
+              <a:effectLst/>
+              <a:uLnTx/>
+              <a:uFillTx/>
+              <a:latin typeface="Calibri" panose="020F0502020204030204"/>
+              <a:ea typeface="+mn-ea"/>
+              <a:cs typeface="+mn-cs"/>
+            </a:endParaRPr>
+          </a:p>
+        </p:txBody>
+      </p:sp>
+    </p:spTree>
+    <p:extLst>
+      <p:ext uri="{BB962C8B-B14F-4D97-AF65-F5344CB8AC3E}">
+        <p14:creationId xmlns:p14="http://schemas.microsoft.com/office/powerpoint/2010/main" val="404747300"/>
+      </p:ext>
+    </p:extLst>
+  </p:cSld>
+  <p:clrMapOvr>
+    <a:masterClrMapping/>
+  </p:clrMapOvr>
+</p:sld>
+</file>
+
+<file path=ppt/slides/slide9.xml><?xml version="1.0" encoding="utf-8"?>
+<p:sld xmlns:a="http://schemas.openxmlformats.org/drawingml/2006/main" xmlns:r="http://schemas.openxmlformats.org/officeDocument/2006/relationships" xmlns:p="http://schemas.openxmlformats.org/presentationml/2006/main">
+  <p:cSld>
+    <p:bg>
+      <p:bgPr>
+        <a:solidFill>
+          <a:srgbClr val="181720"/>
+        </a:solidFill>
+        <a:effectLst/>
+      </p:bgPr>
+    </p:bg>
+    <p:spTree>
+      <p:nvGrpSpPr>
+        <p:cNvPr id="1" name=""/>
+        <p:cNvGrpSpPr/>
+        <p:nvPr/>
+      </p:nvGrpSpPr>
+      <p:grpSpPr>
+        <a:xfrm>
+          <a:off x="0" y="0"/>
+          <a:ext cx="0" cy="0"/>
+          <a:chOff x="0" y="0"/>
+          <a:chExt cx="0" cy="0"/>
+        </a:xfrm>
+      </p:grpSpPr>
+      <p:sp>
+        <p:nvSpPr>
+          <p:cNvPr id="10" name="矩形 9">
+            <a:extLst>
+              <a:ext uri="{FF2B5EF4-FFF2-40B4-BE49-F238E27FC236}">
+                <a16:creationId xmlns:a16="http://schemas.microsoft.com/office/drawing/2014/main" id="{A5818015-5ED7-4981-A271-668BCB6BF0B0}"/>
+              </a:ext>
+            </a:extLst>
+          </p:cNvPr>
+          <p:cNvSpPr/>
+          <p:nvPr/>
+        </p:nvSpPr>
+        <p:spPr>
+          <a:xfrm>
+            <a:off x="0" y="0"/>
+            <a:ext cx="2441359" cy="6858000"/>
+          </a:xfrm>
+          <a:prstGeom prst="rect">
+            <a:avLst/>
+          </a:prstGeom>
+          <a:solidFill>
+            <a:srgbClr val="0E0C13"/>
+          </a:solidFill>
+          <a:ln>
+            <a:noFill/>
+          </a:ln>
+        </p:spPr>
+        <p:style>
+          <a:lnRef idx="2">
+            <a:schemeClr val="accent1">
+              <a:shade val="50000"/>
+            </a:schemeClr>
+          </a:lnRef>
+          <a:fillRef idx="1">
+            <a:schemeClr val="accent1"/>
+          </a:fillRef>
+          <a:effectRef idx="0">
+            <a:schemeClr val="accent1"/>
+          </a:effectRef>
+          <a:fontRef idx="minor">
+            <a:schemeClr val="lt1"/>
+          </a:fontRef>
+        </p:style>
+        <p:txBody>
+          <a:bodyPr rtlCol="0" anchor="ctr"/>
+          <a:lstStyle/>
+          <a:p>
+            <a:pPr marL="0" marR="0" lvl="0" indent="0" algn="ctr" defTabSz="914400" rtl="0" eaLnBrk="1" fontAlgn="auto" latinLnBrk="0" hangingPunct="1">
+              <a:lnSpc>
+                <a:spcPct val="100000"/>
+              </a:lnSpc>
+              <a:spcBef>
+                <a:spcPts val="0"/>
+              </a:spcBef>
+              <a:spcAft>
+                <a:spcPts val="0"/>
+              </a:spcAft>
+              <a:buClrTx/>
+              <a:buSzTx/>
+              <a:buFontTx/>
+              <a:buNone/>
+              <a:tabLst/>
+              <a:defRPr/>
+            </a:pPr>
+            <a:endParaRPr kumimoji="0" lang="en-US" sz="1800" b="0" i="0" u="none" strike="noStrike" kern="1200" cap="none" spc="0" normalizeH="0" baseline="0" noProof="0" dirty="0">
+              <a:ln>
+                <a:noFill/>
+              </a:ln>
+              <a:solidFill>
+                <a:prstClr val="white"/>
+              </a:solidFill>
+              <a:effectLst/>
+              <a:uLnTx/>
+              <a:uFillTx/>
+              <a:latin typeface="Calibri" panose="020F0502020204030204"/>
+              <a:ea typeface="+mn-ea"/>
+              <a:cs typeface="+mn-cs"/>
+            </a:endParaRPr>
+          </a:p>
+        </p:txBody>
+      </p:sp>
+      <p:sp>
+        <p:nvSpPr>
+          <p:cNvPr id="11" name="文本框 10">
+            <a:extLst>
+              <a:ext uri="{FF2B5EF4-FFF2-40B4-BE49-F238E27FC236}">
+                <a16:creationId xmlns:a16="http://schemas.microsoft.com/office/drawing/2014/main" id="{67E1321D-BD42-455D-A6E9-7D926506191E}"/>
+              </a:ext>
+            </a:extLst>
+          </p:cNvPr>
+          <p:cNvSpPr txBox="1"/>
+          <p:nvPr/>
+        </p:nvSpPr>
+        <p:spPr>
+          <a:xfrm>
+            <a:off x="345731" y="1580251"/>
+            <a:ext cx="963725" cy="1015663"/>
+          </a:xfrm>
+          <a:prstGeom prst="rect">
+            <a:avLst/>
+          </a:prstGeom>
+          <a:noFill/>
+        </p:spPr>
+        <p:txBody>
+          <a:bodyPr wrap="none" rtlCol="0">
+            <a:spAutoFit/>
+          </a:bodyPr>
+          <a:lstStyle/>
+          <a:p>
+            <a:pPr marL="0" marR="0" lvl="0" indent="0" algn="l" defTabSz="914400" rtl="0" eaLnBrk="1" fontAlgn="auto" latinLnBrk="0" hangingPunct="1">
+              <a:lnSpc>
+                <a:spcPct val="100000"/>
+              </a:lnSpc>
+              <a:spcBef>
+                <a:spcPts val="0"/>
+              </a:spcBef>
+              <a:spcAft>
+                <a:spcPts val="0"/>
+              </a:spcAft>
+              <a:buClrTx/>
+              <a:buSzTx/>
+              <a:buFontTx/>
+              <a:buNone/>
+              <a:tabLst/>
+              <a:defRPr/>
+            </a:pPr>
+            <a:r>
+              <a:rPr kumimoji="0" lang="en-US" sz="6000" b="0" i="0" u="none" strike="noStrike" kern="1200" cap="none" spc="0" normalizeH="0" baseline="0" noProof="0" dirty="0">
+                <a:ln>
+                  <a:noFill/>
+                </a:ln>
+                <a:solidFill>
+                  <a:srgbClr val="24F9CB"/>
+                </a:solidFill>
+                <a:effectLst/>
+                <a:uLnTx/>
+                <a:uFillTx/>
+                <a:latin typeface="Calibri" panose="020F0502020204030204"/>
+                <a:ea typeface="+mn-ea"/>
+                <a:cs typeface="+mn-cs"/>
+              </a:rPr>
+              <a:t>01</a:t>
+            </a:r>
+          </a:p>
+        </p:txBody>
+      </p:sp>
+      <p:sp>
+        <p:nvSpPr>
+          <p:cNvPr id="12" name="文本框 11">
+            <a:extLst>
+              <a:ext uri="{FF2B5EF4-FFF2-40B4-BE49-F238E27FC236}">
+                <a16:creationId xmlns:a16="http://schemas.microsoft.com/office/drawing/2014/main" id="{548CB999-F3EE-4A2C-AFA2-381782F1CCA1}"/>
+              </a:ext>
+            </a:extLst>
+          </p:cNvPr>
+          <p:cNvSpPr txBox="1"/>
+          <p:nvPr/>
+        </p:nvSpPr>
+        <p:spPr>
+          <a:xfrm>
+            <a:off x="345731" y="2595914"/>
+            <a:ext cx="1776032" cy="1384995"/>
+          </a:xfrm>
+          <a:prstGeom prst="rect">
+            <a:avLst/>
+          </a:prstGeom>
+          <a:noFill/>
+        </p:spPr>
+        <p:txBody>
+          <a:bodyPr wrap="square" rtlCol="0">
+            <a:spAutoFit/>
+          </a:bodyPr>
+          <a:lstStyle/>
+          <a:p>
+            <a:pPr>
+              <a:defRPr/>
+            </a:pPr>
+            <a:r>
+              <a:rPr lang="zh-CN" altLang="en-US" sz="2400" dirty="0">
+                <a:solidFill>
+                  <a:prstClr val="white"/>
+                </a:solidFill>
+              </a:rPr>
+              <a:t>写</a:t>
+            </a:r>
+            <a:r>
+              <a:rPr lang="en-US" altLang="zh-CN" sz="2400" dirty="0">
+                <a:solidFill>
+                  <a:prstClr val="white"/>
+                </a:solidFill>
+              </a:rPr>
+              <a:t>Rematch</a:t>
+            </a:r>
+            <a:r>
+              <a:rPr lang="zh-CN" altLang="en-US" sz="2400" dirty="0">
+                <a:solidFill>
+                  <a:prstClr val="white"/>
+                </a:solidFill>
+              </a:rPr>
+              <a:t>的步骤</a:t>
+            </a:r>
+            <a:endParaRPr lang="en-US" sz="2400" dirty="0">
+              <a:solidFill>
+                <a:prstClr val="white"/>
+              </a:solidFill>
+            </a:endParaRPr>
+          </a:p>
+          <a:p>
+            <a:pPr marL="0" marR="0" lvl="0" indent="0" algn="l" defTabSz="914400" rtl="0" eaLnBrk="1" fontAlgn="auto" latinLnBrk="0" hangingPunct="1">
+              <a:lnSpc>
+                <a:spcPct val="100000"/>
+              </a:lnSpc>
+              <a:spcBef>
+                <a:spcPts val="0"/>
+              </a:spcBef>
+              <a:spcAft>
+                <a:spcPts val="0"/>
+              </a:spcAft>
+              <a:buClrTx/>
+              <a:buSzTx/>
+              <a:buFontTx/>
+              <a:buNone/>
+              <a:tabLst/>
+              <a:defRPr/>
+            </a:pPr>
+            <a:r>
+              <a:rPr kumimoji="0" lang="en-US" altLang="zh-CN" b="0" i="0" u="none" strike="noStrike" kern="1200" cap="none" spc="0" normalizeH="0" baseline="0" noProof="0" dirty="0">
+                <a:ln>
+                  <a:noFill/>
+                </a:ln>
+                <a:solidFill>
+                  <a:srgbClr val="24F9CB"/>
                 </a:solidFill>
                 <a:effectLst/>
                 <a:uLnTx/>

--- a/lectures/lecture05.pptx
+++ b/lectures/lecture05.pptx
@@ -267,7 +267,7 @@
           <a:p>
             <a:fld id="{57CF08AD-F0F7-AE4B-B667-A82446B580D0}" type="datetimeFigureOut">
               <a:rPr lang="en-US" smtClean="0"/>
-              <a:t>3/15/2019</a:t>
+              <a:t>3/16/2019</a:t>
             </a:fld>
             <a:endParaRPr lang="en-US"/>
           </a:p>
@@ -465,7 +465,7 @@
           <a:p>
             <a:fld id="{57CF08AD-F0F7-AE4B-B667-A82446B580D0}" type="datetimeFigureOut">
               <a:rPr lang="en-US" smtClean="0"/>
-              <a:t>3/15/2019</a:t>
+              <a:t>3/16/2019</a:t>
             </a:fld>
             <a:endParaRPr lang="en-US"/>
           </a:p>
@@ -673,7 +673,7 @@
           <a:p>
             <a:fld id="{57CF08AD-F0F7-AE4B-B667-A82446B580D0}" type="datetimeFigureOut">
               <a:rPr lang="en-US" smtClean="0"/>
-              <a:t>3/15/2019</a:t>
+              <a:t>3/16/2019</a:t>
             </a:fld>
             <a:endParaRPr lang="en-US"/>
           </a:p>
@@ -871,7 +871,7 @@
           <a:p>
             <a:fld id="{57CF08AD-F0F7-AE4B-B667-A82446B580D0}" type="datetimeFigureOut">
               <a:rPr lang="en-US" smtClean="0"/>
-              <a:t>3/15/2019</a:t>
+              <a:t>3/16/2019</a:t>
             </a:fld>
             <a:endParaRPr lang="en-US"/>
           </a:p>
@@ -1146,7 +1146,7 @@
           <a:p>
             <a:fld id="{57CF08AD-F0F7-AE4B-B667-A82446B580D0}" type="datetimeFigureOut">
               <a:rPr lang="en-US" smtClean="0"/>
-              <a:t>3/15/2019</a:t>
+              <a:t>3/16/2019</a:t>
             </a:fld>
             <a:endParaRPr lang="en-US"/>
           </a:p>
@@ -1411,7 +1411,7 @@
           <a:p>
             <a:fld id="{57CF08AD-F0F7-AE4B-B667-A82446B580D0}" type="datetimeFigureOut">
               <a:rPr lang="en-US" smtClean="0"/>
-              <a:t>3/15/2019</a:t>
+              <a:t>3/16/2019</a:t>
             </a:fld>
             <a:endParaRPr lang="en-US"/>
           </a:p>
@@ -1823,7 +1823,7 @@
           <a:p>
             <a:fld id="{57CF08AD-F0F7-AE4B-B667-A82446B580D0}" type="datetimeFigureOut">
               <a:rPr lang="en-US" smtClean="0"/>
-              <a:t>3/15/2019</a:t>
+              <a:t>3/16/2019</a:t>
             </a:fld>
             <a:endParaRPr lang="en-US"/>
           </a:p>
@@ -1964,7 +1964,7 @@
           <a:p>
             <a:fld id="{57CF08AD-F0F7-AE4B-B667-A82446B580D0}" type="datetimeFigureOut">
               <a:rPr lang="en-US" smtClean="0"/>
-              <a:t>3/15/2019</a:t>
+              <a:t>3/16/2019</a:t>
             </a:fld>
             <a:endParaRPr lang="en-US"/>
           </a:p>
@@ -2077,7 +2077,7 @@
           <a:p>
             <a:fld id="{57CF08AD-F0F7-AE4B-B667-A82446B580D0}" type="datetimeFigureOut">
               <a:rPr lang="en-US" smtClean="0"/>
-              <a:t>3/15/2019</a:t>
+              <a:t>3/16/2019</a:t>
             </a:fld>
             <a:endParaRPr lang="en-US"/>
           </a:p>
@@ -2388,7 +2388,7 @@
           <a:p>
             <a:fld id="{57CF08AD-F0F7-AE4B-B667-A82446B580D0}" type="datetimeFigureOut">
               <a:rPr lang="en-US" smtClean="0"/>
-              <a:t>3/15/2019</a:t>
+              <a:t>3/16/2019</a:t>
             </a:fld>
             <a:endParaRPr lang="en-US"/>
           </a:p>
@@ -2676,7 +2676,7 @@
           <a:p>
             <a:fld id="{57CF08AD-F0F7-AE4B-B667-A82446B580D0}" type="datetimeFigureOut">
               <a:rPr lang="en-US" smtClean="0"/>
-              <a:t>3/15/2019</a:t>
+              <a:t>3/16/2019</a:t>
             </a:fld>
             <a:endParaRPr lang="en-US"/>
           </a:p>
@@ -2917,7 +2917,7 @@
           <a:p>
             <a:fld id="{57CF08AD-F0F7-AE4B-B667-A82446B580D0}" type="datetimeFigureOut">
               <a:rPr lang="en-US" smtClean="0"/>
-              <a:t>3/15/2019</a:t>
+              <a:t>3/16/2019</a:t>
             </a:fld>
             <a:endParaRPr lang="en-US"/>
           </a:p>
@@ -6048,16 +6048,59 @@
                             </p:stCondLst>
                             <p:childTnLst>
                               <p:par>
-                                <p:cTn id="5" presetID="22" presetClass="entr" presetSubtype="4" fill="hold" grpId="0" nodeType="clickEffect">
+                                <p:cTn id="5" presetID="22" presetClass="exit" presetSubtype="4" fill="hold" nodeType="clickEffect">
                                   <p:stCondLst>
                                     <p:cond delay="0"/>
                                   </p:stCondLst>
                                   <p:childTnLst>
+                                    <p:animEffect transition="out" filter="wipe(down)">
+                                      <p:cBhvr>
+                                        <p:cTn id="6" dur="500"/>
+                                        <p:tgtEl>
+                                          <p:spTgt spid="21"/>
+                                        </p:tgtEl>
+                                      </p:cBhvr>
+                                    </p:animEffect>
                                     <p:set>
                                       <p:cBhvr>
-                                        <p:cTn id="6" dur="1" fill="hold">
+                                        <p:cTn id="7" dur="1" fill="hold">
                                           <p:stCondLst>
-                                            <p:cond delay="0"/>
+                                            <p:cond delay="499"/>
+                                          </p:stCondLst>
+                                        </p:cTn>
+                                        <p:tgtEl>
+                                          <p:spTgt spid="21"/>
+                                        </p:tgtEl>
+                                        <p:attrNameLst>
+                                          <p:attrName>style.visibility</p:attrName>
+                                        </p:attrNameLst>
+                                      </p:cBhvr>
+                                      <p:to>
+                                        <p:strVal val="hidden"/>
+                                      </p:to>
+                                    </p:set>
+                                  </p:childTnLst>
+                                </p:cTn>
+                              </p:par>
+                              <p:par>
+                                <p:cTn id="8" presetID="22" presetClass="exit" presetSubtype="4" fill="hold" grpId="0" nodeType="withEffect">
+                                  <p:stCondLst>
+                                    <p:cond delay="0"/>
+                                  </p:stCondLst>
+                                  <p:childTnLst>
+                                    <p:animEffect transition="out" filter="wipe(down)">
+                                      <p:cBhvr>
+                                        <p:cTn id="9" dur="500"/>
+                                        <p:tgtEl>
+                                          <p:spTgt spid="31"/>
+                                        </p:tgtEl>
+                                      </p:cBhvr>
+                                    </p:animEffect>
+                                    <p:set>
+                                      <p:cBhvr>
+                                        <p:cTn id="10" dur="1" fill="hold">
+                                          <p:stCondLst>
+                                            <p:cond delay="499"/>
                                           </p:stCondLst>
                                         </p:cTn>
                                         <p:tgtEl>
@@ -6068,66 +6111,31 @@
                                         </p:attrNameLst>
                                       </p:cBhvr>
                                       <p:to>
-                                        <p:strVal val="visible"/>
+                                        <p:strVal val="hidden"/>
                                       </p:to>
                                     </p:set>
-                                    <p:animEffect transition="in" filter="wipe(down)">
-                                      <p:cBhvr>
-                                        <p:cTn id="7" dur="500"/>
-                                        <p:tgtEl>
-                                          <p:spTgt spid="31"/>
-                                        </p:tgtEl>
-                                      </p:cBhvr>
-                                    </p:animEffect>
                                   </p:childTnLst>
                                 </p:cTn>
                               </p:par>
                               <p:par>
-                                <p:cTn id="8" presetID="22" presetClass="entr" presetSubtype="4" fill="hold" nodeType="withEffect">
+                                <p:cTn id="11" presetID="22" presetClass="exit" presetSubtype="4" fill="hold" grpId="0" nodeType="withEffect">
                                   <p:stCondLst>
                                     <p:cond delay="0"/>
                                   </p:stCondLst>
                                   <p:childTnLst>
-                                    <p:set>
+                                    <p:animEffect transition="out" filter="wipe(down)">
                                       <p:cBhvr>
-                                        <p:cTn id="9" dur="1" fill="hold">
-                                          <p:stCondLst>
-                                            <p:cond delay="0"/>
-                                          </p:stCondLst>
-                                        </p:cTn>
+                                        <p:cTn id="12" dur="500"/>
                                         <p:tgtEl>
-                                          <p:spTgt spid="21"/>
-                                        </p:tgtEl>
-                                        <p:attrNameLst>
-                                          <p:attrName>style.visibility</p:attrName>
-                                        </p:attrNameLst>
-                                      </p:cBhvr>
-                                      <p:to>
-                                        <p:strVal val="visible"/>
-                                      </p:to>
-                                    </p:set>
-                                    <p:animEffect transition="in" filter="wipe(down)">
-                                      <p:cBhvr>
-                                        <p:cTn id="10" dur="500"/>
-                                        <p:tgtEl>
-                                          <p:spTgt spid="21"/>
+                                          <p:spTgt spid="22"/>
                                         </p:tgtEl>
                                       </p:cBhvr>
                                     </p:animEffect>
-                                  </p:childTnLst>
-                                </p:cTn>
-                              </p:par>
-                              <p:par>
-                                <p:cTn id="11" presetID="22" presetClass="entr" presetSubtype="4" fill="hold" grpId="0" nodeType="withEffect">
-                                  <p:stCondLst>
-                                    <p:cond delay="0"/>
-                                  </p:stCondLst>
-                                  <p:childTnLst>
                                     <p:set>
                                       <p:cBhvr>
-                                        <p:cTn id="12" dur="1" fill="hold">
+                                        <p:cTn id="13" dur="1" fill="hold">
                                           <p:stCondLst>
-                                            <p:cond delay="0"/>
+                                            <p:cond delay="499"/>
                                           </p:stCondLst>
                                         </p:cTn>
                                         <p:tgtEl>
@@ -6138,31 +6146,31 @@
                                         </p:attrNameLst>
                                       </p:cBhvr>
                                       <p:to>
-                                        <p:strVal val="visible"/>
+                                        <p:strVal val="hidden"/>
                                       </p:to>
                                     </p:set>
-                                    <p:animEffect transition="in" filter="wipe(down)">
-                                      <p:cBhvr>
-                                        <p:cTn id="13" dur="500"/>
-                                        <p:tgtEl>
-                                          <p:spTgt spid="22"/>
-                                        </p:tgtEl>
-                                      </p:cBhvr>
-                                    </p:animEffect>
                                   </p:childTnLst>
                                 </p:cTn>
                               </p:par>
                               <p:par>
-                                <p:cTn id="14" presetID="22" presetClass="entr" presetSubtype="4" fill="hold" grpId="0" nodeType="withEffect">
+                                <p:cTn id="14" presetID="22" presetClass="exit" presetSubtype="4" fill="hold" grpId="0" nodeType="withEffect">
                                   <p:stCondLst>
                                     <p:cond delay="0"/>
                                   </p:stCondLst>
                                   <p:childTnLst>
+                                    <p:animEffect transition="out" filter="wipe(down)">
+                                      <p:cBhvr>
+                                        <p:cTn id="15" dur="500"/>
+                                        <p:tgtEl>
+                                          <p:spTgt spid="27"/>
+                                        </p:tgtEl>
+                                      </p:cBhvr>
+                                    </p:animEffect>
                                     <p:set>
                                       <p:cBhvr>
-                                        <p:cTn id="15" dur="1" fill="hold">
+                                        <p:cTn id="16" dur="1" fill="hold">
                                           <p:stCondLst>
-                                            <p:cond delay="0"/>
+                                            <p:cond delay="499"/>
                                           </p:stCondLst>
                                         </p:cTn>
                                         <p:tgtEl>
@@ -6173,17 +6181,9 @@
                                         </p:attrNameLst>
                                       </p:cBhvr>
                                       <p:to>
-                                        <p:strVal val="visible"/>
+                                        <p:strVal val="hidden"/>
                                       </p:to>
                                     </p:set>
-                                    <p:animEffect transition="in" filter="wipe(down)">
-                                      <p:cBhvr>
-                                        <p:cTn id="16" dur="500"/>
-                                        <p:tgtEl>
-                                          <p:spTgt spid="27"/>
-                                        </p:tgtEl>
-                                      </p:cBhvr>
-                                    </p:animEffect>
                                   </p:childTnLst>
                                 </p:cTn>
                               </p:par>
@@ -6206,16 +6206,59 @@
                             </p:stCondLst>
                             <p:childTnLst>
                               <p:par>
-                                <p:cTn id="19" presetID="22" presetClass="entr" presetSubtype="4" fill="hold" grpId="0" nodeType="clickEffect">
+                                <p:cTn id="19" presetID="22" presetClass="exit" presetSubtype="4" fill="hold" nodeType="clickEffect">
                                   <p:stCondLst>
                                     <p:cond delay="0"/>
                                   </p:stCondLst>
                                   <p:childTnLst>
+                                    <p:animEffect transition="out" filter="wipe(down)">
+                                      <p:cBhvr>
+                                        <p:cTn id="20" dur="500"/>
+                                        <p:tgtEl>
+                                          <p:spTgt spid="23"/>
+                                        </p:tgtEl>
+                                      </p:cBhvr>
+                                    </p:animEffect>
                                     <p:set>
                                       <p:cBhvr>
-                                        <p:cTn id="20" dur="1" fill="hold">
+                                        <p:cTn id="21" dur="1" fill="hold">
                                           <p:stCondLst>
-                                            <p:cond delay="0"/>
+                                            <p:cond delay="499"/>
+                                          </p:stCondLst>
+                                        </p:cTn>
+                                        <p:tgtEl>
+                                          <p:spTgt spid="23"/>
+                                        </p:tgtEl>
+                                        <p:attrNameLst>
+                                          <p:attrName>style.visibility</p:attrName>
+                                        </p:attrNameLst>
+                                      </p:cBhvr>
+                                      <p:to>
+                                        <p:strVal val="hidden"/>
+                                      </p:to>
+                                    </p:set>
+                                  </p:childTnLst>
+                                </p:cTn>
+                              </p:par>
+                              <p:par>
+                                <p:cTn id="22" presetID="22" presetClass="exit" presetSubtype="4" fill="hold" grpId="0" nodeType="withEffect">
+                                  <p:stCondLst>
+                                    <p:cond delay="0"/>
+                                  </p:stCondLst>
+                                  <p:childTnLst>
+                                    <p:animEffect transition="out" filter="wipe(down)">
+                                      <p:cBhvr>
+                                        <p:cTn id="23" dur="500"/>
+                                        <p:tgtEl>
+                                          <p:spTgt spid="24"/>
+                                        </p:tgtEl>
+                                      </p:cBhvr>
+                                    </p:animEffect>
+                                    <p:set>
+                                      <p:cBhvr>
+                                        <p:cTn id="24" dur="1" fill="hold">
+                                          <p:stCondLst>
+                                            <p:cond delay="499"/>
                                           </p:stCondLst>
                                         </p:cTn>
                                         <p:tgtEl>
@@ -6226,31 +6269,31 @@
                                         </p:attrNameLst>
                                       </p:cBhvr>
                                       <p:to>
-                                        <p:strVal val="visible"/>
+                                        <p:strVal val="hidden"/>
                                       </p:to>
                                     </p:set>
-                                    <p:animEffect transition="in" filter="wipe(down)">
-                                      <p:cBhvr>
-                                        <p:cTn id="21" dur="500"/>
-                                        <p:tgtEl>
-                                          <p:spTgt spid="24"/>
-                                        </p:tgtEl>
-                                      </p:cBhvr>
-                                    </p:animEffect>
                                   </p:childTnLst>
                                 </p:cTn>
                               </p:par>
                               <p:par>
-                                <p:cTn id="22" presetID="22" presetClass="entr" presetSubtype="4" fill="hold" grpId="0" nodeType="withEffect">
+                                <p:cTn id="25" presetID="22" presetClass="exit" presetSubtype="4" fill="hold" grpId="0" nodeType="withEffect">
                                   <p:stCondLst>
                                     <p:cond delay="0"/>
                                   </p:stCondLst>
                                   <p:childTnLst>
+                                    <p:animEffect transition="out" filter="wipe(down)">
+                                      <p:cBhvr>
+                                        <p:cTn id="26" dur="500"/>
+                                        <p:tgtEl>
+                                          <p:spTgt spid="28"/>
+                                        </p:tgtEl>
+                                      </p:cBhvr>
+                                    </p:animEffect>
                                     <p:set>
                                       <p:cBhvr>
-                                        <p:cTn id="23" dur="1" fill="hold">
+                                        <p:cTn id="27" dur="1" fill="hold">
                                           <p:stCondLst>
-                                            <p:cond delay="0"/>
+                                            <p:cond delay="499"/>
                                           </p:stCondLst>
                                         </p:cTn>
                                         <p:tgtEl>
@@ -6261,17 +6304,9 @@
                                         </p:attrNameLst>
                                       </p:cBhvr>
                                       <p:to>
-                                        <p:strVal val="visible"/>
+                                        <p:strVal val="hidden"/>
                                       </p:to>
                                     </p:set>
-                                    <p:animEffect transition="in" filter="wipe(down)">
-                                      <p:cBhvr>
-                                        <p:cTn id="24" dur="500"/>
-                                        <p:tgtEl>
-                                          <p:spTgt spid="28"/>
-                                        </p:tgtEl>
-                                      </p:cBhvr>
-                                    </p:animEffect>
                                   </p:childTnLst>
                                 </p:cTn>
                               </p:par>
@@ -6340,6 +6375,63 @@
       </p:grpSpPr>
       <p:sp>
         <p:nvSpPr>
+          <p:cNvPr id="4" name="L 形 3">
+            <a:extLst>
+              <a:ext uri="{FF2B5EF4-FFF2-40B4-BE49-F238E27FC236}">
+                <a16:creationId xmlns:a16="http://schemas.microsoft.com/office/drawing/2014/main" id="{B5039FA2-6885-42F8-92A6-9AC370EB6545}"/>
+              </a:ext>
+            </a:extLst>
+          </p:cNvPr>
+          <p:cNvSpPr/>
+          <p:nvPr/>
+        </p:nvSpPr>
+        <p:spPr>
+          <a:xfrm rot="16200000">
+            <a:off x="4367814" y="-976543"/>
+            <a:ext cx="5406500" cy="8655728"/>
+          </a:xfrm>
+          <a:prstGeom prst="corner">
+            <a:avLst>
+              <a:gd name="adj1" fmla="val 33580"/>
+              <a:gd name="adj2" fmla="val 36720"/>
+            </a:avLst>
+          </a:prstGeom>
+          <a:solidFill>
+            <a:schemeClr val="bg2">
+              <a:lumMod val="50000"/>
+            </a:schemeClr>
+          </a:solidFill>
+          <a:effectLst>
+            <a:softEdge rad="63500"/>
+          </a:effectLst>
+        </p:spPr>
+        <p:style>
+          <a:lnRef idx="2">
+            <a:schemeClr val="accent1">
+              <a:shade val="50000"/>
+            </a:schemeClr>
+          </a:lnRef>
+          <a:fillRef idx="1">
+            <a:schemeClr val="accent1"/>
+          </a:fillRef>
+          <a:effectRef idx="0">
+            <a:schemeClr val="accent1"/>
+          </a:effectRef>
+          <a:fontRef idx="minor">
+            <a:schemeClr val="lt1"/>
+          </a:fontRef>
+        </p:style>
+        <p:txBody>
+          <a:bodyPr rtlCol="0" anchor="ctr"/>
+          <a:lstStyle/>
+          <a:p>
+            <a:pPr algn="ctr"/>
+            <a:endParaRPr lang="en-US" dirty="0"/>
+          </a:p>
+        </p:txBody>
+      </p:sp>
+      <p:sp>
+        <p:nvSpPr>
           <p:cNvPr id="10" name="矩形 9">
             <a:extLst>
               <a:ext uri="{FF2B5EF4-FFF2-40B4-BE49-F238E27FC236}">
@@ -7382,6 +7474,45 @@
               <a:effectLst/>
               <a:latin typeface="Menlo" panose="020B0609030804020204" pitchFamily="49" charset="0"/>
             </a:endParaRPr>
+          </a:p>
+        </p:txBody>
+      </p:sp>
+      <p:sp>
+        <p:nvSpPr>
+          <p:cNvPr id="5" name="文本框 4">
+            <a:extLst>
+              <a:ext uri="{FF2B5EF4-FFF2-40B4-BE49-F238E27FC236}">
+                <a16:creationId xmlns:a16="http://schemas.microsoft.com/office/drawing/2014/main" id="{AE9B5318-AAE8-45C9-9722-C31C269A8458}"/>
+              </a:ext>
+            </a:extLst>
+          </p:cNvPr>
+          <p:cNvSpPr txBox="1"/>
+          <p:nvPr/>
+        </p:nvSpPr>
+        <p:spPr>
+          <a:xfrm>
+            <a:off x="10216790" y="5517464"/>
+            <a:ext cx="995785" cy="461665"/>
+          </a:xfrm>
+          <a:prstGeom prst="rect">
+            <a:avLst/>
+          </a:prstGeom>
+          <a:noFill/>
+        </p:spPr>
+        <p:txBody>
+          <a:bodyPr wrap="none" rtlCol="0">
+            <a:spAutoFit/>
+          </a:bodyPr>
+          <a:lstStyle/>
+          <a:p>
+            <a:r>
+              <a:rPr lang="en-US" sz="2400" dirty="0">
+                <a:solidFill>
+                  <a:srgbClr val="24F9CB"/>
+                </a:solidFill>
+              </a:rPr>
+              <a:t>Model</a:t>
+            </a:r>
           </a:p>
         </p:txBody>
       </p:sp>
@@ -7614,6 +7745,94 @@
                       </p:childTnLst>
                     </p:cTn>
                   </p:par>
+                  <p:par>
+                    <p:cTn id="22" fill="hold">
+                      <p:stCondLst>
+                        <p:cond delay="indefinite"/>
+                      </p:stCondLst>
+                      <p:childTnLst>
+                        <p:par>
+                          <p:cTn id="23" fill="hold">
+                            <p:stCondLst>
+                              <p:cond delay="0"/>
+                            </p:stCondLst>
+                            <p:childTnLst>
+                              <p:par>
+                                <p:cTn id="24" presetID="10" presetClass="entr" presetSubtype="0" fill="hold" grpId="0" nodeType="clickEffect">
+                                  <p:stCondLst>
+                                    <p:cond delay="0"/>
+                                  </p:stCondLst>
+                                  <p:childTnLst>
+                                    <p:set>
+                                      <p:cBhvr>
+                                        <p:cTn id="25" dur="1" fill="hold">
+                                          <p:stCondLst>
+                                            <p:cond delay="0"/>
+                                          </p:stCondLst>
+                                        </p:cTn>
+                                        <p:tgtEl>
+                                          <p:spTgt spid="4"/>
+                                        </p:tgtEl>
+                                        <p:attrNameLst>
+                                          <p:attrName>style.visibility</p:attrName>
+                                        </p:attrNameLst>
+                                      </p:cBhvr>
+                                      <p:to>
+                                        <p:strVal val="visible"/>
+                                      </p:to>
+                                    </p:set>
+                                    <p:animEffect transition="in" filter="fade">
+                                      <p:cBhvr>
+                                        <p:cTn id="26" dur="500"/>
+                                        <p:tgtEl>
+                                          <p:spTgt spid="4"/>
+                                        </p:tgtEl>
+                                      </p:cBhvr>
+                                    </p:animEffect>
+                                  </p:childTnLst>
+                                </p:cTn>
+                              </p:par>
+                              <p:par>
+                                <p:cTn id="27" presetID="10" presetClass="entr" presetSubtype="0" fill="hold" grpId="0" nodeType="withEffect">
+                                  <p:stCondLst>
+                                    <p:cond delay="0"/>
+                                  </p:stCondLst>
+                                  <p:childTnLst>
+                                    <p:set>
+                                      <p:cBhvr>
+                                        <p:cTn id="28" dur="1" fill="hold">
+                                          <p:stCondLst>
+                                            <p:cond delay="0"/>
+                                          </p:stCondLst>
+                                        </p:cTn>
+                                        <p:tgtEl>
+                                          <p:spTgt spid="5"/>
+                                        </p:tgtEl>
+                                        <p:attrNameLst>
+                                          <p:attrName>style.visibility</p:attrName>
+                                        </p:attrNameLst>
+                                      </p:cBhvr>
+                                      <p:to>
+                                        <p:strVal val="visible"/>
+                                      </p:to>
+                                    </p:set>
+                                    <p:animEffect transition="in" filter="fade">
+                                      <p:cBhvr>
+                                        <p:cTn id="29" dur="500"/>
+                                        <p:tgtEl>
+                                          <p:spTgt spid="5"/>
+                                        </p:tgtEl>
+                                      </p:cBhvr>
+                                    </p:animEffect>
+                                  </p:childTnLst>
+                                </p:cTn>
+                              </p:par>
+                            </p:childTnLst>
+                          </p:cTn>
+                        </p:par>
+                      </p:childTnLst>
+                    </p:cTn>
+                  </p:par>
                 </p:childTnLst>
               </p:cTn>
               <p:prevCondLst>
@@ -7636,9 +7855,11 @@
       </p:par>
     </p:tnLst>
     <p:bldLst>
+      <p:bldP spid="4" grpId="0" animBg="1"/>
       <p:bldP spid="41" grpId="0"/>
       <p:bldP spid="43" grpId="0"/>
       <p:bldP spid="44" grpId="0"/>
+      <p:bldP spid="5" grpId="0"/>
     </p:bldLst>
   </p:timing>
 </p:sld>
